--- a/React.pptx
+++ b/React.pptx
@@ -324,7 +324,7 @@
           <a:p>
             <a:fld id="{F11DBC1A-B3EC-448B-B617-B612703AFFD5}" type="datetimeFigureOut">
               <a:rPr lang="de-CH" smtClean="0"/>
-              <a:t>19.11.2018</a:t>
+              <a:t>23.11.2018</a:t>
             </a:fld>
             <a:endParaRPr lang="de-CH"/>
           </a:p>
@@ -489,7 +489,7 @@
           <a:p>
             <a:fld id="{05408900-6234-440B-A027-38F10FF7E2F1}" type="datetimeFigureOut">
               <a:rPr lang="de-DE" smtClean="0"/>
-              <a:t>19.11.2018</a:t>
+              <a:t>23.11.2018</a:t>
             </a:fld>
             <a:endParaRPr lang="de-DE"/>
           </a:p>
@@ -3429,7 +3429,233 @@
           <a:bodyPr/>
           <a:lstStyle/>
           <a:p>
-            <a:endParaRPr lang="de-CH"/>
+            <a:r>
+              <a:rPr lang="en-US" dirty="0" smtClean="0"/>
+              <a:t>React Developer Tools</a:t>
+            </a:r>
+          </a:p>
+          <a:p>
+            <a:pPr marL="285750" indent="-285750">
+              <a:buFont typeface="Arial" panose="020B0604020202020204" pitchFamily="34" charset="0"/>
+              <a:buChar char="•"/>
+            </a:pPr>
+            <a:r>
+              <a:rPr lang="en-US" dirty="0" smtClean="0"/>
+              <a:t>Settings -&gt; Highlight</a:t>
+            </a:r>
+            <a:r>
+              <a:rPr lang="en-US" baseline="0" dirty="0" smtClean="0"/>
+              <a:t> Updates</a:t>
+            </a:r>
+            <a:br>
+              <a:rPr lang="en-US" baseline="0" dirty="0" smtClean="0"/>
+            </a:br>
+            <a:r>
+              <a:rPr lang="en-US" baseline="0" dirty="0" smtClean="0"/>
+              <a:t>Timer </a:t>
+            </a:r>
+            <a:r>
+              <a:rPr lang="en-US" baseline="0" dirty="0" err="1" smtClean="0"/>
+              <a:t>wird</a:t>
+            </a:r>
+            <a:r>
+              <a:rPr lang="en-US" baseline="0" dirty="0" smtClean="0"/>
+              <a:t> </a:t>
+            </a:r>
+            <a:r>
+              <a:rPr lang="en-US" baseline="0" dirty="0" err="1" smtClean="0"/>
+              <a:t>markiert</a:t>
+            </a:r>
+            <a:endParaRPr lang="en-US" baseline="0" dirty="0" smtClean="0"/>
+          </a:p>
+          <a:p>
+            <a:pPr marL="285750" indent="-285750">
+              <a:buFont typeface="Arial" panose="020B0604020202020204" pitchFamily="34" charset="0"/>
+              <a:buChar char="•"/>
+            </a:pPr>
+            <a:r>
+              <a:rPr lang="en-US" baseline="0" dirty="0" smtClean="0"/>
+              <a:t>State, Props </a:t>
+            </a:r>
+            <a:r>
+              <a:rPr lang="en-US" baseline="0" dirty="0" err="1" smtClean="0"/>
+              <a:t>sind</a:t>
+            </a:r>
+            <a:r>
+              <a:rPr lang="en-US" baseline="0" dirty="0" smtClean="0"/>
+              <a:t> </a:t>
+            </a:r>
+            <a:r>
+              <a:rPr lang="en-US" baseline="0" dirty="0" err="1" smtClean="0"/>
+              <a:t>sichtbar</a:t>
+            </a:r>
+            <a:r>
+              <a:rPr lang="en-US" baseline="0" dirty="0" smtClean="0"/>
+              <a:t> und </a:t>
+            </a:r>
+            <a:r>
+              <a:rPr lang="en-US" baseline="0" dirty="0" err="1" smtClean="0"/>
+              <a:t>können</a:t>
+            </a:r>
+            <a:r>
+              <a:rPr lang="en-US" baseline="0" dirty="0" smtClean="0"/>
+              <a:t> </a:t>
+            </a:r>
+            <a:r>
+              <a:rPr lang="en-US" baseline="0" dirty="0" err="1" smtClean="0"/>
+              <a:t>bearbeitet</a:t>
+            </a:r>
+            <a:r>
+              <a:rPr lang="en-US" baseline="0" dirty="0" smtClean="0"/>
+              <a:t> warden (</a:t>
+            </a:r>
+            <a:r>
+              <a:rPr lang="en-US" baseline="0" dirty="0" err="1" smtClean="0"/>
+              <a:t>z.B</a:t>
+            </a:r>
+            <a:r>
+              <a:rPr lang="en-US" baseline="0" dirty="0" smtClean="0"/>
+              <a:t>. </a:t>
+            </a:r>
+            <a:r>
+              <a:rPr lang="en-US" baseline="0" dirty="0" err="1" smtClean="0"/>
+              <a:t>isLoggedIn</a:t>
+            </a:r>
+            <a:r>
+              <a:rPr lang="en-US" baseline="0" dirty="0" smtClean="0"/>
+              <a:t>)</a:t>
+            </a:r>
+          </a:p>
+          <a:p>
+            <a:pPr marL="285750" indent="-285750">
+              <a:buFont typeface="Arial" panose="020B0604020202020204" pitchFamily="34" charset="0"/>
+              <a:buChar char="•"/>
+            </a:pPr>
+            <a:r>
+              <a:rPr lang="en-US" baseline="0" dirty="0" smtClean="0"/>
+              <a:t>Settings -&gt; Highlight Searches</a:t>
+            </a:r>
+            <a:br>
+              <a:rPr lang="en-US" baseline="0" dirty="0" smtClean="0"/>
+            </a:br>
+            <a:r>
+              <a:rPr lang="en-US" baseline="0" dirty="0" err="1" smtClean="0"/>
+              <a:t>Suche</a:t>
+            </a:r>
+            <a:r>
+              <a:rPr lang="en-US" baseline="0" dirty="0" smtClean="0"/>
+              <a:t> </a:t>
+            </a:r>
+            <a:r>
+              <a:rPr lang="en-US" baseline="0" dirty="0" err="1" smtClean="0"/>
+              <a:t>nach</a:t>
+            </a:r>
+            <a:r>
+              <a:rPr lang="en-US" baseline="0" dirty="0" smtClean="0"/>
+              <a:t> </a:t>
+            </a:r>
+            <a:r>
+              <a:rPr lang="en-US" baseline="0" dirty="0" err="1" smtClean="0"/>
+              <a:t>Komponenten</a:t>
+            </a:r>
+            <a:endParaRPr lang="en-US" baseline="0" dirty="0" smtClean="0"/>
+          </a:p>
+          <a:p>
+            <a:pPr marL="285750" indent="-285750">
+              <a:buFont typeface="Arial" panose="020B0604020202020204" pitchFamily="34" charset="0"/>
+              <a:buChar char="•"/>
+            </a:pPr>
+            <a:r>
+              <a:rPr lang="en-US" baseline="0" dirty="0" smtClean="0"/>
+              <a:t>Profiler </a:t>
+            </a:r>
+            <a:r>
+              <a:rPr lang="en-US" baseline="0" dirty="0" err="1" smtClean="0"/>
+              <a:t>Aufnahme</a:t>
+            </a:r>
+            <a:r>
+              <a:rPr lang="en-US" baseline="0" dirty="0" smtClean="0"/>
+              <a:t> Machen</a:t>
+            </a:r>
+            <a:br>
+              <a:rPr lang="en-US" baseline="0" dirty="0" smtClean="0"/>
+            </a:br>
+            <a:r>
+              <a:rPr lang="en-US" baseline="0" dirty="0" smtClean="0"/>
+              <a:t>Login -&gt; </a:t>
+            </a:r>
+            <a:r>
+              <a:rPr lang="en-US" baseline="0" dirty="0" err="1" smtClean="0"/>
+              <a:t>Warten</a:t>
+            </a:r>
+            <a:r>
+              <a:rPr lang="en-US" baseline="0" dirty="0" smtClean="0"/>
+              <a:t> 3 </a:t>
+            </a:r>
+            <a:r>
+              <a:rPr lang="en-US" baseline="0" dirty="0" err="1" smtClean="0"/>
+              <a:t>Sekunden</a:t>
+            </a:r>
+            <a:r>
+              <a:rPr lang="en-US" baseline="0" dirty="0" smtClean="0"/>
+              <a:t> -&gt; </a:t>
+            </a:r>
+            <a:r>
+              <a:rPr lang="en-US" baseline="0" dirty="0" err="1" smtClean="0"/>
+              <a:t>Suche</a:t>
+            </a:r>
+            <a:r>
+              <a:rPr lang="en-US" baseline="0" dirty="0" smtClean="0"/>
+              <a:t> -&gt; </a:t>
+            </a:r>
+            <a:r>
+              <a:rPr lang="en-US" baseline="0" dirty="0" err="1" smtClean="0"/>
+              <a:t>Warten</a:t>
+            </a:r>
+            <a:r>
+              <a:rPr lang="en-US" baseline="0" dirty="0" smtClean="0"/>
+              <a:t> 3 </a:t>
+            </a:r>
+            <a:r>
+              <a:rPr lang="en-US" baseline="0" dirty="0" err="1" smtClean="0"/>
+              <a:t>Sekunden</a:t>
+            </a:r>
+            <a:endParaRPr lang="en-US" baseline="0" dirty="0" smtClean="0"/>
+          </a:p>
+          <a:p>
+            <a:pPr marL="285750" indent="-285750">
+              <a:buFont typeface="Arial" panose="020B0604020202020204" pitchFamily="34" charset="0"/>
+              <a:buChar char="•"/>
+            </a:pPr>
+            <a:endParaRPr lang="en-US" baseline="0" dirty="0" smtClean="0"/>
+          </a:p>
+          <a:p>
+            <a:pPr marL="0" indent="0">
+              <a:buFont typeface="Arial" panose="020B0604020202020204" pitchFamily="34" charset="0"/>
+              <a:buNone/>
+            </a:pPr>
+            <a:r>
+              <a:rPr lang="en-US" baseline="0" dirty="0" smtClean="0"/>
+              <a:t>React-Sight</a:t>
+            </a:r>
+          </a:p>
+          <a:p>
+            <a:pPr marL="285750" indent="-285750">
+              <a:buFont typeface="Arial" panose="020B0604020202020204" pitchFamily="34" charset="0"/>
+              <a:buChar char="•"/>
+            </a:pPr>
+            <a:r>
+              <a:rPr lang="en-US" dirty="0" smtClean="0"/>
+              <a:t>Hide DOM</a:t>
+            </a:r>
+            <a:br>
+              <a:rPr lang="en-US" dirty="0" smtClean="0"/>
+            </a:br>
+            <a:r>
+              <a:rPr lang="en-US" dirty="0" smtClean="0"/>
+              <a:t>Login / Logout</a:t>
+            </a:r>
+            <a:endParaRPr lang="de-CH" dirty="0"/>
           </a:p>
         </p:txBody>
       </p:sp>
@@ -5894,7 +6120,7 @@
           <a:p>
             <a:fld id="{3B23B96D-9616-4176-AEF6-AF1317711023}" type="datetime1">
               <a:rPr lang="de-DE" smtClean="0"/>
-              <a:t>19.11.2018</a:t>
+              <a:t>23.11.2018</a:t>
             </a:fld>
             <a:endParaRPr lang="de-DE"/>
           </a:p>
@@ -6072,7 +6298,7 @@
           <a:p>
             <a:fld id="{0D71886E-8C9D-4E97-9EB5-D99BA89A8533}" type="datetime1">
               <a:rPr lang="de-DE" smtClean="0"/>
-              <a:t>19.11.2018</a:t>
+              <a:t>23.11.2018</a:t>
             </a:fld>
             <a:endParaRPr lang="de-DE"/>
           </a:p>
@@ -6213,7 +6439,7 @@
           <a:p>
             <a:fld id="{8DBF69B3-62E3-4AF4-971E-1AB7F9FB69DD}" type="datetime1">
               <a:rPr lang="de-DE" smtClean="0"/>
-              <a:t>19.11.2018</a:t>
+              <a:t>23.11.2018</a:t>
             </a:fld>
             <a:endParaRPr lang="de-DE"/>
           </a:p>
@@ -6497,7 +6723,7 @@
           <a:p>
             <a:fld id="{F898127A-2E85-486B-8AA5-E90E3CCEC0E9}" type="datetime1">
               <a:rPr lang="de-DE" smtClean="0"/>
-              <a:t>19.11.2018</a:t>
+              <a:t>23.11.2018</a:t>
             </a:fld>
             <a:endParaRPr lang="de-DE"/>
           </a:p>
@@ -7135,7 +7361,7 @@
           <a:p>
             <a:fld id="{A4FEDFCE-8709-4D76-8036-EE5278C2237F}" type="datetime1">
               <a:rPr lang="de-DE" smtClean="0"/>
-              <a:t>19.11.2018</a:t>
+              <a:t>23.11.2018</a:t>
             </a:fld>
             <a:endParaRPr lang="de-DE"/>
           </a:p>
@@ -7269,7 +7495,7 @@
           <a:p>
             <a:fld id="{48352B5A-167D-4ED6-B7C9-BDA647A8BA51}" type="datetime1">
               <a:rPr lang="de-DE" smtClean="0"/>
-              <a:t>19.11.2018</a:t>
+              <a:t>23.11.2018</a:t>
             </a:fld>
             <a:endParaRPr lang="de-DE"/>
           </a:p>
@@ -7459,7 +7685,7 @@
           <a:p>
             <a:fld id="{F782B8C6-A2A3-4B66-A839-DF7B16517350}" type="datetime1">
               <a:rPr lang="de-DE" smtClean="0"/>
-              <a:t>19.11.2018</a:t>
+              <a:t>23.11.2018</a:t>
             </a:fld>
             <a:endParaRPr lang="de-DE"/>
           </a:p>
@@ -7850,7 +8076,7 @@
           <a:p>
             <a:fld id="{649D13A7-6296-4A54-8C64-66A02EB71342}" type="datetime1">
               <a:rPr lang="de-DE" smtClean="0"/>
-              <a:t>19.11.2018</a:t>
+              <a:t>23.11.2018</a:t>
             </a:fld>
             <a:endParaRPr lang="de-DE"/>
           </a:p>
@@ -8389,7 +8615,7 @@
           <a:p>
             <a:fld id="{ED7E8129-6AB0-4316-89DD-05AD9ABD1F9D}" type="datetime1">
               <a:rPr lang="de-DE" smtClean="0"/>
-              <a:t>19.11.2018</a:t>
+              <a:t>23.11.2018</a:t>
             </a:fld>
             <a:endParaRPr lang="de-DE"/>
           </a:p>
@@ -8506,7 +8732,7 @@
           <a:p>
             <a:fld id="{4FD0AE75-8AA0-449D-989F-B1E818A5B67A}" type="datetime1">
               <a:rPr lang="de-DE" smtClean="0"/>
-              <a:t>19.11.2018</a:t>
+              <a:t>23.11.2018</a:t>
             </a:fld>
             <a:endParaRPr lang="de-DE"/>
           </a:p>
@@ -8601,7 +8827,7 @@
           <a:p>
             <a:fld id="{455D07A7-0ED1-4138-9FBD-0F4825E4365D}" type="datetime1">
               <a:rPr lang="de-DE" smtClean="0"/>
-              <a:t>19.11.2018</a:t>
+              <a:t>23.11.2018</a:t>
             </a:fld>
             <a:endParaRPr lang="de-DE"/>
           </a:p>
@@ -8696,7 +8922,7 @@
           <a:p>
             <a:fld id="{6A743ADA-15EC-46F2-B124-7B3EABB341FC}" type="datetime1">
               <a:rPr lang="de-DE" smtClean="0"/>
-              <a:t>19.11.2018</a:t>
+              <a:t>23.11.2018</a:t>
             </a:fld>
             <a:endParaRPr lang="de-DE"/>
           </a:p>
@@ -9115,7 +9341,7 @@
           <a:p>
             <a:fld id="{34F16289-DF57-4F0A-9158-80987495B444}" type="datetime1">
               <a:rPr lang="de-DE" smtClean="0"/>
-              <a:t>19.11.2018</a:t>
+              <a:t>23.11.2018</a:t>
             </a:fld>
             <a:endParaRPr lang="de-DE"/>
           </a:p>
@@ -9351,7 +9577,7 @@
           <a:p>
             <a:fld id="{30694A65-3AA1-42B9-B750-09273D0D99B8}" type="datetime1">
               <a:rPr lang="de-DE" smtClean="0"/>
-              <a:t>19.11.2018</a:t>
+              <a:t>23.11.2018</a:t>
             </a:fld>
             <a:endParaRPr lang="de-DE"/>
           </a:p>
@@ -10020,7 +10246,7 @@
           <p:cNvPr id="1026" name="Picture 2" descr="Bildergebnis fÃ¼r react">
             <a:extLst>
               <a:ext uri="{FF2B5EF4-FFF2-40B4-BE49-F238E27FC236}">
-                <a16:creationId xmlns="" xmlns:a16="http://schemas.microsoft.com/office/drawing/2014/main" id="{829FFD09-EFA1-4ACA-886F-A45FA7CD87D4}"/>
+                <a16:creationId xmlns:a16="http://schemas.microsoft.com/office/drawing/2014/main" xmlns="" id="{829FFD09-EFA1-4ACA-886F-A45FA7CD87D4}"/>
               </a:ext>
             </a:extLst>
           </p:cNvPr>
@@ -10067,7 +10293,7 @@
           <p:cNvPr id="1030" name="Picture 6" descr="Bildergebnis fÃ¼r react materialize">
             <a:extLst>
               <a:ext uri="{FF2B5EF4-FFF2-40B4-BE49-F238E27FC236}">
-                <a16:creationId xmlns="" xmlns:a16="http://schemas.microsoft.com/office/drawing/2014/main" id="{8C0A3339-03B8-4017-9609-4DC76A731DE0}"/>
+                <a16:creationId xmlns:a16="http://schemas.microsoft.com/office/drawing/2014/main" xmlns="" id="{8C0A3339-03B8-4017-9609-4DC76A731DE0}"/>
               </a:ext>
             </a:extLst>
           </p:cNvPr>
@@ -10114,7 +10340,7 @@
           <p:cNvPr id="1032" name="Picture 8" descr="Bildergebnis fÃ¼r materialize">
             <a:extLst>
               <a:ext uri="{FF2B5EF4-FFF2-40B4-BE49-F238E27FC236}">
-                <a16:creationId xmlns="" xmlns:a16="http://schemas.microsoft.com/office/drawing/2014/main" id="{6B3A1825-2670-4778-8FC5-43386939DBE3}"/>
+                <a16:creationId xmlns:a16="http://schemas.microsoft.com/office/drawing/2014/main" xmlns="" id="{6B3A1825-2670-4778-8FC5-43386939DBE3}"/>
               </a:ext>
             </a:extLst>
           </p:cNvPr>
@@ -10161,7 +10387,7 @@
           <p:cNvPr id="1034" name="Picture 10" descr="Bildergebnis fÃ¼r rxjs">
             <a:extLst>
               <a:ext uri="{FF2B5EF4-FFF2-40B4-BE49-F238E27FC236}">
-                <a16:creationId xmlns="" xmlns:a16="http://schemas.microsoft.com/office/drawing/2014/main" id="{FF2589F7-8232-43CB-9B06-B819D249AC90}"/>
+                <a16:creationId xmlns:a16="http://schemas.microsoft.com/office/drawing/2014/main" xmlns="" id="{FF2589F7-8232-43CB-9B06-B819D249AC90}"/>
               </a:ext>
             </a:extLst>
           </p:cNvPr>
@@ -10238,7 +10464,7 @@
           <p:cNvPr id="2" name="Titel 1">
             <a:extLst>
               <a:ext uri="{FF2B5EF4-FFF2-40B4-BE49-F238E27FC236}">
-                <a16:creationId xmlns="" xmlns:a16="http://schemas.microsoft.com/office/drawing/2014/main" id="{BA34701A-BEAC-49CD-BE66-3678A5922648}"/>
+                <a16:creationId xmlns:a16="http://schemas.microsoft.com/office/drawing/2014/main" xmlns="" id="{BA34701A-BEAC-49CD-BE66-3678A5922648}"/>
               </a:ext>
             </a:extLst>
           </p:cNvPr>
@@ -10266,7 +10492,7 @@
           <p:cNvPr id="3" name="Datumsplatzhalter 2">
             <a:extLst>
               <a:ext uri="{FF2B5EF4-FFF2-40B4-BE49-F238E27FC236}">
-                <a16:creationId xmlns="" xmlns:a16="http://schemas.microsoft.com/office/drawing/2014/main" id="{A98B22DE-91CA-4FD7-9560-30BC27F3C26D}"/>
+                <a16:creationId xmlns:a16="http://schemas.microsoft.com/office/drawing/2014/main" xmlns="" id="{A98B22DE-91CA-4FD7-9560-30BC27F3C26D}"/>
               </a:ext>
             </a:extLst>
           </p:cNvPr>
@@ -10284,7 +10510,7 @@
           <a:p>
             <a:fld id="{48352B5A-167D-4ED6-B7C9-BDA647A8BA51}" type="datetime1">
               <a:rPr lang="de-DE" smtClean="0"/>
-              <a:t>19.11.2018</a:t>
+              <a:t>23.11.2018</a:t>
             </a:fld>
             <a:endParaRPr lang="de-DE"/>
           </a:p>
@@ -10295,7 +10521,7 @@
           <p:cNvPr id="4" name="Fußzeilenplatzhalter 3">
             <a:extLst>
               <a:ext uri="{FF2B5EF4-FFF2-40B4-BE49-F238E27FC236}">
-                <a16:creationId xmlns="" xmlns:a16="http://schemas.microsoft.com/office/drawing/2014/main" id="{391BBEE9-CD7F-4B7C-B0BA-020F00E6EF6F}"/>
+                <a16:creationId xmlns:a16="http://schemas.microsoft.com/office/drawing/2014/main" xmlns="" id="{391BBEE9-CD7F-4B7C-B0BA-020F00E6EF6F}"/>
               </a:ext>
             </a:extLst>
           </p:cNvPr>
@@ -10324,7 +10550,7 @@
           <p:cNvPr id="5" name="Foliennummernplatzhalter 4">
             <a:extLst>
               <a:ext uri="{FF2B5EF4-FFF2-40B4-BE49-F238E27FC236}">
-                <a16:creationId xmlns="" xmlns:a16="http://schemas.microsoft.com/office/drawing/2014/main" id="{B876E68C-B4E2-47B9-9FBD-9F8AFF68225E}"/>
+                <a16:creationId xmlns:a16="http://schemas.microsoft.com/office/drawing/2014/main" xmlns="" id="{B876E68C-B4E2-47B9-9FBD-9F8AFF68225E}"/>
               </a:ext>
             </a:extLst>
           </p:cNvPr>
@@ -10353,7 +10579,7 @@
           <p:cNvPr id="6" name="Inhaltsplatzhalter 5">
             <a:extLst>
               <a:ext uri="{FF2B5EF4-FFF2-40B4-BE49-F238E27FC236}">
-                <a16:creationId xmlns="" xmlns:a16="http://schemas.microsoft.com/office/drawing/2014/main" id="{AEBB1BB3-98D3-4463-AEE3-F6E5690771E9}"/>
+                <a16:creationId xmlns:a16="http://schemas.microsoft.com/office/drawing/2014/main" xmlns="" id="{AEBB1BB3-98D3-4463-AEE3-F6E5690771E9}"/>
               </a:ext>
             </a:extLst>
           </p:cNvPr>
@@ -10477,7 +10703,7 @@
           <p:cNvPr id="2" name="Titel 1">
             <a:extLst>
               <a:ext uri="{FF2B5EF4-FFF2-40B4-BE49-F238E27FC236}">
-                <a16:creationId xmlns="" xmlns:a16="http://schemas.microsoft.com/office/drawing/2014/main" id="{738C37EF-4C5F-4AA5-99A0-0F366D81A037}"/>
+                <a16:creationId xmlns:a16="http://schemas.microsoft.com/office/drawing/2014/main" xmlns="" id="{738C37EF-4C5F-4AA5-99A0-0F366D81A037}"/>
               </a:ext>
             </a:extLst>
           </p:cNvPr>
@@ -10505,7 +10731,7 @@
           <p:cNvPr id="3" name="Datumsplatzhalter 2">
             <a:extLst>
               <a:ext uri="{FF2B5EF4-FFF2-40B4-BE49-F238E27FC236}">
-                <a16:creationId xmlns="" xmlns:a16="http://schemas.microsoft.com/office/drawing/2014/main" id="{E1C0CD2F-49CF-42A9-8438-801CE1CBBA71}"/>
+                <a16:creationId xmlns:a16="http://schemas.microsoft.com/office/drawing/2014/main" xmlns="" id="{E1C0CD2F-49CF-42A9-8438-801CE1CBBA71}"/>
               </a:ext>
             </a:extLst>
           </p:cNvPr>
@@ -10523,7 +10749,7 @@
           <a:p>
             <a:fld id="{48352B5A-167D-4ED6-B7C9-BDA647A8BA51}" type="datetime1">
               <a:rPr lang="de-DE" smtClean="0"/>
-              <a:t>19.11.2018</a:t>
+              <a:t>23.11.2018</a:t>
             </a:fld>
             <a:endParaRPr lang="de-DE"/>
           </a:p>
@@ -10534,7 +10760,7 @@
           <p:cNvPr id="4" name="Fußzeilenplatzhalter 3">
             <a:extLst>
               <a:ext uri="{FF2B5EF4-FFF2-40B4-BE49-F238E27FC236}">
-                <a16:creationId xmlns="" xmlns:a16="http://schemas.microsoft.com/office/drawing/2014/main" id="{7F57B273-F13C-4F69-89F8-68317B43542F}"/>
+                <a16:creationId xmlns:a16="http://schemas.microsoft.com/office/drawing/2014/main" xmlns="" id="{7F57B273-F13C-4F69-89F8-68317B43542F}"/>
               </a:ext>
             </a:extLst>
           </p:cNvPr>
@@ -10563,7 +10789,7 @@
           <p:cNvPr id="5" name="Foliennummernplatzhalter 4">
             <a:extLst>
               <a:ext uri="{FF2B5EF4-FFF2-40B4-BE49-F238E27FC236}">
-                <a16:creationId xmlns="" xmlns:a16="http://schemas.microsoft.com/office/drawing/2014/main" id="{835CFF78-1AAA-4EF5-9E9A-24C4BBBDE859}"/>
+                <a16:creationId xmlns:a16="http://schemas.microsoft.com/office/drawing/2014/main" xmlns="" id="{835CFF78-1AAA-4EF5-9E9A-24C4BBBDE859}"/>
               </a:ext>
             </a:extLst>
           </p:cNvPr>
@@ -10592,7 +10818,7 @@
           <p:cNvPr id="7" name="Inhaltsplatzhalter 6">
             <a:extLst>
               <a:ext uri="{FF2B5EF4-FFF2-40B4-BE49-F238E27FC236}">
-                <a16:creationId xmlns="" xmlns:a16="http://schemas.microsoft.com/office/drawing/2014/main" id="{43CE9483-8950-486B-B41D-7A66F10224C7}"/>
+                <a16:creationId xmlns:a16="http://schemas.microsoft.com/office/drawing/2014/main" xmlns="" id="{43CE9483-8950-486B-B41D-7A66F10224C7}"/>
               </a:ext>
             </a:extLst>
           </p:cNvPr>
@@ -10654,7 +10880,7 @@
           <p:cNvPr id="2" name="Titel 1">
             <a:extLst>
               <a:ext uri="{FF2B5EF4-FFF2-40B4-BE49-F238E27FC236}">
-                <a16:creationId xmlns="" xmlns:a16="http://schemas.microsoft.com/office/drawing/2014/main" id="{E6CF5AC9-4037-40B1-9918-570F8D4A5BC8}"/>
+                <a16:creationId xmlns:a16="http://schemas.microsoft.com/office/drawing/2014/main" xmlns="" id="{E6CF5AC9-4037-40B1-9918-570F8D4A5BC8}"/>
               </a:ext>
             </a:extLst>
           </p:cNvPr>
@@ -10686,7 +10912,7 @@
           <p:cNvPr id="3" name="Datumsplatzhalter 2">
             <a:extLst>
               <a:ext uri="{FF2B5EF4-FFF2-40B4-BE49-F238E27FC236}">
-                <a16:creationId xmlns="" xmlns:a16="http://schemas.microsoft.com/office/drawing/2014/main" id="{A705C0B8-C520-4633-A9A6-72F6195A5A9E}"/>
+                <a16:creationId xmlns:a16="http://schemas.microsoft.com/office/drawing/2014/main" xmlns="" id="{A705C0B8-C520-4633-A9A6-72F6195A5A9E}"/>
               </a:ext>
             </a:extLst>
           </p:cNvPr>
@@ -10704,7 +10930,7 @@
           <a:p>
             <a:fld id="{48352B5A-167D-4ED6-B7C9-BDA647A8BA51}" type="datetime1">
               <a:rPr lang="de-DE" smtClean="0"/>
-              <a:t>19.11.2018</a:t>
+              <a:t>23.11.2018</a:t>
             </a:fld>
             <a:endParaRPr lang="de-DE"/>
           </a:p>
@@ -10715,7 +10941,7 @@
           <p:cNvPr id="4" name="Fußzeilenplatzhalter 3">
             <a:extLst>
               <a:ext uri="{FF2B5EF4-FFF2-40B4-BE49-F238E27FC236}">
-                <a16:creationId xmlns="" xmlns:a16="http://schemas.microsoft.com/office/drawing/2014/main" id="{B466A057-EB10-46B8-97E0-99320985902F}"/>
+                <a16:creationId xmlns:a16="http://schemas.microsoft.com/office/drawing/2014/main" xmlns="" id="{B466A057-EB10-46B8-97E0-99320985902F}"/>
               </a:ext>
             </a:extLst>
           </p:cNvPr>
@@ -10744,7 +10970,7 @@
           <p:cNvPr id="5" name="Foliennummernplatzhalter 4">
             <a:extLst>
               <a:ext uri="{FF2B5EF4-FFF2-40B4-BE49-F238E27FC236}">
-                <a16:creationId xmlns="" xmlns:a16="http://schemas.microsoft.com/office/drawing/2014/main" id="{9673468D-A9D3-4D74-BE6E-8B5ECEB59B48}"/>
+                <a16:creationId xmlns:a16="http://schemas.microsoft.com/office/drawing/2014/main" xmlns="" id="{9673468D-A9D3-4D74-BE6E-8B5ECEB59B48}"/>
               </a:ext>
             </a:extLst>
           </p:cNvPr>
@@ -10773,7 +10999,7 @@
           <p:cNvPr id="6" name="Inhaltsplatzhalter 5">
             <a:extLst>
               <a:ext uri="{FF2B5EF4-FFF2-40B4-BE49-F238E27FC236}">
-                <a16:creationId xmlns="" xmlns:a16="http://schemas.microsoft.com/office/drawing/2014/main" id="{D821D71A-5EC1-4867-9139-31BF6502F1B6}"/>
+                <a16:creationId xmlns:a16="http://schemas.microsoft.com/office/drawing/2014/main" xmlns="" id="{D821D71A-5EC1-4867-9139-31BF6502F1B6}"/>
               </a:ext>
             </a:extLst>
           </p:cNvPr>
@@ -10964,7 +11190,7 @@
           <p:cNvPr id="2" name="Titel 1">
             <a:extLst>
               <a:ext uri="{FF2B5EF4-FFF2-40B4-BE49-F238E27FC236}">
-                <a16:creationId xmlns="" xmlns:a16="http://schemas.microsoft.com/office/drawing/2014/main" id="{2D7D460E-0B2B-44FD-B746-194A16BD830D}"/>
+                <a16:creationId xmlns:a16="http://schemas.microsoft.com/office/drawing/2014/main" xmlns="" id="{2D7D460E-0B2B-44FD-B746-194A16BD830D}"/>
               </a:ext>
             </a:extLst>
           </p:cNvPr>
@@ -10993,7 +11219,7 @@
           <p:cNvPr id="3" name="Datumsplatzhalter 2">
             <a:extLst>
               <a:ext uri="{FF2B5EF4-FFF2-40B4-BE49-F238E27FC236}">
-                <a16:creationId xmlns="" xmlns:a16="http://schemas.microsoft.com/office/drawing/2014/main" id="{828DC8B8-5366-41F8-8AFA-7871829A0908}"/>
+                <a16:creationId xmlns:a16="http://schemas.microsoft.com/office/drawing/2014/main" xmlns="" id="{828DC8B8-5366-41F8-8AFA-7871829A0908}"/>
               </a:ext>
             </a:extLst>
           </p:cNvPr>
@@ -11011,7 +11237,7 @@
           <a:p>
             <a:fld id="{48352B5A-167D-4ED6-B7C9-BDA647A8BA51}" type="datetime1">
               <a:rPr lang="de-DE" smtClean="0"/>
-              <a:t>19.11.2018</a:t>
+              <a:t>23.11.2018</a:t>
             </a:fld>
             <a:endParaRPr lang="de-DE"/>
           </a:p>
@@ -11022,7 +11248,7 @@
           <p:cNvPr id="4" name="Fußzeilenplatzhalter 3">
             <a:extLst>
               <a:ext uri="{FF2B5EF4-FFF2-40B4-BE49-F238E27FC236}">
-                <a16:creationId xmlns="" xmlns:a16="http://schemas.microsoft.com/office/drawing/2014/main" id="{BD971EBA-44D6-4477-93E3-1B788DADD575}"/>
+                <a16:creationId xmlns:a16="http://schemas.microsoft.com/office/drawing/2014/main" xmlns="" id="{BD971EBA-44D6-4477-93E3-1B788DADD575}"/>
               </a:ext>
             </a:extLst>
           </p:cNvPr>
@@ -11051,7 +11277,7 @@
           <p:cNvPr id="5" name="Foliennummernplatzhalter 4">
             <a:extLst>
               <a:ext uri="{FF2B5EF4-FFF2-40B4-BE49-F238E27FC236}">
-                <a16:creationId xmlns="" xmlns:a16="http://schemas.microsoft.com/office/drawing/2014/main" id="{91167899-16A0-4E9B-9BB8-2EC81AE3C4A3}"/>
+                <a16:creationId xmlns:a16="http://schemas.microsoft.com/office/drawing/2014/main" xmlns="" id="{91167899-16A0-4E9B-9BB8-2EC81AE3C4A3}"/>
               </a:ext>
             </a:extLst>
           </p:cNvPr>
@@ -11080,7 +11306,7 @@
           <p:cNvPr id="6" name="Inhaltsplatzhalter 5">
             <a:extLst>
               <a:ext uri="{FF2B5EF4-FFF2-40B4-BE49-F238E27FC236}">
-                <a16:creationId xmlns="" xmlns:a16="http://schemas.microsoft.com/office/drawing/2014/main" id="{C2EAF9B5-C30D-4536-A717-867AA1D17456}"/>
+                <a16:creationId xmlns:a16="http://schemas.microsoft.com/office/drawing/2014/main" xmlns="" id="{C2EAF9B5-C30D-4536-A717-867AA1D17456}"/>
               </a:ext>
             </a:extLst>
           </p:cNvPr>
@@ -11288,7 +11514,7 @@
           <p:cNvPr id="2" name="Titel 1">
             <a:extLst>
               <a:ext uri="{FF2B5EF4-FFF2-40B4-BE49-F238E27FC236}">
-                <a16:creationId xmlns="" xmlns:a16="http://schemas.microsoft.com/office/drawing/2014/main" id="{CC5FCD01-D151-4722-B663-67C4B09833C6}"/>
+                <a16:creationId xmlns:a16="http://schemas.microsoft.com/office/drawing/2014/main" xmlns="" id="{CC5FCD01-D151-4722-B663-67C4B09833C6}"/>
               </a:ext>
             </a:extLst>
           </p:cNvPr>
@@ -11320,7 +11546,7 @@
           <p:cNvPr id="3" name="Datumsplatzhalter 2">
             <a:extLst>
               <a:ext uri="{FF2B5EF4-FFF2-40B4-BE49-F238E27FC236}">
-                <a16:creationId xmlns="" xmlns:a16="http://schemas.microsoft.com/office/drawing/2014/main" id="{6F5E496F-46F7-40D4-8DF1-34867D27C2A8}"/>
+                <a16:creationId xmlns:a16="http://schemas.microsoft.com/office/drawing/2014/main" xmlns="" id="{6F5E496F-46F7-40D4-8DF1-34867D27C2A8}"/>
               </a:ext>
             </a:extLst>
           </p:cNvPr>
@@ -11338,7 +11564,7 @@
           <a:p>
             <a:fld id="{48352B5A-167D-4ED6-B7C9-BDA647A8BA51}" type="datetime1">
               <a:rPr lang="de-DE" smtClean="0"/>
-              <a:t>19.11.2018</a:t>
+              <a:t>23.11.2018</a:t>
             </a:fld>
             <a:endParaRPr lang="de-DE"/>
           </a:p>
@@ -11349,7 +11575,7 @@
           <p:cNvPr id="4" name="Fußzeilenplatzhalter 3">
             <a:extLst>
               <a:ext uri="{FF2B5EF4-FFF2-40B4-BE49-F238E27FC236}">
-                <a16:creationId xmlns="" xmlns:a16="http://schemas.microsoft.com/office/drawing/2014/main" id="{C33CAF55-8754-4CFB-95A7-9C9B82305AAD}"/>
+                <a16:creationId xmlns:a16="http://schemas.microsoft.com/office/drawing/2014/main" xmlns="" id="{C33CAF55-8754-4CFB-95A7-9C9B82305AAD}"/>
               </a:ext>
             </a:extLst>
           </p:cNvPr>
@@ -11378,7 +11604,7 @@
           <p:cNvPr id="5" name="Foliennummernplatzhalter 4">
             <a:extLst>
               <a:ext uri="{FF2B5EF4-FFF2-40B4-BE49-F238E27FC236}">
-                <a16:creationId xmlns="" xmlns:a16="http://schemas.microsoft.com/office/drawing/2014/main" id="{EA1DA399-D052-4008-BB2B-6404DF71964D}"/>
+                <a16:creationId xmlns:a16="http://schemas.microsoft.com/office/drawing/2014/main" xmlns="" id="{EA1DA399-D052-4008-BB2B-6404DF71964D}"/>
               </a:ext>
             </a:extLst>
           </p:cNvPr>
@@ -11407,7 +11633,7 @@
           <p:cNvPr id="6" name="Inhaltsplatzhalter 5">
             <a:extLst>
               <a:ext uri="{FF2B5EF4-FFF2-40B4-BE49-F238E27FC236}">
-                <a16:creationId xmlns="" xmlns:a16="http://schemas.microsoft.com/office/drawing/2014/main" id="{A424F6E6-7EE3-42CE-986A-0D3257FB18D1}"/>
+                <a16:creationId xmlns:a16="http://schemas.microsoft.com/office/drawing/2014/main" xmlns="" id="{A424F6E6-7EE3-42CE-986A-0D3257FB18D1}"/>
               </a:ext>
             </a:extLst>
           </p:cNvPr>
@@ -11876,7 +12102,7 @@
           <p:cNvPr id="2" name="Titel 1">
             <a:extLst>
               <a:ext uri="{FF2B5EF4-FFF2-40B4-BE49-F238E27FC236}">
-                <a16:creationId xmlns="" xmlns:a16="http://schemas.microsoft.com/office/drawing/2014/main" id="{8EFFCF8E-A530-400B-B812-958F5DB05ADA}"/>
+                <a16:creationId xmlns:a16="http://schemas.microsoft.com/office/drawing/2014/main" xmlns="" id="{8EFFCF8E-A530-400B-B812-958F5DB05ADA}"/>
               </a:ext>
             </a:extLst>
           </p:cNvPr>
@@ -11905,7 +12131,7 @@
           <p:cNvPr id="3" name="Datumsplatzhalter 2">
             <a:extLst>
               <a:ext uri="{FF2B5EF4-FFF2-40B4-BE49-F238E27FC236}">
-                <a16:creationId xmlns="" xmlns:a16="http://schemas.microsoft.com/office/drawing/2014/main" id="{8A2ACF77-5D94-4A87-859F-F880C8049340}"/>
+                <a16:creationId xmlns:a16="http://schemas.microsoft.com/office/drawing/2014/main" xmlns="" id="{8A2ACF77-5D94-4A87-859F-F880C8049340}"/>
               </a:ext>
             </a:extLst>
           </p:cNvPr>
@@ -11923,7 +12149,7 @@
           <a:p>
             <a:fld id="{48352B5A-167D-4ED6-B7C9-BDA647A8BA51}" type="datetime1">
               <a:rPr lang="de-DE" smtClean="0"/>
-              <a:t>19.11.2018</a:t>
+              <a:t>23.11.2018</a:t>
             </a:fld>
             <a:endParaRPr lang="de-DE"/>
           </a:p>
@@ -11934,7 +12160,7 @@
           <p:cNvPr id="4" name="Fußzeilenplatzhalter 3">
             <a:extLst>
               <a:ext uri="{FF2B5EF4-FFF2-40B4-BE49-F238E27FC236}">
-                <a16:creationId xmlns="" xmlns:a16="http://schemas.microsoft.com/office/drawing/2014/main" id="{BCE989C0-DCC8-4DE1-8016-5BDAC15115EB}"/>
+                <a16:creationId xmlns:a16="http://schemas.microsoft.com/office/drawing/2014/main" xmlns="" id="{BCE989C0-DCC8-4DE1-8016-5BDAC15115EB}"/>
               </a:ext>
             </a:extLst>
           </p:cNvPr>
@@ -11963,7 +12189,7 @@
           <p:cNvPr id="5" name="Foliennummernplatzhalter 4">
             <a:extLst>
               <a:ext uri="{FF2B5EF4-FFF2-40B4-BE49-F238E27FC236}">
-                <a16:creationId xmlns="" xmlns:a16="http://schemas.microsoft.com/office/drawing/2014/main" id="{E0AE29E5-FDEA-4EBC-A598-E69E4995CB24}"/>
+                <a16:creationId xmlns:a16="http://schemas.microsoft.com/office/drawing/2014/main" xmlns="" id="{E0AE29E5-FDEA-4EBC-A598-E69E4995CB24}"/>
               </a:ext>
             </a:extLst>
           </p:cNvPr>
@@ -11992,7 +12218,7 @@
           <p:cNvPr id="6" name="Inhaltsplatzhalter 5">
             <a:extLst>
               <a:ext uri="{FF2B5EF4-FFF2-40B4-BE49-F238E27FC236}">
-                <a16:creationId xmlns="" xmlns:a16="http://schemas.microsoft.com/office/drawing/2014/main" id="{E16E596C-A5F8-47FA-9BFB-EBB60E45B8F1}"/>
+                <a16:creationId xmlns:a16="http://schemas.microsoft.com/office/drawing/2014/main" xmlns="" id="{E16E596C-A5F8-47FA-9BFB-EBB60E45B8F1}"/>
               </a:ext>
             </a:extLst>
           </p:cNvPr>
@@ -12437,7 +12663,7 @@
           <p:cNvPr id="2" name="Titel 1">
             <a:extLst>
               <a:ext uri="{FF2B5EF4-FFF2-40B4-BE49-F238E27FC236}">
-                <a16:creationId xmlns="" xmlns:a16="http://schemas.microsoft.com/office/drawing/2014/main" id="{BA34701A-BEAC-49CD-BE66-3678A5922648}"/>
+                <a16:creationId xmlns:a16="http://schemas.microsoft.com/office/drawing/2014/main" xmlns="" id="{BA34701A-BEAC-49CD-BE66-3678A5922648}"/>
               </a:ext>
             </a:extLst>
           </p:cNvPr>
@@ -12465,7 +12691,7 @@
           <p:cNvPr id="3" name="Datumsplatzhalter 2">
             <a:extLst>
               <a:ext uri="{FF2B5EF4-FFF2-40B4-BE49-F238E27FC236}">
-                <a16:creationId xmlns="" xmlns:a16="http://schemas.microsoft.com/office/drawing/2014/main" id="{A98B22DE-91CA-4FD7-9560-30BC27F3C26D}"/>
+                <a16:creationId xmlns:a16="http://schemas.microsoft.com/office/drawing/2014/main" xmlns="" id="{A98B22DE-91CA-4FD7-9560-30BC27F3C26D}"/>
               </a:ext>
             </a:extLst>
           </p:cNvPr>
@@ -12483,7 +12709,7 @@
           <a:p>
             <a:fld id="{48352B5A-167D-4ED6-B7C9-BDA647A8BA51}" type="datetime1">
               <a:rPr lang="de-DE" smtClean="0"/>
-              <a:t>19.11.2018</a:t>
+              <a:t>23.11.2018</a:t>
             </a:fld>
             <a:endParaRPr lang="de-DE"/>
           </a:p>
@@ -12494,7 +12720,7 @@
           <p:cNvPr id="4" name="Fußzeilenplatzhalter 3">
             <a:extLst>
               <a:ext uri="{FF2B5EF4-FFF2-40B4-BE49-F238E27FC236}">
-                <a16:creationId xmlns="" xmlns:a16="http://schemas.microsoft.com/office/drawing/2014/main" id="{391BBEE9-CD7F-4B7C-B0BA-020F00E6EF6F}"/>
+                <a16:creationId xmlns:a16="http://schemas.microsoft.com/office/drawing/2014/main" xmlns="" id="{391BBEE9-CD7F-4B7C-B0BA-020F00E6EF6F}"/>
               </a:ext>
             </a:extLst>
           </p:cNvPr>
@@ -12523,7 +12749,7 @@
           <p:cNvPr id="5" name="Foliennummernplatzhalter 4">
             <a:extLst>
               <a:ext uri="{FF2B5EF4-FFF2-40B4-BE49-F238E27FC236}">
-                <a16:creationId xmlns="" xmlns:a16="http://schemas.microsoft.com/office/drawing/2014/main" id="{B876E68C-B4E2-47B9-9FBD-9F8AFF68225E}"/>
+                <a16:creationId xmlns:a16="http://schemas.microsoft.com/office/drawing/2014/main" xmlns="" id="{B876E68C-B4E2-47B9-9FBD-9F8AFF68225E}"/>
               </a:ext>
             </a:extLst>
           </p:cNvPr>
@@ -12552,7 +12778,7 @@
           <p:cNvPr id="6" name="Inhaltsplatzhalter 5">
             <a:extLst>
               <a:ext uri="{FF2B5EF4-FFF2-40B4-BE49-F238E27FC236}">
-                <a16:creationId xmlns="" xmlns:a16="http://schemas.microsoft.com/office/drawing/2014/main" id="{AEBB1BB3-98D3-4463-AEE3-F6E5690771E9}"/>
+                <a16:creationId xmlns:a16="http://schemas.microsoft.com/office/drawing/2014/main" xmlns="" id="{AEBB1BB3-98D3-4463-AEE3-F6E5690771E9}"/>
               </a:ext>
             </a:extLst>
           </p:cNvPr>
@@ -12774,7 +13000,7 @@
           <a:p>
             <a:fld id="{48352B5A-167D-4ED6-B7C9-BDA647A8BA51}" type="datetime1">
               <a:rPr lang="de-DE" smtClean="0"/>
-              <a:t>19.11.2018</a:t>
+              <a:t>23.11.2018</a:t>
             </a:fld>
             <a:endParaRPr lang="de-DE"/>
           </a:p>
@@ -13053,7 +13279,7 @@
           <p:cNvPr id="2" name="Titel 1">
             <a:extLst>
               <a:ext uri="{FF2B5EF4-FFF2-40B4-BE49-F238E27FC236}">
-                <a16:creationId xmlns="" xmlns:a16="http://schemas.microsoft.com/office/drawing/2014/main" id="{2D7D460E-0B2B-44FD-B746-194A16BD830D}"/>
+                <a16:creationId xmlns:a16="http://schemas.microsoft.com/office/drawing/2014/main" xmlns="" id="{2D7D460E-0B2B-44FD-B746-194A16BD830D}"/>
               </a:ext>
             </a:extLst>
           </p:cNvPr>
@@ -13081,7 +13307,7 @@
           <p:cNvPr id="3" name="Datumsplatzhalter 2">
             <a:extLst>
               <a:ext uri="{FF2B5EF4-FFF2-40B4-BE49-F238E27FC236}">
-                <a16:creationId xmlns="" xmlns:a16="http://schemas.microsoft.com/office/drawing/2014/main" id="{828DC8B8-5366-41F8-8AFA-7871829A0908}"/>
+                <a16:creationId xmlns:a16="http://schemas.microsoft.com/office/drawing/2014/main" xmlns="" id="{828DC8B8-5366-41F8-8AFA-7871829A0908}"/>
               </a:ext>
             </a:extLst>
           </p:cNvPr>
@@ -13099,7 +13325,7 @@
           <a:p>
             <a:fld id="{48352B5A-167D-4ED6-B7C9-BDA647A8BA51}" type="datetime1">
               <a:rPr lang="de-DE" smtClean="0"/>
-              <a:t>19.11.2018</a:t>
+              <a:t>23.11.2018</a:t>
             </a:fld>
             <a:endParaRPr lang="de-DE"/>
           </a:p>
@@ -13110,7 +13336,7 @@
           <p:cNvPr id="4" name="Fußzeilenplatzhalter 3">
             <a:extLst>
               <a:ext uri="{FF2B5EF4-FFF2-40B4-BE49-F238E27FC236}">
-                <a16:creationId xmlns="" xmlns:a16="http://schemas.microsoft.com/office/drawing/2014/main" id="{BD971EBA-44D6-4477-93E3-1B788DADD575}"/>
+                <a16:creationId xmlns:a16="http://schemas.microsoft.com/office/drawing/2014/main" xmlns="" id="{BD971EBA-44D6-4477-93E3-1B788DADD575}"/>
               </a:ext>
             </a:extLst>
           </p:cNvPr>
@@ -13139,7 +13365,7 @@
           <p:cNvPr id="5" name="Foliennummernplatzhalter 4">
             <a:extLst>
               <a:ext uri="{FF2B5EF4-FFF2-40B4-BE49-F238E27FC236}">
-                <a16:creationId xmlns="" xmlns:a16="http://schemas.microsoft.com/office/drawing/2014/main" id="{91167899-16A0-4E9B-9BB8-2EC81AE3C4A3}"/>
+                <a16:creationId xmlns:a16="http://schemas.microsoft.com/office/drawing/2014/main" xmlns="" id="{91167899-16A0-4E9B-9BB8-2EC81AE3C4A3}"/>
               </a:ext>
             </a:extLst>
           </p:cNvPr>
@@ -13168,7 +13394,7 @@
           <p:cNvPr id="6" name="Inhaltsplatzhalter 5">
             <a:extLst>
               <a:ext uri="{FF2B5EF4-FFF2-40B4-BE49-F238E27FC236}">
-                <a16:creationId xmlns="" xmlns:a16="http://schemas.microsoft.com/office/drawing/2014/main" id="{C2EAF9B5-C30D-4536-A717-867AA1D17456}"/>
+                <a16:creationId xmlns:a16="http://schemas.microsoft.com/office/drawing/2014/main" xmlns="" id="{C2EAF9B5-C30D-4536-A717-867AA1D17456}"/>
               </a:ext>
             </a:extLst>
           </p:cNvPr>
@@ -13283,7 +13509,7 @@
           <p:cNvPr id="2" name="Titel 1">
             <a:extLst>
               <a:ext uri="{FF2B5EF4-FFF2-40B4-BE49-F238E27FC236}">
-                <a16:creationId xmlns="" xmlns:a16="http://schemas.microsoft.com/office/drawing/2014/main" id="{8114A889-83B6-40F0-B935-DCD9702CEACD}"/>
+                <a16:creationId xmlns:a16="http://schemas.microsoft.com/office/drawing/2014/main" xmlns="" id="{8114A889-83B6-40F0-B935-DCD9702CEACD}"/>
               </a:ext>
             </a:extLst>
           </p:cNvPr>
@@ -13311,7 +13537,7 @@
           <p:cNvPr id="3" name="Datumsplatzhalter 2">
             <a:extLst>
               <a:ext uri="{FF2B5EF4-FFF2-40B4-BE49-F238E27FC236}">
-                <a16:creationId xmlns="" xmlns:a16="http://schemas.microsoft.com/office/drawing/2014/main" id="{F89389F1-AFAC-4D9A-9486-7B3544E4FF6D}"/>
+                <a16:creationId xmlns:a16="http://schemas.microsoft.com/office/drawing/2014/main" xmlns="" id="{F89389F1-AFAC-4D9A-9486-7B3544E4FF6D}"/>
               </a:ext>
             </a:extLst>
           </p:cNvPr>
@@ -13329,7 +13555,7 @@
           <a:p>
             <a:fld id="{48352B5A-167D-4ED6-B7C9-BDA647A8BA51}" type="datetime1">
               <a:rPr lang="de-DE" smtClean="0"/>
-              <a:t>19.11.2018</a:t>
+              <a:t>23.11.2018</a:t>
             </a:fld>
             <a:endParaRPr lang="de-DE"/>
           </a:p>
@@ -13340,7 +13566,7 @@
           <p:cNvPr id="4" name="Fußzeilenplatzhalter 3">
             <a:extLst>
               <a:ext uri="{FF2B5EF4-FFF2-40B4-BE49-F238E27FC236}">
-                <a16:creationId xmlns="" xmlns:a16="http://schemas.microsoft.com/office/drawing/2014/main" id="{9F17CDFF-C508-4955-98A7-5D2E28C34B42}"/>
+                <a16:creationId xmlns:a16="http://schemas.microsoft.com/office/drawing/2014/main" xmlns="" id="{9F17CDFF-C508-4955-98A7-5D2E28C34B42}"/>
               </a:ext>
             </a:extLst>
           </p:cNvPr>
@@ -13369,7 +13595,7 @@
           <p:cNvPr id="5" name="Foliennummernplatzhalter 4">
             <a:extLst>
               <a:ext uri="{FF2B5EF4-FFF2-40B4-BE49-F238E27FC236}">
-                <a16:creationId xmlns="" xmlns:a16="http://schemas.microsoft.com/office/drawing/2014/main" id="{810D8EC7-F317-4347-B4EE-CB89484C6E86}"/>
+                <a16:creationId xmlns:a16="http://schemas.microsoft.com/office/drawing/2014/main" xmlns="" id="{810D8EC7-F317-4347-B4EE-CB89484C6E86}"/>
               </a:ext>
             </a:extLst>
           </p:cNvPr>
@@ -13398,7 +13624,7 @@
           <p:cNvPr id="6" name="Inhaltsplatzhalter 5">
             <a:extLst>
               <a:ext uri="{FF2B5EF4-FFF2-40B4-BE49-F238E27FC236}">
-                <a16:creationId xmlns="" xmlns:a16="http://schemas.microsoft.com/office/drawing/2014/main" id="{2664D975-EAE2-4ADB-A844-D88FA8C3AAB5}"/>
+                <a16:creationId xmlns:a16="http://schemas.microsoft.com/office/drawing/2014/main" xmlns="" id="{2664D975-EAE2-4ADB-A844-D88FA8C3AAB5}"/>
               </a:ext>
             </a:extLst>
           </p:cNvPr>
@@ -13504,7 +13730,7 @@
           <p:cNvPr id="2" name="Titel 1">
             <a:extLst>
               <a:ext uri="{FF2B5EF4-FFF2-40B4-BE49-F238E27FC236}">
-                <a16:creationId xmlns="" xmlns:a16="http://schemas.microsoft.com/office/drawing/2014/main" id="{9045F3A0-10BD-46BB-A599-99C99D083471}"/>
+                <a16:creationId xmlns:a16="http://schemas.microsoft.com/office/drawing/2014/main" xmlns="" id="{9045F3A0-10BD-46BB-A599-99C99D083471}"/>
               </a:ext>
             </a:extLst>
           </p:cNvPr>
@@ -13532,7 +13758,7 @@
           <p:cNvPr id="3" name="Datumsplatzhalter 2">
             <a:extLst>
               <a:ext uri="{FF2B5EF4-FFF2-40B4-BE49-F238E27FC236}">
-                <a16:creationId xmlns="" xmlns:a16="http://schemas.microsoft.com/office/drawing/2014/main" id="{CE9F0A6B-49CE-4AD7-BF97-45CE42D685C7}"/>
+                <a16:creationId xmlns:a16="http://schemas.microsoft.com/office/drawing/2014/main" xmlns="" id="{CE9F0A6B-49CE-4AD7-BF97-45CE42D685C7}"/>
               </a:ext>
             </a:extLst>
           </p:cNvPr>
@@ -13550,7 +13776,7 @@
           <a:p>
             <a:fld id="{48352B5A-167D-4ED6-B7C9-BDA647A8BA51}" type="datetime1">
               <a:rPr lang="de-DE" smtClean="0"/>
-              <a:t>19.11.2018</a:t>
+              <a:t>23.11.2018</a:t>
             </a:fld>
             <a:endParaRPr lang="de-DE"/>
           </a:p>
@@ -13561,7 +13787,7 @@
           <p:cNvPr id="4" name="Fußzeilenplatzhalter 3">
             <a:extLst>
               <a:ext uri="{FF2B5EF4-FFF2-40B4-BE49-F238E27FC236}">
-                <a16:creationId xmlns="" xmlns:a16="http://schemas.microsoft.com/office/drawing/2014/main" id="{E6903670-E149-44F7-B376-AD678C4A47C4}"/>
+                <a16:creationId xmlns:a16="http://schemas.microsoft.com/office/drawing/2014/main" xmlns="" id="{E6903670-E149-44F7-B376-AD678C4A47C4}"/>
               </a:ext>
             </a:extLst>
           </p:cNvPr>
@@ -13590,7 +13816,7 @@
           <p:cNvPr id="5" name="Foliennummernplatzhalter 4">
             <a:extLst>
               <a:ext uri="{FF2B5EF4-FFF2-40B4-BE49-F238E27FC236}">
-                <a16:creationId xmlns="" xmlns:a16="http://schemas.microsoft.com/office/drawing/2014/main" id="{8AD18758-662B-449F-A0E9-6DFE7F50233D}"/>
+                <a16:creationId xmlns:a16="http://schemas.microsoft.com/office/drawing/2014/main" xmlns="" id="{8AD18758-662B-449F-A0E9-6DFE7F50233D}"/>
               </a:ext>
             </a:extLst>
           </p:cNvPr>
@@ -13619,7 +13845,7 @@
           <p:cNvPr id="6" name="Inhaltsplatzhalter 5">
             <a:extLst>
               <a:ext uri="{FF2B5EF4-FFF2-40B4-BE49-F238E27FC236}">
-                <a16:creationId xmlns="" xmlns:a16="http://schemas.microsoft.com/office/drawing/2014/main" id="{06BD01D8-02D5-427E-8BC7-18B2822F01C0}"/>
+                <a16:creationId xmlns:a16="http://schemas.microsoft.com/office/drawing/2014/main" xmlns="" id="{06BD01D8-02D5-427E-8BC7-18B2822F01C0}"/>
               </a:ext>
             </a:extLst>
           </p:cNvPr>
@@ -13754,7 +13980,7 @@
           <p:cNvPr id="2" name="Titel 1">
             <a:extLst>
               <a:ext uri="{FF2B5EF4-FFF2-40B4-BE49-F238E27FC236}">
-                <a16:creationId xmlns="" xmlns:a16="http://schemas.microsoft.com/office/drawing/2014/main" id="{8114A889-83B6-40F0-B935-DCD9702CEACD}"/>
+                <a16:creationId xmlns:a16="http://schemas.microsoft.com/office/drawing/2014/main" xmlns="" id="{8114A889-83B6-40F0-B935-DCD9702CEACD}"/>
               </a:ext>
             </a:extLst>
           </p:cNvPr>
@@ -13782,7 +14008,7 @@
           <p:cNvPr id="3" name="Datumsplatzhalter 2">
             <a:extLst>
               <a:ext uri="{FF2B5EF4-FFF2-40B4-BE49-F238E27FC236}">
-                <a16:creationId xmlns="" xmlns:a16="http://schemas.microsoft.com/office/drawing/2014/main" id="{F89389F1-AFAC-4D9A-9486-7B3544E4FF6D}"/>
+                <a16:creationId xmlns:a16="http://schemas.microsoft.com/office/drawing/2014/main" xmlns="" id="{F89389F1-AFAC-4D9A-9486-7B3544E4FF6D}"/>
               </a:ext>
             </a:extLst>
           </p:cNvPr>
@@ -13800,7 +14026,7 @@
           <a:p>
             <a:fld id="{48352B5A-167D-4ED6-B7C9-BDA647A8BA51}" type="datetime1">
               <a:rPr lang="de-DE" smtClean="0"/>
-              <a:t>19.11.2018</a:t>
+              <a:t>23.11.2018</a:t>
             </a:fld>
             <a:endParaRPr lang="de-DE"/>
           </a:p>
@@ -13811,7 +14037,7 @@
           <p:cNvPr id="4" name="Fußzeilenplatzhalter 3">
             <a:extLst>
               <a:ext uri="{FF2B5EF4-FFF2-40B4-BE49-F238E27FC236}">
-                <a16:creationId xmlns="" xmlns:a16="http://schemas.microsoft.com/office/drawing/2014/main" id="{9F17CDFF-C508-4955-98A7-5D2E28C34B42}"/>
+                <a16:creationId xmlns:a16="http://schemas.microsoft.com/office/drawing/2014/main" xmlns="" id="{9F17CDFF-C508-4955-98A7-5D2E28C34B42}"/>
               </a:ext>
             </a:extLst>
           </p:cNvPr>
@@ -13840,7 +14066,7 @@
           <p:cNvPr id="5" name="Foliennummernplatzhalter 4">
             <a:extLst>
               <a:ext uri="{FF2B5EF4-FFF2-40B4-BE49-F238E27FC236}">
-                <a16:creationId xmlns="" xmlns:a16="http://schemas.microsoft.com/office/drawing/2014/main" id="{810D8EC7-F317-4347-B4EE-CB89484C6E86}"/>
+                <a16:creationId xmlns:a16="http://schemas.microsoft.com/office/drawing/2014/main" xmlns="" id="{810D8EC7-F317-4347-B4EE-CB89484C6E86}"/>
               </a:ext>
             </a:extLst>
           </p:cNvPr>
@@ -13869,7 +14095,7 @@
           <p:cNvPr id="6" name="Inhaltsplatzhalter 5">
             <a:extLst>
               <a:ext uri="{FF2B5EF4-FFF2-40B4-BE49-F238E27FC236}">
-                <a16:creationId xmlns="" xmlns:a16="http://schemas.microsoft.com/office/drawing/2014/main" id="{2664D975-EAE2-4ADB-A844-D88FA8C3AAB5}"/>
+                <a16:creationId xmlns:a16="http://schemas.microsoft.com/office/drawing/2014/main" xmlns="" id="{2664D975-EAE2-4ADB-A844-D88FA8C3AAB5}"/>
               </a:ext>
             </a:extLst>
           </p:cNvPr>
@@ -13982,7 +14208,7 @@
           <p:cNvPr id="2" name="Titel 1">
             <a:extLst>
               <a:ext uri="{FF2B5EF4-FFF2-40B4-BE49-F238E27FC236}">
-                <a16:creationId xmlns="" xmlns:a16="http://schemas.microsoft.com/office/drawing/2014/main" id="{FA5F42C6-C15B-4AB1-AC38-87A61B061B0B}"/>
+                <a16:creationId xmlns:a16="http://schemas.microsoft.com/office/drawing/2014/main" xmlns="" id="{FA5F42C6-C15B-4AB1-AC38-87A61B061B0B}"/>
               </a:ext>
             </a:extLst>
           </p:cNvPr>
@@ -14010,7 +14236,7 @@
           <p:cNvPr id="3" name="Datumsplatzhalter 2">
             <a:extLst>
               <a:ext uri="{FF2B5EF4-FFF2-40B4-BE49-F238E27FC236}">
-                <a16:creationId xmlns="" xmlns:a16="http://schemas.microsoft.com/office/drawing/2014/main" id="{4E6255DE-0A56-4109-ACC5-BA5C4F79D8DE}"/>
+                <a16:creationId xmlns:a16="http://schemas.microsoft.com/office/drawing/2014/main" xmlns="" id="{4E6255DE-0A56-4109-ACC5-BA5C4F79D8DE}"/>
               </a:ext>
             </a:extLst>
           </p:cNvPr>
@@ -14028,7 +14254,7 @@
           <a:p>
             <a:fld id="{48352B5A-167D-4ED6-B7C9-BDA647A8BA51}" type="datetime1">
               <a:rPr lang="de-DE" smtClean="0"/>
-              <a:t>19.11.2018</a:t>
+              <a:t>23.11.2018</a:t>
             </a:fld>
             <a:endParaRPr lang="de-DE"/>
           </a:p>
@@ -14039,7 +14265,7 @@
           <p:cNvPr id="4" name="Fußzeilenplatzhalter 3">
             <a:extLst>
               <a:ext uri="{FF2B5EF4-FFF2-40B4-BE49-F238E27FC236}">
-                <a16:creationId xmlns="" xmlns:a16="http://schemas.microsoft.com/office/drawing/2014/main" id="{CEA3FD5D-A34C-4841-A301-FFBE7EFCDC67}"/>
+                <a16:creationId xmlns:a16="http://schemas.microsoft.com/office/drawing/2014/main" xmlns="" id="{CEA3FD5D-A34C-4841-A301-FFBE7EFCDC67}"/>
               </a:ext>
             </a:extLst>
           </p:cNvPr>
@@ -14068,7 +14294,7 @@
           <p:cNvPr id="5" name="Foliennummernplatzhalter 4">
             <a:extLst>
               <a:ext uri="{FF2B5EF4-FFF2-40B4-BE49-F238E27FC236}">
-                <a16:creationId xmlns="" xmlns:a16="http://schemas.microsoft.com/office/drawing/2014/main" id="{0821F331-1B94-4270-896F-3B1091A91C6D}"/>
+                <a16:creationId xmlns:a16="http://schemas.microsoft.com/office/drawing/2014/main" xmlns="" id="{0821F331-1B94-4270-896F-3B1091A91C6D}"/>
               </a:ext>
             </a:extLst>
           </p:cNvPr>
@@ -14097,7 +14323,7 @@
           <p:cNvPr id="6" name="Inhaltsplatzhalter 5">
             <a:extLst>
               <a:ext uri="{FF2B5EF4-FFF2-40B4-BE49-F238E27FC236}">
-                <a16:creationId xmlns="" xmlns:a16="http://schemas.microsoft.com/office/drawing/2014/main" id="{82760570-9908-40F7-993E-62534B26D7BF}"/>
+                <a16:creationId xmlns:a16="http://schemas.microsoft.com/office/drawing/2014/main" xmlns="" id="{82760570-9908-40F7-993E-62534B26D7BF}"/>
               </a:ext>
             </a:extLst>
           </p:cNvPr>
@@ -14134,7 +14360,7 @@
           <p:cNvPr id="1028" name="Picture 4" descr="Mockup">
             <a:extLst>
               <a:ext uri="{FF2B5EF4-FFF2-40B4-BE49-F238E27FC236}">
-                <a16:creationId xmlns="" xmlns:a16="http://schemas.microsoft.com/office/drawing/2014/main" id="{8B33C41F-8E00-48F0-8932-C9E1FA4DA62B}"/>
+                <a16:creationId xmlns:a16="http://schemas.microsoft.com/office/drawing/2014/main" xmlns="" id="{8B33C41F-8E00-48F0-8932-C9E1FA4DA62B}"/>
               </a:ext>
             </a:extLst>
           </p:cNvPr>
@@ -14181,7 +14407,7 @@
           <p:cNvPr id="1030" name="Picture 6" descr="Component diagram">
             <a:extLst>
               <a:ext uri="{FF2B5EF4-FFF2-40B4-BE49-F238E27FC236}">
-                <a16:creationId xmlns="" xmlns:a16="http://schemas.microsoft.com/office/drawing/2014/main" id="{38DEA208-EA46-43A6-B459-0CDD64DF25B5}"/>
+                <a16:creationId xmlns:a16="http://schemas.microsoft.com/office/drawing/2014/main" xmlns="" id="{38DEA208-EA46-43A6-B459-0CDD64DF25B5}"/>
               </a:ext>
             </a:extLst>
           </p:cNvPr>
@@ -14258,7 +14484,7 @@
           <p:cNvPr id="2" name="Titel 1">
             <a:extLst>
               <a:ext uri="{FF2B5EF4-FFF2-40B4-BE49-F238E27FC236}">
-                <a16:creationId xmlns="" xmlns:a16="http://schemas.microsoft.com/office/drawing/2014/main" id="{60445BEB-B600-4E73-BA54-81023233D665}"/>
+                <a16:creationId xmlns:a16="http://schemas.microsoft.com/office/drawing/2014/main" xmlns="" id="{60445BEB-B600-4E73-BA54-81023233D665}"/>
               </a:ext>
             </a:extLst>
           </p:cNvPr>
@@ -14286,7 +14512,7 @@
           <p:cNvPr id="3" name="Datumsplatzhalter 2">
             <a:extLst>
               <a:ext uri="{FF2B5EF4-FFF2-40B4-BE49-F238E27FC236}">
-                <a16:creationId xmlns="" xmlns:a16="http://schemas.microsoft.com/office/drawing/2014/main" id="{D8B3BFA1-DD7E-4145-83C0-686491EC7620}"/>
+                <a16:creationId xmlns:a16="http://schemas.microsoft.com/office/drawing/2014/main" xmlns="" id="{D8B3BFA1-DD7E-4145-83C0-686491EC7620}"/>
               </a:ext>
             </a:extLst>
           </p:cNvPr>
@@ -14304,7 +14530,7 @@
           <a:p>
             <a:fld id="{48352B5A-167D-4ED6-B7C9-BDA647A8BA51}" type="datetime1">
               <a:rPr lang="de-DE" smtClean="0"/>
-              <a:t>19.11.2018</a:t>
+              <a:t>23.11.2018</a:t>
             </a:fld>
             <a:endParaRPr lang="de-DE"/>
           </a:p>
@@ -14315,7 +14541,7 @@
           <p:cNvPr id="4" name="Fußzeilenplatzhalter 3">
             <a:extLst>
               <a:ext uri="{FF2B5EF4-FFF2-40B4-BE49-F238E27FC236}">
-                <a16:creationId xmlns="" xmlns:a16="http://schemas.microsoft.com/office/drawing/2014/main" id="{0167984B-7CFC-4FC8-8B6E-A6C9B0BE23A9}"/>
+                <a16:creationId xmlns:a16="http://schemas.microsoft.com/office/drawing/2014/main" xmlns="" id="{0167984B-7CFC-4FC8-8B6E-A6C9B0BE23A9}"/>
               </a:ext>
             </a:extLst>
           </p:cNvPr>
@@ -14344,7 +14570,7 @@
           <p:cNvPr id="5" name="Foliennummernplatzhalter 4">
             <a:extLst>
               <a:ext uri="{FF2B5EF4-FFF2-40B4-BE49-F238E27FC236}">
-                <a16:creationId xmlns="" xmlns:a16="http://schemas.microsoft.com/office/drawing/2014/main" id="{B5F602B5-61AD-4317-BEDB-62E6B8CD0F7B}"/>
+                <a16:creationId xmlns:a16="http://schemas.microsoft.com/office/drawing/2014/main" xmlns="" id="{B5F602B5-61AD-4317-BEDB-62E6B8CD0F7B}"/>
               </a:ext>
             </a:extLst>
           </p:cNvPr>
@@ -14373,7 +14599,7 @@
           <p:cNvPr id="6" name="Inhaltsplatzhalter 5">
             <a:extLst>
               <a:ext uri="{FF2B5EF4-FFF2-40B4-BE49-F238E27FC236}">
-                <a16:creationId xmlns="" xmlns:a16="http://schemas.microsoft.com/office/drawing/2014/main" id="{493D623C-F8B1-42CA-BF0E-ED66943C91EF}"/>
+                <a16:creationId xmlns:a16="http://schemas.microsoft.com/office/drawing/2014/main" xmlns="" id="{493D623C-F8B1-42CA-BF0E-ED66943C91EF}"/>
               </a:ext>
             </a:extLst>
           </p:cNvPr>
@@ -14445,7 +14671,7 @@
           <p:cNvPr id="2" name="Titel 1">
             <a:extLst>
               <a:ext uri="{FF2B5EF4-FFF2-40B4-BE49-F238E27FC236}">
-                <a16:creationId xmlns="" xmlns:a16="http://schemas.microsoft.com/office/drawing/2014/main" id="{60445BEB-B600-4E73-BA54-81023233D665}"/>
+                <a16:creationId xmlns:a16="http://schemas.microsoft.com/office/drawing/2014/main" xmlns="" id="{60445BEB-B600-4E73-BA54-81023233D665}"/>
               </a:ext>
             </a:extLst>
           </p:cNvPr>
@@ -14473,7 +14699,7 @@
           <p:cNvPr id="3" name="Datumsplatzhalter 2">
             <a:extLst>
               <a:ext uri="{FF2B5EF4-FFF2-40B4-BE49-F238E27FC236}">
-                <a16:creationId xmlns="" xmlns:a16="http://schemas.microsoft.com/office/drawing/2014/main" id="{D8B3BFA1-DD7E-4145-83C0-686491EC7620}"/>
+                <a16:creationId xmlns:a16="http://schemas.microsoft.com/office/drawing/2014/main" xmlns="" id="{D8B3BFA1-DD7E-4145-83C0-686491EC7620}"/>
               </a:ext>
             </a:extLst>
           </p:cNvPr>
@@ -14491,7 +14717,7 @@
           <a:p>
             <a:fld id="{48352B5A-167D-4ED6-B7C9-BDA647A8BA51}" type="datetime1">
               <a:rPr lang="de-DE" smtClean="0"/>
-              <a:t>19.11.2018</a:t>
+              <a:t>23.11.2018</a:t>
             </a:fld>
             <a:endParaRPr lang="de-DE"/>
           </a:p>
@@ -14502,7 +14728,7 @@
           <p:cNvPr id="4" name="Fußzeilenplatzhalter 3">
             <a:extLst>
               <a:ext uri="{FF2B5EF4-FFF2-40B4-BE49-F238E27FC236}">
-                <a16:creationId xmlns="" xmlns:a16="http://schemas.microsoft.com/office/drawing/2014/main" id="{0167984B-7CFC-4FC8-8B6E-A6C9B0BE23A9}"/>
+                <a16:creationId xmlns:a16="http://schemas.microsoft.com/office/drawing/2014/main" xmlns="" id="{0167984B-7CFC-4FC8-8B6E-A6C9B0BE23A9}"/>
               </a:ext>
             </a:extLst>
           </p:cNvPr>
@@ -14531,7 +14757,7 @@
           <p:cNvPr id="5" name="Foliennummernplatzhalter 4">
             <a:extLst>
               <a:ext uri="{FF2B5EF4-FFF2-40B4-BE49-F238E27FC236}">
-                <a16:creationId xmlns="" xmlns:a16="http://schemas.microsoft.com/office/drawing/2014/main" id="{B5F602B5-61AD-4317-BEDB-62E6B8CD0F7B}"/>
+                <a16:creationId xmlns:a16="http://schemas.microsoft.com/office/drawing/2014/main" xmlns="" id="{B5F602B5-61AD-4317-BEDB-62E6B8CD0F7B}"/>
               </a:ext>
             </a:extLst>
           </p:cNvPr>
@@ -14560,7 +14786,7 @@
           <p:cNvPr id="6" name="Inhaltsplatzhalter 5">
             <a:extLst>
               <a:ext uri="{FF2B5EF4-FFF2-40B4-BE49-F238E27FC236}">
-                <a16:creationId xmlns="" xmlns:a16="http://schemas.microsoft.com/office/drawing/2014/main" id="{493D623C-F8B1-42CA-BF0E-ED66943C91EF}"/>
+                <a16:creationId xmlns:a16="http://schemas.microsoft.com/office/drawing/2014/main" xmlns="" id="{493D623C-F8B1-42CA-BF0E-ED66943C91EF}"/>
               </a:ext>
             </a:extLst>
           </p:cNvPr>
@@ -14689,7 +14915,7 @@
           <p:cNvPr id="2" name="Titel 1">
             <a:extLst>
               <a:ext uri="{FF2B5EF4-FFF2-40B4-BE49-F238E27FC236}">
-                <a16:creationId xmlns="" xmlns:a16="http://schemas.microsoft.com/office/drawing/2014/main" id="{60445BEB-B600-4E73-BA54-81023233D665}"/>
+                <a16:creationId xmlns:a16="http://schemas.microsoft.com/office/drawing/2014/main" xmlns="" id="{60445BEB-B600-4E73-BA54-81023233D665}"/>
               </a:ext>
             </a:extLst>
           </p:cNvPr>
@@ -14722,7 +14948,7 @@
           <p:cNvPr id="3" name="Datumsplatzhalter 2">
             <a:extLst>
               <a:ext uri="{FF2B5EF4-FFF2-40B4-BE49-F238E27FC236}">
-                <a16:creationId xmlns="" xmlns:a16="http://schemas.microsoft.com/office/drawing/2014/main" id="{D8B3BFA1-DD7E-4145-83C0-686491EC7620}"/>
+                <a16:creationId xmlns:a16="http://schemas.microsoft.com/office/drawing/2014/main" xmlns="" id="{D8B3BFA1-DD7E-4145-83C0-686491EC7620}"/>
               </a:ext>
             </a:extLst>
           </p:cNvPr>
@@ -14740,7 +14966,7 @@
           <a:p>
             <a:fld id="{48352B5A-167D-4ED6-B7C9-BDA647A8BA51}" type="datetime1">
               <a:rPr lang="de-DE" smtClean="0"/>
-              <a:t>19.11.2018</a:t>
+              <a:t>23.11.2018</a:t>
             </a:fld>
             <a:endParaRPr lang="de-DE"/>
           </a:p>
@@ -14751,7 +14977,7 @@
           <p:cNvPr id="4" name="Fußzeilenplatzhalter 3">
             <a:extLst>
               <a:ext uri="{FF2B5EF4-FFF2-40B4-BE49-F238E27FC236}">
-                <a16:creationId xmlns="" xmlns:a16="http://schemas.microsoft.com/office/drawing/2014/main" id="{0167984B-7CFC-4FC8-8B6E-A6C9B0BE23A9}"/>
+                <a16:creationId xmlns:a16="http://schemas.microsoft.com/office/drawing/2014/main" xmlns="" id="{0167984B-7CFC-4FC8-8B6E-A6C9B0BE23A9}"/>
               </a:ext>
             </a:extLst>
           </p:cNvPr>
@@ -14780,7 +15006,7 @@
           <p:cNvPr id="5" name="Foliennummernplatzhalter 4">
             <a:extLst>
               <a:ext uri="{FF2B5EF4-FFF2-40B4-BE49-F238E27FC236}">
-                <a16:creationId xmlns="" xmlns:a16="http://schemas.microsoft.com/office/drawing/2014/main" id="{B5F602B5-61AD-4317-BEDB-62E6B8CD0F7B}"/>
+                <a16:creationId xmlns:a16="http://schemas.microsoft.com/office/drawing/2014/main" xmlns="" id="{B5F602B5-61AD-4317-BEDB-62E6B8CD0F7B}"/>
               </a:ext>
             </a:extLst>
           </p:cNvPr>
@@ -14809,7 +15035,7 @@
           <p:cNvPr id="6" name="Inhaltsplatzhalter 5">
             <a:extLst>
               <a:ext uri="{FF2B5EF4-FFF2-40B4-BE49-F238E27FC236}">
-                <a16:creationId xmlns="" xmlns:a16="http://schemas.microsoft.com/office/drawing/2014/main" id="{493D623C-F8B1-42CA-BF0E-ED66943C91EF}"/>
+                <a16:creationId xmlns:a16="http://schemas.microsoft.com/office/drawing/2014/main" xmlns="" id="{493D623C-F8B1-42CA-BF0E-ED66943C91EF}"/>
               </a:ext>
             </a:extLst>
           </p:cNvPr>
@@ -15043,7 +15269,7 @@
           <p:cNvPr id="2" name="Titel 1">
             <a:extLst>
               <a:ext uri="{FF2B5EF4-FFF2-40B4-BE49-F238E27FC236}">
-                <a16:creationId xmlns="" xmlns:a16="http://schemas.microsoft.com/office/drawing/2014/main" id="{1965F34C-A37F-4A07-B422-E02148B3CF68}"/>
+                <a16:creationId xmlns:a16="http://schemas.microsoft.com/office/drawing/2014/main" xmlns="" id="{1965F34C-A37F-4A07-B422-E02148B3CF68}"/>
               </a:ext>
             </a:extLst>
           </p:cNvPr>
@@ -15075,7 +15301,7 @@
           <p:cNvPr id="3" name="Datumsplatzhalter 2">
             <a:extLst>
               <a:ext uri="{FF2B5EF4-FFF2-40B4-BE49-F238E27FC236}">
-                <a16:creationId xmlns="" xmlns:a16="http://schemas.microsoft.com/office/drawing/2014/main" id="{B4CE55F6-D463-4FA0-B8CB-BB9A5B8026CA}"/>
+                <a16:creationId xmlns:a16="http://schemas.microsoft.com/office/drawing/2014/main" xmlns="" id="{B4CE55F6-D463-4FA0-B8CB-BB9A5B8026CA}"/>
               </a:ext>
             </a:extLst>
           </p:cNvPr>
@@ -15093,7 +15319,7 @@
           <a:p>
             <a:fld id="{48352B5A-167D-4ED6-B7C9-BDA647A8BA51}" type="datetime1">
               <a:rPr lang="de-DE" smtClean="0"/>
-              <a:t>19.11.2018</a:t>
+              <a:t>23.11.2018</a:t>
             </a:fld>
             <a:endParaRPr lang="de-DE"/>
           </a:p>
@@ -15104,7 +15330,7 @@
           <p:cNvPr id="4" name="Fußzeilenplatzhalter 3">
             <a:extLst>
               <a:ext uri="{FF2B5EF4-FFF2-40B4-BE49-F238E27FC236}">
-                <a16:creationId xmlns="" xmlns:a16="http://schemas.microsoft.com/office/drawing/2014/main" id="{86811DE6-7668-4BF4-B8AB-FFE31BE96BBA}"/>
+                <a16:creationId xmlns:a16="http://schemas.microsoft.com/office/drawing/2014/main" xmlns="" id="{86811DE6-7668-4BF4-B8AB-FFE31BE96BBA}"/>
               </a:ext>
             </a:extLst>
           </p:cNvPr>
@@ -15133,7 +15359,7 @@
           <p:cNvPr id="5" name="Foliennummernplatzhalter 4">
             <a:extLst>
               <a:ext uri="{FF2B5EF4-FFF2-40B4-BE49-F238E27FC236}">
-                <a16:creationId xmlns="" xmlns:a16="http://schemas.microsoft.com/office/drawing/2014/main" id="{FB6E3806-A2BB-4703-A959-FD9EDBDC7569}"/>
+                <a16:creationId xmlns:a16="http://schemas.microsoft.com/office/drawing/2014/main" xmlns="" id="{FB6E3806-A2BB-4703-A959-FD9EDBDC7569}"/>
               </a:ext>
             </a:extLst>
           </p:cNvPr>
@@ -15162,7 +15388,7 @@
           <p:cNvPr id="6" name="Inhaltsplatzhalter 5">
             <a:extLst>
               <a:ext uri="{FF2B5EF4-FFF2-40B4-BE49-F238E27FC236}">
-                <a16:creationId xmlns="" xmlns:a16="http://schemas.microsoft.com/office/drawing/2014/main" id="{8F986CC3-59F8-4C03-ADEE-82E24430968D}"/>
+                <a16:creationId xmlns:a16="http://schemas.microsoft.com/office/drawing/2014/main" xmlns="" id="{8F986CC3-59F8-4C03-ADEE-82E24430968D}"/>
               </a:ext>
             </a:extLst>
           </p:cNvPr>
@@ -15295,7 +15521,7 @@
           <p:cNvPr id="2" name="Titel 1">
             <a:extLst>
               <a:ext uri="{FF2B5EF4-FFF2-40B4-BE49-F238E27FC236}">
-                <a16:creationId xmlns="" xmlns:a16="http://schemas.microsoft.com/office/drawing/2014/main" id="{DCB7235A-BAC6-49B0-AEDE-E3B8B4622E3F}"/>
+                <a16:creationId xmlns:a16="http://schemas.microsoft.com/office/drawing/2014/main" xmlns="" id="{DCB7235A-BAC6-49B0-AEDE-E3B8B4622E3F}"/>
               </a:ext>
             </a:extLst>
           </p:cNvPr>
@@ -15323,7 +15549,7 @@
           <p:cNvPr id="3" name="Datumsplatzhalter 2">
             <a:extLst>
               <a:ext uri="{FF2B5EF4-FFF2-40B4-BE49-F238E27FC236}">
-                <a16:creationId xmlns="" xmlns:a16="http://schemas.microsoft.com/office/drawing/2014/main" id="{0CB49738-F632-4907-8E92-AD776493516C}"/>
+                <a16:creationId xmlns:a16="http://schemas.microsoft.com/office/drawing/2014/main" xmlns="" id="{0CB49738-F632-4907-8E92-AD776493516C}"/>
               </a:ext>
             </a:extLst>
           </p:cNvPr>
@@ -15341,7 +15567,7 @@
           <a:p>
             <a:fld id="{48352B5A-167D-4ED6-B7C9-BDA647A8BA51}" type="datetime1">
               <a:rPr lang="de-DE" smtClean="0"/>
-              <a:t>19.11.2018</a:t>
+              <a:t>23.11.2018</a:t>
             </a:fld>
             <a:endParaRPr lang="de-DE"/>
           </a:p>
@@ -15352,7 +15578,7 @@
           <p:cNvPr id="4" name="Fußzeilenplatzhalter 3">
             <a:extLst>
               <a:ext uri="{FF2B5EF4-FFF2-40B4-BE49-F238E27FC236}">
-                <a16:creationId xmlns="" xmlns:a16="http://schemas.microsoft.com/office/drawing/2014/main" id="{4DF40370-9183-4666-8FF7-9C999A902F4E}"/>
+                <a16:creationId xmlns:a16="http://schemas.microsoft.com/office/drawing/2014/main" xmlns="" id="{4DF40370-9183-4666-8FF7-9C999A902F4E}"/>
               </a:ext>
             </a:extLst>
           </p:cNvPr>
@@ -15381,7 +15607,7 @@
           <p:cNvPr id="5" name="Foliennummernplatzhalter 4">
             <a:extLst>
               <a:ext uri="{FF2B5EF4-FFF2-40B4-BE49-F238E27FC236}">
-                <a16:creationId xmlns="" xmlns:a16="http://schemas.microsoft.com/office/drawing/2014/main" id="{D91484F6-BA96-4C29-BDA8-61210E9AD368}"/>
+                <a16:creationId xmlns:a16="http://schemas.microsoft.com/office/drawing/2014/main" xmlns="" id="{D91484F6-BA96-4C29-BDA8-61210E9AD368}"/>
               </a:ext>
             </a:extLst>
           </p:cNvPr>
@@ -15410,7 +15636,7 @@
           <p:cNvPr id="6" name="Inhaltsplatzhalter 5">
             <a:extLst>
               <a:ext uri="{FF2B5EF4-FFF2-40B4-BE49-F238E27FC236}">
-                <a16:creationId xmlns="" xmlns:a16="http://schemas.microsoft.com/office/drawing/2014/main" id="{2C7CE1A3-A239-4DAF-A9DD-B2206F7DD54A}"/>
+                <a16:creationId xmlns:a16="http://schemas.microsoft.com/office/drawing/2014/main" xmlns="" id="{2C7CE1A3-A239-4DAF-A9DD-B2206F7DD54A}"/>
               </a:ext>
             </a:extLst>
           </p:cNvPr>
@@ -15500,7 +15726,7 @@
           <p:cNvPr id="2" name="Titel 1">
             <a:extLst>
               <a:ext uri="{FF2B5EF4-FFF2-40B4-BE49-F238E27FC236}">
-                <a16:creationId xmlns="" xmlns:a16="http://schemas.microsoft.com/office/drawing/2014/main" id="{6B8A5EBB-8FB9-439E-B5A5-F96794C00D3A}"/>
+                <a16:creationId xmlns:a16="http://schemas.microsoft.com/office/drawing/2014/main" xmlns="" id="{6B8A5EBB-8FB9-439E-B5A5-F96794C00D3A}"/>
               </a:ext>
             </a:extLst>
           </p:cNvPr>
@@ -15536,7 +15762,7 @@
           <p:cNvPr id="3" name="Datumsplatzhalter 2">
             <a:extLst>
               <a:ext uri="{FF2B5EF4-FFF2-40B4-BE49-F238E27FC236}">
-                <a16:creationId xmlns="" xmlns:a16="http://schemas.microsoft.com/office/drawing/2014/main" id="{3522AF67-7FB9-4350-9E6B-26E058BF03A3}"/>
+                <a16:creationId xmlns:a16="http://schemas.microsoft.com/office/drawing/2014/main" xmlns="" id="{3522AF67-7FB9-4350-9E6B-26E058BF03A3}"/>
               </a:ext>
             </a:extLst>
           </p:cNvPr>
@@ -15554,7 +15780,7 @@
           <a:p>
             <a:fld id="{48352B5A-167D-4ED6-B7C9-BDA647A8BA51}" type="datetime1">
               <a:rPr lang="de-DE" smtClean="0"/>
-              <a:t>19.11.2018</a:t>
+              <a:t>23.11.2018</a:t>
             </a:fld>
             <a:endParaRPr lang="de-DE"/>
           </a:p>
@@ -15565,7 +15791,7 @@
           <p:cNvPr id="4" name="Fußzeilenplatzhalter 3">
             <a:extLst>
               <a:ext uri="{FF2B5EF4-FFF2-40B4-BE49-F238E27FC236}">
-                <a16:creationId xmlns="" xmlns:a16="http://schemas.microsoft.com/office/drawing/2014/main" id="{CAC3D92B-7B14-4158-8275-1B69DB5EB42F}"/>
+                <a16:creationId xmlns:a16="http://schemas.microsoft.com/office/drawing/2014/main" xmlns="" id="{CAC3D92B-7B14-4158-8275-1B69DB5EB42F}"/>
               </a:ext>
             </a:extLst>
           </p:cNvPr>
@@ -15594,7 +15820,7 @@
           <p:cNvPr id="5" name="Foliennummernplatzhalter 4">
             <a:extLst>
               <a:ext uri="{FF2B5EF4-FFF2-40B4-BE49-F238E27FC236}">
-                <a16:creationId xmlns="" xmlns:a16="http://schemas.microsoft.com/office/drawing/2014/main" id="{D2A0D301-7423-491D-B88A-00284B5CDA01}"/>
+                <a16:creationId xmlns:a16="http://schemas.microsoft.com/office/drawing/2014/main" xmlns="" id="{D2A0D301-7423-491D-B88A-00284B5CDA01}"/>
               </a:ext>
             </a:extLst>
           </p:cNvPr>
@@ -15623,7 +15849,7 @@
           <p:cNvPr id="6" name="Inhaltsplatzhalter 5">
             <a:extLst>
               <a:ext uri="{FF2B5EF4-FFF2-40B4-BE49-F238E27FC236}">
-                <a16:creationId xmlns="" xmlns:a16="http://schemas.microsoft.com/office/drawing/2014/main" id="{BF43011D-4F7C-459A-9721-FCA2C94E49ED}"/>
+                <a16:creationId xmlns:a16="http://schemas.microsoft.com/office/drawing/2014/main" xmlns="" id="{BF43011D-4F7C-459A-9721-FCA2C94E49ED}"/>
               </a:ext>
             </a:extLst>
           </p:cNvPr>
@@ -15774,7 +16000,7 @@
           <p:cNvPr id="2" name="Titel 1">
             <a:extLst>
               <a:ext uri="{FF2B5EF4-FFF2-40B4-BE49-F238E27FC236}">
-                <a16:creationId xmlns="" xmlns:a16="http://schemas.microsoft.com/office/drawing/2014/main" id="{CCA05B1B-E1C2-4E9F-B6DA-CE4B98CEC947}"/>
+                <a16:creationId xmlns:a16="http://schemas.microsoft.com/office/drawing/2014/main" xmlns="" id="{CCA05B1B-E1C2-4E9F-B6DA-CE4B98CEC947}"/>
               </a:ext>
             </a:extLst>
           </p:cNvPr>
@@ -15803,7 +16029,7 @@
           <p:cNvPr id="3" name="Datumsplatzhalter 2">
             <a:extLst>
               <a:ext uri="{FF2B5EF4-FFF2-40B4-BE49-F238E27FC236}">
-                <a16:creationId xmlns="" xmlns:a16="http://schemas.microsoft.com/office/drawing/2014/main" id="{A1AEC51A-A8E5-4C20-8CCD-3E7462159340}"/>
+                <a16:creationId xmlns:a16="http://schemas.microsoft.com/office/drawing/2014/main" xmlns="" id="{A1AEC51A-A8E5-4C20-8CCD-3E7462159340}"/>
               </a:ext>
             </a:extLst>
           </p:cNvPr>
@@ -15821,7 +16047,7 @@
           <a:p>
             <a:fld id="{48352B5A-167D-4ED6-B7C9-BDA647A8BA51}" type="datetime1">
               <a:rPr lang="de-DE" smtClean="0"/>
-              <a:t>19.11.2018</a:t>
+              <a:t>23.11.2018</a:t>
             </a:fld>
             <a:endParaRPr lang="de-DE"/>
           </a:p>
@@ -15832,7 +16058,7 @@
           <p:cNvPr id="4" name="Fußzeilenplatzhalter 3">
             <a:extLst>
               <a:ext uri="{FF2B5EF4-FFF2-40B4-BE49-F238E27FC236}">
-                <a16:creationId xmlns="" xmlns:a16="http://schemas.microsoft.com/office/drawing/2014/main" id="{C58DE1F8-A56E-4272-937F-4EBCD7C5A773}"/>
+                <a16:creationId xmlns:a16="http://schemas.microsoft.com/office/drawing/2014/main" xmlns="" id="{C58DE1F8-A56E-4272-937F-4EBCD7C5A773}"/>
               </a:ext>
             </a:extLst>
           </p:cNvPr>
@@ -15861,7 +16087,7 @@
           <p:cNvPr id="5" name="Foliennummernplatzhalter 4">
             <a:extLst>
               <a:ext uri="{FF2B5EF4-FFF2-40B4-BE49-F238E27FC236}">
-                <a16:creationId xmlns="" xmlns:a16="http://schemas.microsoft.com/office/drawing/2014/main" id="{9661B9BC-E21D-4BDF-89FB-988166B5DD10}"/>
+                <a16:creationId xmlns:a16="http://schemas.microsoft.com/office/drawing/2014/main" xmlns="" id="{9661B9BC-E21D-4BDF-89FB-988166B5DD10}"/>
               </a:ext>
             </a:extLst>
           </p:cNvPr>
@@ -15890,7 +16116,7 @@
           <p:cNvPr id="6" name="Inhaltsplatzhalter 5">
             <a:extLst>
               <a:ext uri="{FF2B5EF4-FFF2-40B4-BE49-F238E27FC236}">
-                <a16:creationId xmlns="" xmlns:a16="http://schemas.microsoft.com/office/drawing/2014/main" id="{FD4182D0-A7EC-4DAA-A304-CBEF38E9CCCD}"/>
+                <a16:creationId xmlns:a16="http://schemas.microsoft.com/office/drawing/2014/main" xmlns="" id="{FD4182D0-A7EC-4DAA-A304-CBEF38E9CCCD}"/>
               </a:ext>
             </a:extLst>
           </p:cNvPr>
@@ -16346,7 +16572,7 @@
           <p:cNvPr id="2" name="Titel 1">
             <a:extLst>
               <a:ext uri="{FF2B5EF4-FFF2-40B4-BE49-F238E27FC236}">
-                <a16:creationId xmlns="" xmlns:a16="http://schemas.microsoft.com/office/drawing/2014/main" id="{4DD1A517-2153-47AD-B381-44E3461F919C}"/>
+                <a16:creationId xmlns:a16="http://schemas.microsoft.com/office/drawing/2014/main" xmlns="" id="{4DD1A517-2153-47AD-B381-44E3461F919C}"/>
               </a:ext>
             </a:extLst>
           </p:cNvPr>
@@ -16374,7 +16600,7 @@
           <p:cNvPr id="3" name="Datumsplatzhalter 2">
             <a:extLst>
               <a:ext uri="{FF2B5EF4-FFF2-40B4-BE49-F238E27FC236}">
-                <a16:creationId xmlns="" xmlns:a16="http://schemas.microsoft.com/office/drawing/2014/main" id="{2084E62A-4B7D-4721-B9B8-855809566781}"/>
+                <a16:creationId xmlns:a16="http://schemas.microsoft.com/office/drawing/2014/main" xmlns="" id="{2084E62A-4B7D-4721-B9B8-855809566781}"/>
               </a:ext>
             </a:extLst>
           </p:cNvPr>
@@ -16392,7 +16618,7 @@
           <a:p>
             <a:fld id="{48352B5A-167D-4ED6-B7C9-BDA647A8BA51}" type="datetime1">
               <a:rPr lang="de-DE" smtClean="0"/>
-              <a:t>19.11.2018</a:t>
+              <a:t>23.11.2018</a:t>
             </a:fld>
             <a:endParaRPr lang="de-DE"/>
           </a:p>
@@ -16403,7 +16629,7 @@
           <p:cNvPr id="4" name="Fußzeilenplatzhalter 3">
             <a:extLst>
               <a:ext uri="{FF2B5EF4-FFF2-40B4-BE49-F238E27FC236}">
-                <a16:creationId xmlns="" xmlns:a16="http://schemas.microsoft.com/office/drawing/2014/main" id="{756ED2BE-EEA0-46D0-B68B-FDA9D1F8BB5B}"/>
+                <a16:creationId xmlns:a16="http://schemas.microsoft.com/office/drawing/2014/main" xmlns="" id="{756ED2BE-EEA0-46D0-B68B-FDA9D1F8BB5B}"/>
               </a:ext>
             </a:extLst>
           </p:cNvPr>
@@ -16432,7 +16658,7 @@
           <p:cNvPr id="5" name="Foliennummernplatzhalter 4">
             <a:extLst>
               <a:ext uri="{FF2B5EF4-FFF2-40B4-BE49-F238E27FC236}">
-                <a16:creationId xmlns="" xmlns:a16="http://schemas.microsoft.com/office/drawing/2014/main" id="{5B806AB8-19DE-49A2-9336-B72C363851F3}"/>
+                <a16:creationId xmlns:a16="http://schemas.microsoft.com/office/drawing/2014/main" xmlns="" id="{5B806AB8-19DE-49A2-9336-B72C363851F3}"/>
               </a:ext>
             </a:extLst>
           </p:cNvPr>
@@ -16461,7 +16687,7 @@
           <p:cNvPr id="6" name="Inhaltsplatzhalter 5">
             <a:extLst>
               <a:ext uri="{FF2B5EF4-FFF2-40B4-BE49-F238E27FC236}">
-                <a16:creationId xmlns="" xmlns:a16="http://schemas.microsoft.com/office/drawing/2014/main" id="{F5428315-4404-44E6-B96A-F577554B8540}"/>
+                <a16:creationId xmlns:a16="http://schemas.microsoft.com/office/drawing/2014/main" xmlns="" id="{F5428315-4404-44E6-B96A-F577554B8540}"/>
               </a:ext>
             </a:extLst>
           </p:cNvPr>
@@ -16609,7 +16835,7 @@
           <p:cNvPr id="2" name="Titel 1">
             <a:extLst>
               <a:ext uri="{FF2B5EF4-FFF2-40B4-BE49-F238E27FC236}">
-                <a16:creationId xmlns="" xmlns:a16="http://schemas.microsoft.com/office/drawing/2014/main" id="{0C0DB3E2-4658-409F-B031-17E1A0B0F337}"/>
+                <a16:creationId xmlns:a16="http://schemas.microsoft.com/office/drawing/2014/main" xmlns="" id="{0C0DB3E2-4658-409F-B031-17E1A0B0F337}"/>
               </a:ext>
             </a:extLst>
           </p:cNvPr>
@@ -16666,7 +16892,7 @@
           <p:cNvPr id="3" name="Datumsplatzhalter 2">
             <a:extLst>
               <a:ext uri="{FF2B5EF4-FFF2-40B4-BE49-F238E27FC236}">
-                <a16:creationId xmlns="" xmlns:a16="http://schemas.microsoft.com/office/drawing/2014/main" id="{780E1921-AE6D-41E3-A590-2E62A1F457D8}"/>
+                <a16:creationId xmlns:a16="http://schemas.microsoft.com/office/drawing/2014/main" xmlns="" id="{780E1921-AE6D-41E3-A590-2E62A1F457D8}"/>
               </a:ext>
             </a:extLst>
           </p:cNvPr>
@@ -16684,7 +16910,7 @@
           <a:p>
             <a:fld id="{48352B5A-167D-4ED6-B7C9-BDA647A8BA51}" type="datetime1">
               <a:rPr lang="de-DE" smtClean="0"/>
-              <a:t>19.11.2018</a:t>
+              <a:t>23.11.2018</a:t>
             </a:fld>
             <a:endParaRPr lang="de-DE"/>
           </a:p>
@@ -16695,7 +16921,7 @@
           <p:cNvPr id="4" name="Fußzeilenplatzhalter 3">
             <a:extLst>
               <a:ext uri="{FF2B5EF4-FFF2-40B4-BE49-F238E27FC236}">
-                <a16:creationId xmlns="" xmlns:a16="http://schemas.microsoft.com/office/drawing/2014/main" id="{6A8CDA32-906C-4021-8502-E9D836DB1471}"/>
+                <a16:creationId xmlns:a16="http://schemas.microsoft.com/office/drawing/2014/main" xmlns="" id="{6A8CDA32-906C-4021-8502-E9D836DB1471}"/>
               </a:ext>
             </a:extLst>
           </p:cNvPr>
@@ -16724,7 +16950,7 @@
           <p:cNvPr id="5" name="Foliennummernplatzhalter 4">
             <a:extLst>
               <a:ext uri="{FF2B5EF4-FFF2-40B4-BE49-F238E27FC236}">
-                <a16:creationId xmlns="" xmlns:a16="http://schemas.microsoft.com/office/drawing/2014/main" id="{2ACACBEF-72CB-446C-8EC8-42019FF03A7E}"/>
+                <a16:creationId xmlns:a16="http://schemas.microsoft.com/office/drawing/2014/main" xmlns="" id="{2ACACBEF-72CB-446C-8EC8-42019FF03A7E}"/>
               </a:ext>
             </a:extLst>
           </p:cNvPr>
@@ -16753,7 +16979,7 @@
           <p:cNvPr id="6" name="Inhaltsplatzhalter 5">
             <a:extLst>
               <a:ext uri="{FF2B5EF4-FFF2-40B4-BE49-F238E27FC236}">
-                <a16:creationId xmlns="" xmlns:a16="http://schemas.microsoft.com/office/drawing/2014/main" id="{905A3F6F-EEE0-400F-98F9-C2A6B8C37984}"/>
+                <a16:creationId xmlns:a16="http://schemas.microsoft.com/office/drawing/2014/main" xmlns="" id="{905A3F6F-EEE0-400F-98F9-C2A6B8C37984}"/>
               </a:ext>
             </a:extLst>
           </p:cNvPr>
@@ -16896,7 +17122,7 @@
           <p:cNvPr id="2" name="Titel 1">
             <a:extLst>
               <a:ext uri="{FF2B5EF4-FFF2-40B4-BE49-F238E27FC236}">
-                <a16:creationId xmlns="" xmlns:a16="http://schemas.microsoft.com/office/drawing/2014/main" id="{9533BD00-316B-40FA-977C-893D5D393A76}"/>
+                <a16:creationId xmlns:a16="http://schemas.microsoft.com/office/drawing/2014/main" xmlns="" id="{9533BD00-316B-40FA-977C-893D5D393A76}"/>
               </a:ext>
             </a:extLst>
           </p:cNvPr>
@@ -16924,7 +17150,7 @@
           <p:cNvPr id="3" name="Datumsplatzhalter 2">
             <a:extLst>
               <a:ext uri="{FF2B5EF4-FFF2-40B4-BE49-F238E27FC236}">
-                <a16:creationId xmlns="" xmlns:a16="http://schemas.microsoft.com/office/drawing/2014/main" id="{6EBC6BBC-72FB-4DA9-83A3-BCEC3C0AECB3}"/>
+                <a16:creationId xmlns:a16="http://schemas.microsoft.com/office/drawing/2014/main" xmlns="" id="{6EBC6BBC-72FB-4DA9-83A3-BCEC3C0AECB3}"/>
               </a:ext>
             </a:extLst>
           </p:cNvPr>
@@ -16942,7 +17168,7 @@
           <a:p>
             <a:fld id="{48352B5A-167D-4ED6-B7C9-BDA647A8BA51}" type="datetime1">
               <a:rPr lang="de-DE" smtClean="0"/>
-              <a:t>19.11.2018</a:t>
+              <a:t>23.11.2018</a:t>
             </a:fld>
             <a:endParaRPr lang="de-DE"/>
           </a:p>
@@ -16953,7 +17179,7 @@
           <p:cNvPr id="4" name="Fußzeilenplatzhalter 3">
             <a:extLst>
               <a:ext uri="{FF2B5EF4-FFF2-40B4-BE49-F238E27FC236}">
-                <a16:creationId xmlns="" xmlns:a16="http://schemas.microsoft.com/office/drawing/2014/main" id="{C5F02BA4-B103-41B2-B9F3-2934F1261141}"/>
+                <a16:creationId xmlns:a16="http://schemas.microsoft.com/office/drawing/2014/main" xmlns="" id="{C5F02BA4-B103-41B2-B9F3-2934F1261141}"/>
               </a:ext>
             </a:extLst>
           </p:cNvPr>
@@ -16982,7 +17208,7 @@
           <p:cNvPr id="5" name="Foliennummernplatzhalter 4">
             <a:extLst>
               <a:ext uri="{FF2B5EF4-FFF2-40B4-BE49-F238E27FC236}">
-                <a16:creationId xmlns="" xmlns:a16="http://schemas.microsoft.com/office/drawing/2014/main" id="{015305BA-6C1B-447C-B141-8E67770F3F86}"/>
+                <a16:creationId xmlns:a16="http://schemas.microsoft.com/office/drawing/2014/main" xmlns="" id="{015305BA-6C1B-447C-B141-8E67770F3F86}"/>
               </a:ext>
             </a:extLst>
           </p:cNvPr>
@@ -17011,7 +17237,7 @@
           <p:cNvPr id="6" name="Inhaltsplatzhalter 5">
             <a:extLst>
               <a:ext uri="{FF2B5EF4-FFF2-40B4-BE49-F238E27FC236}">
-                <a16:creationId xmlns="" xmlns:a16="http://schemas.microsoft.com/office/drawing/2014/main" id="{413DFB83-345C-4C3B-A1B6-E0902922A307}"/>
+                <a16:creationId xmlns:a16="http://schemas.microsoft.com/office/drawing/2014/main" xmlns="" id="{413DFB83-345C-4C3B-A1B6-E0902922A307}"/>
               </a:ext>
             </a:extLst>
           </p:cNvPr>
@@ -17096,7 +17322,7 @@
           <p:cNvPr id="2" name="Titel 1">
             <a:extLst>
               <a:ext uri="{FF2B5EF4-FFF2-40B4-BE49-F238E27FC236}">
-                <a16:creationId xmlns="" xmlns:a16="http://schemas.microsoft.com/office/drawing/2014/main" id="{30A540A0-C8A6-46EA-8802-C4C8D5242D8D}"/>
+                <a16:creationId xmlns:a16="http://schemas.microsoft.com/office/drawing/2014/main" xmlns="" id="{30A540A0-C8A6-46EA-8802-C4C8D5242D8D}"/>
               </a:ext>
             </a:extLst>
           </p:cNvPr>
@@ -17125,7 +17351,7 @@
           <p:cNvPr id="3" name="Datumsplatzhalter 2">
             <a:extLst>
               <a:ext uri="{FF2B5EF4-FFF2-40B4-BE49-F238E27FC236}">
-                <a16:creationId xmlns="" xmlns:a16="http://schemas.microsoft.com/office/drawing/2014/main" id="{F3710C85-F4FD-4A17-984A-CECC517D32F7}"/>
+                <a16:creationId xmlns:a16="http://schemas.microsoft.com/office/drawing/2014/main" xmlns="" id="{F3710C85-F4FD-4A17-984A-CECC517D32F7}"/>
               </a:ext>
             </a:extLst>
           </p:cNvPr>
@@ -17143,7 +17369,7 @@
           <a:p>
             <a:fld id="{48352B5A-167D-4ED6-B7C9-BDA647A8BA51}" type="datetime1">
               <a:rPr lang="de-DE" smtClean="0"/>
-              <a:t>19.11.2018</a:t>
+              <a:t>23.11.2018</a:t>
             </a:fld>
             <a:endParaRPr lang="de-DE"/>
           </a:p>
@@ -17154,7 +17380,7 @@
           <p:cNvPr id="4" name="Fußzeilenplatzhalter 3">
             <a:extLst>
               <a:ext uri="{FF2B5EF4-FFF2-40B4-BE49-F238E27FC236}">
-                <a16:creationId xmlns="" xmlns:a16="http://schemas.microsoft.com/office/drawing/2014/main" id="{2544BC0C-039F-4A6F-BD17-236D6C97C710}"/>
+                <a16:creationId xmlns:a16="http://schemas.microsoft.com/office/drawing/2014/main" xmlns="" id="{2544BC0C-039F-4A6F-BD17-236D6C97C710}"/>
               </a:ext>
             </a:extLst>
           </p:cNvPr>
@@ -17183,7 +17409,7 @@
           <p:cNvPr id="5" name="Foliennummernplatzhalter 4">
             <a:extLst>
               <a:ext uri="{FF2B5EF4-FFF2-40B4-BE49-F238E27FC236}">
-                <a16:creationId xmlns="" xmlns:a16="http://schemas.microsoft.com/office/drawing/2014/main" id="{71734ADA-FA6A-4C87-BB3E-EEE4AF141F43}"/>
+                <a16:creationId xmlns:a16="http://schemas.microsoft.com/office/drawing/2014/main" xmlns="" id="{71734ADA-FA6A-4C87-BB3E-EEE4AF141F43}"/>
               </a:ext>
             </a:extLst>
           </p:cNvPr>
@@ -17212,7 +17438,7 @@
           <p:cNvPr id="6" name="Inhaltsplatzhalter 5">
             <a:extLst>
               <a:ext uri="{FF2B5EF4-FFF2-40B4-BE49-F238E27FC236}">
-                <a16:creationId xmlns="" xmlns:a16="http://schemas.microsoft.com/office/drawing/2014/main" id="{10BF290A-0581-4BFE-80A9-84AECB370DBF}"/>
+                <a16:creationId xmlns:a16="http://schemas.microsoft.com/office/drawing/2014/main" xmlns="" id="{10BF290A-0581-4BFE-80A9-84AECB370DBF}"/>
               </a:ext>
             </a:extLst>
           </p:cNvPr>
@@ -17326,7 +17552,7 @@
           <p:cNvPr id="2" name="Titel 1">
             <a:extLst>
               <a:ext uri="{FF2B5EF4-FFF2-40B4-BE49-F238E27FC236}">
-                <a16:creationId xmlns="" xmlns:a16="http://schemas.microsoft.com/office/drawing/2014/main" id="{277D5125-1CDF-4B89-92F2-B5700CF89541}"/>
+                <a16:creationId xmlns:a16="http://schemas.microsoft.com/office/drawing/2014/main" xmlns="" id="{277D5125-1CDF-4B89-92F2-B5700CF89541}"/>
               </a:ext>
             </a:extLst>
           </p:cNvPr>
@@ -17354,7 +17580,7 @@
           <p:cNvPr id="3" name="Datumsplatzhalter 2">
             <a:extLst>
               <a:ext uri="{FF2B5EF4-FFF2-40B4-BE49-F238E27FC236}">
-                <a16:creationId xmlns="" xmlns:a16="http://schemas.microsoft.com/office/drawing/2014/main" id="{69914CF5-DFA4-4959-9A4F-60788B72D493}"/>
+                <a16:creationId xmlns:a16="http://schemas.microsoft.com/office/drawing/2014/main" xmlns="" id="{69914CF5-DFA4-4959-9A4F-60788B72D493}"/>
               </a:ext>
             </a:extLst>
           </p:cNvPr>
@@ -17372,7 +17598,7 @@
           <a:p>
             <a:fld id="{48352B5A-167D-4ED6-B7C9-BDA647A8BA51}" type="datetime1">
               <a:rPr lang="de-DE" smtClean="0"/>
-              <a:t>19.11.2018</a:t>
+              <a:t>23.11.2018</a:t>
             </a:fld>
             <a:endParaRPr lang="de-DE"/>
           </a:p>
@@ -17383,7 +17609,7 @@
           <p:cNvPr id="4" name="Fußzeilenplatzhalter 3">
             <a:extLst>
               <a:ext uri="{FF2B5EF4-FFF2-40B4-BE49-F238E27FC236}">
-                <a16:creationId xmlns="" xmlns:a16="http://schemas.microsoft.com/office/drawing/2014/main" id="{9645914B-8D7E-459B-B671-C63BD11EC31F}"/>
+                <a16:creationId xmlns:a16="http://schemas.microsoft.com/office/drawing/2014/main" xmlns="" id="{9645914B-8D7E-459B-B671-C63BD11EC31F}"/>
               </a:ext>
             </a:extLst>
           </p:cNvPr>
@@ -17412,7 +17638,7 @@
           <p:cNvPr id="5" name="Foliennummernplatzhalter 4">
             <a:extLst>
               <a:ext uri="{FF2B5EF4-FFF2-40B4-BE49-F238E27FC236}">
-                <a16:creationId xmlns="" xmlns:a16="http://schemas.microsoft.com/office/drawing/2014/main" id="{C5C4F5C6-296E-4E85-A8AB-353D72F30178}"/>
+                <a16:creationId xmlns:a16="http://schemas.microsoft.com/office/drawing/2014/main" xmlns="" id="{C5C4F5C6-296E-4E85-A8AB-353D72F30178}"/>
               </a:ext>
             </a:extLst>
           </p:cNvPr>
@@ -17441,7 +17667,7 @@
           <p:cNvPr id="6" name="Inhaltsplatzhalter 5">
             <a:extLst>
               <a:ext uri="{FF2B5EF4-FFF2-40B4-BE49-F238E27FC236}">
-                <a16:creationId xmlns="" xmlns:a16="http://schemas.microsoft.com/office/drawing/2014/main" id="{B9B1320D-DC29-4B11-985D-CF9752F11BAA}"/>
+                <a16:creationId xmlns:a16="http://schemas.microsoft.com/office/drawing/2014/main" xmlns="" id="{B9B1320D-DC29-4B11-985D-CF9752F11BAA}"/>
               </a:ext>
             </a:extLst>
           </p:cNvPr>
@@ -17529,7 +17755,7 @@
           <p:cNvPr id="2" name="Titel 1">
             <a:extLst>
               <a:ext uri="{FF2B5EF4-FFF2-40B4-BE49-F238E27FC236}">
-                <a16:creationId xmlns="" xmlns:a16="http://schemas.microsoft.com/office/drawing/2014/main" id="{16FC8DF1-C9D7-46E3-83D6-5072C1A46605}"/>
+                <a16:creationId xmlns:a16="http://schemas.microsoft.com/office/drawing/2014/main" xmlns="" id="{16FC8DF1-C9D7-46E3-83D6-5072C1A46605}"/>
               </a:ext>
             </a:extLst>
           </p:cNvPr>
@@ -17558,7 +17784,7 @@
           <p:cNvPr id="3" name="Datumsplatzhalter 2">
             <a:extLst>
               <a:ext uri="{FF2B5EF4-FFF2-40B4-BE49-F238E27FC236}">
-                <a16:creationId xmlns="" xmlns:a16="http://schemas.microsoft.com/office/drawing/2014/main" id="{3D29B4A2-9112-46E2-AA35-B3CB5AFF7FB6}"/>
+                <a16:creationId xmlns:a16="http://schemas.microsoft.com/office/drawing/2014/main" xmlns="" id="{3D29B4A2-9112-46E2-AA35-B3CB5AFF7FB6}"/>
               </a:ext>
             </a:extLst>
           </p:cNvPr>
@@ -17576,7 +17802,7 @@
           <a:p>
             <a:fld id="{48352B5A-167D-4ED6-B7C9-BDA647A8BA51}" type="datetime1">
               <a:rPr lang="de-DE" smtClean="0"/>
-              <a:t>19.11.2018</a:t>
+              <a:t>23.11.2018</a:t>
             </a:fld>
             <a:endParaRPr lang="de-DE"/>
           </a:p>
@@ -17587,7 +17813,7 @@
           <p:cNvPr id="4" name="Fußzeilenplatzhalter 3">
             <a:extLst>
               <a:ext uri="{FF2B5EF4-FFF2-40B4-BE49-F238E27FC236}">
-                <a16:creationId xmlns="" xmlns:a16="http://schemas.microsoft.com/office/drawing/2014/main" id="{1F00B392-37C3-409D-917C-7E7A0603372C}"/>
+                <a16:creationId xmlns:a16="http://schemas.microsoft.com/office/drawing/2014/main" xmlns="" id="{1F00B392-37C3-409D-917C-7E7A0603372C}"/>
               </a:ext>
             </a:extLst>
           </p:cNvPr>
@@ -17616,7 +17842,7 @@
           <p:cNvPr id="5" name="Foliennummernplatzhalter 4">
             <a:extLst>
               <a:ext uri="{FF2B5EF4-FFF2-40B4-BE49-F238E27FC236}">
-                <a16:creationId xmlns="" xmlns:a16="http://schemas.microsoft.com/office/drawing/2014/main" id="{69765797-2376-47D0-ABE6-C28137DD464F}"/>
+                <a16:creationId xmlns:a16="http://schemas.microsoft.com/office/drawing/2014/main" xmlns="" id="{69765797-2376-47D0-ABE6-C28137DD464F}"/>
               </a:ext>
             </a:extLst>
           </p:cNvPr>
@@ -17645,7 +17871,7 @@
           <p:cNvPr id="6" name="Inhaltsplatzhalter 5">
             <a:extLst>
               <a:ext uri="{FF2B5EF4-FFF2-40B4-BE49-F238E27FC236}">
-                <a16:creationId xmlns="" xmlns:a16="http://schemas.microsoft.com/office/drawing/2014/main" id="{F9AC3082-6207-4087-95E7-935FE808DBE8}"/>
+                <a16:creationId xmlns:a16="http://schemas.microsoft.com/office/drawing/2014/main" xmlns="" id="{F9AC3082-6207-4087-95E7-935FE808DBE8}"/>
               </a:ext>
             </a:extLst>
           </p:cNvPr>
@@ -17673,7 +17899,7 @@
           <p:cNvPr id="7" name="Picture 6" descr="Bildergebnis fÃ¼r react materialize">
             <a:extLst>
               <a:ext uri="{FF2B5EF4-FFF2-40B4-BE49-F238E27FC236}">
-                <a16:creationId xmlns="" xmlns:a16="http://schemas.microsoft.com/office/drawing/2014/main" id="{C0CAFA2A-AE5B-40CE-8397-6FBCA589B343}"/>
+                <a16:creationId xmlns:a16="http://schemas.microsoft.com/office/drawing/2014/main" xmlns="" id="{C0CAFA2A-AE5B-40CE-8397-6FBCA589B343}"/>
               </a:ext>
             </a:extLst>
           </p:cNvPr>
@@ -17720,7 +17946,7 @@
           <p:cNvPr id="8" name="Picture 8" descr="Bildergebnis fÃ¼r materialize">
             <a:extLst>
               <a:ext uri="{FF2B5EF4-FFF2-40B4-BE49-F238E27FC236}">
-                <a16:creationId xmlns="" xmlns:a16="http://schemas.microsoft.com/office/drawing/2014/main" id="{B892D75F-C42F-4019-BCA1-3C83CB54BA7E}"/>
+                <a16:creationId xmlns:a16="http://schemas.microsoft.com/office/drawing/2014/main" xmlns="" id="{B892D75F-C42F-4019-BCA1-3C83CB54BA7E}"/>
               </a:ext>
             </a:extLst>
           </p:cNvPr>
@@ -17797,7 +18023,7 @@
           <p:cNvPr id="2" name="Titel 1">
             <a:extLst>
               <a:ext uri="{FF2B5EF4-FFF2-40B4-BE49-F238E27FC236}">
-                <a16:creationId xmlns="" xmlns:a16="http://schemas.microsoft.com/office/drawing/2014/main" id="{1A25A864-1786-4EAE-83DC-AD86345D66E2}"/>
+                <a16:creationId xmlns:a16="http://schemas.microsoft.com/office/drawing/2014/main" xmlns="" id="{1A25A864-1786-4EAE-83DC-AD86345D66E2}"/>
               </a:ext>
             </a:extLst>
           </p:cNvPr>
@@ -17826,7 +18052,7 @@
           <p:cNvPr id="3" name="Datumsplatzhalter 2">
             <a:extLst>
               <a:ext uri="{FF2B5EF4-FFF2-40B4-BE49-F238E27FC236}">
-                <a16:creationId xmlns="" xmlns:a16="http://schemas.microsoft.com/office/drawing/2014/main" id="{8DA016BA-19C7-4468-ABCD-518C3F0BD787}"/>
+                <a16:creationId xmlns:a16="http://schemas.microsoft.com/office/drawing/2014/main" xmlns="" id="{8DA016BA-19C7-4468-ABCD-518C3F0BD787}"/>
               </a:ext>
             </a:extLst>
           </p:cNvPr>
@@ -17844,7 +18070,7 @@
           <a:p>
             <a:fld id="{48352B5A-167D-4ED6-B7C9-BDA647A8BA51}" type="datetime1">
               <a:rPr lang="de-DE" smtClean="0"/>
-              <a:t>19.11.2018</a:t>
+              <a:t>23.11.2018</a:t>
             </a:fld>
             <a:endParaRPr lang="de-DE"/>
           </a:p>
@@ -17855,7 +18081,7 @@
           <p:cNvPr id="4" name="Fußzeilenplatzhalter 3">
             <a:extLst>
               <a:ext uri="{FF2B5EF4-FFF2-40B4-BE49-F238E27FC236}">
-                <a16:creationId xmlns="" xmlns:a16="http://schemas.microsoft.com/office/drawing/2014/main" id="{373631AC-2D09-4E6D-A934-48A22CD70B6E}"/>
+                <a16:creationId xmlns:a16="http://schemas.microsoft.com/office/drawing/2014/main" xmlns="" id="{373631AC-2D09-4E6D-A934-48A22CD70B6E}"/>
               </a:ext>
             </a:extLst>
           </p:cNvPr>
@@ -17884,7 +18110,7 @@
           <p:cNvPr id="5" name="Foliennummernplatzhalter 4">
             <a:extLst>
               <a:ext uri="{FF2B5EF4-FFF2-40B4-BE49-F238E27FC236}">
-                <a16:creationId xmlns="" xmlns:a16="http://schemas.microsoft.com/office/drawing/2014/main" id="{16434493-4DEC-4E9D-B3BD-BA4B31CFD913}"/>
+                <a16:creationId xmlns:a16="http://schemas.microsoft.com/office/drawing/2014/main" xmlns="" id="{16434493-4DEC-4E9D-B3BD-BA4B31CFD913}"/>
               </a:ext>
             </a:extLst>
           </p:cNvPr>
@@ -17913,7 +18139,7 @@
           <p:cNvPr id="6" name="Inhaltsplatzhalter 5">
             <a:extLst>
               <a:ext uri="{FF2B5EF4-FFF2-40B4-BE49-F238E27FC236}">
-                <a16:creationId xmlns="" xmlns:a16="http://schemas.microsoft.com/office/drawing/2014/main" id="{7FF67B39-8F9A-47D2-8D82-0D3EE900B7EA}"/>
+                <a16:creationId xmlns:a16="http://schemas.microsoft.com/office/drawing/2014/main" xmlns="" id="{7FF67B39-8F9A-47D2-8D82-0D3EE900B7EA}"/>
               </a:ext>
             </a:extLst>
           </p:cNvPr>
@@ -18036,7 +18262,7 @@
           <p:cNvPr id="2" name="Titel 1">
             <a:extLst>
               <a:ext uri="{FF2B5EF4-FFF2-40B4-BE49-F238E27FC236}">
-                <a16:creationId xmlns="" xmlns:a16="http://schemas.microsoft.com/office/drawing/2014/main" id="{62B5B1FC-38B6-4AAF-A0D4-8343E72B8BB2}"/>
+                <a16:creationId xmlns:a16="http://schemas.microsoft.com/office/drawing/2014/main" xmlns="" id="{62B5B1FC-38B6-4AAF-A0D4-8343E72B8BB2}"/>
               </a:ext>
             </a:extLst>
           </p:cNvPr>
@@ -18064,7 +18290,7 @@
           <p:cNvPr id="3" name="Datumsplatzhalter 2">
             <a:extLst>
               <a:ext uri="{FF2B5EF4-FFF2-40B4-BE49-F238E27FC236}">
-                <a16:creationId xmlns="" xmlns:a16="http://schemas.microsoft.com/office/drawing/2014/main" id="{35FE2A4F-14D1-453C-8962-28768FDAA94C}"/>
+                <a16:creationId xmlns:a16="http://schemas.microsoft.com/office/drawing/2014/main" xmlns="" id="{35FE2A4F-14D1-453C-8962-28768FDAA94C}"/>
               </a:ext>
             </a:extLst>
           </p:cNvPr>
@@ -18082,7 +18308,7 @@
           <a:p>
             <a:fld id="{48352B5A-167D-4ED6-B7C9-BDA647A8BA51}" type="datetime1">
               <a:rPr lang="de-DE" smtClean="0"/>
-              <a:t>19.11.2018</a:t>
+              <a:t>23.11.2018</a:t>
             </a:fld>
             <a:endParaRPr lang="de-DE"/>
           </a:p>
@@ -18093,7 +18319,7 @@
           <p:cNvPr id="4" name="Fußzeilenplatzhalter 3">
             <a:extLst>
               <a:ext uri="{FF2B5EF4-FFF2-40B4-BE49-F238E27FC236}">
-                <a16:creationId xmlns="" xmlns:a16="http://schemas.microsoft.com/office/drawing/2014/main" id="{69FE2911-271E-4781-8E8D-C6FD249EA02E}"/>
+                <a16:creationId xmlns:a16="http://schemas.microsoft.com/office/drawing/2014/main" xmlns="" id="{69FE2911-271E-4781-8E8D-C6FD249EA02E}"/>
               </a:ext>
             </a:extLst>
           </p:cNvPr>
@@ -18122,7 +18348,7 @@
           <p:cNvPr id="5" name="Foliennummernplatzhalter 4">
             <a:extLst>
               <a:ext uri="{FF2B5EF4-FFF2-40B4-BE49-F238E27FC236}">
-                <a16:creationId xmlns="" xmlns:a16="http://schemas.microsoft.com/office/drawing/2014/main" id="{7974A4C8-7622-4904-A311-5A2D3F872085}"/>
+                <a16:creationId xmlns:a16="http://schemas.microsoft.com/office/drawing/2014/main" xmlns="" id="{7974A4C8-7622-4904-A311-5A2D3F872085}"/>
               </a:ext>
             </a:extLst>
           </p:cNvPr>
@@ -18151,7 +18377,7 @@
           <p:cNvPr id="6" name="Inhaltsplatzhalter 5">
             <a:extLst>
               <a:ext uri="{FF2B5EF4-FFF2-40B4-BE49-F238E27FC236}">
-                <a16:creationId xmlns="" xmlns:a16="http://schemas.microsoft.com/office/drawing/2014/main" id="{8506262F-A1F1-43B6-BB5D-766A37FB0DDF}"/>
+                <a16:creationId xmlns:a16="http://schemas.microsoft.com/office/drawing/2014/main" xmlns="" id="{8506262F-A1F1-43B6-BB5D-766A37FB0DDF}"/>
               </a:ext>
             </a:extLst>
           </p:cNvPr>
@@ -18280,7 +18506,7 @@
           <p:cNvPr id="2" name="Titel 1">
             <a:extLst>
               <a:ext uri="{FF2B5EF4-FFF2-40B4-BE49-F238E27FC236}">
-                <a16:creationId xmlns="" xmlns:a16="http://schemas.microsoft.com/office/drawing/2014/main" id="{0A1A6049-CD7F-4D8C-A11D-F46161BD0A61}"/>
+                <a16:creationId xmlns:a16="http://schemas.microsoft.com/office/drawing/2014/main" xmlns="" id="{0A1A6049-CD7F-4D8C-A11D-F46161BD0A61}"/>
               </a:ext>
             </a:extLst>
           </p:cNvPr>
@@ -18313,7 +18539,7 @@
           <p:cNvPr id="3" name="Datumsplatzhalter 2">
             <a:extLst>
               <a:ext uri="{FF2B5EF4-FFF2-40B4-BE49-F238E27FC236}">
-                <a16:creationId xmlns="" xmlns:a16="http://schemas.microsoft.com/office/drawing/2014/main" id="{C3E5D1B8-CD55-4D78-A71B-0EFAD8E431E8}"/>
+                <a16:creationId xmlns:a16="http://schemas.microsoft.com/office/drawing/2014/main" xmlns="" id="{C3E5D1B8-CD55-4D78-A71B-0EFAD8E431E8}"/>
               </a:ext>
             </a:extLst>
           </p:cNvPr>
@@ -18331,7 +18557,7 @@
           <a:p>
             <a:fld id="{48352B5A-167D-4ED6-B7C9-BDA647A8BA51}" type="datetime1">
               <a:rPr lang="de-DE" smtClean="0"/>
-              <a:t>19.11.2018</a:t>
+              <a:t>23.11.2018</a:t>
             </a:fld>
             <a:endParaRPr lang="de-DE"/>
           </a:p>
@@ -18342,7 +18568,7 @@
           <p:cNvPr id="4" name="Fußzeilenplatzhalter 3">
             <a:extLst>
               <a:ext uri="{FF2B5EF4-FFF2-40B4-BE49-F238E27FC236}">
-                <a16:creationId xmlns="" xmlns:a16="http://schemas.microsoft.com/office/drawing/2014/main" id="{CC69CD03-791F-46AA-BBED-D1E057D848A0}"/>
+                <a16:creationId xmlns:a16="http://schemas.microsoft.com/office/drawing/2014/main" xmlns="" id="{CC69CD03-791F-46AA-BBED-D1E057D848A0}"/>
               </a:ext>
             </a:extLst>
           </p:cNvPr>
@@ -18371,7 +18597,7 @@
           <p:cNvPr id="5" name="Foliennummernplatzhalter 4">
             <a:extLst>
               <a:ext uri="{FF2B5EF4-FFF2-40B4-BE49-F238E27FC236}">
-                <a16:creationId xmlns="" xmlns:a16="http://schemas.microsoft.com/office/drawing/2014/main" id="{F4D3FB05-A4EF-447C-B998-F59D03904616}"/>
+                <a16:creationId xmlns:a16="http://schemas.microsoft.com/office/drawing/2014/main" xmlns="" id="{F4D3FB05-A4EF-447C-B998-F59D03904616}"/>
               </a:ext>
             </a:extLst>
           </p:cNvPr>
@@ -18400,7 +18626,7 @@
           <p:cNvPr id="6" name="Inhaltsplatzhalter 5">
             <a:extLst>
               <a:ext uri="{FF2B5EF4-FFF2-40B4-BE49-F238E27FC236}">
-                <a16:creationId xmlns="" xmlns:a16="http://schemas.microsoft.com/office/drawing/2014/main" id="{B543C937-A1EB-4404-B13C-FE733E7C6AB0}"/>
+                <a16:creationId xmlns:a16="http://schemas.microsoft.com/office/drawing/2014/main" xmlns="" id="{B543C937-A1EB-4404-B13C-FE733E7C6AB0}"/>
               </a:ext>
             </a:extLst>
           </p:cNvPr>
@@ -18596,7 +18822,7 @@
           <p:cNvPr id="2" name="Titel 1">
             <a:extLst>
               <a:ext uri="{FF2B5EF4-FFF2-40B4-BE49-F238E27FC236}">
-                <a16:creationId xmlns="" xmlns:a16="http://schemas.microsoft.com/office/drawing/2014/main" id="{46B71E06-6B08-43AE-A9C8-F9B142FB28CB}"/>
+                <a16:creationId xmlns:a16="http://schemas.microsoft.com/office/drawing/2014/main" xmlns="" id="{46B71E06-6B08-43AE-A9C8-F9B142FB28CB}"/>
               </a:ext>
             </a:extLst>
           </p:cNvPr>
@@ -18624,7 +18850,7 @@
           <p:cNvPr id="3" name="Datumsplatzhalter 2">
             <a:extLst>
               <a:ext uri="{FF2B5EF4-FFF2-40B4-BE49-F238E27FC236}">
-                <a16:creationId xmlns="" xmlns:a16="http://schemas.microsoft.com/office/drawing/2014/main" id="{7DA43725-4CCB-4CF7-B561-C2455E37B695}"/>
+                <a16:creationId xmlns:a16="http://schemas.microsoft.com/office/drawing/2014/main" xmlns="" id="{7DA43725-4CCB-4CF7-B561-C2455E37B695}"/>
               </a:ext>
             </a:extLst>
           </p:cNvPr>
@@ -18642,7 +18868,7 @@
           <a:p>
             <a:fld id="{48352B5A-167D-4ED6-B7C9-BDA647A8BA51}" type="datetime1">
               <a:rPr lang="de-DE" smtClean="0"/>
-              <a:t>19.11.2018</a:t>
+              <a:t>23.11.2018</a:t>
             </a:fld>
             <a:endParaRPr lang="de-DE"/>
           </a:p>
@@ -18653,7 +18879,7 @@
           <p:cNvPr id="4" name="Fußzeilenplatzhalter 3">
             <a:extLst>
               <a:ext uri="{FF2B5EF4-FFF2-40B4-BE49-F238E27FC236}">
-                <a16:creationId xmlns="" xmlns:a16="http://schemas.microsoft.com/office/drawing/2014/main" id="{10B0C594-04E2-4D69-B149-A140EDB73CB9}"/>
+                <a16:creationId xmlns:a16="http://schemas.microsoft.com/office/drawing/2014/main" xmlns="" id="{10B0C594-04E2-4D69-B149-A140EDB73CB9}"/>
               </a:ext>
             </a:extLst>
           </p:cNvPr>
@@ -18682,7 +18908,7 @@
           <p:cNvPr id="5" name="Foliennummernplatzhalter 4">
             <a:extLst>
               <a:ext uri="{FF2B5EF4-FFF2-40B4-BE49-F238E27FC236}">
-                <a16:creationId xmlns="" xmlns:a16="http://schemas.microsoft.com/office/drawing/2014/main" id="{CB7B5591-8305-4064-885D-68FF19B8D5AF}"/>
+                <a16:creationId xmlns:a16="http://schemas.microsoft.com/office/drawing/2014/main" xmlns="" id="{CB7B5591-8305-4064-885D-68FF19B8D5AF}"/>
               </a:ext>
             </a:extLst>
           </p:cNvPr>
@@ -18711,7 +18937,7 @@
           <p:cNvPr id="6" name="Inhaltsplatzhalter 5">
             <a:extLst>
               <a:ext uri="{FF2B5EF4-FFF2-40B4-BE49-F238E27FC236}">
-                <a16:creationId xmlns="" xmlns:a16="http://schemas.microsoft.com/office/drawing/2014/main" id="{7804FF59-5423-4D10-A437-717C62ABF253}"/>
+                <a16:creationId xmlns:a16="http://schemas.microsoft.com/office/drawing/2014/main" xmlns="" id="{7804FF59-5423-4D10-A437-717C62ABF253}"/>
               </a:ext>
             </a:extLst>
           </p:cNvPr>
@@ -19251,7 +19477,7 @@
           <p:cNvPr id="2" name="Titel 1">
             <a:extLst>
               <a:ext uri="{FF2B5EF4-FFF2-40B4-BE49-F238E27FC236}">
-                <a16:creationId xmlns="" xmlns:a16="http://schemas.microsoft.com/office/drawing/2014/main" id="{8042B2D6-B688-4F1D-84D9-EDA826C78953}"/>
+                <a16:creationId xmlns:a16="http://schemas.microsoft.com/office/drawing/2014/main" xmlns="" id="{8042B2D6-B688-4F1D-84D9-EDA826C78953}"/>
               </a:ext>
             </a:extLst>
           </p:cNvPr>
@@ -19279,7 +19505,7 @@
           <p:cNvPr id="3" name="Datumsplatzhalter 2">
             <a:extLst>
               <a:ext uri="{FF2B5EF4-FFF2-40B4-BE49-F238E27FC236}">
-                <a16:creationId xmlns="" xmlns:a16="http://schemas.microsoft.com/office/drawing/2014/main" id="{3ACE59C4-9F78-442E-B097-940CD623DDA4}"/>
+                <a16:creationId xmlns:a16="http://schemas.microsoft.com/office/drawing/2014/main" xmlns="" id="{3ACE59C4-9F78-442E-B097-940CD623DDA4}"/>
               </a:ext>
             </a:extLst>
           </p:cNvPr>
@@ -19297,7 +19523,7 @@
           <a:p>
             <a:fld id="{48352B5A-167D-4ED6-B7C9-BDA647A8BA51}" type="datetime1">
               <a:rPr lang="de-DE" smtClean="0"/>
-              <a:t>19.11.2018</a:t>
+              <a:t>23.11.2018</a:t>
             </a:fld>
             <a:endParaRPr lang="de-DE"/>
           </a:p>
@@ -19308,7 +19534,7 @@
           <p:cNvPr id="4" name="Fußzeilenplatzhalter 3">
             <a:extLst>
               <a:ext uri="{FF2B5EF4-FFF2-40B4-BE49-F238E27FC236}">
-                <a16:creationId xmlns="" xmlns:a16="http://schemas.microsoft.com/office/drawing/2014/main" id="{F52C1658-D4C8-4A3A-B9BC-86F6FBA0F7D1}"/>
+                <a16:creationId xmlns:a16="http://schemas.microsoft.com/office/drawing/2014/main" xmlns="" id="{F52C1658-D4C8-4A3A-B9BC-86F6FBA0F7D1}"/>
               </a:ext>
             </a:extLst>
           </p:cNvPr>
@@ -19337,7 +19563,7 @@
           <p:cNvPr id="5" name="Foliennummernplatzhalter 4">
             <a:extLst>
               <a:ext uri="{FF2B5EF4-FFF2-40B4-BE49-F238E27FC236}">
-                <a16:creationId xmlns="" xmlns:a16="http://schemas.microsoft.com/office/drawing/2014/main" id="{F43F19DB-E8A2-43A6-AC7E-DCD86348DAC2}"/>
+                <a16:creationId xmlns:a16="http://schemas.microsoft.com/office/drawing/2014/main" xmlns="" id="{F43F19DB-E8A2-43A6-AC7E-DCD86348DAC2}"/>
               </a:ext>
             </a:extLst>
           </p:cNvPr>
@@ -19366,7 +19592,7 @@
           <p:cNvPr id="6" name="Inhaltsplatzhalter 5">
             <a:extLst>
               <a:ext uri="{FF2B5EF4-FFF2-40B4-BE49-F238E27FC236}">
-                <a16:creationId xmlns="" xmlns:a16="http://schemas.microsoft.com/office/drawing/2014/main" id="{E0F22198-5871-4C94-93BB-9B27AED95ADE}"/>
+                <a16:creationId xmlns:a16="http://schemas.microsoft.com/office/drawing/2014/main" xmlns="" id="{E0F22198-5871-4C94-93BB-9B27AED95ADE}"/>
               </a:ext>
             </a:extLst>
           </p:cNvPr>
@@ -19492,7 +19718,7 @@
           <p:cNvPr id="2" name="Titel 1">
             <a:extLst>
               <a:ext uri="{FF2B5EF4-FFF2-40B4-BE49-F238E27FC236}">
-                <a16:creationId xmlns="" xmlns:a16="http://schemas.microsoft.com/office/drawing/2014/main" id="{13093AFF-9982-4D9C-9691-6A5C95B724A4}"/>
+                <a16:creationId xmlns:a16="http://schemas.microsoft.com/office/drawing/2014/main" xmlns="" id="{13093AFF-9982-4D9C-9691-6A5C95B724A4}"/>
               </a:ext>
             </a:extLst>
           </p:cNvPr>
@@ -19520,7 +19746,7 @@
           <p:cNvPr id="3" name="Datumsplatzhalter 2">
             <a:extLst>
               <a:ext uri="{FF2B5EF4-FFF2-40B4-BE49-F238E27FC236}">
-                <a16:creationId xmlns="" xmlns:a16="http://schemas.microsoft.com/office/drawing/2014/main" id="{05E33F24-E000-4573-8CB2-9728D363B7A7}"/>
+                <a16:creationId xmlns:a16="http://schemas.microsoft.com/office/drawing/2014/main" xmlns="" id="{05E33F24-E000-4573-8CB2-9728D363B7A7}"/>
               </a:ext>
             </a:extLst>
           </p:cNvPr>
@@ -19538,7 +19764,7 @@
           <a:p>
             <a:fld id="{48352B5A-167D-4ED6-B7C9-BDA647A8BA51}" type="datetime1">
               <a:rPr lang="de-DE" smtClean="0"/>
-              <a:t>19.11.2018</a:t>
+              <a:t>23.11.2018</a:t>
             </a:fld>
             <a:endParaRPr lang="de-DE"/>
           </a:p>
@@ -19549,7 +19775,7 @@
           <p:cNvPr id="4" name="Fußzeilenplatzhalter 3">
             <a:extLst>
               <a:ext uri="{FF2B5EF4-FFF2-40B4-BE49-F238E27FC236}">
-                <a16:creationId xmlns="" xmlns:a16="http://schemas.microsoft.com/office/drawing/2014/main" id="{000A925A-FD0A-4D78-AC6A-542A4745A732}"/>
+                <a16:creationId xmlns:a16="http://schemas.microsoft.com/office/drawing/2014/main" xmlns="" id="{000A925A-FD0A-4D78-AC6A-542A4745A732}"/>
               </a:ext>
             </a:extLst>
           </p:cNvPr>
@@ -19578,7 +19804,7 @@
           <p:cNvPr id="5" name="Foliennummernplatzhalter 4">
             <a:extLst>
               <a:ext uri="{FF2B5EF4-FFF2-40B4-BE49-F238E27FC236}">
-                <a16:creationId xmlns="" xmlns:a16="http://schemas.microsoft.com/office/drawing/2014/main" id="{FA2E024D-F892-4351-926C-DB54CEF5947F}"/>
+                <a16:creationId xmlns:a16="http://schemas.microsoft.com/office/drawing/2014/main" xmlns="" id="{FA2E024D-F892-4351-926C-DB54CEF5947F}"/>
               </a:ext>
             </a:extLst>
           </p:cNvPr>
@@ -19607,7 +19833,7 @@
           <p:cNvPr id="6" name="Inhaltsplatzhalter 5">
             <a:extLst>
               <a:ext uri="{FF2B5EF4-FFF2-40B4-BE49-F238E27FC236}">
-                <a16:creationId xmlns="" xmlns:a16="http://schemas.microsoft.com/office/drawing/2014/main" id="{8E1140B5-A34B-4D01-ABD5-596BE1B079E2}"/>
+                <a16:creationId xmlns:a16="http://schemas.microsoft.com/office/drawing/2014/main" xmlns="" id="{8E1140B5-A34B-4D01-ABD5-596BE1B079E2}"/>
               </a:ext>
             </a:extLst>
           </p:cNvPr>
@@ -19671,7 +19897,7 @@
           <p:cNvPr id="2" name="Titel 1">
             <a:extLst>
               <a:ext uri="{FF2B5EF4-FFF2-40B4-BE49-F238E27FC236}">
-                <a16:creationId xmlns="" xmlns:a16="http://schemas.microsoft.com/office/drawing/2014/main" id="{E9B35454-1B7A-4569-83B8-3FB8AD200E0A}"/>
+                <a16:creationId xmlns:a16="http://schemas.microsoft.com/office/drawing/2014/main" xmlns="" id="{E9B35454-1B7A-4569-83B8-3FB8AD200E0A}"/>
               </a:ext>
             </a:extLst>
           </p:cNvPr>
@@ -19699,7 +19925,7 @@
           <p:cNvPr id="3" name="Datumsplatzhalter 2">
             <a:extLst>
               <a:ext uri="{FF2B5EF4-FFF2-40B4-BE49-F238E27FC236}">
-                <a16:creationId xmlns="" xmlns:a16="http://schemas.microsoft.com/office/drawing/2014/main" id="{6E1A6C03-37BC-4379-8658-907529B6B3EC}"/>
+                <a16:creationId xmlns:a16="http://schemas.microsoft.com/office/drawing/2014/main" xmlns="" id="{6E1A6C03-37BC-4379-8658-907529B6B3EC}"/>
               </a:ext>
             </a:extLst>
           </p:cNvPr>
@@ -19717,7 +19943,7 @@
           <a:p>
             <a:fld id="{48352B5A-167D-4ED6-B7C9-BDA647A8BA51}" type="datetime1">
               <a:rPr lang="de-DE" smtClean="0"/>
-              <a:t>19.11.2018</a:t>
+              <a:t>23.11.2018</a:t>
             </a:fld>
             <a:endParaRPr lang="de-DE"/>
           </a:p>
@@ -19728,7 +19954,7 @@
           <p:cNvPr id="4" name="Fußzeilenplatzhalter 3">
             <a:extLst>
               <a:ext uri="{FF2B5EF4-FFF2-40B4-BE49-F238E27FC236}">
-                <a16:creationId xmlns="" xmlns:a16="http://schemas.microsoft.com/office/drawing/2014/main" id="{A5217030-2252-4148-A2CE-3B187F8FEFBF}"/>
+                <a16:creationId xmlns:a16="http://schemas.microsoft.com/office/drawing/2014/main" xmlns="" id="{A5217030-2252-4148-A2CE-3B187F8FEFBF}"/>
               </a:ext>
             </a:extLst>
           </p:cNvPr>
@@ -19757,7 +19983,7 @@
           <p:cNvPr id="5" name="Foliennummernplatzhalter 4">
             <a:extLst>
               <a:ext uri="{FF2B5EF4-FFF2-40B4-BE49-F238E27FC236}">
-                <a16:creationId xmlns="" xmlns:a16="http://schemas.microsoft.com/office/drawing/2014/main" id="{1C505F7D-B47C-4579-8695-2FFC1C43940A}"/>
+                <a16:creationId xmlns:a16="http://schemas.microsoft.com/office/drawing/2014/main" xmlns="" id="{1C505F7D-B47C-4579-8695-2FFC1C43940A}"/>
               </a:ext>
             </a:extLst>
           </p:cNvPr>
@@ -19786,7 +20012,7 @@
           <p:cNvPr id="6" name="Inhaltsplatzhalter 5">
             <a:extLst>
               <a:ext uri="{FF2B5EF4-FFF2-40B4-BE49-F238E27FC236}">
-                <a16:creationId xmlns="" xmlns:a16="http://schemas.microsoft.com/office/drawing/2014/main" id="{184380C6-5408-4921-A602-0EC77F90E7B8}"/>
+                <a16:creationId xmlns:a16="http://schemas.microsoft.com/office/drawing/2014/main" xmlns="" id="{184380C6-5408-4921-A602-0EC77F90E7B8}"/>
               </a:ext>
             </a:extLst>
           </p:cNvPr>
@@ -19886,7 +20112,7 @@
           <p:cNvPr id="2" name="Titel 1">
             <a:extLst>
               <a:ext uri="{FF2B5EF4-FFF2-40B4-BE49-F238E27FC236}">
-                <a16:creationId xmlns="" xmlns:a16="http://schemas.microsoft.com/office/drawing/2014/main" id="{FB3D4AA2-6BD9-4FAA-BD20-ACECFEE17743}"/>
+                <a16:creationId xmlns:a16="http://schemas.microsoft.com/office/drawing/2014/main" xmlns="" id="{FB3D4AA2-6BD9-4FAA-BD20-ACECFEE17743}"/>
               </a:ext>
             </a:extLst>
           </p:cNvPr>
@@ -19915,7 +20141,7 @@
           <p:cNvPr id="3" name="Datumsplatzhalter 2">
             <a:extLst>
               <a:ext uri="{FF2B5EF4-FFF2-40B4-BE49-F238E27FC236}">
-                <a16:creationId xmlns="" xmlns:a16="http://schemas.microsoft.com/office/drawing/2014/main" id="{ADE5015B-EB6F-4AE0-9B1D-F5BAD3EA3B7F}"/>
+                <a16:creationId xmlns:a16="http://schemas.microsoft.com/office/drawing/2014/main" xmlns="" id="{ADE5015B-EB6F-4AE0-9B1D-F5BAD3EA3B7F}"/>
               </a:ext>
             </a:extLst>
           </p:cNvPr>
@@ -19933,7 +20159,7 @@
           <a:p>
             <a:fld id="{48352B5A-167D-4ED6-B7C9-BDA647A8BA51}" type="datetime1">
               <a:rPr lang="de-DE" smtClean="0"/>
-              <a:t>19.11.2018</a:t>
+              <a:t>23.11.2018</a:t>
             </a:fld>
             <a:endParaRPr lang="de-DE"/>
           </a:p>
@@ -19944,7 +20170,7 @@
           <p:cNvPr id="4" name="Fußzeilenplatzhalter 3">
             <a:extLst>
               <a:ext uri="{FF2B5EF4-FFF2-40B4-BE49-F238E27FC236}">
-                <a16:creationId xmlns="" xmlns:a16="http://schemas.microsoft.com/office/drawing/2014/main" id="{CCF7C28A-F2DB-4863-8F13-4477C4B7C84C}"/>
+                <a16:creationId xmlns:a16="http://schemas.microsoft.com/office/drawing/2014/main" xmlns="" id="{CCF7C28A-F2DB-4863-8F13-4477C4B7C84C}"/>
               </a:ext>
             </a:extLst>
           </p:cNvPr>
@@ -19973,7 +20199,7 @@
           <p:cNvPr id="5" name="Foliennummernplatzhalter 4">
             <a:extLst>
               <a:ext uri="{FF2B5EF4-FFF2-40B4-BE49-F238E27FC236}">
-                <a16:creationId xmlns="" xmlns:a16="http://schemas.microsoft.com/office/drawing/2014/main" id="{1097CC81-6880-47A7-9EE7-930694B470BE}"/>
+                <a16:creationId xmlns:a16="http://schemas.microsoft.com/office/drawing/2014/main" xmlns="" id="{1097CC81-6880-47A7-9EE7-930694B470BE}"/>
               </a:ext>
             </a:extLst>
           </p:cNvPr>
@@ -20002,7 +20228,7 @@
           <p:cNvPr id="10" name="Picture 10" descr="Bildergebnis fÃ¼r rxjs">
             <a:extLst>
               <a:ext uri="{FF2B5EF4-FFF2-40B4-BE49-F238E27FC236}">
-                <a16:creationId xmlns="" xmlns:a16="http://schemas.microsoft.com/office/drawing/2014/main" id="{9D988982-CD7A-4A00-A911-4E9132A2F7C0}"/>
+                <a16:creationId xmlns:a16="http://schemas.microsoft.com/office/drawing/2014/main" xmlns="" id="{9D988982-CD7A-4A00-A911-4E9132A2F7C0}"/>
               </a:ext>
             </a:extLst>
           </p:cNvPr>
@@ -20081,7 +20307,7 @@
           <p:cNvPr id="2" name="Titel 1">
             <a:extLst>
               <a:ext uri="{FF2B5EF4-FFF2-40B4-BE49-F238E27FC236}">
-                <a16:creationId xmlns="" xmlns:a16="http://schemas.microsoft.com/office/drawing/2014/main" id="{1EC1F6A3-D60E-48E5-9AA4-4E872481BC05}"/>
+                <a16:creationId xmlns:a16="http://schemas.microsoft.com/office/drawing/2014/main" xmlns="" id="{1EC1F6A3-D60E-48E5-9AA4-4E872481BC05}"/>
               </a:ext>
             </a:extLst>
           </p:cNvPr>
@@ -20109,7 +20335,7 @@
           <p:cNvPr id="3" name="Datumsplatzhalter 2">
             <a:extLst>
               <a:ext uri="{FF2B5EF4-FFF2-40B4-BE49-F238E27FC236}">
-                <a16:creationId xmlns="" xmlns:a16="http://schemas.microsoft.com/office/drawing/2014/main" id="{3DFFD4F3-1638-466E-AACB-ABDE62105A15}"/>
+                <a16:creationId xmlns:a16="http://schemas.microsoft.com/office/drawing/2014/main" xmlns="" id="{3DFFD4F3-1638-466E-AACB-ABDE62105A15}"/>
               </a:ext>
             </a:extLst>
           </p:cNvPr>
@@ -20127,7 +20353,7 @@
           <a:p>
             <a:fld id="{48352B5A-167D-4ED6-B7C9-BDA647A8BA51}" type="datetime1">
               <a:rPr lang="de-DE" smtClean="0"/>
-              <a:t>19.11.2018</a:t>
+              <a:t>23.11.2018</a:t>
             </a:fld>
             <a:endParaRPr lang="de-DE"/>
           </a:p>
@@ -20138,7 +20364,7 @@
           <p:cNvPr id="4" name="Fußzeilenplatzhalter 3">
             <a:extLst>
               <a:ext uri="{FF2B5EF4-FFF2-40B4-BE49-F238E27FC236}">
-                <a16:creationId xmlns="" xmlns:a16="http://schemas.microsoft.com/office/drawing/2014/main" id="{9AB1FFA2-EA78-4D6E-9262-7A4B584827ED}"/>
+                <a16:creationId xmlns:a16="http://schemas.microsoft.com/office/drawing/2014/main" xmlns="" id="{9AB1FFA2-EA78-4D6E-9262-7A4B584827ED}"/>
               </a:ext>
             </a:extLst>
           </p:cNvPr>
@@ -20167,7 +20393,7 @@
           <p:cNvPr id="5" name="Foliennummernplatzhalter 4">
             <a:extLst>
               <a:ext uri="{FF2B5EF4-FFF2-40B4-BE49-F238E27FC236}">
-                <a16:creationId xmlns="" xmlns:a16="http://schemas.microsoft.com/office/drawing/2014/main" id="{28EF831B-FEE4-49A2-B7D8-22E4A667F8B7}"/>
+                <a16:creationId xmlns:a16="http://schemas.microsoft.com/office/drawing/2014/main" xmlns="" id="{28EF831B-FEE4-49A2-B7D8-22E4A667F8B7}"/>
               </a:ext>
             </a:extLst>
           </p:cNvPr>
@@ -20196,7 +20422,7 @@
           <p:cNvPr id="6" name="Inhaltsplatzhalter 5">
             <a:extLst>
               <a:ext uri="{FF2B5EF4-FFF2-40B4-BE49-F238E27FC236}">
-                <a16:creationId xmlns="" xmlns:a16="http://schemas.microsoft.com/office/drawing/2014/main" id="{48BC2F46-4D0A-48ED-8F41-F0736182EC8F}"/>
+                <a16:creationId xmlns:a16="http://schemas.microsoft.com/office/drawing/2014/main" xmlns="" id="{48BC2F46-4D0A-48ED-8F41-F0736182EC8F}"/>
               </a:ext>
             </a:extLst>
           </p:cNvPr>
@@ -20329,7 +20555,7 @@
           <p:cNvPr id="2" name="Titel 1">
             <a:extLst>
               <a:ext uri="{FF2B5EF4-FFF2-40B4-BE49-F238E27FC236}">
-                <a16:creationId xmlns="" xmlns:a16="http://schemas.microsoft.com/office/drawing/2014/main" id="{5493C864-B4B9-4F72-A5D1-F65D4A81C2B0}"/>
+                <a16:creationId xmlns:a16="http://schemas.microsoft.com/office/drawing/2014/main" xmlns="" id="{5493C864-B4B9-4F72-A5D1-F65D4A81C2B0}"/>
               </a:ext>
             </a:extLst>
           </p:cNvPr>
@@ -20365,7 +20591,7 @@
           <p:cNvPr id="3" name="Datumsplatzhalter 2">
             <a:extLst>
               <a:ext uri="{FF2B5EF4-FFF2-40B4-BE49-F238E27FC236}">
-                <a16:creationId xmlns="" xmlns:a16="http://schemas.microsoft.com/office/drawing/2014/main" id="{E91327A1-5FF2-4162-9433-E4A9AD0AB1D8}"/>
+                <a16:creationId xmlns:a16="http://schemas.microsoft.com/office/drawing/2014/main" xmlns="" id="{E91327A1-5FF2-4162-9433-E4A9AD0AB1D8}"/>
               </a:ext>
             </a:extLst>
           </p:cNvPr>
@@ -20383,7 +20609,7 @@
           <a:p>
             <a:fld id="{48352B5A-167D-4ED6-B7C9-BDA647A8BA51}" type="datetime1">
               <a:rPr lang="de-DE" smtClean="0"/>
-              <a:t>19.11.2018</a:t>
+              <a:t>23.11.2018</a:t>
             </a:fld>
             <a:endParaRPr lang="de-DE"/>
           </a:p>
@@ -20394,7 +20620,7 @@
           <p:cNvPr id="4" name="Fußzeilenplatzhalter 3">
             <a:extLst>
               <a:ext uri="{FF2B5EF4-FFF2-40B4-BE49-F238E27FC236}">
-                <a16:creationId xmlns="" xmlns:a16="http://schemas.microsoft.com/office/drawing/2014/main" id="{5D4980EE-C21A-4B7F-BC44-95D7CC9C35E2}"/>
+                <a16:creationId xmlns:a16="http://schemas.microsoft.com/office/drawing/2014/main" xmlns="" id="{5D4980EE-C21A-4B7F-BC44-95D7CC9C35E2}"/>
               </a:ext>
             </a:extLst>
           </p:cNvPr>
@@ -20423,7 +20649,7 @@
           <p:cNvPr id="5" name="Foliennummernplatzhalter 4">
             <a:extLst>
               <a:ext uri="{FF2B5EF4-FFF2-40B4-BE49-F238E27FC236}">
-                <a16:creationId xmlns="" xmlns:a16="http://schemas.microsoft.com/office/drawing/2014/main" id="{43F570F3-D7A2-4F32-9AF2-B0E110754C4A}"/>
+                <a16:creationId xmlns:a16="http://schemas.microsoft.com/office/drawing/2014/main" xmlns="" id="{43F570F3-D7A2-4F32-9AF2-B0E110754C4A}"/>
               </a:ext>
             </a:extLst>
           </p:cNvPr>
@@ -20452,7 +20678,7 @@
           <p:cNvPr id="6" name="Inhaltsplatzhalter 5">
             <a:extLst>
               <a:ext uri="{FF2B5EF4-FFF2-40B4-BE49-F238E27FC236}">
-                <a16:creationId xmlns="" xmlns:a16="http://schemas.microsoft.com/office/drawing/2014/main" id="{E8BBDEE2-A1D6-4ED4-A0D4-9BDA25857ECB}"/>
+                <a16:creationId xmlns:a16="http://schemas.microsoft.com/office/drawing/2014/main" xmlns="" id="{E8BBDEE2-A1D6-4ED4-A0D4-9BDA25857ECB}"/>
               </a:ext>
             </a:extLst>
           </p:cNvPr>
@@ -20614,7 +20840,7 @@
           <p:cNvPr id="2" name="Titel 1">
             <a:extLst>
               <a:ext uri="{FF2B5EF4-FFF2-40B4-BE49-F238E27FC236}">
-                <a16:creationId xmlns="" xmlns:a16="http://schemas.microsoft.com/office/drawing/2014/main" id="{A956DF2D-9DFB-4045-A6BB-F0750051A097}"/>
+                <a16:creationId xmlns:a16="http://schemas.microsoft.com/office/drawing/2014/main" xmlns="" id="{A956DF2D-9DFB-4045-A6BB-F0750051A097}"/>
               </a:ext>
             </a:extLst>
           </p:cNvPr>
@@ -20642,7 +20868,7 @@
           <p:cNvPr id="3" name="Datumsplatzhalter 2">
             <a:extLst>
               <a:ext uri="{FF2B5EF4-FFF2-40B4-BE49-F238E27FC236}">
-                <a16:creationId xmlns="" xmlns:a16="http://schemas.microsoft.com/office/drawing/2014/main" id="{8291FF45-07B6-4F55-8B9B-5BDE48170F89}"/>
+                <a16:creationId xmlns:a16="http://schemas.microsoft.com/office/drawing/2014/main" xmlns="" id="{8291FF45-07B6-4F55-8B9B-5BDE48170F89}"/>
               </a:ext>
             </a:extLst>
           </p:cNvPr>
@@ -20660,7 +20886,7 @@
           <a:p>
             <a:fld id="{48352B5A-167D-4ED6-B7C9-BDA647A8BA51}" type="datetime1">
               <a:rPr lang="de-DE" smtClean="0"/>
-              <a:t>19.11.2018</a:t>
+              <a:t>23.11.2018</a:t>
             </a:fld>
             <a:endParaRPr lang="de-DE"/>
           </a:p>
@@ -20671,7 +20897,7 @@
           <p:cNvPr id="4" name="Fußzeilenplatzhalter 3">
             <a:extLst>
               <a:ext uri="{FF2B5EF4-FFF2-40B4-BE49-F238E27FC236}">
-                <a16:creationId xmlns="" xmlns:a16="http://schemas.microsoft.com/office/drawing/2014/main" id="{8619D27E-B93C-4701-9A84-02AA58BDC899}"/>
+                <a16:creationId xmlns:a16="http://schemas.microsoft.com/office/drawing/2014/main" xmlns="" id="{8619D27E-B93C-4701-9A84-02AA58BDC899}"/>
               </a:ext>
             </a:extLst>
           </p:cNvPr>
@@ -20700,7 +20926,7 @@
           <p:cNvPr id="5" name="Foliennummernplatzhalter 4">
             <a:extLst>
               <a:ext uri="{FF2B5EF4-FFF2-40B4-BE49-F238E27FC236}">
-                <a16:creationId xmlns="" xmlns:a16="http://schemas.microsoft.com/office/drawing/2014/main" id="{8664D8E7-A42C-464E-9B7F-76B706DD6B67}"/>
+                <a16:creationId xmlns:a16="http://schemas.microsoft.com/office/drawing/2014/main" xmlns="" id="{8664D8E7-A42C-464E-9B7F-76B706DD6B67}"/>
               </a:ext>
             </a:extLst>
           </p:cNvPr>
@@ -20729,7 +20955,7 @@
           <p:cNvPr id="6" name="Inhaltsplatzhalter 5">
             <a:extLst>
               <a:ext uri="{FF2B5EF4-FFF2-40B4-BE49-F238E27FC236}">
-                <a16:creationId xmlns="" xmlns:a16="http://schemas.microsoft.com/office/drawing/2014/main" id="{81BB93A8-BC51-435F-8D7C-F98C8F80D605}"/>
+                <a16:creationId xmlns:a16="http://schemas.microsoft.com/office/drawing/2014/main" xmlns="" id="{81BB93A8-BC51-435F-8D7C-F98C8F80D605}"/>
               </a:ext>
             </a:extLst>
           </p:cNvPr>
@@ -20892,7 +21118,7 @@
           <p:cNvPr id="2" name="Titel 1">
             <a:extLst>
               <a:ext uri="{FF2B5EF4-FFF2-40B4-BE49-F238E27FC236}">
-                <a16:creationId xmlns="" xmlns:a16="http://schemas.microsoft.com/office/drawing/2014/main" id="{3D9E3DB6-E079-4155-89D5-D19C3244F995}"/>
+                <a16:creationId xmlns:a16="http://schemas.microsoft.com/office/drawing/2014/main" xmlns="" id="{3D9E3DB6-E079-4155-89D5-D19C3244F995}"/>
               </a:ext>
             </a:extLst>
           </p:cNvPr>
@@ -20920,7 +21146,7 @@
           <p:cNvPr id="3" name="Datumsplatzhalter 2">
             <a:extLst>
               <a:ext uri="{FF2B5EF4-FFF2-40B4-BE49-F238E27FC236}">
-                <a16:creationId xmlns="" xmlns:a16="http://schemas.microsoft.com/office/drawing/2014/main" id="{DCB6844D-F535-4539-88F3-C4117BF62275}"/>
+                <a16:creationId xmlns:a16="http://schemas.microsoft.com/office/drawing/2014/main" xmlns="" id="{DCB6844D-F535-4539-88F3-C4117BF62275}"/>
               </a:ext>
             </a:extLst>
           </p:cNvPr>
@@ -20938,7 +21164,7 @@
           <a:p>
             <a:fld id="{48352B5A-167D-4ED6-B7C9-BDA647A8BA51}" type="datetime1">
               <a:rPr lang="de-DE" smtClean="0"/>
-              <a:t>19.11.2018</a:t>
+              <a:t>23.11.2018</a:t>
             </a:fld>
             <a:endParaRPr lang="de-DE"/>
           </a:p>
@@ -20949,7 +21175,7 @@
           <p:cNvPr id="4" name="Fußzeilenplatzhalter 3">
             <a:extLst>
               <a:ext uri="{FF2B5EF4-FFF2-40B4-BE49-F238E27FC236}">
-                <a16:creationId xmlns="" xmlns:a16="http://schemas.microsoft.com/office/drawing/2014/main" id="{746D5D54-CC5C-46C6-B201-B8FB7846A6C2}"/>
+                <a16:creationId xmlns:a16="http://schemas.microsoft.com/office/drawing/2014/main" xmlns="" id="{746D5D54-CC5C-46C6-B201-B8FB7846A6C2}"/>
               </a:ext>
             </a:extLst>
           </p:cNvPr>
@@ -20978,7 +21204,7 @@
           <p:cNvPr id="5" name="Foliennummernplatzhalter 4">
             <a:extLst>
               <a:ext uri="{FF2B5EF4-FFF2-40B4-BE49-F238E27FC236}">
-                <a16:creationId xmlns="" xmlns:a16="http://schemas.microsoft.com/office/drawing/2014/main" id="{02A68321-6735-447E-BFEB-F6BAD059A0BB}"/>
+                <a16:creationId xmlns:a16="http://schemas.microsoft.com/office/drawing/2014/main" xmlns="" id="{02A68321-6735-447E-BFEB-F6BAD059A0BB}"/>
               </a:ext>
             </a:extLst>
           </p:cNvPr>
@@ -21007,7 +21233,7 @@
           <p:cNvPr id="6" name="Inhaltsplatzhalter 5">
             <a:extLst>
               <a:ext uri="{FF2B5EF4-FFF2-40B4-BE49-F238E27FC236}">
-                <a16:creationId xmlns="" xmlns:a16="http://schemas.microsoft.com/office/drawing/2014/main" id="{C3CF6BD0-1B5A-4AC1-B6BD-184F310F4BD8}"/>
+                <a16:creationId xmlns:a16="http://schemas.microsoft.com/office/drawing/2014/main" xmlns="" id="{C3CF6BD0-1B5A-4AC1-B6BD-184F310F4BD8}"/>
               </a:ext>
             </a:extLst>
           </p:cNvPr>
@@ -21526,7 +21752,7 @@
           <p:cNvPr id="2" name="Titel 1">
             <a:extLst>
               <a:ext uri="{FF2B5EF4-FFF2-40B4-BE49-F238E27FC236}">
-                <a16:creationId xmlns="" xmlns:a16="http://schemas.microsoft.com/office/drawing/2014/main" id="{ED2502C0-07E1-4EF7-8B9F-7CC88DD45A42}"/>
+                <a16:creationId xmlns:a16="http://schemas.microsoft.com/office/drawing/2014/main" xmlns="" id="{ED2502C0-07E1-4EF7-8B9F-7CC88DD45A42}"/>
               </a:ext>
             </a:extLst>
           </p:cNvPr>
@@ -21555,7 +21781,7 @@
           <p:cNvPr id="3" name="Datumsplatzhalter 2">
             <a:extLst>
               <a:ext uri="{FF2B5EF4-FFF2-40B4-BE49-F238E27FC236}">
-                <a16:creationId xmlns="" xmlns:a16="http://schemas.microsoft.com/office/drawing/2014/main" id="{21B703D7-08E5-4A11-BE2A-3D91F63A4D2F}"/>
+                <a16:creationId xmlns:a16="http://schemas.microsoft.com/office/drawing/2014/main" xmlns="" id="{21B703D7-08E5-4A11-BE2A-3D91F63A4D2F}"/>
               </a:ext>
             </a:extLst>
           </p:cNvPr>
@@ -21573,7 +21799,7 @@
           <a:p>
             <a:fld id="{48352B5A-167D-4ED6-B7C9-BDA647A8BA51}" type="datetime1">
               <a:rPr lang="de-DE" smtClean="0"/>
-              <a:t>19.11.2018</a:t>
+              <a:t>23.11.2018</a:t>
             </a:fld>
             <a:endParaRPr lang="de-DE"/>
           </a:p>
@@ -21584,7 +21810,7 @@
           <p:cNvPr id="4" name="Fußzeilenplatzhalter 3">
             <a:extLst>
               <a:ext uri="{FF2B5EF4-FFF2-40B4-BE49-F238E27FC236}">
-                <a16:creationId xmlns="" xmlns:a16="http://schemas.microsoft.com/office/drawing/2014/main" id="{2799829B-12F3-499F-8EFF-EBEADA63D668}"/>
+                <a16:creationId xmlns:a16="http://schemas.microsoft.com/office/drawing/2014/main" xmlns="" id="{2799829B-12F3-499F-8EFF-EBEADA63D668}"/>
               </a:ext>
             </a:extLst>
           </p:cNvPr>
@@ -21613,7 +21839,7 @@
           <p:cNvPr id="5" name="Foliennummernplatzhalter 4">
             <a:extLst>
               <a:ext uri="{FF2B5EF4-FFF2-40B4-BE49-F238E27FC236}">
-                <a16:creationId xmlns="" xmlns:a16="http://schemas.microsoft.com/office/drawing/2014/main" id="{13FBF7CA-0F71-4E12-818C-DAB213A78389}"/>
+                <a16:creationId xmlns:a16="http://schemas.microsoft.com/office/drawing/2014/main" xmlns="" id="{13FBF7CA-0F71-4E12-818C-DAB213A78389}"/>
               </a:ext>
             </a:extLst>
           </p:cNvPr>
@@ -21642,7 +21868,7 @@
           <p:cNvPr id="6" name="Inhaltsplatzhalter 5">
             <a:extLst>
               <a:ext uri="{FF2B5EF4-FFF2-40B4-BE49-F238E27FC236}">
-                <a16:creationId xmlns="" xmlns:a16="http://schemas.microsoft.com/office/drawing/2014/main" id="{652C66CB-1B0F-48B3-A59F-0EA6FE9A8A90}"/>
+                <a16:creationId xmlns:a16="http://schemas.microsoft.com/office/drawing/2014/main" xmlns="" id="{652C66CB-1B0F-48B3-A59F-0EA6FE9A8A90}"/>
               </a:ext>
             </a:extLst>
           </p:cNvPr>
@@ -21759,7 +21985,7 @@
           <a:p>
             <a:fld id="{48352B5A-167D-4ED6-B7C9-BDA647A8BA51}" type="datetime1">
               <a:rPr lang="de-DE" smtClean="0"/>
-              <a:t>19.11.2018</a:t>
+              <a:t>23.11.2018</a:t>
             </a:fld>
             <a:endParaRPr lang="de-DE"/>
           </a:p>
@@ -22148,7 +22374,7 @@
           <a:p>
             <a:fld id="{48352B5A-167D-4ED6-B7C9-BDA647A8BA51}" type="datetime1">
               <a:rPr lang="de-DE" smtClean="0"/>
-              <a:t>19.11.2018</a:t>
+              <a:t>23.11.2018</a:t>
             </a:fld>
             <a:endParaRPr lang="de-DE"/>
           </a:p>
@@ -22415,7 +22641,7 @@
           <p:cNvPr id="2" name="Titel 1">
             <a:extLst>
               <a:ext uri="{FF2B5EF4-FFF2-40B4-BE49-F238E27FC236}">
-                <a16:creationId xmlns="" xmlns:a16="http://schemas.microsoft.com/office/drawing/2014/main" id="{BA34701A-BEAC-49CD-BE66-3678A5922648}"/>
+                <a16:creationId xmlns:a16="http://schemas.microsoft.com/office/drawing/2014/main" xmlns="" id="{BA34701A-BEAC-49CD-BE66-3678A5922648}"/>
               </a:ext>
             </a:extLst>
           </p:cNvPr>
@@ -22443,7 +22669,7 @@
           <p:cNvPr id="3" name="Datumsplatzhalter 2">
             <a:extLst>
               <a:ext uri="{FF2B5EF4-FFF2-40B4-BE49-F238E27FC236}">
-                <a16:creationId xmlns="" xmlns:a16="http://schemas.microsoft.com/office/drawing/2014/main" id="{A98B22DE-91CA-4FD7-9560-30BC27F3C26D}"/>
+                <a16:creationId xmlns:a16="http://schemas.microsoft.com/office/drawing/2014/main" xmlns="" id="{A98B22DE-91CA-4FD7-9560-30BC27F3C26D}"/>
               </a:ext>
             </a:extLst>
           </p:cNvPr>
@@ -22461,7 +22687,7 @@
           <a:p>
             <a:fld id="{48352B5A-167D-4ED6-B7C9-BDA647A8BA51}" type="datetime1">
               <a:rPr lang="de-DE" smtClean="0"/>
-              <a:t>19.11.2018</a:t>
+              <a:t>23.11.2018</a:t>
             </a:fld>
             <a:endParaRPr lang="de-DE"/>
           </a:p>
@@ -22472,7 +22698,7 @@
           <p:cNvPr id="4" name="Fußzeilenplatzhalter 3">
             <a:extLst>
               <a:ext uri="{FF2B5EF4-FFF2-40B4-BE49-F238E27FC236}">
-                <a16:creationId xmlns="" xmlns:a16="http://schemas.microsoft.com/office/drawing/2014/main" id="{391BBEE9-CD7F-4B7C-B0BA-020F00E6EF6F}"/>
+                <a16:creationId xmlns:a16="http://schemas.microsoft.com/office/drawing/2014/main" xmlns="" id="{391BBEE9-CD7F-4B7C-B0BA-020F00E6EF6F}"/>
               </a:ext>
             </a:extLst>
           </p:cNvPr>
@@ -22501,7 +22727,7 @@
           <p:cNvPr id="5" name="Foliennummernplatzhalter 4">
             <a:extLst>
               <a:ext uri="{FF2B5EF4-FFF2-40B4-BE49-F238E27FC236}">
-                <a16:creationId xmlns="" xmlns:a16="http://schemas.microsoft.com/office/drawing/2014/main" id="{B876E68C-B4E2-47B9-9FBD-9F8AFF68225E}"/>
+                <a16:creationId xmlns:a16="http://schemas.microsoft.com/office/drawing/2014/main" xmlns="" id="{B876E68C-B4E2-47B9-9FBD-9F8AFF68225E}"/>
               </a:ext>
             </a:extLst>
           </p:cNvPr>
@@ -22530,7 +22756,7 @@
           <p:cNvPr id="6" name="Inhaltsplatzhalter 5">
             <a:extLst>
               <a:ext uri="{FF2B5EF4-FFF2-40B4-BE49-F238E27FC236}">
-                <a16:creationId xmlns="" xmlns:a16="http://schemas.microsoft.com/office/drawing/2014/main" id="{AEBB1BB3-98D3-4463-AEE3-F6E5690771E9}"/>
+                <a16:creationId xmlns:a16="http://schemas.microsoft.com/office/drawing/2014/main" xmlns="" id="{AEBB1BB3-98D3-4463-AEE3-F6E5690771E9}"/>
               </a:ext>
             </a:extLst>
           </p:cNvPr>
@@ -22701,7 +22927,7 @@
           <p:cNvPr id="2" name="Titel 1">
             <a:extLst>
               <a:ext uri="{FF2B5EF4-FFF2-40B4-BE49-F238E27FC236}">
-                <a16:creationId xmlns="" xmlns:a16="http://schemas.microsoft.com/office/drawing/2014/main" id="{BA34701A-BEAC-49CD-BE66-3678A5922648}"/>
+                <a16:creationId xmlns:a16="http://schemas.microsoft.com/office/drawing/2014/main" xmlns="" id="{BA34701A-BEAC-49CD-BE66-3678A5922648}"/>
               </a:ext>
             </a:extLst>
           </p:cNvPr>
@@ -22729,7 +22955,7 @@
           <p:cNvPr id="3" name="Datumsplatzhalter 2">
             <a:extLst>
               <a:ext uri="{FF2B5EF4-FFF2-40B4-BE49-F238E27FC236}">
-                <a16:creationId xmlns="" xmlns:a16="http://schemas.microsoft.com/office/drawing/2014/main" id="{A98B22DE-91CA-4FD7-9560-30BC27F3C26D}"/>
+                <a16:creationId xmlns:a16="http://schemas.microsoft.com/office/drawing/2014/main" xmlns="" id="{A98B22DE-91CA-4FD7-9560-30BC27F3C26D}"/>
               </a:ext>
             </a:extLst>
           </p:cNvPr>
@@ -22747,7 +22973,7 @@
           <a:p>
             <a:fld id="{48352B5A-167D-4ED6-B7C9-BDA647A8BA51}" type="datetime1">
               <a:rPr lang="de-DE" smtClean="0"/>
-              <a:t>19.11.2018</a:t>
+              <a:t>23.11.2018</a:t>
             </a:fld>
             <a:endParaRPr lang="de-DE"/>
           </a:p>
@@ -22758,7 +22984,7 @@
           <p:cNvPr id="4" name="Fußzeilenplatzhalter 3">
             <a:extLst>
               <a:ext uri="{FF2B5EF4-FFF2-40B4-BE49-F238E27FC236}">
-                <a16:creationId xmlns="" xmlns:a16="http://schemas.microsoft.com/office/drawing/2014/main" id="{391BBEE9-CD7F-4B7C-B0BA-020F00E6EF6F}"/>
+                <a16:creationId xmlns:a16="http://schemas.microsoft.com/office/drawing/2014/main" xmlns="" id="{391BBEE9-CD7F-4B7C-B0BA-020F00E6EF6F}"/>
               </a:ext>
             </a:extLst>
           </p:cNvPr>
@@ -22787,7 +23013,7 @@
           <p:cNvPr id="5" name="Foliennummernplatzhalter 4">
             <a:extLst>
               <a:ext uri="{FF2B5EF4-FFF2-40B4-BE49-F238E27FC236}">
-                <a16:creationId xmlns="" xmlns:a16="http://schemas.microsoft.com/office/drawing/2014/main" id="{B876E68C-B4E2-47B9-9FBD-9F8AFF68225E}"/>
+                <a16:creationId xmlns:a16="http://schemas.microsoft.com/office/drawing/2014/main" xmlns="" id="{B876E68C-B4E2-47B9-9FBD-9F8AFF68225E}"/>
               </a:ext>
             </a:extLst>
           </p:cNvPr>
@@ -22816,7 +23042,7 @@
           <p:cNvPr id="6" name="Inhaltsplatzhalter 5">
             <a:extLst>
               <a:ext uri="{FF2B5EF4-FFF2-40B4-BE49-F238E27FC236}">
-                <a16:creationId xmlns="" xmlns:a16="http://schemas.microsoft.com/office/drawing/2014/main" id="{AEBB1BB3-98D3-4463-AEE3-F6E5690771E9}"/>
+                <a16:creationId xmlns:a16="http://schemas.microsoft.com/office/drawing/2014/main" xmlns="" id="{AEBB1BB3-98D3-4463-AEE3-F6E5690771E9}"/>
               </a:ext>
             </a:extLst>
           </p:cNvPr>
@@ -22940,7 +23166,7 @@
           <p:cNvPr id="2" name="Titel 1">
             <a:extLst>
               <a:ext uri="{FF2B5EF4-FFF2-40B4-BE49-F238E27FC236}">
-                <a16:creationId xmlns="" xmlns:a16="http://schemas.microsoft.com/office/drawing/2014/main" id="{71B70DF6-1D5A-4021-BBA4-93A076BA4C39}"/>
+                <a16:creationId xmlns:a16="http://schemas.microsoft.com/office/drawing/2014/main" xmlns="" id="{71B70DF6-1D5A-4021-BBA4-93A076BA4C39}"/>
               </a:ext>
             </a:extLst>
           </p:cNvPr>
@@ -22968,7 +23194,7 @@
           <p:cNvPr id="3" name="Datumsplatzhalter 2">
             <a:extLst>
               <a:ext uri="{FF2B5EF4-FFF2-40B4-BE49-F238E27FC236}">
-                <a16:creationId xmlns="" xmlns:a16="http://schemas.microsoft.com/office/drawing/2014/main" id="{083857BC-A23E-45C2-8967-CF0BE36D0720}"/>
+                <a16:creationId xmlns:a16="http://schemas.microsoft.com/office/drawing/2014/main" xmlns="" id="{083857BC-A23E-45C2-8967-CF0BE36D0720}"/>
               </a:ext>
             </a:extLst>
           </p:cNvPr>
@@ -22986,7 +23212,7 @@
           <a:p>
             <a:fld id="{48352B5A-167D-4ED6-B7C9-BDA647A8BA51}" type="datetime1">
               <a:rPr lang="de-DE" smtClean="0"/>
-              <a:t>19.11.2018</a:t>
+              <a:t>23.11.2018</a:t>
             </a:fld>
             <a:endParaRPr lang="de-DE"/>
           </a:p>
@@ -22997,7 +23223,7 @@
           <p:cNvPr id="4" name="Fußzeilenplatzhalter 3">
             <a:extLst>
               <a:ext uri="{FF2B5EF4-FFF2-40B4-BE49-F238E27FC236}">
-                <a16:creationId xmlns="" xmlns:a16="http://schemas.microsoft.com/office/drawing/2014/main" id="{153CECAC-5EE5-45E6-8061-D8AAF9F27440}"/>
+                <a16:creationId xmlns:a16="http://schemas.microsoft.com/office/drawing/2014/main" xmlns="" id="{153CECAC-5EE5-45E6-8061-D8AAF9F27440}"/>
               </a:ext>
             </a:extLst>
           </p:cNvPr>
@@ -23026,7 +23252,7 @@
           <p:cNvPr id="5" name="Foliennummernplatzhalter 4">
             <a:extLst>
               <a:ext uri="{FF2B5EF4-FFF2-40B4-BE49-F238E27FC236}">
-                <a16:creationId xmlns="" xmlns:a16="http://schemas.microsoft.com/office/drawing/2014/main" id="{7D7BA7DF-07D9-4172-A3A9-8DB27B19F9B0}"/>
+                <a16:creationId xmlns:a16="http://schemas.microsoft.com/office/drawing/2014/main" xmlns="" id="{7D7BA7DF-07D9-4172-A3A9-8DB27B19F9B0}"/>
               </a:ext>
             </a:extLst>
           </p:cNvPr>
@@ -23055,7 +23281,7 @@
           <p:cNvPr id="6" name="Inhaltsplatzhalter 5">
             <a:extLst>
               <a:ext uri="{FF2B5EF4-FFF2-40B4-BE49-F238E27FC236}">
-                <a16:creationId xmlns="" xmlns:a16="http://schemas.microsoft.com/office/drawing/2014/main" id="{C1267438-BD90-451C-A230-CC7E3660375A}"/>
+                <a16:creationId xmlns:a16="http://schemas.microsoft.com/office/drawing/2014/main" xmlns="" id="{C1267438-BD90-451C-A230-CC7E3660375A}"/>
               </a:ext>
             </a:extLst>
           </p:cNvPr>

--- a/React.pptx
+++ b/React.pptx
@@ -324,7 +324,7 @@
           <a:p>
             <a:fld id="{F11DBC1A-B3EC-448B-B617-B612703AFFD5}" type="datetimeFigureOut">
               <a:rPr lang="de-CH" smtClean="0"/>
-              <a:t>23.11.2018</a:t>
+              <a:t>26.11.2018</a:t>
             </a:fld>
             <a:endParaRPr lang="de-CH"/>
           </a:p>
@@ -489,7 +489,7 @@
           <a:p>
             <a:fld id="{05408900-6234-440B-A027-38F10FF7E2F1}" type="datetimeFigureOut">
               <a:rPr lang="de-DE" smtClean="0"/>
-              <a:t>23.11.2018</a:t>
+              <a:t>26.11.2018</a:t>
             </a:fld>
             <a:endParaRPr lang="de-DE"/>
           </a:p>
@@ -6120,7 +6120,7 @@
           <a:p>
             <a:fld id="{3B23B96D-9616-4176-AEF6-AF1317711023}" type="datetime1">
               <a:rPr lang="de-DE" smtClean="0"/>
-              <a:t>23.11.2018</a:t>
+              <a:t>26.11.2018</a:t>
             </a:fld>
             <a:endParaRPr lang="de-DE"/>
           </a:p>
@@ -6298,7 +6298,7 @@
           <a:p>
             <a:fld id="{0D71886E-8C9D-4E97-9EB5-D99BA89A8533}" type="datetime1">
               <a:rPr lang="de-DE" smtClean="0"/>
-              <a:t>23.11.2018</a:t>
+              <a:t>26.11.2018</a:t>
             </a:fld>
             <a:endParaRPr lang="de-DE"/>
           </a:p>
@@ -6439,7 +6439,7 @@
           <a:p>
             <a:fld id="{8DBF69B3-62E3-4AF4-971E-1AB7F9FB69DD}" type="datetime1">
               <a:rPr lang="de-DE" smtClean="0"/>
-              <a:t>23.11.2018</a:t>
+              <a:t>26.11.2018</a:t>
             </a:fld>
             <a:endParaRPr lang="de-DE"/>
           </a:p>
@@ -6723,7 +6723,7 @@
           <a:p>
             <a:fld id="{F898127A-2E85-486B-8AA5-E90E3CCEC0E9}" type="datetime1">
               <a:rPr lang="de-DE" smtClean="0"/>
-              <a:t>23.11.2018</a:t>
+              <a:t>26.11.2018</a:t>
             </a:fld>
             <a:endParaRPr lang="de-DE"/>
           </a:p>
@@ -7361,7 +7361,7 @@
           <a:p>
             <a:fld id="{A4FEDFCE-8709-4D76-8036-EE5278C2237F}" type="datetime1">
               <a:rPr lang="de-DE" smtClean="0"/>
-              <a:t>23.11.2018</a:t>
+              <a:t>26.11.2018</a:t>
             </a:fld>
             <a:endParaRPr lang="de-DE"/>
           </a:p>
@@ -7495,7 +7495,7 @@
           <a:p>
             <a:fld id="{48352B5A-167D-4ED6-B7C9-BDA647A8BA51}" type="datetime1">
               <a:rPr lang="de-DE" smtClean="0"/>
-              <a:t>23.11.2018</a:t>
+              <a:t>26.11.2018</a:t>
             </a:fld>
             <a:endParaRPr lang="de-DE"/>
           </a:p>
@@ -7685,7 +7685,7 @@
           <a:p>
             <a:fld id="{F782B8C6-A2A3-4B66-A839-DF7B16517350}" type="datetime1">
               <a:rPr lang="de-DE" smtClean="0"/>
-              <a:t>23.11.2018</a:t>
+              <a:t>26.11.2018</a:t>
             </a:fld>
             <a:endParaRPr lang="de-DE"/>
           </a:p>
@@ -8076,7 +8076,7 @@
           <a:p>
             <a:fld id="{649D13A7-6296-4A54-8C64-66A02EB71342}" type="datetime1">
               <a:rPr lang="de-DE" smtClean="0"/>
-              <a:t>23.11.2018</a:t>
+              <a:t>26.11.2018</a:t>
             </a:fld>
             <a:endParaRPr lang="de-DE"/>
           </a:p>
@@ -8615,7 +8615,7 @@
           <a:p>
             <a:fld id="{ED7E8129-6AB0-4316-89DD-05AD9ABD1F9D}" type="datetime1">
               <a:rPr lang="de-DE" smtClean="0"/>
-              <a:t>23.11.2018</a:t>
+              <a:t>26.11.2018</a:t>
             </a:fld>
             <a:endParaRPr lang="de-DE"/>
           </a:p>
@@ -8732,7 +8732,7 @@
           <a:p>
             <a:fld id="{4FD0AE75-8AA0-449D-989F-B1E818A5B67A}" type="datetime1">
               <a:rPr lang="de-DE" smtClean="0"/>
-              <a:t>23.11.2018</a:t>
+              <a:t>26.11.2018</a:t>
             </a:fld>
             <a:endParaRPr lang="de-DE"/>
           </a:p>
@@ -8827,7 +8827,7 @@
           <a:p>
             <a:fld id="{455D07A7-0ED1-4138-9FBD-0F4825E4365D}" type="datetime1">
               <a:rPr lang="de-DE" smtClean="0"/>
-              <a:t>23.11.2018</a:t>
+              <a:t>26.11.2018</a:t>
             </a:fld>
             <a:endParaRPr lang="de-DE"/>
           </a:p>
@@ -8922,7 +8922,7 @@
           <a:p>
             <a:fld id="{6A743ADA-15EC-46F2-B124-7B3EABB341FC}" type="datetime1">
               <a:rPr lang="de-DE" smtClean="0"/>
-              <a:t>23.11.2018</a:t>
+              <a:t>26.11.2018</a:t>
             </a:fld>
             <a:endParaRPr lang="de-DE"/>
           </a:p>
@@ -9341,7 +9341,7 @@
           <a:p>
             <a:fld id="{34F16289-DF57-4F0A-9158-80987495B444}" type="datetime1">
               <a:rPr lang="de-DE" smtClean="0"/>
-              <a:t>23.11.2018</a:t>
+              <a:t>26.11.2018</a:t>
             </a:fld>
             <a:endParaRPr lang="de-DE"/>
           </a:p>
@@ -9577,7 +9577,7 @@
           <a:p>
             <a:fld id="{30694A65-3AA1-42B9-B750-09273D0D99B8}" type="datetime1">
               <a:rPr lang="de-DE" smtClean="0"/>
-              <a:t>23.11.2018</a:t>
+              <a:t>26.11.2018</a:t>
             </a:fld>
             <a:endParaRPr lang="de-DE"/>
           </a:p>
@@ -10246,7 +10246,7 @@
           <p:cNvPr id="1026" name="Picture 2" descr="Bildergebnis fÃ¼r react">
             <a:extLst>
               <a:ext uri="{FF2B5EF4-FFF2-40B4-BE49-F238E27FC236}">
-                <a16:creationId xmlns:a16="http://schemas.microsoft.com/office/drawing/2014/main" xmlns="" id="{829FFD09-EFA1-4ACA-886F-A45FA7CD87D4}"/>
+                <a16:creationId xmlns="" xmlns:a16="http://schemas.microsoft.com/office/drawing/2014/main" id="{829FFD09-EFA1-4ACA-886F-A45FA7CD87D4}"/>
               </a:ext>
             </a:extLst>
           </p:cNvPr>
@@ -10293,7 +10293,7 @@
           <p:cNvPr id="1030" name="Picture 6" descr="Bildergebnis fÃ¼r react materialize">
             <a:extLst>
               <a:ext uri="{FF2B5EF4-FFF2-40B4-BE49-F238E27FC236}">
-                <a16:creationId xmlns:a16="http://schemas.microsoft.com/office/drawing/2014/main" xmlns="" id="{8C0A3339-03B8-4017-9609-4DC76A731DE0}"/>
+                <a16:creationId xmlns="" xmlns:a16="http://schemas.microsoft.com/office/drawing/2014/main" id="{8C0A3339-03B8-4017-9609-4DC76A731DE0}"/>
               </a:ext>
             </a:extLst>
           </p:cNvPr>
@@ -10340,7 +10340,7 @@
           <p:cNvPr id="1032" name="Picture 8" descr="Bildergebnis fÃ¼r materialize">
             <a:extLst>
               <a:ext uri="{FF2B5EF4-FFF2-40B4-BE49-F238E27FC236}">
-                <a16:creationId xmlns:a16="http://schemas.microsoft.com/office/drawing/2014/main" xmlns="" id="{6B3A1825-2670-4778-8FC5-43386939DBE3}"/>
+                <a16:creationId xmlns="" xmlns:a16="http://schemas.microsoft.com/office/drawing/2014/main" id="{6B3A1825-2670-4778-8FC5-43386939DBE3}"/>
               </a:ext>
             </a:extLst>
           </p:cNvPr>
@@ -10387,7 +10387,7 @@
           <p:cNvPr id="1034" name="Picture 10" descr="Bildergebnis fÃ¼r rxjs">
             <a:extLst>
               <a:ext uri="{FF2B5EF4-FFF2-40B4-BE49-F238E27FC236}">
-                <a16:creationId xmlns:a16="http://schemas.microsoft.com/office/drawing/2014/main" xmlns="" id="{FF2589F7-8232-43CB-9B06-B819D249AC90}"/>
+                <a16:creationId xmlns="" xmlns:a16="http://schemas.microsoft.com/office/drawing/2014/main" id="{FF2589F7-8232-43CB-9B06-B819D249AC90}"/>
               </a:ext>
             </a:extLst>
           </p:cNvPr>
@@ -10464,7 +10464,7 @@
           <p:cNvPr id="2" name="Titel 1">
             <a:extLst>
               <a:ext uri="{FF2B5EF4-FFF2-40B4-BE49-F238E27FC236}">
-                <a16:creationId xmlns:a16="http://schemas.microsoft.com/office/drawing/2014/main" xmlns="" id="{BA34701A-BEAC-49CD-BE66-3678A5922648}"/>
+                <a16:creationId xmlns="" xmlns:a16="http://schemas.microsoft.com/office/drawing/2014/main" id="{BA34701A-BEAC-49CD-BE66-3678A5922648}"/>
               </a:ext>
             </a:extLst>
           </p:cNvPr>
@@ -10492,7 +10492,7 @@
           <p:cNvPr id="3" name="Datumsplatzhalter 2">
             <a:extLst>
               <a:ext uri="{FF2B5EF4-FFF2-40B4-BE49-F238E27FC236}">
-                <a16:creationId xmlns:a16="http://schemas.microsoft.com/office/drawing/2014/main" xmlns="" id="{A98B22DE-91CA-4FD7-9560-30BC27F3C26D}"/>
+                <a16:creationId xmlns="" xmlns:a16="http://schemas.microsoft.com/office/drawing/2014/main" id="{A98B22DE-91CA-4FD7-9560-30BC27F3C26D}"/>
               </a:ext>
             </a:extLst>
           </p:cNvPr>
@@ -10510,7 +10510,7 @@
           <a:p>
             <a:fld id="{48352B5A-167D-4ED6-B7C9-BDA647A8BA51}" type="datetime1">
               <a:rPr lang="de-DE" smtClean="0"/>
-              <a:t>23.11.2018</a:t>
+              <a:t>26.11.2018</a:t>
             </a:fld>
             <a:endParaRPr lang="de-DE"/>
           </a:p>
@@ -10521,7 +10521,7 @@
           <p:cNvPr id="4" name="Fußzeilenplatzhalter 3">
             <a:extLst>
               <a:ext uri="{FF2B5EF4-FFF2-40B4-BE49-F238E27FC236}">
-                <a16:creationId xmlns:a16="http://schemas.microsoft.com/office/drawing/2014/main" xmlns="" id="{391BBEE9-CD7F-4B7C-B0BA-020F00E6EF6F}"/>
+                <a16:creationId xmlns="" xmlns:a16="http://schemas.microsoft.com/office/drawing/2014/main" id="{391BBEE9-CD7F-4B7C-B0BA-020F00E6EF6F}"/>
               </a:ext>
             </a:extLst>
           </p:cNvPr>
@@ -10550,7 +10550,7 @@
           <p:cNvPr id="5" name="Foliennummernplatzhalter 4">
             <a:extLst>
               <a:ext uri="{FF2B5EF4-FFF2-40B4-BE49-F238E27FC236}">
-                <a16:creationId xmlns:a16="http://schemas.microsoft.com/office/drawing/2014/main" xmlns="" id="{B876E68C-B4E2-47B9-9FBD-9F8AFF68225E}"/>
+                <a16:creationId xmlns="" xmlns:a16="http://schemas.microsoft.com/office/drawing/2014/main" id="{B876E68C-B4E2-47B9-9FBD-9F8AFF68225E}"/>
               </a:ext>
             </a:extLst>
           </p:cNvPr>
@@ -10579,7 +10579,7 @@
           <p:cNvPr id="6" name="Inhaltsplatzhalter 5">
             <a:extLst>
               <a:ext uri="{FF2B5EF4-FFF2-40B4-BE49-F238E27FC236}">
-                <a16:creationId xmlns:a16="http://schemas.microsoft.com/office/drawing/2014/main" xmlns="" id="{AEBB1BB3-98D3-4463-AEE3-F6E5690771E9}"/>
+                <a16:creationId xmlns="" xmlns:a16="http://schemas.microsoft.com/office/drawing/2014/main" id="{AEBB1BB3-98D3-4463-AEE3-F6E5690771E9}"/>
               </a:ext>
             </a:extLst>
           </p:cNvPr>
@@ -10703,7 +10703,7 @@
           <p:cNvPr id="2" name="Titel 1">
             <a:extLst>
               <a:ext uri="{FF2B5EF4-FFF2-40B4-BE49-F238E27FC236}">
-                <a16:creationId xmlns:a16="http://schemas.microsoft.com/office/drawing/2014/main" xmlns="" id="{738C37EF-4C5F-4AA5-99A0-0F366D81A037}"/>
+                <a16:creationId xmlns="" xmlns:a16="http://schemas.microsoft.com/office/drawing/2014/main" id="{738C37EF-4C5F-4AA5-99A0-0F366D81A037}"/>
               </a:ext>
             </a:extLst>
           </p:cNvPr>
@@ -10731,7 +10731,7 @@
           <p:cNvPr id="3" name="Datumsplatzhalter 2">
             <a:extLst>
               <a:ext uri="{FF2B5EF4-FFF2-40B4-BE49-F238E27FC236}">
-                <a16:creationId xmlns:a16="http://schemas.microsoft.com/office/drawing/2014/main" xmlns="" id="{E1C0CD2F-49CF-42A9-8438-801CE1CBBA71}"/>
+                <a16:creationId xmlns="" xmlns:a16="http://schemas.microsoft.com/office/drawing/2014/main" id="{E1C0CD2F-49CF-42A9-8438-801CE1CBBA71}"/>
               </a:ext>
             </a:extLst>
           </p:cNvPr>
@@ -10749,7 +10749,7 @@
           <a:p>
             <a:fld id="{48352B5A-167D-4ED6-B7C9-BDA647A8BA51}" type="datetime1">
               <a:rPr lang="de-DE" smtClean="0"/>
-              <a:t>23.11.2018</a:t>
+              <a:t>26.11.2018</a:t>
             </a:fld>
             <a:endParaRPr lang="de-DE"/>
           </a:p>
@@ -10760,7 +10760,7 @@
           <p:cNvPr id="4" name="Fußzeilenplatzhalter 3">
             <a:extLst>
               <a:ext uri="{FF2B5EF4-FFF2-40B4-BE49-F238E27FC236}">
-                <a16:creationId xmlns:a16="http://schemas.microsoft.com/office/drawing/2014/main" xmlns="" id="{7F57B273-F13C-4F69-89F8-68317B43542F}"/>
+                <a16:creationId xmlns="" xmlns:a16="http://schemas.microsoft.com/office/drawing/2014/main" id="{7F57B273-F13C-4F69-89F8-68317B43542F}"/>
               </a:ext>
             </a:extLst>
           </p:cNvPr>
@@ -10789,7 +10789,7 @@
           <p:cNvPr id="5" name="Foliennummernplatzhalter 4">
             <a:extLst>
               <a:ext uri="{FF2B5EF4-FFF2-40B4-BE49-F238E27FC236}">
-                <a16:creationId xmlns:a16="http://schemas.microsoft.com/office/drawing/2014/main" xmlns="" id="{835CFF78-1AAA-4EF5-9E9A-24C4BBBDE859}"/>
+                <a16:creationId xmlns="" xmlns:a16="http://schemas.microsoft.com/office/drawing/2014/main" id="{835CFF78-1AAA-4EF5-9E9A-24C4BBBDE859}"/>
               </a:ext>
             </a:extLst>
           </p:cNvPr>
@@ -10818,7 +10818,7 @@
           <p:cNvPr id="7" name="Inhaltsplatzhalter 6">
             <a:extLst>
               <a:ext uri="{FF2B5EF4-FFF2-40B4-BE49-F238E27FC236}">
-                <a16:creationId xmlns:a16="http://schemas.microsoft.com/office/drawing/2014/main" xmlns="" id="{43CE9483-8950-486B-B41D-7A66F10224C7}"/>
+                <a16:creationId xmlns="" xmlns:a16="http://schemas.microsoft.com/office/drawing/2014/main" id="{43CE9483-8950-486B-B41D-7A66F10224C7}"/>
               </a:ext>
             </a:extLst>
           </p:cNvPr>
@@ -10880,7 +10880,7 @@
           <p:cNvPr id="2" name="Titel 1">
             <a:extLst>
               <a:ext uri="{FF2B5EF4-FFF2-40B4-BE49-F238E27FC236}">
-                <a16:creationId xmlns:a16="http://schemas.microsoft.com/office/drawing/2014/main" xmlns="" id="{E6CF5AC9-4037-40B1-9918-570F8D4A5BC8}"/>
+                <a16:creationId xmlns="" xmlns:a16="http://schemas.microsoft.com/office/drawing/2014/main" id="{E6CF5AC9-4037-40B1-9918-570F8D4A5BC8}"/>
               </a:ext>
             </a:extLst>
           </p:cNvPr>
@@ -10912,7 +10912,7 @@
           <p:cNvPr id="3" name="Datumsplatzhalter 2">
             <a:extLst>
               <a:ext uri="{FF2B5EF4-FFF2-40B4-BE49-F238E27FC236}">
-                <a16:creationId xmlns:a16="http://schemas.microsoft.com/office/drawing/2014/main" xmlns="" id="{A705C0B8-C520-4633-A9A6-72F6195A5A9E}"/>
+                <a16:creationId xmlns="" xmlns:a16="http://schemas.microsoft.com/office/drawing/2014/main" id="{A705C0B8-C520-4633-A9A6-72F6195A5A9E}"/>
               </a:ext>
             </a:extLst>
           </p:cNvPr>
@@ -10930,7 +10930,7 @@
           <a:p>
             <a:fld id="{48352B5A-167D-4ED6-B7C9-BDA647A8BA51}" type="datetime1">
               <a:rPr lang="de-DE" smtClean="0"/>
-              <a:t>23.11.2018</a:t>
+              <a:t>26.11.2018</a:t>
             </a:fld>
             <a:endParaRPr lang="de-DE"/>
           </a:p>
@@ -10941,7 +10941,7 @@
           <p:cNvPr id="4" name="Fußzeilenplatzhalter 3">
             <a:extLst>
               <a:ext uri="{FF2B5EF4-FFF2-40B4-BE49-F238E27FC236}">
-                <a16:creationId xmlns:a16="http://schemas.microsoft.com/office/drawing/2014/main" xmlns="" id="{B466A057-EB10-46B8-97E0-99320985902F}"/>
+                <a16:creationId xmlns="" xmlns:a16="http://schemas.microsoft.com/office/drawing/2014/main" id="{B466A057-EB10-46B8-97E0-99320985902F}"/>
               </a:ext>
             </a:extLst>
           </p:cNvPr>
@@ -10970,7 +10970,7 @@
           <p:cNvPr id="5" name="Foliennummernplatzhalter 4">
             <a:extLst>
               <a:ext uri="{FF2B5EF4-FFF2-40B4-BE49-F238E27FC236}">
-                <a16:creationId xmlns:a16="http://schemas.microsoft.com/office/drawing/2014/main" xmlns="" id="{9673468D-A9D3-4D74-BE6E-8B5ECEB59B48}"/>
+                <a16:creationId xmlns="" xmlns:a16="http://schemas.microsoft.com/office/drawing/2014/main" id="{9673468D-A9D3-4D74-BE6E-8B5ECEB59B48}"/>
               </a:ext>
             </a:extLst>
           </p:cNvPr>
@@ -10999,7 +10999,7 @@
           <p:cNvPr id="6" name="Inhaltsplatzhalter 5">
             <a:extLst>
               <a:ext uri="{FF2B5EF4-FFF2-40B4-BE49-F238E27FC236}">
-                <a16:creationId xmlns:a16="http://schemas.microsoft.com/office/drawing/2014/main" xmlns="" id="{D821D71A-5EC1-4867-9139-31BF6502F1B6}"/>
+                <a16:creationId xmlns="" xmlns:a16="http://schemas.microsoft.com/office/drawing/2014/main" id="{D821D71A-5EC1-4867-9139-31BF6502F1B6}"/>
               </a:ext>
             </a:extLst>
           </p:cNvPr>
@@ -11190,7 +11190,7 @@
           <p:cNvPr id="2" name="Titel 1">
             <a:extLst>
               <a:ext uri="{FF2B5EF4-FFF2-40B4-BE49-F238E27FC236}">
-                <a16:creationId xmlns:a16="http://schemas.microsoft.com/office/drawing/2014/main" xmlns="" id="{2D7D460E-0B2B-44FD-B746-194A16BD830D}"/>
+                <a16:creationId xmlns="" xmlns:a16="http://schemas.microsoft.com/office/drawing/2014/main" id="{2D7D460E-0B2B-44FD-B746-194A16BD830D}"/>
               </a:ext>
             </a:extLst>
           </p:cNvPr>
@@ -11219,7 +11219,7 @@
           <p:cNvPr id="3" name="Datumsplatzhalter 2">
             <a:extLst>
               <a:ext uri="{FF2B5EF4-FFF2-40B4-BE49-F238E27FC236}">
-                <a16:creationId xmlns:a16="http://schemas.microsoft.com/office/drawing/2014/main" xmlns="" id="{828DC8B8-5366-41F8-8AFA-7871829A0908}"/>
+                <a16:creationId xmlns="" xmlns:a16="http://schemas.microsoft.com/office/drawing/2014/main" id="{828DC8B8-5366-41F8-8AFA-7871829A0908}"/>
               </a:ext>
             </a:extLst>
           </p:cNvPr>
@@ -11237,7 +11237,7 @@
           <a:p>
             <a:fld id="{48352B5A-167D-4ED6-B7C9-BDA647A8BA51}" type="datetime1">
               <a:rPr lang="de-DE" smtClean="0"/>
-              <a:t>23.11.2018</a:t>
+              <a:t>26.11.2018</a:t>
             </a:fld>
             <a:endParaRPr lang="de-DE"/>
           </a:p>
@@ -11248,7 +11248,7 @@
           <p:cNvPr id="4" name="Fußzeilenplatzhalter 3">
             <a:extLst>
               <a:ext uri="{FF2B5EF4-FFF2-40B4-BE49-F238E27FC236}">
-                <a16:creationId xmlns:a16="http://schemas.microsoft.com/office/drawing/2014/main" xmlns="" id="{BD971EBA-44D6-4477-93E3-1B788DADD575}"/>
+                <a16:creationId xmlns="" xmlns:a16="http://schemas.microsoft.com/office/drawing/2014/main" id="{BD971EBA-44D6-4477-93E3-1B788DADD575}"/>
               </a:ext>
             </a:extLst>
           </p:cNvPr>
@@ -11277,7 +11277,7 @@
           <p:cNvPr id="5" name="Foliennummernplatzhalter 4">
             <a:extLst>
               <a:ext uri="{FF2B5EF4-FFF2-40B4-BE49-F238E27FC236}">
-                <a16:creationId xmlns:a16="http://schemas.microsoft.com/office/drawing/2014/main" xmlns="" id="{91167899-16A0-4E9B-9BB8-2EC81AE3C4A3}"/>
+                <a16:creationId xmlns="" xmlns:a16="http://schemas.microsoft.com/office/drawing/2014/main" id="{91167899-16A0-4E9B-9BB8-2EC81AE3C4A3}"/>
               </a:ext>
             </a:extLst>
           </p:cNvPr>
@@ -11306,7 +11306,7 @@
           <p:cNvPr id="6" name="Inhaltsplatzhalter 5">
             <a:extLst>
               <a:ext uri="{FF2B5EF4-FFF2-40B4-BE49-F238E27FC236}">
-                <a16:creationId xmlns:a16="http://schemas.microsoft.com/office/drawing/2014/main" xmlns="" id="{C2EAF9B5-C30D-4536-A717-867AA1D17456}"/>
+                <a16:creationId xmlns="" xmlns:a16="http://schemas.microsoft.com/office/drawing/2014/main" id="{C2EAF9B5-C30D-4536-A717-867AA1D17456}"/>
               </a:ext>
             </a:extLst>
           </p:cNvPr>
@@ -11514,7 +11514,7 @@
           <p:cNvPr id="2" name="Titel 1">
             <a:extLst>
               <a:ext uri="{FF2B5EF4-FFF2-40B4-BE49-F238E27FC236}">
-                <a16:creationId xmlns:a16="http://schemas.microsoft.com/office/drawing/2014/main" xmlns="" id="{CC5FCD01-D151-4722-B663-67C4B09833C6}"/>
+                <a16:creationId xmlns="" xmlns:a16="http://schemas.microsoft.com/office/drawing/2014/main" id="{CC5FCD01-D151-4722-B663-67C4B09833C6}"/>
               </a:ext>
             </a:extLst>
           </p:cNvPr>
@@ -11546,7 +11546,7 @@
           <p:cNvPr id="3" name="Datumsplatzhalter 2">
             <a:extLst>
               <a:ext uri="{FF2B5EF4-FFF2-40B4-BE49-F238E27FC236}">
-                <a16:creationId xmlns:a16="http://schemas.microsoft.com/office/drawing/2014/main" xmlns="" id="{6F5E496F-46F7-40D4-8DF1-34867D27C2A8}"/>
+                <a16:creationId xmlns="" xmlns:a16="http://schemas.microsoft.com/office/drawing/2014/main" id="{6F5E496F-46F7-40D4-8DF1-34867D27C2A8}"/>
               </a:ext>
             </a:extLst>
           </p:cNvPr>
@@ -11564,7 +11564,7 @@
           <a:p>
             <a:fld id="{48352B5A-167D-4ED6-B7C9-BDA647A8BA51}" type="datetime1">
               <a:rPr lang="de-DE" smtClean="0"/>
-              <a:t>23.11.2018</a:t>
+              <a:t>26.11.2018</a:t>
             </a:fld>
             <a:endParaRPr lang="de-DE"/>
           </a:p>
@@ -11575,7 +11575,7 @@
           <p:cNvPr id="4" name="Fußzeilenplatzhalter 3">
             <a:extLst>
               <a:ext uri="{FF2B5EF4-FFF2-40B4-BE49-F238E27FC236}">
-                <a16:creationId xmlns:a16="http://schemas.microsoft.com/office/drawing/2014/main" xmlns="" id="{C33CAF55-8754-4CFB-95A7-9C9B82305AAD}"/>
+                <a16:creationId xmlns="" xmlns:a16="http://schemas.microsoft.com/office/drawing/2014/main" id="{C33CAF55-8754-4CFB-95A7-9C9B82305AAD}"/>
               </a:ext>
             </a:extLst>
           </p:cNvPr>
@@ -11604,7 +11604,7 @@
           <p:cNvPr id="5" name="Foliennummernplatzhalter 4">
             <a:extLst>
               <a:ext uri="{FF2B5EF4-FFF2-40B4-BE49-F238E27FC236}">
-                <a16:creationId xmlns:a16="http://schemas.microsoft.com/office/drawing/2014/main" xmlns="" id="{EA1DA399-D052-4008-BB2B-6404DF71964D}"/>
+                <a16:creationId xmlns="" xmlns:a16="http://schemas.microsoft.com/office/drawing/2014/main" id="{EA1DA399-D052-4008-BB2B-6404DF71964D}"/>
               </a:ext>
             </a:extLst>
           </p:cNvPr>
@@ -11633,7 +11633,7 @@
           <p:cNvPr id="6" name="Inhaltsplatzhalter 5">
             <a:extLst>
               <a:ext uri="{FF2B5EF4-FFF2-40B4-BE49-F238E27FC236}">
-                <a16:creationId xmlns:a16="http://schemas.microsoft.com/office/drawing/2014/main" xmlns="" id="{A424F6E6-7EE3-42CE-986A-0D3257FB18D1}"/>
+                <a16:creationId xmlns="" xmlns:a16="http://schemas.microsoft.com/office/drawing/2014/main" id="{A424F6E6-7EE3-42CE-986A-0D3257FB18D1}"/>
               </a:ext>
             </a:extLst>
           </p:cNvPr>
@@ -12102,7 +12102,7 @@
           <p:cNvPr id="2" name="Titel 1">
             <a:extLst>
               <a:ext uri="{FF2B5EF4-FFF2-40B4-BE49-F238E27FC236}">
-                <a16:creationId xmlns:a16="http://schemas.microsoft.com/office/drawing/2014/main" xmlns="" id="{8EFFCF8E-A530-400B-B812-958F5DB05ADA}"/>
+                <a16:creationId xmlns="" xmlns:a16="http://schemas.microsoft.com/office/drawing/2014/main" id="{8EFFCF8E-A530-400B-B812-958F5DB05ADA}"/>
               </a:ext>
             </a:extLst>
           </p:cNvPr>
@@ -12131,7 +12131,7 @@
           <p:cNvPr id="3" name="Datumsplatzhalter 2">
             <a:extLst>
               <a:ext uri="{FF2B5EF4-FFF2-40B4-BE49-F238E27FC236}">
-                <a16:creationId xmlns:a16="http://schemas.microsoft.com/office/drawing/2014/main" xmlns="" id="{8A2ACF77-5D94-4A87-859F-F880C8049340}"/>
+                <a16:creationId xmlns="" xmlns:a16="http://schemas.microsoft.com/office/drawing/2014/main" id="{8A2ACF77-5D94-4A87-859F-F880C8049340}"/>
               </a:ext>
             </a:extLst>
           </p:cNvPr>
@@ -12149,7 +12149,7 @@
           <a:p>
             <a:fld id="{48352B5A-167D-4ED6-B7C9-BDA647A8BA51}" type="datetime1">
               <a:rPr lang="de-DE" smtClean="0"/>
-              <a:t>23.11.2018</a:t>
+              <a:t>26.11.2018</a:t>
             </a:fld>
             <a:endParaRPr lang="de-DE"/>
           </a:p>
@@ -12160,7 +12160,7 @@
           <p:cNvPr id="4" name="Fußzeilenplatzhalter 3">
             <a:extLst>
               <a:ext uri="{FF2B5EF4-FFF2-40B4-BE49-F238E27FC236}">
-                <a16:creationId xmlns:a16="http://schemas.microsoft.com/office/drawing/2014/main" xmlns="" id="{BCE989C0-DCC8-4DE1-8016-5BDAC15115EB}"/>
+                <a16:creationId xmlns="" xmlns:a16="http://schemas.microsoft.com/office/drawing/2014/main" id="{BCE989C0-DCC8-4DE1-8016-5BDAC15115EB}"/>
               </a:ext>
             </a:extLst>
           </p:cNvPr>
@@ -12189,7 +12189,7 @@
           <p:cNvPr id="5" name="Foliennummernplatzhalter 4">
             <a:extLst>
               <a:ext uri="{FF2B5EF4-FFF2-40B4-BE49-F238E27FC236}">
-                <a16:creationId xmlns:a16="http://schemas.microsoft.com/office/drawing/2014/main" xmlns="" id="{E0AE29E5-FDEA-4EBC-A598-E69E4995CB24}"/>
+                <a16:creationId xmlns="" xmlns:a16="http://schemas.microsoft.com/office/drawing/2014/main" id="{E0AE29E5-FDEA-4EBC-A598-E69E4995CB24}"/>
               </a:ext>
             </a:extLst>
           </p:cNvPr>
@@ -12218,7 +12218,7 @@
           <p:cNvPr id="6" name="Inhaltsplatzhalter 5">
             <a:extLst>
               <a:ext uri="{FF2B5EF4-FFF2-40B4-BE49-F238E27FC236}">
-                <a16:creationId xmlns:a16="http://schemas.microsoft.com/office/drawing/2014/main" xmlns="" id="{E16E596C-A5F8-47FA-9BFB-EBB60E45B8F1}"/>
+                <a16:creationId xmlns="" xmlns:a16="http://schemas.microsoft.com/office/drawing/2014/main" id="{E16E596C-A5F8-47FA-9BFB-EBB60E45B8F1}"/>
               </a:ext>
             </a:extLst>
           </p:cNvPr>
@@ -12663,7 +12663,7 @@
           <p:cNvPr id="2" name="Titel 1">
             <a:extLst>
               <a:ext uri="{FF2B5EF4-FFF2-40B4-BE49-F238E27FC236}">
-                <a16:creationId xmlns:a16="http://schemas.microsoft.com/office/drawing/2014/main" xmlns="" id="{BA34701A-BEAC-49CD-BE66-3678A5922648}"/>
+                <a16:creationId xmlns="" xmlns:a16="http://schemas.microsoft.com/office/drawing/2014/main" id="{BA34701A-BEAC-49CD-BE66-3678A5922648}"/>
               </a:ext>
             </a:extLst>
           </p:cNvPr>
@@ -12691,7 +12691,7 @@
           <p:cNvPr id="3" name="Datumsplatzhalter 2">
             <a:extLst>
               <a:ext uri="{FF2B5EF4-FFF2-40B4-BE49-F238E27FC236}">
-                <a16:creationId xmlns:a16="http://schemas.microsoft.com/office/drawing/2014/main" xmlns="" id="{A98B22DE-91CA-4FD7-9560-30BC27F3C26D}"/>
+                <a16:creationId xmlns="" xmlns:a16="http://schemas.microsoft.com/office/drawing/2014/main" id="{A98B22DE-91CA-4FD7-9560-30BC27F3C26D}"/>
               </a:ext>
             </a:extLst>
           </p:cNvPr>
@@ -12709,7 +12709,7 @@
           <a:p>
             <a:fld id="{48352B5A-167D-4ED6-B7C9-BDA647A8BA51}" type="datetime1">
               <a:rPr lang="de-DE" smtClean="0"/>
-              <a:t>23.11.2018</a:t>
+              <a:t>26.11.2018</a:t>
             </a:fld>
             <a:endParaRPr lang="de-DE"/>
           </a:p>
@@ -12720,7 +12720,7 @@
           <p:cNvPr id="4" name="Fußzeilenplatzhalter 3">
             <a:extLst>
               <a:ext uri="{FF2B5EF4-FFF2-40B4-BE49-F238E27FC236}">
-                <a16:creationId xmlns:a16="http://schemas.microsoft.com/office/drawing/2014/main" xmlns="" id="{391BBEE9-CD7F-4B7C-B0BA-020F00E6EF6F}"/>
+                <a16:creationId xmlns="" xmlns:a16="http://schemas.microsoft.com/office/drawing/2014/main" id="{391BBEE9-CD7F-4B7C-B0BA-020F00E6EF6F}"/>
               </a:ext>
             </a:extLst>
           </p:cNvPr>
@@ -12749,7 +12749,7 @@
           <p:cNvPr id="5" name="Foliennummernplatzhalter 4">
             <a:extLst>
               <a:ext uri="{FF2B5EF4-FFF2-40B4-BE49-F238E27FC236}">
-                <a16:creationId xmlns:a16="http://schemas.microsoft.com/office/drawing/2014/main" xmlns="" id="{B876E68C-B4E2-47B9-9FBD-9F8AFF68225E}"/>
+                <a16:creationId xmlns="" xmlns:a16="http://schemas.microsoft.com/office/drawing/2014/main" id="{B876E68C-B4E2-47B9-9FBD-9F8AFF68225E}"/>
               </a:ext>
             </a:extLst>
           </p:cNvPr>
@@ -12778,7 +12778,7 @@
           <p:cNvPr id="6" name="Inhaltsplatzhalter 5">
             <a:extLst>
               <a:ext uri="{FF2B5EF4-FFF2-40B4-BE49-F238E27FC236}">
-                <a16:creationId xmlns:a16="http://schemas.microsoft.com/office/drawing/2014/main" xmlns="" id="{AEBB1BB3-98D3-4463-AEE3-F6E5690771E9}"/>
+                <a16:creationId xmlns="" xmlns:a16="http://schemas.microsoft.com/office/drawing/2014/main" id="{AEBB1BB3-98D3-4463-AEE3-F6E5690771E9}"/>
               </a:ext>
             </a:extLst>
           </p:cNvPr>
@@ -13000,7 +13000,7 @@
           <a:p>
             <a:fld id="{48352B5A-167D-4ED6-B7C9-BDA647A8BA51}" type="datetime1">
               <a:rPr lang="de-DE" smtClean="0"/>
-              <a:t>23.11.2018</a:t>
+              <a:t>26.11.2018</a:t>
             </a:fld>
             <a:endParaRPr lang="de-DE"/>
           </a:p>
@@ -13279,7 +13279,7 @@
           <p:cNvPr id="2" name="Titel 1">
             <a:extLst>
               <a:ext uri="{FF2B5EF4-FFF2-40B4-BE49-F238E27FC236}">
-                <a16:creationId xmlns:a16="http://schemas.microsoft.com/office/drawing/2014/main" xmlns="" id="{2D7D460E-0B2B-44FD-B746-194A16BD830D}"/>
+                <a16:creationId xmlns="" xmlns:a16="http://schemas.microsoft.com/office/drawing/2014/main" id="{2D7D460E-0B2B-44FD-B746-194A16BD830D}"/>
               </a:ext>
             </a:extLst>
           </p:cNvPr>
@@ -13307,7 +13307,7 @@
           <p:cNvPr id="3" name="Datumsplatzhalter 2">
             <a:extLst>
               <a:ext uri="{FF2B5EF4-FFF2-40B4-BE49-F238E27FC236}">
-                <a16:creationId xmlns:a16="http://schemas.microsoft.com/office/drawing/2014/main" xmlns="" id="{828DC8B8-5366-41F8-8AFA-7871829A0908}"/>
+                <a16:creationId xmlns="" xmlns:a16="http://schemas.microsoft.com/office/drawing/2014/main" id="{828DC8B8-5366-41F8-8AFA-7871829A0908}"/>
               </a:ext>
             </a:extLst>
           </p:cNvPr>
@@ -13325,7 +13325,7 @@
           <a:p>
             <a:fld id="{48352B5A-167D-4ED6-B7C9-BDA647A8BA51}" type="datetime1">
               <a:rPr lang="de-DE" smtClean="0"/>
-              <a:t>23.11.2018</a:t>
+              <a:t>26.11.2018</a:t>
             </a:fld>
             <a:endParaRPr lang="de-DE"/>
           </a:p>
@@ -13336,7 +13336,7 @@
           <p:cNvPr id="4" name="Fußzeilenplatzhalter 3">
             <a:extLst>
               <a:ext uri="{FF2B5EF4-FFF2-40B4-BE49-F238E27FC236}">
-                <a16:creationId xmlns:a16="http://schemas.microsoft.com/office/drawing/2014/main" xmlns="" id="{BD971EBA-44D6-4477-93E3-1B788DADD575}"/>
+                <a16:creationId xmlns="" xmlns:a16="http://schemas.microsoft.com/office/drawing/2014/main" id="{BD971EBA-44D6-4477-93E3-1B788DADD575}"/>
               </a:ext>
             </a:extLst>
           </p:cNvPr>
@@ -13365,7 +13365,7 @@
           <p:cNvPr id="5" name="Foliennummernplatzhalter 4">
             <a:extLst>
               <a:ext uri="{FF2B5EF4-FFF2-40B4-BE49-F238E27FC236}">
-                <a16:creationId xmlns:a16="http://schemas.microsoft.com/office/drawing/2014/main" xmlns="" id="{91167899-16A0-4E9B-9BB8-2EC81AE3C4A3}"/>
+                <a16:creationId xmlns="" xmlns:a16="http://schemas.microsoft.com/office/drawing/2014/main" id="{91167899-16A0-4E9B-9BB8-2EC81AE3C4A3}"/>
               </a:ext>
             </a:extLst>
           </p:cNvPr>
@@ -13394,7 +13394,7 @@
           <p:cNvPr id="6" name="Inhaltsplatzhalter 5">
             <a:extLst>
               <a:ext uri="{FF2B5EF4-FFF2-40B4-BE49-F238E27FC236}">
-                <a16:creationId xmlns:a16="http://schemas.microsoft.com/office/drawing/2014/main" xmlns="" id="{C2EAF9B5-C30D-4536-A717-867AA1D17456}"/>
+                <a16:creationId xmlns="" xmlns:a16="http://schemas.microsoft.com/office/drawing/2014/main" id="{C2EAF9B5-C30D-4536-A717-867AA1D17456}"/>
               </a:ext>
             </a:extLst>
           </p:cNvPr>
@@ -13509,7 +13509,7 @@
           <p:cNvPr id="2" name="Titel 1">
             <a:extLst>
               <a:ext uri="{FF2B5EF4-FFF2-40B4-BE49-F238E27FC236}">
-                <a16:creationId xmlns:a16="http://schemas.microsoft.com/office/drawing/2014/main" xmlns="" id="{8114A889-83B6-40F0-B935-DCD9702CEACD}"/>
+                <a16:creationId xmlns="" xmlns:a16="http://schemas.microsoft.com/office/drawing/2014/main" id="{8114A889-83B6-40F0-B935-DCD9702CEACD}"/>
               </a:ext>
             </a:extLst>
           </p:cNvPr>
@@ -13537,7 +13537,7 @@
           <p:cNvPr id="3" name="Datumsplatzhalter 2">
             <a:extLst>
               <a:ext uri="{FF2B5EF4-FFF2-40B4-BE49-F238E27FC236}">
-                <a16:creationId xmlns:a16="http://schemas.microsoft.com/office/drawing/2014/main" xmlns="" id="{F89389F1-AFAC-4D9A-9486-7B3544E4FF6D}"/>
+                <a16:creationId xmlns="" xmlns:a16="http://schemas.microsoft.com/office/drawing/2014/main" id="{F89389F1-AFAC-4D9A-9486-7B3544E4FF6D}"/>
               </a:ext>
             </a:extLst>
           </p:cNvPr>
@@ -13555,7 +13555,7 @@
           <a:p>
             <a:fld id="{48352B5A-167D-4ED6-B7C9-BDA647A8BA51}" type="datetime1">
               <a:rPr lang="de-DE" smtClean="0"/>
-              <a:t>23.11.2018</a:t>
+              <a:t>26.11.2018</a:t>
             </a:fld>
             <a:endParaRPr lang="de-DE"/>
           </a:p>
@@ -13566,7 +13566,7 @@
           <p:cNvPr id="4" name="Fußzeilenplatzhalter 3">
             <a:extLst>
               <a:ext uri="{FF2B5EF4-FFF2-40B4-BE49-F238E27FC236}">
-                <a16:creationId xmlns:a16="http://schemas.microsoft.com/office/drawing/2014/main" xmlns="" id="{9F17CDFF-C508-4955-98A7-5D2E28C34B42}"/>
+                <a16:creationId xmlns="" xmlns:a16="http://schemas.microsoft.com/office/drawing/2014/main" id="{9F17CDFF-C508-4955-98A7-5D2E28C34B42}"/>
               </a:ext>
             </a:extLst>
           </p:cNvPr>
@@ -13595,7 +13595,7 @@
           <p:cNvPr id="5" name="Foliennummernplatzhalter 4">
             <a:extLst>
               <a:ext uri="{FF2B5EF4-FFF2-40B4-BE49-F238E27FC236}">
-                <a16:creationId xmlns:a16="http://schemas.microsoft.com/office/drawing/2014/main" xmlns="" id="{810D8EC7-F317-4347-B4EE-CB89484C6E86}"/>
+                <a16:creationId xmlns="" xmlns:a16="http://schemas.microsoft.com/office/drawing/2014/main" id="{810D8EC7-F317-4347-B4EE-CB89484C6E86}"/>
               </a:ext>
             </a:extLst>
           </p:cNvPr>
@@ -13624,7 +13624,7 @@
           <p:cNvPr id="6" name="Inhaltsplatzhalter 5">
             <a:extLst>
               <a:ext uri="{FF2B5EF4-FFF2-40B4-BE49-F238E27FC236}">
-                <a16:creationId xmlns:a16="http://schemas.microsoft.com/office/drawing/2014/main" xmlns="" id="{2664D975-EAE2-4ADB-A844-D88FA8C3AAB5}"/>
+                <a16:creationId xmlns="" xmlns:a16="http://schemas.microsoft.com/office/drawing/2014/main" id="{2664D975-EAE2-4ADB-A844-D88FA8C3AAB5}"/>
               </a:ext>
             </a:extLst>
           </p:cNvPr>
@@ -13730,7 +13730,7 @@
           <p:cNvPr id="2" name="Titel 1">
             <a:extLst>
               <a:ext uri="{FF2B5EF4-FFF2-40B4-BE49-F238E27FC236}">
-                <a16:creationId xmlns:a16="http://schemas.microsoft.com/office/drawing/2014/main" xmlns="" id="{9045F3A0-10BD-46BB-A599-99C99D083471}"/>
+                <a16:creationId xmlns="" xmlns:a16="http://schemas.microsoft.com/office/drawing/2014/main" id="{9045F3A0-10BD-46BB-A599-99C99D083471}"/>
               </a:ext>
             </a:extLst>
           </p:cNvPr>
@@ -13758,7 +13758,7 @@
           <p:cNvPr id="3" name="Datumsplatzhalter 2">
             <a:extLst>
               <a:ext uri="{FF2B5EF4-FFF2-40B4-BE49-F238E27FC236}">
-                <a16:creationId xmlns:a16="http://schemas.microsoft.com/office/drawing/2014/main" xmlns="" id="{CE9F0A6B-49CE-4AD7-BF97-45CE42D685C7}"/>
+                <a16:creationId xmlns="" xmlns:a16="http://schemas.microsoft.com/office/drawing/2014/main" id="{CE9F0A6B-49CE-4AD7-BF97-45CE42D685C7}"/>
               </a:ext>
             </a:extLst>
           </p:cNvPr>
@@ -13776,7 +13776,7 @@
           <a:p>
             <a:fld id="{48352B5A-167D-4ED6-B7C9-BDA647A8BA51}" type="datetime1">
               <a:rPr lang="de-DE" smtClean="0"/>
-              <a:t>23.11.2018</a:t>
+              <a:t>26.11.2018</a:t>
             </a:fld>
             <a:endParaRPr lang="de-DE"/>
           </a:p>
@@ -13787,7 +13787,7 @@
           <p:cNvPr id="4" name="Fußzeilenplatzhalter 3">
             <a:extLst>
               <a:ext uri="{FF2B5EF4-FFF2-40B4-BE49-F238E27FC236}">
-                <a16:creationId xmlns:a16="http://schemas.microsoft.com/office/drawing/2014/main" xmlns="" id="{E6903670-E149-44F7-B376-AD678C4A47C4}"/>
+                <a16:creationId xmlns="" xmlns:a16="http://schemas.microsoft.com/office/drawing/2014/main" id="{E6903670-E149-44F7-B376-AD678C4A47C4}"/>
               </a:ext>
             </a:extLst>
           </p:cNvPr>
@@ -13816,7 +13816,7 @@
           <p:cNvPr id="5" name="Foliennummernplatzhalter 4">
             <a:extLst>
               <a:ext uri="{FF2B5EF4-FFF2-40B4-BE49-F238E27FC236}">
-                <a16:creationId xmlns:a16="http://schemas.microsoft.com/office/drawing/2014/main" xmlns="" id="{8AD18758-662B-449F-A0E9-6DFE7F50233D}"/>
+                <a16:creationId xmlns="" xmlns:a16="http://schemas.microsoft.com/office/drawing/2014/main" id="{8AD18758-662B-449F-A0E9-6DFE7F50233D}"/>
               </a:ext>
             </a:extLst>
           </p:cNvPr>
@@ -13845,7 +13845,7 @@
           <p:cNvPr id="6" name="Inhaltsplatzhalter 5">
             <a:extLst>
               <a:ext uri="{FF2B5EF4-FFF2-40B4-BE49-F238E27FC236}">
-                <a16:creationId xmlns:a16="http://schemas.microsoft.com/office/drawing/2014/main" xmlns="" id="{06BD01D8-02D5-427E-8BC7-18B2822F01C0}"/>
+                <a16:creationId xmlns="" xmlns:a16="http://schemas.microsoft.com/office/drawing/2014/main" id="{06BD01D8-02D5-427E-8BC7-18B2822F01C0}"/>
               </a:ext>
             </a:extLst>
           </p:cNvPr>
@@ -13939,7 +13939,7 @@
             </a:r>
             <a:r>
               <a:rPr lang="de-CH" smtClean="0"/>
-              <a:t>github.com/markusborer/ReactKursZuerich</a:t>
+              <a:t>github.com/markusborer/ReactKursBern</a:t>
             </a:r>
             <a:endParaRPr lang="de-CH" dirty="0"/>
           </a:p>
@@ -13980,7 +13980,7 @@
           <p:cNvPr id="2" name="Titel 1">
             <a:extLst>
               <a:ext uri="{FF2B5EF4-FFF2-40B4-BE49-F238E27FC236}">
-                <a16:creationId xmlns:a16="http://schemas.microsoft.com/office/drawing/2014/main" xmlns="" id="{8114A889-83B6-40F0-B935-DCD9702CEACD}"/>
+                <a16:creationId xmlns="" xmlns:a16="http://schemas.microsoft.com/office/drawing/2014/main" id="{8114A889-83B6-40F0-B935-DCD9702CEACD}"/>
               </a:ext>
             </a:extLst>
           </p:cNvPr>
@@ -14008,7 +14008,7 @@
           <p:cNvPr id="3" name="Datumsplatzhalter 2">
             <a:extLst>
               <a:ext uri="{FF2B5EF4-FFF2-40B4-BE49-F238E27FC236}">
-                <a16:creationId xmlns:a16="http://schemas.microsoft.com/office/drawing/2014/main" xmlns="" id="{F89389F1-AFAC-4D9A-9486-7B3544E4FF6D}"/>
+                <a16:creationId xmlns="" xmlns:a16="http://schemas.microsoft.com/office/drawing/2014/main" id="{F89389F1-AFAC-4D9A-9486-7B3544E4FF6D}"/>
               </a:ext>
             </a:extLst>
           </p:cNvPr>
@@ -14026,7 +14026,7 @@
           <a:p>
             <a:fld id="{48352B5A-167D-4ED6-B7C9-BDA647A8BA51}" type="datetime1">
               <a:rPr lang="de-DE" smtClean="0"/>
-              <a:t>23.11.2018</a:t>
+              <a:t>26.11.2018</a:t>
             </a:fld>
             <a:endParaRPr lang="de-DE"/>
           </a:p>
@@ -14037,7 +14037,7 @@
           <p:cNvPr id="4" name="Fußzeilenplatzhalter 3">
             <a:extLst>
               <a:ext uri="{FF2B5EF4-FFF2-40B4-BE49-F238E27FC236}">
-                <a16:creationId xmlns:a16="http://schemas.microsoft.com/office/drawing/2014/main" xmlns="" id="{9F17CDFF-C508-4955-98A7-5D2E28C34B42}"/>
+                <a16:creationId xmlns="" xmlns:a16="http://schemas.microsoft.com/office/drawing/2014/main" id="{9F17CDFF-C508-4955-98A7-5D2E28C34B42}"/>
               </a:ext>
             </a:extLst>
           </p:cNvPr>
@@ -14066,7 +14066,7 @@
           <p:cNvPr id="5" name="Foliennummernplatzhalter 4">
             <a:extLst>
               <a:ext uri="{FF2B5EF4-FFF2-40B4-BE49-F238E27FC236}">
-                <a16:creationId xmlns:a16="http://schemas.microsoft.com/office/drawing/2014/main" xmlns="" id="{810D8EC7-F317-4347-B4EE-CB89484C6E86}"/>
+                <a16:creationId xmlns="" xmlns:a16="http://schemas.microsoft.com/office/drawing/2014/main" id="{810D8EC7-F317-4347-B4EE-CB89484C6E86}"/>
               </a:ext>
             </a:extLst>
           </p:cNvPr>
@@ -14095,7 +14095,7 @@
           <p:cNvPr id="6" name="Inhaltsplatzhalter 5">
             <a:extLst>
               <a:ext uri="{FF2B5EF4-FFF2-40B4-BE49-F238E27FC236}">
-                <a16:creationId xmlns:a16="http://schemas.microsoft.com/office/drawing/2014/main" xmlns="" id="{2664D975-EAE2-4ADB-A844-D88FA8C3AAB5}"/>
+                <a16:creationId xmlns="" xmlns:a16="http://schemas.microsoft.com/office/drawing/2014/main" id="{2664D975-EAE2-4ADB-A844-D88FA8C3AAB5}"/>
               </a:ext>
             </a:extLst>
           </p:cNvPr>
@@ -14208,7 +14208,7 @@
           <p:cNvPr id="2" name="Titel 1">
             <a:extLst>
               <a:ext uri="{FF2B5EF4-FFF2-40B4-BE49-F238E27FC236}">
-                <a16:creationId xmlns:a16="http://schemas.microsoft.com/office/drawing/2014/main" xmlns="" id="{FA5F42C6-C15B-4AB1-AC38-87A61B061B0B}"/>
+                <a16:creationId xmlns="" xmlns:a16="http://schemas.microsoft.com/office/drawing/2014/main" id="{FA5F42C6-C15B-4AB1-AC38-87A61B061B0B}"/>
               </a:ext>
             </a:extLst>
           </p:cNvPr>
@@ -14236,7 +14236,7 @@
           <p:cNvPr id="3" name="Datumsplatzhalter 2">
             <a:extLst>
               <a:ext uri="{FF2B5EF4-FFF2-40B4-BE49-F238E27FC236}">
-                <a16:creationId xmlns:a16="http://schemas.microsoft.com/office/drawing/2014/main" xmlns="" id="{4E6255DE-0A56-4109-ACC5-BA5C4F79D8DE}"/>
+                <a16:creationId xmlns="" xmlns:a16="http://schemas.microsoft.com/office/drawing/2014/main" id="{4E6255DE-0A56-4109-ACC5-BA5C4F79D8DE}"/>
               </a:ext>
             </a:extLst>
           </p:cNvPr>
@@ -14254,7 +14254,7 @@
           <a:p>
             <a:fld id="{48352B5A-167D-4ED6-B7C9-BDA647A8BA51}" type="datetime1">
               <a:rPr lang="de-DE" smtClean="0"/>
-              <a:t>23.11.2018</a:t>
+              <a:t>26.11.2018</a:t>
             </a:fld>
             <a:endParaRPr lang="de-DE"/>
           </a:p>
@@ -14265,7 +14265,7 @@
           <p:cNvPr id="4" name="Fußzeilenplatzhalter 3">
             <a:extLst>
               <a:ext uri="{FF2B5EF4-FFF2-40B4-BE49-F238E27FC236}">
-                <a16:creationId xmlns:a16="http://schemas.microsoft.com/office/drawing/2014/main" xmlns="" id="{CEA3FD5D-A34C-4841-A301-FFBE7EFCDC67}"/>
+                <a16:creationId xmlns="" xmlns:a16="http://schemas.microsoft.com/office/drawing/2014/main" id="{CEA3FD5D-A34C-4841-A301-FFBE7EFCDC67}"/>
               </a:ext>
             </a:extLst>
           </p:cNvPr>
@@ -14294,7 +14294,7 @@
           <p:cNvPr id="5" name="Foliennummernplatzhalter 4">
             <a:extLst>
               <a:ext uri="{FF2B5EF4-FFF2-40B4-BE49-F238E27FC236}">
-                <a16:creationId xmlns:a16="http://schemas.microsoft.com/office/drawing/2014/main" xmlns="" id="{0821F331-1B94-4270-896F-3B1091A91C6D}"/>
+                <a16:creationId xmlns="" xmlns:a16="http://schemas.microsoft.com/office/drawing/2014/main" id="{0821F331-1B94-4270-896F-3B1091A91C6D}"/>
               </a:ext>
             </a:extLst>
           </p:cNvPr>
@@ -14323,7 +14323,7 @@
           <p:cNvPr id="6" name="Inhaltsplatzhalter 5">
             <a:extLst>
               <a:ext uri="{FF2B5EF4-FFF2-40B4-BE49-F238E27FC236}">
-                <a16:creationId xmlns:a16="http://schemas.microsoft.com/office/drawing/2014/main" xmlns="" id="{82760570-9908-40F7-993E-62534B26D7BF}"/>
+                <a16:creationId xmlns="" xmlns:a16="http://schemas.microsoft.com/office/drawing/2014/main" id="{82760570-9908-40F7-993E-62534B26D7BF}"/>
               </a:ext>
             </a:extLst>
           </p:cNvPr>
@@ -14360,7 +14360,7 @@
           <p:cNvPr id="1028" name="Picture 4" descr="Mockup">
             <a:extLst>
               <a:ext uri="{FF2B5EF4-FFF2-40B4-BE49-F238E27FC236}">
-                <a16:creationId xmlns:a16="http://schemas.microsoft.com/office/drawing/2014/main" xmlns="" id="{8B33C41F-8E00-48F0-8932-C9E1FA4DA62B}"/>
+                <a16:creationId xmlns="" xmlns:a16="http://schemas.microsoft.com/office/drawing/2014/main" id="{8B33C41F-8E00-48F0-8932-C9E1FA4DA62B}"/>
               </a:ext>
             </a:extLst>
           </p:cNvPr>
@@ -14407,7 +14407,7 @@
           <p:cNvPr id="1030" name="Picture 6" descr="Component diagram">
             <a:extLst>
               <a:ext uri="{FF2B5EF4-FFF2-40B4-BE49-F238E27FC236}">
-                <a16:creationId xmlns:a16="http://schemas.microsoft.com/office/drawing/2014/main" xmlns="" id="{38DEA208-EA46-43A6-B459-0CDD64DF25B5}"/>
+                <a16:creationId xmlns="" xmlns:a16="http://schemas.microsoft.com/office/drawing/2014/main" id="{38DEA208-EA46-43A6-B459-0CDD64DF25B5}"/>
               </a:ext>
             </a:extLst>
           </p:cNvPr>
@@ -14484,7 +14484,7 @@
           <p:cNvPr id="2" name="Titel 1">
             <a:extLst>
               <a:ext uri="{FF2B5EF4-FFF2-40B4-BE49-F238E27FC236}">
-                <a16:creationId xmlns:a16="http://schemas.microsoft.com/office/drawing/2014/main" xmlns="" id="{60445BEB-B600-4E73-BA54-81023233D665}"/>
+                <a16:creationId xmlns="" xmlns:a16="http://schemas.microsoft.com/office/drawing/2014/main" id="{60445BEB-B600-4E73-BA54-81023233D665}"/>
               </a:ext>
             </a:extLst>
           </p:cNvPr>
@@ -14512,7 +14512,7 @@
           <p:cNvPr id="3" name="Datumsplatzhalter 2">
             <a:extLst>
               <a:ext uri="{FF2B5EF4-FFF2-40B4-BE49-F238E27FC236}">
-                <a16:creationId xmlns:a16="http://schemas.microsoft.com/office/drawing/2014/main" xmlns="" id="{D8B3BFA1-DD7E-4145-83C0-686491EC7620}"/>
+                <a16:creationId xmlns="" xmlns:a16="http://schemas.microsoft.com/office/drawing/2014/main" id="{D8B3BFA1-DD7E-4145-83C0-686491EC7620}"/>
               </a:ext>
             </a:extLst>
           </p:cNvPr>
@@ -14530,7 +14530,7 @@
           <a:p>
             <a:fld id="{48352B5A-167D-4ED6-B7C9-BDA647A8BA51}" type="datetime1">
               <a:rPr lang="de-DE" smtClean="0"/>
-              <a:t>23.11.2018</a:t>
+              <a:t>26.11.2018</a:t>
             </a:fld>
             <a:endParaRPr lang="de-DE"/>
           </a:p>
@@ -14541,7 +14541,7 @@
           <p:cNvPr id="4" name="Fußzeilenplatzhalter 3">
             <a:extLst>
               <a:ext uri="{FF2B5EF4-FFF2-40B4-BE49-F238E27FC236}">
-                <a16:creationId xmlns:a16="http://schemas.microsoft.com/office/drawing/2014/main" xmlns="" id="{0167984B-7CFC-4FC8-8B6E-A6C9B0BE23A9}"/>
+                <a16:creationId xmlns="" xmlns:a16="http://schemas.microsoft.com/office/drawing/2014/main" id="{0167984B-7CFC-4FC8-8B6E-A6C9B0BE23A9}"/>
               </a:ext>
             </a:extLst>
           </p:cNvPr>
@@ -14570,7 +14570,7 @@
           <p:cNvPr id="5" name="Foliennummernplatzhalter 4">
             <a:extLst>
               <a:ext uri="{FF2B5EF4-FFF2-40B4-BE49-F238E27FC236}">
-                <a16:creationId xmlns:a16="http://schemas.microsoft.com/office/drawing/2014/main" xmlns="" id="{B5F602B5-61AD-4317-BEDB-62E6B8CD0F7B}"/>
+                <a16:creationId xmlns="" xmlns:a16="http://schemas.microsoft.com/office/drawing/2014/main" id="{B5F602B5-61AD-4317-BEDB-62E6B8CD0F7B}"/>
               </a:ext>
             </a:extLst>
           </p:cNvPr>
@@ -14599,7 +14599,7 @@
           <p:cNvPr id="6" name="Inhaltsplatzhalter 5">
             <a:extLst>
               <a:ext uri="{FF2B5EF4-FFF2-40B4-BE49-F238E27FC236}">
-                <a16:creationId xmlns:a16="http://schemas.microsoft.com/office/drawing/2014/main" xmlns="" id="{493D623C-F8B1-42CA-BF0E-ED66943C91EF}"/>
+                <a16:creationId xmlns="" xmlns:a16="http://schemas.microsoft.com/office/drawing/2014/main" id="{493D623C-F8B1-42CA-BF0E-ED66943C91EF}"/>
               </a:ext>
             </a:extLst>
           </p:cNvPr>
@@ -14671,7 +14671,7 @@
           <p:cNvPr id="2" name="Titel 1">
             <a:extLst>
               <a:ext uri="{FF2B5EF4-FFF2-40B4-BE49-F238E27FC236}">
-                <a16:creationId xmlns:a16="http://schemas.microsoft.com/office/drawing/2014/main" xmlns="" id="{60445BEB-B600-4E73-BA54-81023233D665}"/>
+                <a16:creationId xmlns="" xmlns:a16="http://schemas.microsoft.com/office/drawing/2014/main" id="{60445BEB-B600-4E73-BA54-81023233D665}"/>
               </a:ext>
             </a:extLst>
           </p:cNvPr>
@@ -14699,7 +14699,7 @@
           <p:cNvPr id="3" name="Datumsplatzhalter 2">
             <a:extLst>
               <a:ext uri="{FF2B5EF4-FFF2-40B4-BE49-F238E27FC236}">
-                <a16:creationId xmlns:a16="http://schemas.microsoft.com/office/drawing/2014/main" xmlns="" id="{D8B3BFA1-DD7E-4145-83C0-686491EC7620}"/>
+                <a16:creationId xmlns="" xmlns:a16="http://schemas.microsoft.com/office/drawing/2014/main" id="{D8B3BFA1-DD7E-4145-83C0-686491EC7620}"/>
               </a:ext>
             </a:extLst>
           </p:cNvPr>
@@ -14717,7 +14717,7 @@
           <a:p>
             <a:fld id="{48352B5A-167D-4ED6-B7C9-BDA647A8BA51}" type="datetime1">
               <a:rPr lang="de-DE" smtClean="0"/>
-              <a:t>23.11.2018</a:t>
+              <a:t>26.11.2018</a:t>
             </a:fld>
             <a:endParaRPr lang="de-DE"/>
           </a:p>
@@ -14728,7 +14728,7 @@
           <p:cNvPr id="4" name="Fußzeilenplatzhalter 3">
             <a:extLst>
               <a:ext uri="{FF2B5EF4-FFF2-40B4-BE49-F238E27FC236}">
-                <a16:creationId xmlns:a16="http://schemas.microsoft.com/office/drawing/2014/main" xmlns="" id="{0167984B-7CFC-4FC8-8B6E-A6C9B0BE23A9}"/>
+                <a16:creationId xmlns="" xmlns:a16="http://schemas.microsoft.com/office/drawing/2014/main" id="{0167984B-7CFC-4FC8-8B6E-A6C9B0BE23A9}"/>
               </a:ext>
             </a:extLst>
           </p:cNvPr>
@@ -14757,7 +14757,7 @@
           <p:cNvPr id="5" name="Foliennummernplatzhalter 4">
             <a:extLst>
               <a:ext uri="{FF2B5EF4-FFF2-40B4-BE49-F238E27FC236}">
-                <a16:creationId xmlns:a16="http://schemas.microsoft.com/office/drawing/2014/main" xmlns="" id="{B5F602B5-61AD-4317-BEDB-62E6B8CD0F7B}"/>
+                <a16:creationId xmlns="" xmlns:a16="http://schemas.microsoft.com/office/drawing/2014/main" id="{B5F602B5-61AD-4317-BEDB-62E6B8CD0F7B}"/>
               </a:ext>
             </a:extLst>
           </p:cNvPr>
@@ -14786,7 +14786,7 @@
           <p:cNvPr id="6" name="Inhaltsplatzhalter 5">
             <a:extLst>
               <a:ext uri="{FF2B5EF4-FFF2-40B4-BE49-F238E27FC236}">
-                <a16:creationId xmlns:a16="http://schemas.microsoft.com/office/drawing/2014/main" xmlns="" id="{493D623C-F8B1-42CA-BF0E-ED66943C91EF}"/>
+                <a16:creationId xmlns="" xmlns:a16="http://schemas.microsoft.com/office/drawing/2014/main" id="{493D623C-F8B1-42CA-BF0E-ED66943C91EF}"/>
               </a:ext>
             </a:extLst>
           </p:cNvPr>
@@ -14915,7 +14915,7 @@
           <p:cNvPr id="2" name="Titel 1">
             <a:extLst>
               <a:ext uri="{FF2B5EF4-FFF2-40B4-BE49-F238E27FC236}">
-                <a16:creationId xmlns:a16="http://schemas.microsoft.com/office/drawing/2014/main" xmlns="" id="{60445BEB-B600-4E73-BA54-81023233D665}"/>
+                <a16:creationId xmlns="" xmlns:a16="http://schemas.microsoft.com/office/drawing/2014/main" id="{60445BEB-B600-4E73-BA54-81023233D665}"/>
               </a:ext>
             </a:extLst>
           </p:cNvPr>
@@ -14948,7 +14948,7 @@
           <p:cNvPr id="3" name="Datumsplatzhalter 2">
             <a:extLst>
               <a:ext uri="{FF2B5EF4-FFF2-40B4-BE49-F238E27FC236}">
-                <a16:creationId xmlns:a16="http://schemas.microsoft.com/office/drawing/2014/main" xmlns="" id="{D8B3BFA1-DD7E-4145-83C0-686491EC7620}"/>
+                <a16:creationId xmlns="" xmlns:a16="http://schemas.microsoft.com/office/drawing/2014/main" id="{D8B3BFA1-DD7E-4145-83C0-686491EC7620}"/>
               </a:ext>
             </a:extLst>
           </p:cNvPr>
@@ -14966,7 +14966,7 @@
           <a:p>
             <a:fld id="{48352B5A-167D-4ED6-B7C9-BDA647A8BA51}" type="datetime1">
               <a:rPr lang="de-DE" smtClean="0"/>
-              <a:t>23.11.2018</a:t>
+              <a:t>26.11.2018</a:t>
             </a:fld>
             <a:endParaRPr lang="de-DE"/>
           </a:p>
@@ -14977,7 +14977,7 @@
           <p:cNvPr id="4" name="Fußzeilenplatzhalter 3">
             <a:extLst>
               <a:ext uri="{FF2B5EF4-FFF2-40B4-BE49-F238E27FC236}">
-                <a16:creationId xmlns:a16="http://schemas.microsoft.com/office/drawing/2014/main" xmlns="" id="{0167984B-7CFC-4FC8-8B6E-A6C9B0BE23A9}"/>
+                <a16:creationId xmlns="" xmlns:a16="http://schemas.microsoft.com/office/drawing/2014/main" id="{0167984B-7CFC-4FC8-8B6E-A6C9B0BE23A9}"/>
               </a:ext>
             </a:extLst>
           </p:cNvPr>
@@ -15006,7 +15006,7 @@
           <p:cNvPr id="5" name="Foliennummernplatzhalter 4">
             <a:extLst>
               <a:ext uri="{FF2B5EF4-FFF2-40B4-BE49-F238E27FC236}">
-                <a16:creationId xmlns:a16="http://schemas.microsoft.com/office/drawing/2014/main" xmlns="" id="{B5F602B5-61AD-4317-BEDB-62E6B8CD0F7B}"/>
+                <a16:creationId xmlns="" xmlns:a16="http://schemas.microsoft.com/office/drawing/2014/main" id="{B5F602B5-61AD-4317-BEDB-62E6B8CD0F7B}"/>
               </a:ext>
             </a:extLst>
           </p:cNvPr>
@@ -15035,7 +15035,7 @@
           <p:cNvPr id="6" name="Inhaltsplatzhalter 5">
             <a:extLst>
               <a:ext uri="{FF2B5EF4-FFF2-40B4-BE49-F238E27FC236}">
-                <a16:creationId xmlns:a16="http://schemas.microsoft.com/office/drawing/2014/main" xmlns="" id="{493D623C-F8B1-42CA-BF0E-ED66943C91EF}"/>
+                <a16:creationId xmlns="" xmlns:a16="http://schemas.microsoft.com/office/drawing/2014/main" id="{493D623C-F8B1-42CA-BF0E-ED66943C91EF}"/>
               </a:ext>
             </a:extLst>
           </p:cNvPr>
@@ -15269,7 +15269,7 @@
           <p:cNvPr id="2" name="Titel 1">
             <a:extLst>
               <a:ext uri="{FF2B5EF4-FFF2-40B4-BE49-F238E27FC236}">
-                <a16:creationId xmlns:a16="http://schemas.microsoft.com/office/drawing/2014/main" xmlns="" id="{1965F34C-A37F-4A07-B422-E02148B3CF68}"/>
+                <a16:creationId xmlns="" xmlns:a16="http://schemas.microsoft.com/office/drawing/2014/main" id="{1965F34C-A37F-4A07-B422-E02148B3CF68}"/>
               </a:ext>
             </a:extLst>
           </p:cNvPr>
@@ -15301,7 +15301,7 @@
           <p:cNvPr id="3" name="Datumsplatzhalter 2">
             <a:extLst>
               <a:ext uri="{FF2B5EF4-FFF2-40B4-BE49-F238E27FC236}">
-                <a16:creationId xmlns:a16="http://schemas.microsoft.com/office/drawing/2014/main" xmlns="" id="{B4CE55F6-D463-4FA0-B8CB-BB9A5B8026CA}"/>
+                <a16:creationId xmlns="" xmlns:a16="http://schemas.microsoft.com/office/drawing/2014/main" id="{B4CE55F6-D463-4FA0-B8CB-BB9A5B8026CA}"/>
               </a:ext>
             </a:extLst>
           </p:cNvPr>
@@ -15319,7 +15319,7 @@
           <a:p>
             <a:fld id="{48352B5A-167D-4ED6-B7C9-BDA647A8BA51}" type="datetime1">
               <a:rPr lang="de-DE" smtClean="0"/>
-              <a:t>23.11.2018</a:t>
+              <a:t>26.11.2018</a:t>
             </a:fld>
             <a:endParaRPr lang="de-DE"/>
           </a:p>
@@ -15330,7 +15330,7 @@
           <p:cNvPr id="4" name="Fußzeilenplatzhalter 3">
             <a:extLst>
               <a:ext uri="{FF2B5EF4-FFF2-40B4-BE49-F238E27FC236}">
-                <a16:creationId xmlns:a16="http://schemas.microsoft.com/office/drawing/2014/main" xmlns="" id="{86811DE6-7668-4BF4-B8AB-FFE31BE96BBA}"/>
+                <a16:creationId xmlns="" xmlns:a16="http://schemas.microsoft.com/office/drawing/2014/main" id="{86811DE6-7668-4BF4-B8AB-FFE31BE96BBA}"/>
               </a:ext>
             </a:extLst>
           </p:cNvPr>
@@ -15359,7 +15359,7 @@
           <p:cNvPr id="5" name="Foliennummernplatzhalter 4">
             <a:extLst>
               <a:ext uri="{FF2B5EF4-FFF2-40B4-BE49-F238E27FC236}">
-                <a16:creationId xmlns:a16="http://schemas.microsoft.com/office/drawing/2014/main" xmlns="" id="{FB6E3806-A2BB-4703-A959-FD9EDBDC7569}"/>
+                <a16:creationId xmlns="" xmlns:a16="http://schemas.microsoft.com/office/drawing/2014/main" id="{FB6E3806-A2BB-4703-A959-FD9EDBDC7569}"/>
               </a:ext>
             </a:extLst>
           </p:cNvPr>
@@ -15388,7 +15388,7 @@
           <p:cNvPr id="6" name="Inhaltsplatzhalter 5">
             <a:extLst>
               <a:ext uri="{FF2B5EF4-FFF2-40B4-BE49-F238E27FC236}">
-                <a16:creationId xmlns:a16="http://schemas.microsoft.com/office/drawing/2014/main" xmlns="" id="{8F986CC3-59F8-4C03-ADEE-82E24430968D}"/>
+                <a16:creationId xmlns="" xmlns:a16="http://schemas.microsoft.com/office/drawing/2014/main" id="{8F986CC3-59F8-4C03-ADEE-82E24430968D}"/>
               </a:ext>
             </a:extLst>
           </p:cNvPr>
@@ -15521,7 +15521,7 @@
           <p:cNvPr id="2" name="Titel 1">
             <a:extLst>
               <a:ext uri="{FF2B5EF4-FFF2-40B4-BE49-F238E27FC236}">
-                <a16:creationId xmlns:a16="http://schemas.microsoft.com/office/drawing/2014/main" xmlns="" id="{DCB7235A-BAC6-49B0-AEDE-E3B8B4622E3F}"/>
+                <a16:creationId xmlns="" xmlns:a16="http://schemas.microsoft.com/office/drawing/2014/main" id="{DCB7235A-BAC6-49B0-AEDE-E3B8B4622E3F}"/>
               </a:ext>
             </a:extLst>
           </p:cNvPr>
@@ -15549,7 +15549,7 @@
           <p:cNvPr id="3" name="Datumsplatzhalter 2">
             <a:extLst>
               <a:ext uri="{FF2B5EF4-FFF2-40B4-BE49-F238E27FC236}">
-                <a16:creationId xmlns:a16="http://schemas.microsoft.com/office/drawing/2014/main" xmlns="" id="{0CB49738-F632-4907-8E92-AD776493516C}"/>
+                <a16:creationId xmlns="" xmlns:a16="http://schemas.microsoft.com/office/drawing/2014/main" id="{0CB49738-F632-4907-8E92-AD776493516C}"/>
               </a:ext>
             </a:extLst>
           </p:cNvPr>
@@ -15567,7 +15567,7 @@
           <a:p>
             <a:fld id="{48352B5A-167D-4ED6-B7C9-BDA647A8BA51}" type="datetime1">
               <a:rPr lang="de-DE" smtClean="0"/>
-              <a:t>23.11.2018</a:t>
+              <a:t>26.11.2018</a:t>
             </a:fld>
             <a:endParaRPr lang="de-DE"/>
           </a:p>
@@ -15578,7 +15578,7 @@
           <p:cNvPr id="4" name="Fußzeilenplatzhalter 3">
             <a:extLst>
               <a:ext uri="{FF2B5EF4-FFF2-40B4-BE49-F238E27FC236}">
-                <a16:creationId xmlns:a16="http://schemas.microsoft.com/office/drawing/2014/main" xmlns="" id="{4DF40370-9183-4666-8FF7-9C999A902F4E}"/>
+                <a16:creationId xmlns="" xmlns:a16="http://schemas.microsoft.com/office/drawing/2014/main" id="{4DF40370-9183-4666-8FF7-9C999A902F4E}"/>
               </a:ext>
             </a:extLst>
           </p:cNvPr>
@@ -15607,7 +15607,7 @@
           <p:cNvPr id="5" name="Foliennummernplatzhalter 4">
             <a:extLst>
               <a:ext uri="{FF2B5EF4-FFF2-40B4-BE49-F238E27FC236}">
-                <a16:creationId xmlns:a16="http://schemas.microsoft.com/office/drawing/2014/main" xmlns="" id="{D91484F6-BA96-4C29-BDA8-61210E9AD368}"/>
+                <a16:creationId xmlns="" xmlns:a16="http://schemas.microsoft.com/office/drawing/2014/main" id="{D91484F6-BA96-4C29-BDA8-61210E9AD368}"/>
               </a:ext>
             </a:extLst>
           </p:cNvPr>
@@ -15636,7 +15636,7 @@
           <p:cNvPr id="6" name="Inhaltsplatzhalter 5">
             <a:extLst>
               <a:ext uri="{FF2B5EF4-FFF2-40B4-BE49-F238E27FC236}">
-                <a16:creationId xmlns:a16="http://schemas.microsoft.com/office/drawing/2014/main" xmlns="" id="{2C7CE1A3-A239-4DAF-A9DD-B2206F7DD54A}"/>
+                <a16:creationId xmlns="" xmlns:a16="http://schemas.microsoft.com/office/drawing/2014/main" id="{2C7CE1A3-A239-4DAF-A9DD-B2206F7DD54A}"/>
               </a:ext>
             </a:extLst>
           </p:cNvPr>
@@ -15726,7 +15726,7 @@
           <p:cNvPr id="2" name="Titel 1">
             <a:extLst>
               <a:ext uri="{FF2B5EF4-FFF2-40B4-BE49-F238E27FC236}">
-                <a16:creationId xmlns:a16="http://schemas.microsoft.com/office/drawing/2014/main" xmlns="" id="{6B8A5EBB-8FB9-439E-B5A5-F96794C00D3A}"/>
+                <a16:creationId xmlns="" xmlns:a16="http://schemas.microsoft.com/office/drawing/2014/main" id="{6B8A5EBB-8FB9-439E-B5A5-F96794C00D3A}"/>
               </a:ext>
             </a:extLst>
           </p:cNvPr>
@@ -15762,7 +15762,7 @@
           <p:cNvPr id="3" name="Datumsplatzhalter 2">
             <a:extLst>
               <a:ext uri="{FF2B5EF4-FFF2-40B4-BE49-F238E27FC236}">
-                <a16:creationId xmlns:a16="http://schemas.microsoft.com/office/drawing/2014/main" xmlns="" id="{3522AF67-7FB9-4350-9E6B-26E058BF03A3}"/>
+                <a16:creationId xmlns="" xmlns:a16="http://schemas.microsoft.com/office/drawing/2014/main" id="{3522AF67-7FB9-4350-9E6B-26E058BF03A3}"/>
               </a:ext>
             </a:extLst>
           </p:cNvPr>
@@ -15780,7 +15780,7 @@
           <a:p>
             <a:fld id="{48352B5A-167D-4ED6-B7C9-BDA647A8BA51}" type="datetime1">
               <a:rPr lang="de-DE" smtClean="0"/>
-              <a:t>23.11.2018</a:t>
+              <a:t>26.11.2018</a:t>
             </a:fld>
             <a:endParaRPr lang="de-DE"/>
           </a:p>
@@ -15791,7 +15791,7 @@
           <p:cNvPr id="4" name="Fußzeilenplatzhalter 3">
             <a:extLst>
               <a:ext uri="{FF2B5EF4-FFF2-40B4-BE49-F238E27FC236}">
-                <a16:creationId xmlns:a16="http://schemas.microsoft.com/office/drawing/2014/main" xmlns="" id="{CAC3D92B-7B14-4158-8275-1B69DB5EB42F}"/>
+                <a16:creationId xmlns="" xmlns:a16="http://schemas.microsoft.com/office/drawing/2014/main" id="{CAC3D92B-7B14-4158-8275-1B69DB5EB42F}"/>
               </a:ext>
             </a:extLst>
           </p:cNvPr>
@@ -15820,7 +15820,7 @@
           <p:cNvPr id="5" name="Foliennummernplatzhalter 4">
             <a:extLst>
               <a:ext uri="{FF2B5EF4-FFF2-40B4-BE49-F238E27FC236}">
-                <a16:creationId xmlns:a16="http://schemas.microsoft.com/office/drawing/2014/main" xmlns="" id="{D2A0D301-7423-491D-B88A-00284B5CDA01}"/>
+                <a16:creationId xmlns="" xmlns:a16="http://schemas.microsoft.com/office/drawing/2014/main" id="{D2A0D301-7423-491D-B88A-00284B5CDA01}"/>
               </a:ext>
             </a:extLst>
           </p:cNvPr>
@@ -15849,7 +15849,7 @@
           <p:cNvPr id="6" name="Inhaltsplatzhalter 5">
             <a:extLst>
               <a:ext uri="{FF2B5EF4-FFF2-40B4-BE49-F238E27FC236}">
-                <a16:creationId xmlns:a16="http://schemas.microsoft.com/office/drawing/2014/main" xmlns="" id="{BF43011D-4F7C-459A-9721-FCA2C94E49ED}"/>
+                <a16:creationId xmlns="" xmlns:a16="http://schemas.microsoft.com/office/drawing/2014/main" id="{BF43011D-4F7C-459A-9721-FCA2C94E49ED}"/>
               </a:ext>
             </a:extLst>
           </p:cNvPr>
@@ -16000,7 +16000,7 @@
           <p:cNvPr id="2" name="Titel 1">
             <a:extLst>
               <a:ext uri="{FF2B5EF4-FFF2-40B4-BE49-F238E27FC236}">
-                <a16:creationId xmlns:a16="http://schemas.microsoft.com/office/drawing/2014/main" xmlns="" id="{CCA05B1B-E1C2-4E9F-B6DA-CE4B98CEC947}"/>
+                <a16:creationId xmlns="" xmlns:a16="http://schemas.microsoft.com/office/drawing/2014/main" id="{CCA05B1B-E1C2-4E9F-B6DA-CE4B98CEC947}"/>
               </a:ext>
             </a:extLst>
           </p:cNvPr>
@@ -16029,7 +16029,7 @@
           <p:cNvPr id="3" name="Datumsplatzhalter 2">
             <a:extLst>
               <a:ext uri="{FF2B5EF4-FFF2-40B4-BE49-F238E27FC236}">
-                <a16:creationId xmlns:a16="http://schemas.microsoft.com/office/drawing/2014/main" xmlns="" id="{A1AEC51A-A8E5-4C20-8CCD-3E7462159340}"/>
+                <a16:creationId xmlns="" xmlns:a16="http://schemas.microsoft.com/office/drawing/2014/main" id="{A1AEC51A-A8E5-4C20-8CCD-3E7462159340}"/>
               </a:ext>
             </a:extLst>
           </p:cNvPr>
@@ -16047,7 +16047,7 @@
           <a:p>
             <a:fld id="{48352B5A-167D-4ED6-B7C9-BDA647A8BA51}" type="datetime1">
               <a:rPr lang="de-DE" smtClean="0"/>
-              <a:t>23.11.2018</a:t>
+              <a:t>26.11.2018</a:t>
             </a:fld>
             <a:endParaRPr lang="de-DE"/>
           </a:p>
@@ -16058,7 +16058,7 @@
           <p:cNvPr id="4" name="Fußzeilenplatzhalter 3">
             <a:extLst>
               <a:ext uri="{FF2B5EF4-FFF2-40B4-BE49-F238E27FC236}">
-                <a16:creationId xmlns:a16="http://schemas.microsoft.com/office/drawing/2014/main" xmlns="" id="{C58DE1F8-A56E-4272-937F-4EBCD7C5A773}"/>
+                <a16:creationId xmlns="" xmlns:a16="http://schemas.microsoft.com/office/drawing/2014/main" id="{C58DE1F8-A56E-4272-937F-4EBCD7C5A773}"/>
               </a:ext>
             </a:extLst>
           </p:cNvPr>
@@ -16087,7 +16087,7 @@
           <p:cNvPr id="5" name="Foliennummernplatzhalter 4">
             <a:extLst>
               <a:ext uri="{FF2B5EF4-FFF2-40B4-BE49-F238E27FC236}">
-                <a16:creationId xmlns:a16="http://schemas.microsoft.com/office/drawing/2014/main" xmlns="" id="{9661B9BC-E21D-4BDF-89FB-988166B5DD10}"/>
+                <a16:creationId xmlns="" xmlns:a16="http://schemas.microsoft.com/office/drawing/2014/main" id="{9661B9BC-E21D-4BDF-89FB-988166B5DD10}"/>
               </a:ext>
             </a:extLst>
           </p:cNvPr>
@@ -16116,7 +16116,7 @@
           <p:cNvPr id="6" name="Inhaltsplatzhalter 5">
             <a:extLst>
               <a:ext uri="{FF2B5EF4-FFF2-40B4-BE49-F238E27FC236}">
-                <a16:creationId xmlns:a16="http://schemas.microsoft.com/office/drawing/2014/main" xmlns="" id="{FD4182D0-A7EC-4DAA-A304-CBEF38E9CCCD}"/>
+                <a16:creationId xmlns="" xmlns:a16="http://schemas.microsoft.com/office/drawing/2014/main" id="{FD4182D0-A7EC-4DAA-A304-CBEF38E9CCCD}"/>
               </a:ext>
             </a:extLst>
           </p:cNvPr>
@@ -16572,7 +16572,7 @@
           <p:cNvPr id="2" name="Titel 1">
             <a:extLst>
               <a:ext uri="{FF2B5EF4-FFF2-40B4-BE49-F238E27FC236}">
-                <a16:creationId xmlns:a16="http://schemas.microsoft.com/office/drawing/2014/main" xmlns="" id="{4DD1A517-2153-47AD-B381-44E3461F919C}"/>
+                <a16:creationId xmlns="" xmlns:a16="http://schemas.microsoft.com/office/drawing/2014/main" id="{4DD1A517-2153-47AD-B381-44E3461F919C}"/>
               </a:ext>
             </a:extLst>
           </p:cNvPr>
@@ -16600,7 +16600,7 @@
           <p:cNvPr id="3" name="Datumsplatzhalter 2">
             <a:extLst>
               <a:ext uri="{FF2B5EF4-FFF2-40B4-BE49-F238E27FC236}">
-                <a16:creationId xmlns:a16="http://schemas.microsoft.com/office/drawing/2014/main" xmlns="" id="{2084E62A-4B7D-4721-B9B8-855809566781}"/>
+                <a16:creationId xmlns="" xmlns:a16="http://schemas.microsoft.com/office/drawing/2014/main" id="{2084E62A-4B7D-4721-B9B8-855809566781}"/>
               </a:ext>
             </a:extLst>
           </p:cNvPr>
@@ -16618,7 +16618,7 @@
           <a:p>
             <a:fld id="{48352B5A-167D-4ED6-B7C9-BDA647A8BA51}" type="datetime1">
               <a:rPr lang="de-DE" smtClean="0"/>
-              <a:t>23.11.2018</a:t>
+              <a:t>26.11.2018</a:t>
             </a:fld>
             <a:endParaRPr lang="de-DE"/>
           </a:p>
@@ -16629,7 +16629,7 @@
           <p:cNvPr id="4" name="Fußzeilenplatzhalter 3">
             <a:extLst>
               <a:ext uri="{FF2B5EF4-FFF2-40B4-BE49-F238E27FC236}">
-                <a16:creationId xmlns:a16="http://schemas.microsoft.com/office/drawing/2014/main" xmlns="" id="{756ED2BE-EEA0-46D0-B68B-FDA9D1F8BB5B}"/>
+                <a16:creationId xmlns="" xmlns:a16="http://schemas.microsoft.com/office/drawing/2014/main" id="{756ED2BE-EEA0-46D0-B68B-FDA9D1F8BB5B}"/>
               </a:ext>
             </a:extLst>
           </p:cNvPr>
@@ -16658,7 +16658,7 @@
           <p:cNvPr id="5" name="Foliennummernplatzhalter 4">
             <a:extLst>
               <a:ext uri="{FF2B5EF4-FFF2-40B4-BE49-F238E27FC236}">
-                <a16:creationId xmlns:a16="http://schemas.microsoft.com/office/drawing/2014/main" xmlns="" id="{5B806AB8-19DE-49A2-9336-B72C363851F3}"/>
+                <a16:creationId xmlns="" xmlns:a16="http://schemas.microsoft.com/office/drawing/2014/main" id="{5B806AB8-19DE-49A2-9336-B72C363851F3}"/>
               </a:ext>
             </a:extLst>
           </p:cNvPr>
@@ -16687,7 +16687,7 @@
           <p:cNvPr id="6" name="Inhaltsplatzhalter 5">
             <a:extLst>
               <a:ext uri="{FF2B5EF4-FFF2-40B4-BE49-F238E27FC236}">
-                <a16:creationId xmlns:a16="http://schemas.microsoft.com/office/drawing/2014/main" xmlns="" id="{F5428315-4404-44E6-B96A-F577554B8540}"/>
+                <a16:creationId xmlns="" xmlns:a16="http://schemas.microsoft.com/office/drawing/2014/main" id="{F5428315-4404-44E6-B96A-F577554B8540}"/>
               </a:ext>
             </a:extLst>
           </p:cNvPr>
@@ -16835,7 +16835,7 @@
           <p:cNvPr id="2" name="Titel 1">
             <a:extLst>
               <a:ext uri="{FF2B5EF4-FFF2-40B4-BE49-F238E27FC236}">
-                <a16:creationId xmlns:a16="http://schemas.microsoft.com/office/drawing/2014/main" xmlns="" id="{0C0DB3E2-4658-409F-B031-17E1A0B0F337}"/>
+                <a16:creationId xmlns="" xmlns:a16="http://schemas.microsoft.com/office/drawing/2014/main" id="{0C0DB3E2-4658-409F-B031-17E1A0B0F337}"/>
               </a:ext>
             </a:extLst>
           </p:cNvPr>
@@ -16892,7 +16892,7 @@
           <p:cNvPr id="3" name="Datumsplatzhalter 2">
             <a:extLst>
               <a:ext uri="{FF2B5EF4-FFF2-40B4-BE49-F238E27FC236}">
-                <a16:creationId xmlns:a16="http://schemas.microsoft.com/office/drawing/2014/main" xmlns="" id="{780E1921-AE6D-41E3-A590-2E62A1F457D8}"/>
+                <a16:creationId xmlns="" xmlns:a16="http://schemas.microsoft.com/office/drawing/2014/main" id="{780E1921-AE6D-41E3-A590-2E62A1F457D8}"/>
               </a:ext>
             </a:extLst>
           </p:cNvPr>
@@ -16910,7 +16910,7 @@
           <a:p>
             <a:fld id="{48352B5A-167D-4ED6-B7C9-BDA647A8BA51}" type="datetime1">
               <a:rPr lang="de-DE" smtClean="0"/>
-              <a:t>23.11.2018</a:t>
+              <a:t>26.11.2018</a:t>
             </a:fld>
             <a:endParaRPr lang="de-DE"/>
           </a:p>
@@ -16921,7 +16921,7 @@
           <p:cNvPr id="4" name="Fußzeilenplatzhalter 3">
             <a:extLst>
               <a:ext uri="{FF2B5EF4-FFF2-40B4-BE49-F238E27FC236}">
-                <a16:creationId xmlns:a16="http://schemas.microsoft.com/office/drawing/2014/main" xmlns="" id="{6A8CDA32-906C-4021-8502-E9D836DB1471}"/>
+                <a16:creationId xmlns="" xmlns:a16="http://schemas.microsoft.com/office/drawing/2014/main" id="{6A8CDA32-906C-4021-8502-E9D836DB1471}"/>
               </a:ext>
             </a:extLst>
           </p:cNvPr>
@@ -16950,7 +16950,7 @@
           <p:cNvPr id="5" name="Foliennummernplatzhalter 4">
             <a:extLst>
               <a:ext uri="{FF2B5EF4-FFF2-40B4-BE49-F238E27FC236}">
-                <a16:creationId xmlns:a16="http://schemas.microsoft.com/office/drawing/2014/main" xmlns="" id="{2ACACBEF-72CB-446C-8EC8-42019FF03A7E}"/>
+                <a16:creationId xmlns="" xmlns:a16="http://schemas.microsoft.com/office/drawing/2014/main" id="{2ACACBEF-72CB-446C-8EC8-42019FF03A7E}"/>
               </a:ext>
             </a:extLst>
           </p:cNvPr>
@@ -16979,7 +16979,7 @@
           <p:cNvPr id="6" name="Inhaltsplatzhalter 5">
             <a:extLst>
               <a:ext uri="{FF2B5EF4-FFF2-40B4-BE49-F238E27FC236}">
-                <a16:creationId xmlns:a16="http://schemas.microsoft.com/office/drawing/2014/main" xmlns="" id="{905A3F6F-EEE0-400F-98F9-C2A6B8C37984}"/>
+                <a16:creationId xmlns="" xmlns:a16="http://schemas.microsoft.com/office/drawing/2014/main" id="{905A3F6F-EEE0-400F-98F9-C2A6B8C37984}"/>
               </a:ext>
             </a:extLst>
           </p:cNvPr>
@@ -17122,7 +17122,7 @@
           <p:cNvPr id="2" name="Titel 1">
             <a:extLst>
               <a:ext uri="{FF2B5EF4-FFF2-40B4-BE49-F238E27FC236}">
-                <a16:creationId xmlns:a16="http://schemas.microsoft.com/office/drawing/2014/main" xmlns="" id="{9533BD00-316B-40FA-977C-893D5D393A76}"/>
+                <a16:creationId xmlns="" xmlns:a16="http://schemas.microsoft.com/office/drawing/2014/main" id="{9533BD00-316B-40FA-977C-893D5D393A76}"/>
               </a:ext>
             </a:extLst>
           </p:cNvPr>
@@ -17150,7 +17150,7 @@
           <p:cNvPr id="3" name="Datumsplatzhalter 2">
             <a:extLst>
               <a:ext uri="{FF2B5EF4-FFF2-40B4-BE49-F238E27FC236}">
-                <a16:creationId xmlns:a16="http://schemas.microsoft.com/office/drawing/2014/main" xmlns="" id="{6EBC6BBC-72FB-4DA9-83A3-BCEC3C0AECB3}"/>
+                <a16:creationId xmlns="" xmlns:a16="http://schemas.microsoft.com/office/drawing/2014/main" id="{6EBC6BBC-72FB-4DA9-83A3-BCEC3C0AECB3}"/>
               </a:ext>
             </a:extLst>
           </p:cNvPr>
@@ -17168,7 +17168,7 @@
           <a:p>
             <a:fld id="{48352B5A-167D-4ED6-B7C9-BDA647A8BA51}" type="datetime1">
               <a:rPr lang="de-DE" smtClean="0"/>
-              <a:t>23.11.2018</a:t>
+              <a:t>26.11.2018</a:t>
             </a:fld>
             <a:endParaRPr lang="de-DE"/>
           </a:p>
@@ -17179,7 +17179,7 @@
           <p:cNvPr id="4" name="Fußzeilenplatzhalter 3">
             <a:extLst>
               <a:ext uri="{FF2B5EF4-FFF2-40B4-BE49-F238E27FC236}">
-                <a16:creationId xmlns:a16="http://schemas.microsoft.com/office/drawing/2014/main" xmlns="" id="{C5F02BA4-B103-41B2-B9F3-2934F1261141}"/>
+                <a16:creationId xmlns="" xmlns:a16="http://schemas.microsoft.com/office/drawing/2014/main" id="{C5F02BA4-B103-41B2-B9F3-2934F1261141}"/>
               </a:ext>
             </a:extLst>
           </p:cNvPr>
@@ -17208,7 +17208,7 @@
           <p:cNvPr id="5" name="Foliennummernplatzhalter 4">
             <a:extLst>
               <a:ext uri="{FF2B5EF4-FFF2-40B4-BE49-F238E27FC236}">
-                <a16:creationId xmlns:a16="http://schemas.microsoft.com/office/drawing/2014/main" xmlns="" id="{015305BA-6C1B-447C-B141-8E67770F3F86}"/>
+                <a16:creationId xmlns="" xmlns:a16="http://schemas.microsoft.com/office/drawing/2014/main" id="{015305BA-6C1B-447C-B141-8E67770F3F86}"/>
               </a:ext>
             </a:extLst>
           </p:cNvPr>
@@ -17237,7 +17237,7 @@
           <p:cNvPr id="6" name="Inhaltsplatzhalter 5">
             <a:extLst>
               <a:ext uri="{FF2B5EF4-FFF2-40B4-BE49-F238E27FC236}">
-                <a16:creationId xmlns:a16="http://schemas.microsoft.com/office/drawing/2014/main" xmlns="" id="{413DFB83-345C-4C3B-A1B6-E0902922A307}"/>
+                <a16:creationId xmlns="" xmlns:a16="http://schemas.microsoft.com/office/drawing/2014/main" id="{413DFB83-345C-4C3B-A1B6-E0902922A307}"/>
               </a:ext>
             </a:extLst>
           </p:cNvPr>
@@ -17322,7 +17322,7 @@
           <p:cNvPr id="2" name="Titel 1">
             <a:extLst>
               <a:ext uri="{FF2B5EF4-FFF2-40B4-BE49-F238E27FC236}">
-                <a16:creationId xmlns:a16="http://schemas.microsoft.com/office/drawing/2014/main" xmlns="" id="{30A540A0-C8A6-46EA-8802-C4C8D5242D8D}"/>
+                <a16:creationId xmlns="" xmlns:a16="http://schemas.microsoft.com/office/drawing/2014/main" id="{30A540A0-C8A6-46EA-8802-C4C8D5242D8D}"/>
               </a:ext>
             </a:extLst>
           </p:cNvPr>
@@ -17351,7 +17351,7 @@
           <p:cNvPr id="3" name="Datumsplatzhalter 2">
             <a:extLst>
               <a:ext uri="{FF2B5EF4-FFF2-40B4-BE49-F238E27FC236}">
-                <a16:creationId xmlns:a16="http://schemas.microsoft.com/office/drawing/2014/main" xmlns="" id="{F3710C85-F4FD-4A17-984A-CECC517D32F7}"/>
+                <a16:creationId xmlns="" xmlns:a16="http://schemas.microsoft.com/office/drawing/2014/main" id="{F3710C85-F4FD-4A17-984A-CECC517D32F7}"/>
               </a:ext>
             </a:extLst>
           </p:cNvPr>
@@ -17369,7 +17369,7 @@
           <a:p>
             <a:fld id="{48352B5A-167D-4ED6-B7C9-BDA647A8BA51}" type="datetime1">
               <a:rPr lang="de-DE" smtClean="0"/>
-              <a:t>23.11.2018</a:t>
+              <a:t>26.11.2018</a:t>
             </a:fld>
             <a:endParaRPr lang="de-DE"/>
           </a:p>
@@ -17380,7 +17380,7 @@
           <p:cNvPr id="4" name="Fußzeilenplatzhalter 3">
             <a:extLst>
               <a:ext uri="{FF2B5EF4-FFF2-40B4-BE49-F238E27FC236}">
-                <a16:creationId xmlns:a16="http://schemas.microsoft.com/office/drawing/2014/main" xmlns="" id="{2544BC0C-039F-4A6F-BD17-236D6C97C710}"/>
+                <a16:creationId xmlns="" xmlns:a16="http://schemas.microsoft.com/office/drawing/2014/main" id="{2544BC0C-039F-4A6F-BD17-236D6C97C710}"/>
               </a:ext>
             </a:extLst>
           </p:cNvPr>
@@ -17409,7 +17409,7 @@
           <p:cNvPr id="5" name="Foliennummernplatzhalter 4">
             <a:extLst>
               <a:ext uri="{FF2B5EF4-FFF2-40B4-BE49-F238E27FC236}">
-                <a16:creationId xmlns:a16="http://schemas.microsoft.com/office/drawing/2014/main" xmlns="" id="{71734ADA-FA6A-4C87-BB3E-EEE4AF141F43}"/>
+                <a16:creationId xmlns="" xmlns:a16="http://schemas.microsoft.com/office/drawing/2014/main" id="{71734ADA-FA6A-4C87-BB3E-EEE4AF141F43}"/>
               </a:ext>
             </a:extLst>
           </p:cNvPr>
@@ -17438,7 +17438,7 @@
           <p:cNvPr id="6" name="Inhaltsplatzhalter 5">
             <a:extLst>
               <a:ext uri="{FF2B5EF4-FFF2-40B4-BE49-F238E27FC236}">
-                <a16:creationId xmlns:a16="http://schemas.microsoft.com/office/drawing/2014/main" xmlns="" id="{10BF290A-0581-4BFE-80A9-84AECB370DBF}"/>
+                <a16:creationId xmlns="" xmlns:a16="http://schemas.microsoft.com/office/drawing/2014/main" id="{10BF290A-0581-4BFE-80A9-84AECB370DBF}"/>
               </a:ext>
             </a:extLst>
           </p:cNvPr>
@@ -17552,7 +17552,7 @@
           <p:cNvPr id="2" name="Titel 1">
             <a:extLst>
               <a:ext uri="{FF2B5EF4-FFF2-40B4-BE49-F238E27FC236}">
-                <a16:creationId xmlns:a16="http://schemas.microsoft.com/office/drawing/2014/main" xmlns="" id="{277D5125-1CDF-4B89-92F2-B5700CF89541}"/>
+                <a16:creationId xmlns="" xmlns:a16="http://schemas.microsoft.com/office/drawing/2014/main" id="{277D5125-1CDF-4B89-92F2-B5700CF89541}"/>
               </a:ext>
             </a:extLst>
           </p:cNvPr>
@@ -17580,7 +17580,7 @@
           <p:cNvPr id="3" name="Datumsplatzhalter 2">
             <a:extLst>
               <a:ext uri="{FF2B5EF4-FFF2-40B4-BE49-F238E27FC236}">
-                <a16:creationId xmlns:a16="http://schemas.microsoft.com/office/drawing/2014/main" xmlns="" id="{69914CF5-DFA4-4959-9A4F-60788B72D493}"/>
+                <a16:creationId xmlns="" xmlns:a16="http://schemas.microsoft.com/office/drawing/2014/main" id="{69914CF5-DFA4-4959-9A4F-60788B72D493}"/>
               </a:ext>
             </a:extLst>
           </p:cNvPr>
@@ -17598,7 +17598,7 @@
           <a:p>
             <a:fld id="{48352B5A-167D-4ED6-B7C9-BDA647A8BA51}" type="datetime1">
               <a:rPr lang="de-DE" smtClean="0"/>
-              <a:t>23.11.2018</a:t>
+              <a:t>26.11.2018</a:t>
             </a:fld>
             <a:endParaRPr lang="de-DE"/>
           </a:p>
@@ -17609,7 +17609,7 @@
           <p:cNvPr id="4" name="Fußzeilenplatzhalter 3">
             <a:extLst>
               <a:ext uri="{FF2B5EF4-FFF2-40B4-BE49-F238E27FC236}">
-                <a16:creationId xmlns:a16="http://schemas.microsoft.com/office/drawing/2014/main" xmlns="" id="{9645914B-8D7E-459B-B671-C63BD11EC31F}"/>
+                <a16:creationId xmlns="" xmlns:a16="http://schemas.microsoft.com/office/drawing/2014/main" id="{9645914B-8D7E-459B-B671-C63BD11EC31F}"/>
               </a:ext>
             </a:extLst>
           </p:cNvPr>
@@ -17638,7 +17638,7 @@
           <p:cNvPr id="5" name="Foliennummernplatzhalter 4">
             <a:extLst>
               <a:ext uri="{FF2B5EF4-FFF2-40B4-BE49-F238E27FC236}">
-                <a16:creationId xmlns:a16="http://schemas.microsoft.com/office/drawing/2014/main" xmlns="" id="{C5C4F5C6-296E-4E85-A8AB-353D72F30178}"/>
+                <a16:creationId xmlns="" xmlns:a16="http://schemas.microsoft.com/office/drawing/2014/main" id="{C5C4F5C6-296E-4E85-A8AB-353D72F30178}"/>
               </a:ext>
             </a:extLst>
           </p:cNvPr>
@@ -17667,7 +17667,7 @@
           <p:cNvPr id="6" name="Inhaltsplatzhalter 5">
             <a:extLst>
               <a:ext uri="{FF2B5EF4-FFF2-40B4-BE49-F238E27FC236}">
-                <a16:creationId xmlns:a16="http://schemas.microsoft.com/office/drawing/2014/main" xmlns="" id="{B9B1320D-DC29-4B11-985D-CF9752F11BAA}"/>
+                <a16:creationId xmlns="" xmlns:a16="http://schemas.microsoft.com/office/drawing/2014/main" id="{B9B1320D-DC29-4B11-985D-CF9752F11BAA}"/>
               </a:ext>
             </a:extLst>
           </p:cNvPr>
@@ -17755,7 +17755,7 @@
           <p:cNvPr id="2" name="Titel 1">
             <a:extLst>
               <a:ext uri="{FF2B5EF4-FFF2-40B4-BE49-F238E27FC236}">
-                <a16:creationId xmlns:a16="http://schemas.microsoft.com/office/drawing/2014/main" xmlns="" id="{16FC8DF1-C9D7-46E3-83D6-5072C1A46605}"/>
+                <a16:creationId xmlns="" xmlns:a16="http://schemas.microsoft.com/office/drawing/2014/main" id="{16FC8DF1-C9D7-46E3-83D6-5072C1A46605}"/>
               </a:ext>
             </a:extLst>
           </p:cNvPr>
@@ -17784,7 +17784,7 @@
           <p:cNvPr id="3" name="Datumsplatzhalter 2">
             <a:extLst>
               <a:ext uri="{FF2B5EF4-FFF2-40B4-BE49-F238E27FC236}">
-                <a16:creationId xmlns:a16="http://schemas.microsoft.com/office/drawing/2014/main" xmlns="" id="{3D29B4A2-9112-46E2-AA35-B3CB5AFF7FB6}"/>
+                <a16:creationId xmlns="" xmlns:a16="http://schemas.microsoft.com/office/drawing/2014/main" id="{3D29B4A2-9112-46E2-AA35-B3CB5AFF7FB6}"/>
               </a:ext>
             </a:extLst>
           </p:cNvPr>
@@ -17802,7 +17802,7 @@
           <a:p>
             <a:fld id="{48352B5A-167D-4ED6-B7C9-BDA647A8BA51}" type="datetime1">
               <a:rPr lang="de-DE" smtClean="0"/>
-              <a:t>23.11.2018</a:t>
+              <a:t>26.11.2018</a:t>
             </a:fld>
             <a:endParaRPr lang="de-DE"/>
           </a:p>
@@ -17813,7 +17813,7 @@
           <p:cNvPr id="4" name="Fußzeilenplatzhalter 3">
             <a:extLst>
               <a:ext uri="{FF2B5EF4-FFF2-40B4-BE49-F238E27FC236}">
-                <a16:creationId xmlns:a16="http://schemas.microsoft.com/office/drawing/2014/main" xmlns="" id="{1F00B392-37C3-409D-917C-7E7A0603372C}"/>
+                <a16:creationId xmlns="" xmlns:a16="http://schemas.microsoft.com/office/drawing/2014/main" id="{1F00B392-37C3-409D-917C-7E7A0603372C}"/>
               </a:ext>
             </a:extLst>
           </p:cNvPr>
@@ -17842,7 +17842,7 @@
           <p:cNvPr id="5" name="Foliennummernplatzhalter 4">
             <a:extLst>
               <a:ext uri="{FF2B5EF4-FFF2-40B4-BE49-F238E27FC236}">
-                <a16:creationId xmlns:a16="http://schemas.microsoft.com/office/drawing/2014/main" xmlns="" id="{69765797-2376-47D0-ABE6-C28137DD464F}"/>
+                <a16:creationId xmlns="" xmlns:a16="http://schemas.microsoft.com/office/drawing/2014/main" id="{69765797-2376-47D0-ABE6-C28137DD464F}"/>
               </a:ext>
             </a:extLst>
           </p:cNvPr>
@@ -17871,7 +17871,7 @@
           <p:cNvPr id="6" name="Inhaltsplatzhalter 5">
             <a:extLst>
               <a:ext uri="{FF2B5EF4-FFF2-40B4-BE49-F238E27FC236}">
-                <a16:creationId xmlns:a16="http://schemas.microsoft.com/office/drawing/2014/main" xmlns="" id="{F9AC3082-6207-4087-95E7-935FE808DBE8}"/>
+                <a16:creationId xmlns="" xmlns:a16="http://schemas.microsoft.com/office/drawing/2014/main" id="{F9AC3082-6207-4087-95E7-935FE808DBE8}"/>
               </a:ext>
             </a:extLst>
           </p:cNvPr>
@@ -17899,7 +17899,7 @@
           <p:cNvPr id="7" name="Picture 6" descr="Bildergebnis fÃ¼r react materialize">
             <a:extLst>
               <a:ext uri="{FF2B5EF4-FFF2-40B4-BE49-F238E27FC236}">
-                <a16:creationId xmlns:a16="http://schemas.microsoft.com/office/drawing/2014/main" xmlns="" id="{C0CAFA2A-AE5B-40CE-8397-6FBCA589B343}"/>
+                <a16:creationId xmlns="" xmlns:a16="http://schemas.microsoft.com/office/drawing/2014/main" id="{C0CAFA2A-AE5B-40CE-8397-6FBCA589B343}"/>
               </a:ext>
             </a:extLst>
           </p:cNvPr>
@@ -17946,7 +17946,7 @@
           <p:cNvPr id="8" name="Picture 8" descr="Bildergebnis fÃ¼r materialize">
             <a:extLst>
               <a:ext uri="{FF2B5EF4-FFF2-40B4-BE49-F238E27FC236}">
-                <a16:creationId xmlns:a16="http://schemas.microsoft.com/office/drawing/2014/main" xmlns="" id="{B892D75F-C42F-4019-BCA1-3C83CB54BA7E}"/>
+                <a16:creationId xmlns="" xmlns:a16="http://schemas.microsoft.com/office/drawing/2014/main" id="{B892D75F-C42F-4019-BCA1-3C83CB54BA7E}"/>
               </a:ext>
             </a:extLst>
           </p:cNvPr>
@@ -18023,7 +18023,7 @@
           <p:cNvPr id="2" name="Titel 1">
             <a:extLst>
               <a:ext uri="{FF2B5EF4-FFF2-40B4-BE49-F238E27FC236}">
-                <a16:creationId xmlns:a16="http://schemas.microsoft.com/office/drawing/2014/main" xmlns="" id="{1A25A864-1786-4EAE-83DC-AD86345D66E2}"/>
+                <a16:creationId xmlns="" xmlns:a16="http://schemas.microsoft.com/office/drawing/2014/main" id="{1A25A864-1786-4EAE-83DC-AD86345D66E2}"/>
               </a:ext>
             </a:extLst>
           </p:cNvPr>
@@ -18052,7 +18052,7 @@
           <p:cNvPr id="3" name="Datumsplatzhalter 2">
             <a:extLst>
               <a:ext uri="{FF2B5EF4-FFF2-40B4-BE49-F238E27FC236}">
-                <a16:creationId xmlns:a16="http://schemas.microsoft.com/office/drawing/2014/main" xmlns="" id="{8DA016BA-19C7-4468-ABCD-518C3F0BD787}"/>
+                <a16:creationId xmlns="" xmlns:a16="http://schemas.microsoft.com/office/drawing/2014/main" id="{8DA016BA-19C7-4468-ABCD-518C3F0BD787}"/>
               </a:ext>
             </a:extLst>
           </p:cNvPr>
@@ -18070,7 +18070,7 @@
           <a:p>
             <a:fld id="{48352B5A-167D-4ED6-B7C9-BDA647A8BA51}" type="datetime1">
               <a:rPr lang="de-DE" smtClean="0"/>
-              <a:t>23.11.2018</a:t>
+              <a:t>26.11.2018</a:t>
             </a:fld>
             <a:endParaRPr lang="de-DE"/>
           </a:p>
@@ -18081,7 +18081,7 @@
           <p:cNvPr id="4" name="Fußzeilenplatzhalter 3">
             <a:extLst>
               <a:ext uri="{FF2B5EF4-FFF2-40B4-BE49-F238E27FC236}">
-                <a16:creationId xmlns:a16="http://schemas.microsoft.com/office/drawing/2014/main" xmlns="" id="{373631AC-2D09-4E6D-A934-48A22CD70B6E}"/>
+                <a16:creationId xmlns="" xmlns:a16="http://schemas.microsoft.com/office/drawing/2014/main" id="{373631AC-2D09-4E6D-A934-48A22CD70B6E}"/>
               </a:ext>
             </a:extLst>
           </p:cNvPr>
@@ -18110,7 +18110,7 @@
           <p:cNvPr id="5" name="Foliennummernplatzhalter 4">
             <a:extLst>
               <a:ext uri="{FF2B5EF4-FFF2-40B4-BE49-F238E27FC236}">
-                <a16:creationId xmlns:a16="http://schemas.microsoft.com/office/drawing/2014/main" xmlns="" id="{16434493-4DEC-4E9D-B3BD-BA4B31CFD913}"/>
+                <a16:creationId xmlns="" xmlns:a16="http://schemas.microsoft.com/office/drawing/2014/main" id="{16434493-4DEC-4E9D-B3BD-BA4B31CFD913}"/>
               </a:ext>
             </a:extLst>
           </p:cNvPr>
@@ -18139,7 +18139,7 @@
           <p:cNvPr id="6" name="Inhaltsplatzhalter 5">
             <a:extLst>
               <a:ext uri="{FF2B5EF4-FFF2-40B4-BE49-F238E27FC236}">
-                <a16:creationId xmlns:a16="http://schemas.microsoft.com/office/drawing/2014/main" xmlns="" id="{7FF67B39-8F9A-47D2-8D82-0D3EE900B7EA}"/>
+                <a16:creationId xmlns="" xmlns:a16="http://schemas.microsoft.com/office/drawing/2014/main" id="{7FF67B39-8F9A-47D2-8D82-0D3EE900B7EA}"/>
               </a:ext>
             </a:extLst>
           </p:cNvPr>
@@ -18262,7 +18262,7 @@
           <p:cNvPr id="2" name="Titel 1">
             <a:extLst>
               <a:ext uri="{FF2B5EF4-FFF2-40B4-BE49-F238E27FC236}">
-                <a16:creationId xmlns:a16="http://schemas.microsoft.com/office/drawing/2014/main" xmlns="" id="{62B5B1FC-38B6-4AAF-A0D4-8343E72B8BB2}"/>
+                <a16:creationId xmlns="" xmlns:a16="http://schemas.microsoft.com/office/drawing/2014/main" id="{62B5B1FC-38B6-4AAF-A0D4-8343E72B8BB2}"/>
               </a:ext>
             </a:extLst>
           </p:cNvPr>
@@ -18290,7 +18290,7 @@
           <p:cNvPr id="3" name="Datumsplatzhalter 2">
             <a:extLst>
               <a:ext uri="{FF2B5EF4-FFF2-40B4-BE49-F238E27FC236}">
-                <a16:creationId xmlns:a16="http://schemas.microsoft.com/office/drawing/2014/main" xmlns="" id="{35FE2A4F-14D1-453C-8962-28768FDAA94C}"/>
+                <a16:creationId xmlns="" xmlns:a16="http://schemas.microsoft.com/office/drawing/2014/main" id="{35FE2A4F-14D1-453C-8962-28768FDAA94C}"/>
               </a:ext>
             </a:extLst>
           </p:cNvPr>
@@ -18308,7 +18308,7 @@
           <a:p>
             <a:fld id="{48352B5A-167D-4ED6-B7C9-BDA647A8BA51}" type="datetime1">
               <a:rPr lang="de-DE" smtClean="0"/>
-              <a:t>23.11.2018</a:t>
+              <a:t>26.11.2018</a:t>
             </a:fld>
             <a:endParaRPr lang="de-DE"/>
           </a:p>
@@ -18319,7 +18319,7 @@
           <p:cNvPr id="4" name="Fußzeilenplatzhalter 3">
             <a:extLst>
               <a:ext uri="{FF2B5EF4-FFF2-40B4-BE49-F238E27FC236}">
-                <a16:creationId xmlns:a16="http://schemas.microsoft.com/office/drawing/2014/main" xmlns="" id="{69FE2911-271E-4781-8E8D-C6FD249EA02E}"/>
+                <a16:creationId xmlns="" xmlns:a16="http://schemas.microsoft.com/office/drawing/2014/main" id="{69FE2911-271E-4781-8E8D-C6FD249EA02E}"/>
               </a:ext>
             </a:extLst>
           </p:cNvPr>
@@ -18348,7 +18348,7 @@
           <p:cNvPr id="5" name="Foliennummernplatzhalter 4">
             <a:extLst>
               <a:ext uri="{FF2B5EF4-FFF2-40B4-BE49-F238E27FC236}">
-                <a16:creationId xmlns:a16="http://schemas.microsoft.com/office/drawing/2014/main" xmlns="" id="{7974A4C8-7622-4904-A311-5A2D3F872085}"/>
+                <a16:creationId xmlns="" xmlns:a16="http://schemas.microsoft.com/office/drawing/2014/main" id="{7974A4C8-7622-4904-A311-5A2D3F872085}"/>
               </a:ext>
             </a:extLst>
           </p:cNvPr>
@@ -18377,7 +18377,7 @@
           <p:cNvPr id="6" name="Inhaltsplatzhalter 5">
             <a:extLst>
               <a:ext uri="{FF2B5EF4-FFF2-40B4-BE49-F238E27FC236}">
-                <a16:creationId xmlns:a16="http://schemas.microsoft.com/office/drawing/2014/main" xmlns="" id="{8506262F-A1F1-43B6-BB5D-766A37FB0DDF}"/>
+                <a16:creationId xmlns="" xmlns:a16="http://schemas.microsoft.com/office/drawing/2014/main" id="{8506262F-A1F1-43B6-BB5D-766A37FB0DDF}"/>
               </a:ext>
             </a:extLst>
           </p:cNvPr>
@@ -18506,7 +18506,7 @@
           <p:cNvPr id="2" name="Titel 1">
             <a:extLst>
               <a:ext uri="{FF2B5EF4-FFF2-40B4-BE49-F238E27FC236}">
-                <a16:creationId xmlns:a16="http://schemas.microsoft.com/office/drawing/2014/main" xmlns="" id="{0A1A6049-CD7F-4D8C-A11D-F46161BD0A61}"/>
+                <a16:creationId xmlns="" xmlns:a16="http://schemas.microsoft.com/office/drawing/2014/main" id="{0A1A6049-CD7F-4D8C-A11D-F46161BD0A61}"/>
               </a:ext>
             </a:extLst>
           </p:cNvPr>
@@ -18539,7 +18539,7 @@
           <p:cNvPr id="3" name="Datumsplatzhalter 2">
             <a:extLst>
               <a:ext uri="{FF2B5EF4-FFF2-40B4-BE49-F238E27FC236}">
-                <a16:creationId xmlns:a16="http://schemas.microsoft.com/office/drawing/2014/main" xmlns="" id="{C3E5D1B8-CD55-4D78-A71B-0EFAD8E431E8}"/>
+                <a16:creationId xmlns="" xmlns:a16="http://schemas.microsoft.com/office/drawing/2014/main" id="{C3E5D1B8-CD55-4D78-A71B-0EFAD8E431E8}"/>
               </a:ext>
             </a:extLst>
           </p:cNvPr>
@@ -18557,7 +18557,7 @@
           <a:p>
             <a:fld id="{48352B5A-167D-4ED6-B7C9-BDA647A8BA51}" type="datetime1">
               <a:rPr lang="de-DE" smtClean="0"/>
-              <a:t>23.11.2018</a:t>
+              <a:t>26.11.2018</a:t>
             </a:fld>
             <a:endParaRPr lang="de-DE"/>
           </a:p>
@@ -18568,7 +18568,7 @@
           <p:cNvPr id="4" name="Fußzeilenplatzhalter 3">
             <a:extLst>
               <a:ext uri="{FF2B5EF4-FFF2-40B4-BE49-F238E27FC236}">
-                <a16:creationId xmlns:a16="http://schemas.microsoft.com/office/drawing/2014/main" xmlns="" id="{CC69CD03-791F-46AA-BBED-D1E057D848A0}"/>
+                <a16:creationId xmlns="" xmlns:a16="http://schemas.microsoft.com/office/drawing/2014/main" id="{CC69CD03-791F-46AA-BBED-D1E057D848A0}"/>
               </a:ext>
             </a:extLst>
           </p:cNvPr>
@@ -18597,7 +18597,7 @@
           <p:cNvPr id="5" name="Foliennummernplatzhalter 4">
             <a:extLst>
               <a:ext uri="{FF2B5EF4-FFF2-40B4-BE49-F238E27FC236}">
-                <a16:creationId xmlns:a16="http://schemas.microsoft.com/office/drawing/2014/main" xmlns="" id="{F4D3FB05-A4EF-447C-B998-F59D03904616}"/>
+                <a16:creationId xmlns="" xmlns:a16="http://schemas.microsoft.com/office/drawing/2014/main" id="{F4D3FB05-A4EF-447C-B998-F59D03904616}"/>
               </a:ext>
             </a:extLst>
           </p:cNvPr>
@@ -18626,7 +18626,7 @@
           <p:cNvPr id="6" name="Inhaltsplatzhalter 5">
             <a:extLst>
               <a:ext uri="{FF2B5EF4-FFF2-40B4-BE49-F238E27FC236}">
-                <a16:creationId xmlns:a16="http://schemas.microsoft.com/office/drawing/2014/main" xmlns="" id="{B543C937-A1EB-4404-B13C-FE733E7C6AB0}"/>
+                <a16:creationId xmlns="" xmlns:a16="http://schemas.microsoft.com/office/drawing/2014/main" id="{B543C937-A1EB-4404-B13C-FE733E7C6AB0}"/>
               </a:ext>
             </a:extLst>
           </p:cNvPr>
@@ -18822,7 +18822,7 @@
           <p:cNvPr id="2" name="Titel 1">
             <a:extLst>
               <a:ext uri="{FF2B5EF4-FFF2-40B4-BE49-F238E27FC236}">
-                <a16:creationId xmlns:a16="http://schemas.microsoft.com/office/drawing/2014/main" xmlns="" id="{46B71E06-6B08-43AE-A9C8-F9B142FB28CB}"/>
+                <a16:creationId xmlns="" xmlns:a16="http://schemas.microsoft.com/office/drawing/2014/main" id="{46B71E06-6B08-43AE-A9C8-F9B142FB28CB}"/>
               </a:ext>
             </a:extLst>
           </p:cNvPr>
@@ -18850,7 +18850,7 @@
           <p:cNvPr id="3" name="Datumsplatzhalter 2">
             <a:extLst>
               <a:ext uri="{FF2B5EF4-FFF2-40B4-BE49-F238E27FC236}">
-                <a16:creationId xmlns:a16="http://schemas.microsoft.com/office/drawing/2014/main" xmlns="" id="{7DA43725-4CCB-4CF7-B561-C2455E37B695}"/>
+                <a16:creationId xmlns="" xmlns:a16="http://schemas.microsoft.com/office/drawing/2014/main" id="{7DA43725-4CCB-4CF7-B561-C2455E37B695}"/>
               </a:ext>
             </a:extLst>
           </p:cNvPr>
@@ -18868,7 +18868,7 @@
           <a:p>
             <a:fld id="{48352B5A-167D-4ED6-B7C9-BDA647A8BA51}" type="datetime1">
               <a:rPr lang="de-DE" smtClean="0"/>
-              <a:t>23.11.2018</a:t>
+              <a:t>26.11.2018</a:t>
             </a:fld>
             <a:endParaRPr lang="de-DE"/>
           </a:p>
@@ -18879,7 +18879,7 @@
           <p:cNvPr id="4" name="Fußzeilenplatzhalter 3">
             <a:extLst>
               <a:ext uri="{FF2B5EF4-FFF2-40B4-BE49-F238E27FC236}">
-                <a16:creationId xmlns:a16="http://schemas.microsoft.com/office/drawing/2014/main" xmlns="" id="{10B0C594-04E2-4D69-B149-A140EDB73CB9}"/>
+                <a16:creationId xmlns="" xmlns:a16="http://schemas.microsoft.com/office/drawing/2014/main" id="{10B0C594-04E2-4D69-B149-A140EDB73CB9}"/>
               </a:ext>
             </a:extLst>
           </p:cNvPr>
@@ -18908,7 +18908,7 @@
           <p:cNvPr id="5" name="Foliennummernplatzhalter 4">
             <a:extLst>
               <a:ext uri="{FF2B5EF4-FFF2-40B4-BE49-F238E27FC236}">
-                <a16:creationId xmlns:a16="http://schemas.microsoft.com/office/drawing/2014/main" xmlns="" id="{CB7B5591-8305-4064-885D-68FF19B8D5AF}"/>
+                <a16:creationId xmlns="" xmlns:a16="http://schemas.microsoft.com/office/drawing/2014/main" id="{CB7B5591-8305-4064-885D-68FF19B8D5AF}"/>
               </a:ext>
             </a:extLst>
           </p:cNvPr>
@@ -18937,7 +18937,7 @@
           <p:cNvPr id="6" name="Inhaltsplatzhalter 5">
             <a:extLst>
               <a:ext uri="{FF2B5EF4-FFF2-40B4-BE49-F238E27FC236}">
-                <a16:creationId xmlns:a16="http://schemas.microsoft.com/office/drawing/2014/main" xmlns="" id="{7804FF59-5423-4D10-A437-717C62ABF253}"/>
+                <a16:creationId xmlns="" xmlns:a16="http://schemas.microsoft.com/office/drawing/2014/main" id="{7804FF59-5423-4D10-A437-717C62ABF253}"/>
               </a:ext>
             </a:extLst>
           </p:cNvPr>
@@ -19477,7 +19477,7 @@
           <p:cNvPr id="2" name="Titel 1">
             <a:extLst>
               <a:ext uri="{FF2B5EF4-FFF2-40B4-BE49-F238E27FC236}">
-                <a16:creationId xmlns:a16="http://schemas.microsoft.com/office/drawing/2014/main" xmlns="" id="{8042B2D6-B688-4F1D-84D9-EDA826C78953}"/>
+                <a16:creationId xmlns="" xmlns:a16="http://schemas.microsoft.com/office/drawing/2014/main" id="{8042B2D6-B688-4F1D-84D9-EDA826C78953}"/>
               </a:ext>
             </a:extLst>
           </p:cNvPr>
@@ -19505,7 +19505,7 @@
           <p:cNvPr id="3" name="Datumsplatzhalter 2">
             <a:extLst>
               <a:ext uri="{FF2B5EF4-FFF2-40B4-BE49-F238E27FC236}">
-                <a16:creationId xmlns:a16="http://schemas.microsoft.com/office/drawing/2014/main" xmlns="" id="{3ACE59C4-9F78-442E-B097-940CD623DDA4}"/>
+                <a16:creationId xmlns="" xmlns:a16="http://schemas.microsoft.com/office/drawing/2014/main" id="{3ACE59C4-9F78-442E-B097-940CD623DDA4}"/>
               </a:ext>
             </a:extLst>
           </p:cNvPr>
@@ -19523,7 +19523,7 @@
           <a:p>
             <a:fld id="{48352B5A-167D-4ED6-B7C9-BDA647A8BA51}" type="datetime1">
               <a:rPr lang="de-DE" smtClean="0"/>
-              <a:t>23.11.2018</a:t>
+              <a:t>26.11.2018</a:t>
             </a:fld>
             <a:endParaRPr lang="de-DE"/>
           </a:p>
@@ -19534,7 +19534,7 @@
           <p:cNvPr id="4" name="Fußzeilenplatzhalter 3">
             <a:extLst>
               <a:ext uri="{FF2B5EF4-FFF2-40B4-BE49-F238E27FC236}">
-                <a16:creationId xmlns:a16="http://schemas.microsoft.com/office/drawing/2014/main" xmlns="" id="{F52C1658-D4C8-4A3A-B9BC-86F6FBA0F7D1}"/>
+                <a16:creationId xmlns="" xmlns:a16="http://schemas.microsoft.com/office/drawing/2014/main" id="{F52C1658-D4C8-4A3A-B9BC-86F6FBA0F7D1}"/>
               </a:ext>
             </a:extLst>
           </p:cNvPr>
@@ -19563,7 +19563,7 @@
           <p:cNvPr id="5" name="Foliennummernplatzhalter 4">
             <a:extLst>
               <a:ext uri="{FF2B5EF4-FFF2-40B4-BE49-F238E27FC236}">
-                <a16:creationId xmlns:a16="http://schemas.microsoft.com/office/drawing/2014/main" xmlns="" id="{F43F19DB-E8A2-43A6-AC7E-DCD86348DAC2}"/>
+                <a16:creationId xmlns="" xmlns:a16="http://schemas.microsoft.com/office/drawing/2014/main" id="{F43F19DB-E8A2-43A6-AC7E-DCD86348DAC2}"/>
               </a:ext>
             </a:extLst>
           </p:cNvPr>
@@ -19592,7 +19592,7 @@
           <p:cNvPr id="6" name="Inhaltsplatzhalter 5">
             <a:extLst>
               <a:ext uri="{FF2B5EF4-FFF2-40B4-BE49-F238E27FC236}">
-                <a16:creationId xmlns:a16="http://schemas.microsoft.com/office/drawing/2014/main" xmlns="" id="{E0F22198-5871-4C94-93BB-9B27AED95ADE}"/>
+                <a16:creationId xmlns="" xmlns:a16="http://schemas.microsoft.com/office/drawing/2014/main" id="{E0F22198-5871-4C94-93BB-9B27AED95ADE}"/>
               </a:ext>
             </a:extLst>
           </p:cNvPr>
@@ -19718,7 +19718,7 @@
           <p:cNvPr id="2" name="Titel 1">
             <a:extLst>
               <a:ext uri="{FF2B5EF4-FFF2-40B4-BE49-F238E27FC236}">
-                <a16:creationId xmlns:a16="http://schemas.microsoft.com/office/drawing/2014/main" xmlns="" id="{13093AFF-9982-4D9C-9691-6A5C95B724A4}"/>
+                <a16:creationId xmlns="" xmlns:a16="http://schemas.microsoft.com/office/drawing/2014/main" id="{13093AFF-9982-4D9C-9691-6A5C95B724A4}"/>
               </a:ext>
             </a:extLst>
           </p:cNvPr>
@@ -19746,7 +19746,7 @@
           <p:cNvPr id="3" name="Datumsplatzhalter 2">
             <a:extLst>
               <a:ext uri="{FF2B5EF4-FFF2-40B4-BE49-F238E27FC236}">
-                <a16:creationId xmlns:a16="http://schemas.microsoft.com/office/drawing/2014/main" xmlns="" id="{05E33F24-E000-4573-8CB2-9728D363B7A7}"/>
+                <a16:creationId xmlns="" xmlns:a16="http://schemas.microsoft.com/office/drawing/2014/main" id="{05E33F24-E000-4573-8CB2-9728D363B7A7}"/>
               </a:ext>
             </a:extLst>
           </p:cNvPr>
@@ -19764,7 +19764,7 @@
           <a:p>
             <a:fld id="{48352B5A-167D-4ED6-B7C9-BDA647A8BA51}" type="datetime1">
               <a:rPr lang="de-DE" smtClean="0"/>
-              <a:t>23.11.2018</a:t>
+              <a:t>26.11.2018</a:t>
             </a:fld>
             <a:endParaRPr lang="de-DE"/>
           </a:p>
@@ -19775,7 +19775,7 @@
           <p:cNvPr id="4" name="Fußzeilenplatzhalter 3">
             <a:extLst>
               <a:ext uri="{FF2B5EF4-FFF2-40B4-BE49-F238E27FC236}">
-                <a16:creationId xmlns:a16="http://schemas.microsoft.com/office/drawing/2014/main" xmlns="" id="{000A925A-FD0A-4D78-AC6A-542A4745A732}"/>
+                <a16:creationId xmlns="" xmlns:a16="http://schemas.microsoft.com/office/drawing/2014/main" id="{000A925A-FD0A-4D78-AC6A-542A4745A732}"/>
               </a:ext>
             </a:extLst>
           </p:cNvPr>
@@ -19804,7 +19804,7 @@
           <p:cNvPr id="5" name="Foliennummernplatzhalter 4">
             <a:extLst>
               <a:ext uri="{FF2B5EF4-FFF2-40B4-BE49-F238E27FC236}">
-                <a16:creationId xmlns:a16="http://schemas.microsoft.com/office/drawing/2014/main" xmlns="" id="{FA2E024D-F892-4351-926C-DB54CEF5947F}"/>
+                <a16:creationId xmlns="" xmlns:a16="http://schemas.microsoft.com/office/drawing/2014/main" id="{FA2E024D-F892-4351-926C-DB54CEF5947F}"/>
               </a:ext>
             </a:extLst>
           </p:cNvPr>
@@ -19833,7 +19833,7 @@
           <p:cNvPr id="6" name="Inhaltsplatzhalter 5">
             <a:extLst>
               <a:ext uri="{FF2B5EF4-FFF2-40B4-BE49-F238E27FC236}">
-                <a16:creationId xmlns:a16="http://schemas.microsoft.com/office/drawing/2014/main" xmlns="" id="{8E1140B5-A34B-4D01-ABD5-596BE1B079E2}"/>
+                <a16:creationId xmlns="" xmlns:a16="http://schemas.microsoft.com/office/drawing/2014/main" id="{8E1140B5-A34B-4D01-ABD5-596BE1B079E2}"/>
               </a:ext>
             </a:extLst>
           </p:cNvPr>
@@ -19897,7 +19897,7 @@
           <p:cNvPr id="2" name="Titel 1">
             <a:extLst>
               <a:ext uri="{FF2B5EF4-FFF2-40B4-BE49-F238E27FC236}">
-                <a16:creationId xmlns:a16="http://schemas.microsoft.com/office/drawing/2014/main" xmlns="" id="{E9B35454-1B7A-4569-83B8-3FB8AD200E0A}"/>
+                <a16:creationId xmlns="" xmlns:a16="http://schemas.microsoft.com/office/drawing/2014/main" id="{E9B35454-1B7A-4569-83B8-3FB8AD200E0A}"/>
               </a:ext>
             </a:extLst>
           </p:cNvPr>
@@ -19925,7 +19925,7 @@
           <p:cNvPr id="3" name="Datumsplatzhalter 2">
             <a:extLst>
               <a:ext uri="{FF2B5EF4-FFF2-40B4-BE49-F238E27FC236}">
-                <a16:creationId xmlns:a16="http://schemas.microsoft.com/office/drawing/2014/main" xmlns="" id="{6E1A6C03-37BC-4379-8658-907529B6B3EC}"/>
+                <a16:creationId xmlns="" xmlns:a16="http://schemas.microsoft.com/office/drawing/2014/main" id="{6E1A6C03-37BC-4379-8658-907529B6B3EC}"/>
               </a:ext>
             </a:extLst>
           </p:cNvPr>
@@ -19943,7 +19943,7 @@
           <a:p>
             <a:fld id="{48352B5A-167D-4ED6-B7C9-BDA647A8BA51}" type="datetime1">
               <a:rPr lang="de-DE" smtClean="0"/>
-              <a:t>23.11.2018</a:t>
+              <a:t>26.11.2018</a:t>
             </a:fld>
             <a:endParaRPr lang="de-DE"/>
           </a:p>
@@ -19954,7 +19954,7 @@
           <p:cNvPr id="4" name="Fußzeilenplatzhalter 3">
             <a:extLst>
               <a:ext uri="{FF2B5EF4-FFF2-40B4-BE49-F238E27FC236}">
-                <a16:creationId xmlns:a16="http://schemas.microsoft.com/office/drawing/2014/main" xmlns="" id="{A5217030-2252-4148-A2CE-3B187F8FEFBF}"/>
+                <a16:creationId xmlns="" xmlns:a16="http://schemas.microsoft.com/office/drawing/2014/main" id="{A5217030-2252-4148-A2CE-3B187F8FEFBF}"/>
               </a:ext>
             </a:extLst>
           </p:cNvPr>
@@ -19983,7 +19983,7 @@
           <p:cNvPr id="5" name="Foliennummernplatzhalter 4">
             <a:extLst>
               <a:ext uri="{FF2B5EF4-FFF2-40B4-BE49-F238E27FC236}">
-                <a16:creationId xmlns:a16="http://schemas.microsoft.com/office/drawing/2014/main" xmlns="" id="{1C505F7D-B47C-4579-8695-2FFC1C43940A}"/>
+                <a16:creationId xmlns="" xmlns:a16="http://schemas.microsoft.com/office/drawing/2014/main" id="{1C505F7D-B47C-4579-8695-2FFC1C43940A}"/>
               </a:ext>
             </a:extLst>
           </p:cNvPr>
@@ -20012,7 +20012,7 @@
           <p:cNvPr id="6" name="Inhaltsplatzhalter 5">
             <a:extLst>
               <a:ext uri="{FF2B5EF4-FFF2-40B4-BE49-F238E27FC236}">
-                <a16:creationId xmlns:a16="http://schemas.microsoft.com/office/drawing/2014/main" xmlns="" id="{184380C6-5408-4921-A602-0EC77F90E7B8}"/>
+                <a16:creationId xmlns="" xmlns:a16="http://schemas.microsoft.com/office/drawing/2014/main" id="{184380C6-5408-4921-A602-0EC77F90E7B8}"/>
               </a:ext>
             </a:extLst>
           </p:cNvPr>
@@ -20112,7 +20112,7 @@
           <p:cNvPr id="2" name="Titel 1">
             <a:extLst>
               <a:ext uri="{FF2B5EF4-FFF2-40B4-BE49-F238E27FC236}">
-                <a16:creationId xmlns:a16="http://schemas.microsoft.com/office/drawing/2014/main" xmlns="" id="{FB3D4AA2-6BD9-4FAA-BD20-ACECFEE17743}"/>
+                <a16:creationId xmlns="" xmlns:a16="http://schemas.microsoft.com/office/drawing/2014/main" id="{FB3D4AA2-6BD9-4FAA-BD20-ACECFEE17743}"/>
               </a:ext>
             </a:extLst>
           </p:cNvPr>
@@ -20141,7 +20141,7 @@
           <p:cNvPr id="3" name="Datumsplatzhalter 2">
             <a:extLst>
               <a:ext uri="{FF2B5EF4-FFF2-40B4-BE49-F238E27FC236}">
-                <a16:creationId xmlns:a16="http://schemas.microsoft.com/office/drawing/2014/main" xmlns="" id="{ADE5015B-EB6F-4AE0-9B1D-F5BAD3EA3B7F}"/>
+                <a16:creationId xmlns="" xmlns:a16="http://schemas.microsoft.com/office/drawing/2014/main" id="{ADE5015B-EB6F-4AE0-9B1D-F5BAD3EA3B7F}"/>
               </a:ext>
             </a:extLst>
           </p:cNvPr>
@@ -20159,7 +20159,7 @@
           <a:p>
             <a:fld id="{48352B5A-167D-4ED6-B7C9-BDA647A8BA51}" type="datetime1">
               <a:rPr lang="de-DE" smtClean="0"/>
-              <a:t>23.11.2018</a:t>
+              <a:t>26.11.2018</a:t>
             </a:fld>
             <a:endParaRPr lang="de-DE"/>
           </a:p>
@@ -20170,7 +20170,7 @@
           <p:cNvPr id="4" name="Fußzeilenplatzhalter 3">
             <a:extLst>
               <a:ext uri="{FF2B5EF4-FFF2-40B4-BE49-F238E27FC236}">
-                <a16:creationId xmlns:a16="http://schemas.microsoft.com/office/drawing/2014/main" xmlns="" id="{CCF7C28A-F2DB-4863-8F13-4477C4B7C84C}"/>
+                <a16:creationId xmlns="" xmlns:a16="http://schemas.microsoft.com/office/drawing/2014/main" id="{CCF7C28A-F2DB-4863-8F13-4477C4B7C84C}"/>
               </a:ext>
             </a:extLst>
           </p:cNvPr>
@@ -20199,7 +20199,7 @@
           <p:cNvPr id="5" name="Foliennummernplatzhalter 4">
             <a:extLst>
               <a:ext uri="{FF2B5EF4-FFF2-40B4-BE49-F238E27FC236}">
-                <a16:creationId xmlns:a16="http://schemas.microsoft.com/office/drawing/2014/main" xmlns="" id="{1097CC81-6880-47A7-9EE7-930694B470BE}"/>
+                <a16:creationId xmlns="" xmlns:a16="http://schemas.microsoft.com/office/drawing/2014/main" id="{1097CC81-6880-47A7-9EE7-930694B470BE}"/>
               </a:ext>
             </a:extLst>
           </p:cNvPr>
@@ -20228,7 +20228,7 @@
           <p:cNvPr id="10" name="Picture 10" descr="Bildergebnis fÃ¼r rxjs">
             <a:extLst>
               <a:ext uri="{FF2B5EF4-FFF2-40B4-BE49-F238E27FC236}">
-                <a16:creationId xmlns:a16="http://schemas.microsoft.com/office/drawing/2014/main" xmlns="" id="{9D988982-CD7A-4A00-A911-4E9132A2F7C0}"/>
+                <a16:creationId xmlns="" xmlns:a16="http://schemas.microsoft.com/office/drawing/2014/main" id="{9D988982-CD7A-4A00-A911-4E9132A2F7C0}"/>
               </a:ext>
             </a:extLst>
           </p:cNvPr>
@@ -20307,7 +20307,7 @@
           <p:cNvPr id="2" name="Titel 1">
             <a:extLst>
               <a:ext uri="{FF2B5EF4-FFF2-40B4-BE49-F238E27FC236}">
-                <a16:creationId xmlns:a16="http://schemas.microsoft.com/office/drawing/2014/main" xmlns="" id="{1EC1F6A3-D60E-48E5-9AA4-4E872481BC05}"/>
+                <a16:creationId xmlns="" xmlns:a16="http://schemas.microsoft.com/office/drawing/2014/main" id="{1EC1F6A3-D60E-48E5-9AA4-4E872481BC05}"/>
               </a:ext>
             </a:extLst>
           </p:cNvPr>
@@ -20335,7 +20335,7 @@
           <p:cNvPr id="3" name="Datumsplatzhalter 2">
             <a:extLst>
               <a:ext uri="{FF2B5EF4-FFF2-40B4-BE49-F238E27FC236}">
-                <a16:creationId xmlns:a16="http://schemas.microsoft.com/office/drawing/2014/main" xmlns="" id="{3DFFD4F3-1638-466E-AACB-ABDE62105A15}"/>
+                <a16:creationId xmlns="" xmlns:a16="http://schemas.microsoft.com/office/drawing/2014/main" id="{3DFFD4F3-1638-466E-AACB-ABDE62105A15}"/>
               </a:ext>
             </a:extLst>
           </p:cNvPr>
@@ -20353,7 +20353,7 @@
           <a:p>
             <a:fld id="{48352B5A-167D-4ED6-B7C9-BDA647A8BA51}" type="datetime1">
               <a:rPr lang="de-DE" smtClean="0"/>
-              <a:t>23.11.2018</a:t>
+              <a:t>26.11.2018</a:t>
             </a:fld>
             <a:endParaRPr lang="de-DE"/>
           </a:p>
@@ -20364,7 +20364,7 @@
           <p:cNvPr id="4" name="Fußzeilenplatzhalter 3">
             <a:extLst>
               <a:ext uri="{FF2B5EF4-FFF2-40B4-BE49-F238E27FC236}">
-                <a16:creationId xmlns:a16="http://schemas.microsoft.com/office/drawing/2014/main" xmlns="" id="{9AB1FFA2-EA78-4D6E-9262-7A4B584827ED}"/>
+                <a16:creationId xmlns="" xmlns:a16="http://schemas.microsoft.com/office/drawing/2014/main" id="{9AB1FFA2-EA78-4D6E-9262-7A4B584827ED}"/>
               </a:ext>
             </a:extLst>
           </p:cNvPr>
@@ -20393,7 +20393,7 @@
           <p:cNvPr id="5" name="Foliennummernplatzhalter 4">
             <a:extLst>
               <a:ext uri="{FF2B5EF4-FFF2-40B4-BE49-F238E27FC236}">
-                <a16:creationId xmlns:a16="http://schemas.microsoft.com/office/drawing/2014/main" xmlns="" id="{28EF831B-FEE4-49A2-B7D8-22E4A667F8B7}"/>
+                <a16:creationId xmlns="" xmlns:a16="http://schemas.microsoft.com/office/drawing/2014/main" id="{28EF831B-FEE4-49A2-B7D8-22E4A667F8B7}"/>
               </a:ext>
             </a:extLst>
           </p:cNvPr>
@@ -20422,7 +20422,7 @@
           <p:cNvPr id="6" name="Inhaltsplatzhalter 5">
             <a:extLst>
               <a:ext uri="{FF2B5EF4-FFF2-40B4-BE49-F238E27FC236}">
-                <a16:creationId xmlns:a16="http://schemas.microsoft.com/office/drawing/2014/main" xmlns="" id="{48BC2F46-4D0A-48ED-8F41-F0736182EC8F}"/>
+                <a16:creationId xmlns="" xmlns:a16="http://schemas.microsoft.com/office/drawing/2014/main" id="{48BC2F46-4D0A-48ED-8F41-F0736182EC8F}"/>
               </a:ext>
             </a:extLst>
           </p:cNvPr>
@@ -20555,7 +20555,7 @@
           <p:cNvPr id="2" name="Titel 1">
             <a:extLst>
               <a:ext uri="{FF2B5EF4-FFF2-40B4-BE49-F238E27FC236}">
-                <a16:creationId xmlns:a16="http://schemas.microsoft.com/office/drawing/2014/main" xmlns="" id="{5493C864-B4B9-4F72-A5D1-F65D4A81C2B0}"/>
+                <a16:creationId xmlns="" xmlns:a16="http://schemas.microsoft.com/office/drawing/2014/main" id="{5493C864-B4B9-4F72-A5D1-F65D4A81C2B0}"/>
               </a:ext>
             </a:extLst>
           </p:cNvPr>
@@ -20591,7 +20591,7 @@
           <p:cNvPr id="3" name="Datumsplatzhalter 2">
             <a:extLst>
               <a:ext uri="{FF2B5EF4-FFF2-40B4-BE49-F238E27FC236}">
-                <a16:creationId xmlns:a16="http://schemas.microsoft.com/office/drawing/2014/main" xmlns="" id="{E91327A1-5FF2-4162-9433-E4A9AD0AB1D8}"/>
+                <a16:creationId xmlns="" xmlns:a16="http://schemas.microsoft.com/office/drawing/2014/main" id="{E91327A1-5FF2-4162-9433-E4A9AD0AB1D8}"/>
               </a:ext>
             </a:extLst>
           </p:cNvPr>
@@ -20609,7 +20609,7 @@
           <a:p>
             <a:fld id="{48352B5A-167D-4ED6-B7C9-BDA647A8BA51}" type="datetime1">
               <a:rPr lang="de-DE" smtClean="0"/>
-              <a:t>23.11.2018</a:t>
+              <a:t>26.11.2018</a:t>
             </a:fld>
             <a:endParaRPr lang="de-DE"/>
           </a:p>
@@ -20620,7 +20620,7 @@
           <p:cNvPr id="4" name="Fußzeilenplatzhalter 3">
             <a:extLst>
               <a:ext uri="{FF2B5EF4-FFF2-40B4-BE49-F238E27FC236}">
-                <a16:creationId xmlns:a16="http://schemas.microsoft.com/office/drawing/2014/main" xmlns="" id="{5D4980EE-C21A-4B7F-BC44-95D7CC9C35E2}"/>
+                <a16:creationId xmlns="" xmlns:a16="http://schemas.microsoft.com/office/drawing/2014/main" id="{5D4980EE-C21A-4B7F-BC44-95D7CC9C35E2}"/>
               </a:ext>
             </a:extLst>
           </p:cNvPr>
@@ -20649,7 +20649,7 @@
           <p:cNvPr id="5" name="Foliennummernplatzhalter 4">
             <a:extLst>
               <a:ext uri="{FF2B5EF4-FFF2-40B4-BE49-F238E27FC236}">
-                <a16:creationId xmlns:a16="http://schemas.microsoft.com/office/drawing/2014/main" xmlns="" id="{43F570F3-D7A2-4F32-9AF2-B0E110754C4A}"/>
+                <a16:creationId xmlns="" xmlns:a16="http://schemas.microsoft.com/office/drawing/2014/main" id="{43F570F3-D7A2-4F32-9AF2-B0E110754C4A}"/>
               </a:ext>
             </a:extLst>
           </p:cNvPr>
@@ -20678,7 +20678,7 @@
           <p:cNvPr id="6" name="Inhaltsplatzhalter 5">
             <a:extLst>
               <a:ext uri="{FF2B5EF4-FFF2-40B4-BE49-F238E27FC236}">
-                <a16:creationId xmlns:a16="http://schemas.microsoft.com/office/drawing/2014/main" xmlns="" id="{E8BBDEE2-A1D6-4ED4-A0D4-9BDA25857ECB}"/>
+                <a16:creationId xmlns="" xmlns:a16="http://schemas.microsoft.com/office/drawing/2014/main" id="{E8BBDEE2-A1D6-4ED4-A0D4-9BDA25857ECB}"/>
               </a:ext>
             </a:extLst>
           </p:cNvPr>
@@ -20840,7 +20840,7 @@
           <p:cNvPr id="2" name="Titel 1">
             <a:extLst>
               <a:ext uri="{FF2B5EF4-FFF2-40B4-BE49-F238E27FC236}">
-                <a16:creationId xmlns:a16="http://schemas.microsoft.com/office/drawing/2014/main" xmlns="" id="{A956DF2D-9DFB-4045-A6BB-F0750051A097}"/>
+                <a16:creationId xmlns="" xmlns:a16="http://schemas.microsoft.com/office/drawing/2014/main" id="{A956DF2D-9DFB-4045-A6BB-F0750051A097}"/>
               </a:ext>
             </a:extLst>
           </p:cNvPr>
@@ -20868,7 +20868,7 @@
           <p:cNvPr id="3" name="Datumsplatzhalter 2">
             <a:extLst>
               <a:ext uri="{FF2B5EF4-FFF2-40B4-BE49-F238E27FC236}">
-                <a16:creationId xmlns:a16="http://schemas.microsoft.com/office/drawing/2014/main" xmlns="" id="{8291FF45-07B6-4F55-8B9B-5BDE48170F89}"/>
+                <a16:creationId xmlns="" xmlns:a16="http://schemas.microsoft.com/office/drawing/2014/main" id="{8291FF45-07B6-4F55-8B9B-5BDE48170F89}"/>
               </a:ext>
             </a:extLst>
           </p:cNvPr>
@@ -20886,7 +20886,7 @@
           <a:p>
             <a:fld id="{48352B5A-167D-4ED6-B7C9-BDA647A8BA51}" type="datetime1">
               <a:rPr lang="de-DE" smtClean="0"/>
-              <a:t>23.11.2018</a:t>
+              <a:t>26.11.2018</a:t>
             </a:fld>
             <a:endParaRPr lang="de-DE"/>
           </a:p>
@@ -20897,7 +20897,7 @@
           <p:cNvPr id="4" name="Fußzeilenplatzhalter 3">
             <a:extLst>
               <a:ext uri="{FF2B5EF4-FFF2-40B4-BE49-F238E27FC236}">
-                <a16:creationId xmlns:a16="http://schemas.microsoft.com/office/drawing/2014/main" xmlns="" id="{8619D27E-B93C-4701-9A84-02AA58BDC899}"/>
+                <a16:creationId xmlns="" xmlns:a16="http://schemas.microsoft.com/office/drawing/2014/main" id="{8619D27E-B93C-4701-9A84-02AA58BDC899}"/>
               </a:ext>
             </a:extLst>
           </p:cNvPr>
@@ -20926,7 +20926,7 @@
           <p:cNvPr id="5" name="Foliennummernplatzhalter 4">
             <a:extLst>
               <a:ext uri="{FF2B5EF4-FFF2-40B4-BE49-F238E27FC236}">
-                <a16:creationId xmlns:a16="http://schemas.microsoft.com/office/drawing/2014/main" xmlns="" id="{8664D8E7-A42C-464E-9B7F-76B706DD6B67}"/>
+                <a16:creationId xmlns="" xmlns:a16="http://schemas.microsoft.com/office/drawing/2014/main" id="{8664D8E7-A42C-464E-9B7F-76B706DD6B67}"/>
               </a:ext>
             </a:extLst>
           </p:cNvPr>
@@ -20955,7 +20955,7 @@
           <p:cNvPr id="6" name="Inhaltsplatzhalter 5">
             <a:extLst>
               <a:ext uri="{FF2B5EF4-FFF2-40B4-BE49-F238E27FC236}">
-                <a16:creationId xmlns:a16="http://schemas.microsoft.com/office/drawing/2014/main" xmlns="" id="{81BB93A8-BC51-435F-8D7C-F98C8F80D605}"/>
+                <a16:creationId xmlns="" xmlns:a16="http://schemas.microsoft.com/office/drawing/2014/main" id="{81BB93A8-BC51-435F-8D7C-F98C8F80D605}"/>
               </a:ext>
             </a:extLst>
           </p:cNvPr>
@@ -21118,7 +21118,7 @@
           <p:cNvPr id="2" name="Titel 1">
             <a:extLst>
               <a:ext uri="{FF2B5EF4-FFF2-40B4-BE49-F238E27FC236}">
-                <a16:creationId xmlns:a16="http://schemas.microsoft.com/office/drawing/2014/main" xmlns="" id="{3D9E3DB6-E079-4155-89D5-D19C3244F995}"/>
+                <a16:creationId xmlns="" xmlns:a16="http://schemas.microsoft.com/office/drawing/2014/main" id="{3D9E3DB6-E079-4155-89D5-D19C3244F995}"/>
               </a:ext>
             </a:extLst>
           </p:cNvPr>
@@ -21146,7 +21146,7 @@
           <p:cNvPr id="3" name="Datumsplatzhalter 2">
             <a:extLst>
               <a:ext uri="{FF2B5EF4-FFF2-40B4-BE49-F238E27FC236}">
-                <a16:creationId xmlns:a16="http://schemas.microsoft.com/office/drawing/2014/main" xmlns="" id="{DCB6844D-F535-4539-88F3-C4117BF62275}"/>
+                <a16:creationId xmlns="" xmlns:a16="http://schemas.microsoft.com/office/drawing/2014/main" id="{DCB6844D-F535-4539-88F3-C4117BF62275}"/>
               </a:ext>
             </a:extLst>
           </p:cNvPr>
@@ -21164,7 +21164,7 @@
           <a:p>
             <a:fld id="{48352B5A-167D-4ED6-B7C9-BDA647A8BA51}" type="datetime1">
               <a:rPr lang="de-DE" smtClean="0"/>
-              <a:t>23.11.2018</a:t>
+              <a:t>26.11.2018</a:t>
             </a:fld>
             <a:endParaRPr lang="de-DE"/>
           </a:p>
@@ -21175,7 +21175,7 @@
           <p:cNvPr id="4" name="Fußzeilenplatzhalter 3">
             <a:extLst>
               <a:ext uri="{FF2B5EF4-FFF2-40B4-BE49-F238E27FC236}">
-                <a16:creationId xmlns:a16="http://schemas.microsoft.com/office/drawing/2014/main" xmlns="" id="{746D5D54-CC5C-46C6-B201-B8FB7846A6C2}"/>
+                <a16:creationId xmlns="" xmlns:a16="http://schemas.microsoft.com/office/drawing/2014/main" id="{746D5D54-CC5C-46C6-B201-B8FB7846A6C2}"/>
               </a:ext>
             </a:extLst>
           </p:cNvPr>
@@ -21204,7 +21204,7 @@
           <p:cNvPr id="5" name="Foliennummernplatzhalter 4">
             <a:extLst>
               <a:ext uri="{FF2B5EF4-FFF2-40B4-BE49-F238E27FC236}">
-                <a16:creationId xmlns:a16="http://schemas.microsoft.com/office/drawing/2014/main" xmlns="" id="{02A68321-6735-447E-BFEB-F6BAD059A0BB}"/>
+                <a16:creationId xmlns="" xmlns:a16="http://schemas.microsoft.com/office/drawing/2014/main" id="{02A68321-6735-447E-BFEB-F6BAD059A0BB}"/>
               </a:ext>
             </a:extLst>
           </p:cNvPr>
@@ -21233,7 +21233,7 @@
           <p:cNvPr id="6" name="Inhaltsplatzhalter 5">
             <a:extLst>
               <a:ext uri="{FF2B5EF4-FFF2-40B4-BE49-F238E27FC236}">
-                <a16:creationId xmlns:a16="http://schemas.microsoft.com/office/drawing/2014/main" xmlns="" id="{C3CF6BD0-1B5A-4AC1-B6BD-184F310F4BD8}"/>
+                <a16:creationId xmlns="" xmlns:a16="http://schemas.microsoft.com/office/drawing/2014/main" id="{C3CF6BD0-1B5A-4AC1-B6BD-184F310F4BD8}"/>
               </a:ext>
             </a:extLst>
           </p:cNvPr>
@@ -21752,7 +21752,7 @@
           <p:cNvPr id="2" name="Titel 1">
             <a:extLst>
               <a:ext uri="{FF2B5EF4-FFF2-40B4-BE49-F238E27FC236}">
-                <a16:creationId xmlns:a16="http://schemas.microsoft.com/office/drawing/2014/main" xmlns="" id="{ED2502C0-07E1-4EF7-8B9F-7CC88DD45A42}"/>
+                <a16:creationId xmlns="" xmlns:a16="http://schemas.microsoft.com/office/drawing/2014/main" id="{ED2502C0-07E1-4EF7-8B9F-7CC88DD45A42}"/>
               </a:ext>
             </a:extLst>
           </p:cNvPr>
@@ -21781,7 +21781,7 @@
           <p:cNvPr id="3" name="Datumsplatzhalter 2">
             <a:extLst>
               <a:ext uri="{FF2B5EF4-FFF2-40B4-BE49-F238E27FC236}">
-                <a16:creationId xmlns:a16="http://schemas.microsoft.com/office/drawing/2014/main" xmlns="" id="{21B703D7-08E5-4A11-BE2A-3D91F63A4D2F}"/>
+                <a16:creationId xmlns="" xmlns:a16="http://schemas.microsoft.com/office/drawing/2014/main" id="{21B703D7-08E5-4A11-BE2A-3D91F63A4D2F}"/>
               </a:ext>
             </a:extLst>
           </p:cNvPr>
@@ -21799,7 +21799,7 @@
           <a:p>
             <a:fld id="{48352B5A-167D-4ED6-B7C9-BDA647A8BA51}" type="datetime1">
               <a:rPr lang="de-DE" smtClean="0"/>
-              <a:t>23.11.2018</a:t>
+              <a:t>26.11.2018</a:t>
             </a:fld>
             <a:endParaRPr lang="de-DE"/>
           </a:p>
@@ -21810,7 +21810,7 @@
           <p:cNvPr id="4" name="Fußzeilenplatzhalter 3">
             <a:extLst>
               <a:ext uri="{FF2B5EF4-FFF2-40B4-BE49-F238E27FC236}">
-                <a16:creationId xmlns:a16="http://schemas.microsoft.com/office/drawing/2014/main" xmlns="" id="{2799829B-12F3-499F-8EFF-EBEADA63D668}"/>
+                <a16:creationId xmlns="" xmlns:a16="http://schemas.microsoft.com/office/drawing/2014/main" id="{2799829B-12F3-499F-8EFF-EBEADA63D668}"/>
               </a:ext>
             </a:extLst>
           </p:cNvPr>
@@ -21839,7 +21839,7 @@
           <p:cNvPr id="5" name="Foliennummernplatzhalter 4">
             <a:extLst>
               <a:ext uri="{FF2B5EF4-FFF2-40B4-BE49-F238E27FC236}">
-                <a16:creationId xmlns:a16="http://schemas.microsoft.com/office/drawing/2014/main" xmlns="" id="{13FBF7CA-0F71-4E12-818C-DAB213A78389}"/>
+                <a16:creationId xmlns="" xmlns:a16="http://schemas.microsoft.com/office/drawing/2014/main" id="{13FBF7CA-0F71-4E12-818C-DAB213A78389}"/>
               </a:ext>
             </a:extLst>
           </p:cNvPr>
@@ -21868,7 +21868,7 @@
           <p:cNvPr id="6" name="Inhaltsplatzhalter 5">
             <a:extLst>
               <a:ext uri="{FF2B5EF4-FFF2-40B4-BE49-F238E27FC236}">
-                <a16:creationId xmlns:a16="http://schemas.microsoft.com/office/drawing/2014/main" xmlns="" id="{652C66CB-1B0F-48B3-A59F-0EA6FE9A8A90}"/>
+                <a16:creationId xmlns="" xmlns:a16="http://schemas.microsoft.com/office/drawing/2014/main" id="{652C66CB-1B0F-48B3-A59F-0EA6FE9A8A90}"/>
               </a:ext>
             </a:extLst>
           </p:cNvPr>
@@ -21985,7 +21985,7 @@
           <a:p>
             <a:fld id="{48352B5A-167D-4ED6-B7C9-BDA647A8BA51}" type="datetime1">
               <a:rPr lang="de-DE" smtClean="0"/>
-              <a:t>23.11.2018</a:t>
+              <a:t>26.11.2018</a:t>
             </a:fld>
             <a:endParaRPr lang="de-DE"/>
           </a:p>
@@ -22374,7 +22374,7 @@
           <a:p>
             <a:fld id="{48352B5A-167D-4ED6-B7C9-BDA647A8BA51}" type="datetime1">
               <a:rPr lang="de-DE" smtClean="0"/>
-              <a:t>23.11.2018</a:t>
+              <a:t>26.11.2018</a:t>
             </a:fld>
             <a:endParaRPr lang="de-DE"/>
           </a:p>
@@ -22641,7 +22641,7 @@
           <p:cNvPr id="2" name="Titel 1">
             <a:extLst>
               <a:ext uri="{FF2B5EF4-FFF2-40B4-BE49-F238E27FC236}">
-                <a16:creationId xmlns:a16="http://schemas.microsoft.com/office/drawing/2014/main" xmlns="" id="{BA34701A-BEAC-49CD-BE66-3678A5922648}"/>
+                <a16:creationId xmlns="" xmlns:a16="http://schemas.microsoft.com/office/drawing/2014/main" id="{BA34701A-BEAC-49CD-BE66-3678A5922648}"/>
               </a:ext>
             </a:extLst>
           </p:cNvPr>
@@ -22669,7 +22669,7 @@
           <p:cNvPr id="3" name="Datumsplatzhalter 2">
             <a:extLst>
               <a:ext uri="{FF2B5EF4-FFF2-40B4-BE49-F238E27FC236}">
-                <a16:creationId xmlns:a16="http://schemas.microsoft.com/office/drawing/2014/main" xmlns="" id="{A98B22DE-91CA-4FD7-9560-30BC27F3C26D}"/>
+                <a16:creationId xmlns="" xmlns:a16="http://schemas.microsoft.com/office/drawing/2014/main" id="{A98B22DE-91CA-4FD7-9560-30BC27F3C26D}"/>
               </a:ext>
             </a:extLst>
           </p:cNvPr>
@@ -22687,7 +22687,7 @@
           <a:p>
             <a:fld id="{48352B5A-167D-4ED6-B7C9-BDA647A8BA51}" type="datetime1">
               <a:rPr lang="de-DE" smtClean="0"/>
-              <a:t>23.11.2018</a:t>
+              <a:t>26.11.2018</a:t>
             </a:fld>
             <a:endParaRPr lang="de-DE"/>
           </a:p>
@@ -22698,7 +22698,7 @@
           <p:cNvPr id="4" name="Fußzeilenplatzhalter 3">
             <a:extLst>
               <a:ext uri="{FF2B5EF4-FFF2-40B4-BE49-F238E27FC236}">
-                <a16:creationId xmlns:a16="http://schemas.microsoft.com/office/drawing/2014/main" xmlns="" id="{391BBEE9-CD7F-4B7C-B0BA-020F00E6EF6F}"/>
+                <a16:creationId xmlns="" xmlns:a16="http://schemas.microsoft.com/office/drawing/2014/main" id="{391BBEE9-CD7F-4B7C-B0BA-020F00E6EF6F}"/>
               </a:ext>
             </a:extLst>
           </p:cNvPr>
@@ -22727,7 +22727,7 @@
           <p:cNvPr id="5" name="Foliennummernplatzhalter 4">
             <a:extLst>
               <a:ext uri="{FF2B5EF4-FFF2-40B4-BE49-F238E27FC236}">
-                <a16:creationId xmlns:a16="http://schemas.microsoft.com/office/drawing/2014/main" xmlns="" id="{B876E68C-B4E2-47B9-9FBD-9F8AFF68225E}"/>
+                <a16:creationId xmlns="" xmlns:a16="http://schemas.microsoft.com/office/drawing/2014/main" id="{B876E68C-B4E2-47B9-9FBD-9F8AFF68225E}"/>
               </a:ext>
             </a:extLst>
           </p:cNvPr>
@@ -22756,7 +22756,7 @@
           <p:cNvPr id="6" name="Inhaltsplatzhalter 5">
             <a:extLst>
               <a:ext uri="{FF2B5EF4-FFF2-40B4-BE49-F238E27FC236}">
-                <a16:creationId xmlns:a16="http://schemas.microsoft.com/office/drawing/2014/main" xmlns="" id="{AEBB1BB3-98D3-4463-AEE3-F6E5690771E9}"/>
+                <a16:creationId xmlns="" xmlns:a16="http://schemas.microsoft.com/office/drawing/2014/main" id="{AEBB1BB3-98D3-4463-AEE3-F6E5690771E9}"/>
               </a:ext>
             </a:extLst>
           </p:cNvPr>
@@ -22927,7 +22927,7 @@
           <p:cNvPr id="2" name="Titel 1">
             <a:extLst>
               <a:ext uri="{FF2B5EF4-FFF2-40B4-BE49-F238E27FC236}">
-                <a16:creationId xmlns:a16="http://schemas.microsoft.com/office/drawing/2014/main" xmlns="" id="{BA34701A-BEAC-49CD-BE66-3678A5922648}"/>
+                <a16:creationId xmlns="" xmlns:a16="http://schemas.microsoft.com/office/drawing/2014/main" id="{BA34701A-BEAC-49CD-BE66-3678A5922648}"/>
               </a:ext>
             </a:extLst>
           </p:cNvPr>
@@ -22955,7 +22955,7 @@
           <p:cNvPr id="3" name="Datumsplatzhalter 2">
             <a:extLst>
               <a:ext uri="{FF2B5EF4-FFF2-40B4-BE49-F238E27FC236}">
-                <a16:creationId xmlns:a16="http://schemas.microsoft.com/office/drawing/2014/main" xmlns="" id="{A98B22DE-91CA-4FD7-9560-30BC27F3C26D}"/>
+                <a16:creationId xmlns="" xmlns:a16="http://schemas.microsoft.com/office/drawing/2014/main" id="{A98B22DE-91CA-4FD7-9560-30BC27F3C26D}"/>
               </a:ext>
             </a:extLst>
           </p:cNvPr>
@@ -22973,7 +22973,7 @@
           <a:p>
             <a:fld id="{48352B5A-167D-4ED6-B7C9-BDA647A8BA51}" type="datetime1">
               <a:rPr lang="de-DE" smtClean="0"/>
-              <a:t>23.11.2018</a:t>
+              <a:t>26.11.2018</a:t>
             </a:fld>
             <a:endParaRPr lang="de-DE"/>
           </a:p>
@@ -22984,7 +22984,7 @@
           <p:cNvPr id="4" name="Fußzeilenplatzhalter 3">
             <a:extLst>
               <a:ext uri="{FF2B5EF4-FFF2-40B4-BE49-F238E27FC236}">
-                <a16:creationId xmlns:a16="http://schemas.microsoft.com/office/drawing/2014/main" xmlns="" id="{391BBEE9-CD7F-4B7C-B0BA-020F00E6EF6F}"/>
+                <a16:creationId xmlns="" xmlns:a16="http://schemas.microsoft.com/office/drawing/2014/main" id="{391BBEE9-CD7F-4B7C-B0BA-020F00E6EF6F}"/>
               </a:ext>
             </a:extLst>
           </p:cNvPr>
@@ -23013,7 +23013,7 @@
           <p:cNvPr id="5" name="Foliennummernplatzhalter 4">
             <a:extLst>
               <a:ext uri="{FF2B5EF4-FFF2-40B4-BE49-F238E27FC236}">
-                <a16:creationId xmlns:a16="http://schemas.microsoft.com/office/drawing/2014/main" xmlns="" id="{B876E68C-B4E2-47B9-9FBD-9F8AFF68225E}"/>
+                <a16:creationId xmlns="" xmlns:a16="http://schemas.microsoft.com/office/drawing/2014/main" id="{B876E68C-B4E2-47B9-9FBD-9F8AFF68225E}"/>
               </a:ext>
             </a:extLst>
           </p:cNvPr>
@@ -23042,7 +23042,7 @@
           <p:cNvPr id="6" name="Inhaltsplatzhalter 5">
             <a:extLst>
               <a:ext uri="{FF2B5EF4-FFF2-40B4-BE49-F238E27FC236}">
-                <a16:creationId xmlns:a16="http://schemas.microsoft.com/office/drawing/2014/main" xmlns="" id="{AEBB1BB3-98D3-4463-AEE3-F6E5690771E9}"/>
+                <a16:creationId xmlns="" xmlns:a16="http://schemas.microsoft.com/office/drawing/2014/main" id="{AEBB1BB3-98D3-4463-AEE3-F6E5690771E9}"/>
               </a:ext>
             </a:extLst>
           </p:cNvPr>
@@ -23166,7 +23166,7 @@
           <p:cNvPr id="2" name="Titel 1">
             <a:extLst>
               <a:ext uri="{FF2B5EF4-FFF2-40B4-BE49-F238E27FC236}">
-                <a16:creationId xmlns:a16="http://schemas.microsoft.com/office/drawing/2014/main" xmlns="" id="{71B70DF6-1D5A-4021-BBA4-93A076BA4C39}"/>
+                <a16:creationId xmlns="" xmlns:a16="http://schemas.microsoft.com/office/drawing/2014/main" id="{71B70DF6-1D5A-4021-BBA4-93A076BA4C39}"/>
               </a:ext>
             </a:extLst>
           </p:cNvPr>
@@ -23194,7 +23194,7 @@
           <p:cNvPr id="3" name="Datumsplatzhalter 2">
             <a:extLst>
               <a:ext uri="{FF2B5EF4-FFF2-40B4-BE49-F238E27FC236}">
-                <a16:creationId xmlns:a16="http://schemas.microsoft.com/office/drawing/2014/main" xmlns="" id="{083857BC-A23E-45C2-8967-CF0BE36D0720}"/>
+                <a16:creationId xmlns="" xmlns:a16="http://schemas.microsoft.com/office/drawing/2014/main" id="{083857BC-A23E-45C2-8967-CF0BE36D0720}"/>
               </a:ext>
             </a:extLst>
           </p:cNvPr>
@@ -23212,7 +23212,7 @@
           <a:p>
             <a:fld id="{48352B5A-167D-4ED6-B7C9-BDA647A8BA51}" type="datetime1">
               <a:rPr lang="de-DE" smtClean="0"/>
-              <a:t>23.11.2018</a:t>
+              <a:t>26.11.2018</a:t>
             </a:fld>
             <a:endParaRPr lang="de-DE"/>
           </a:p>
@@ -23223,7 +23223,7 @@
           <p:cNvPr id="4" name="Fußzeilenplatzhalter 3">
             <a:extLst>
               <a:ext uri="{FF2B5EF4-FFF2-40B4-BE49-F238E27FC236}">
-                <a16:creationId xmlns:a16="http://schemas.microsoft.com/office/drawing/2014/main" xmlns="" id="{153CECAC-5EE5-45E6-8061-D8AAF9F27440}"/>
+                <a16:creationId xmlns="" xmlns:a16="http://schemas.microsoft.com/office/drawing/2014/main" id="{153CECAC-5EE5-45E6-8061-D8AAF9F27440}"/>
               </a:ext>
             </a:extLst>
           </p:cNvPr>
@@ -23252,7 +23252,7 @@
           <p:cNvPr id="5" name="Foliennummernplatzhalter 4">
             <a:extLst>
               <a:ext uri="{FF2B5EF4-FFF2-40B4-BE49-F238E27FC236}">
-                <a16:creationId xmlns:a16="http://schemas.microsoft.com/office/drawing/2014/main" xmlns="" id="{7D7BA7DF-07D9-4172-A3A9-8DB27B19F9B0}"/>
+                <a16:creationId xmlns="" xmlns:a16="http://schemas.microsoft.com/office/drawing/2014/main" id="{7D7BA7DF-07D9-4172-A3A9-8DB27B19F9B0}"/>
               </a:ext>
             </a:extLst>
           </p:cNvPr>
@@ -23281,7 +23281,7 @@
           <p:cNvPr id="6" name="Inhaltsplatzhalter 5">
             <a:extLst>
               <a:ext uri="{FF2B5EF4-FFF2-40B4-BE49-F238E27FC236}">
-                <a16:creationId xmlns:a16="http://schemas.microsoft.com/office/drawing/2014/main" xmlns="" id="{C1267438-BD90-451C-A230-CC7E3660375A}"/>
+                <a16:creationId xmlns="" xmlns:a16="http://schemas.microsoft.com/office/drawing/2014/main" id="{C1267438-BD90-451C-A230-CC7E3660375A}"/>
               </a:ext>
             </a:extLst>
           </p:cNvPr>

--- a/React.pptx
+++ b/React.pptx
@@ -324,7 +324,7 @@
           <a:p>
             <a:fld id="{F11DBC1A-B3EC-448B-B617-B612703AFFD5}" type="datetimeFigureOut">
               <a:rPr lang="de-CH" smtClean="0"/>
-              <a:t>26.11.2018</a:t>
+              <a:t>28.11.2018</a:t>
             </a:fld>
             <a:endParaRPr lang="de-CH"/>
           </a:p>
@@ -489,7 +489,7 @@
           <a:p>
             <a:fld id="{05408900-6234-440B-A027-38F10FF7E2F1}" type="datetimeFigureOut">
               <a:rPr lang="de-DE" smtClean="0"/>
-              <a:t>26.11.2018</a:t>
+              <a:t>28.11.2018</a:t>
             </a:fld>
             <a:endParaRPr lang="de-DE"/>
           </a:p>
@@ -972,7 +972,7 @@
           <a:bodyPr/>
           <a:lstStyle/>
           <a:p>
-            <a:endParaRPr lang="de-CH"/>
+            <a:endParaRPr lang="de-CH" dirty="0"/>
           </a:p>
         </p:txBody>
       </p:sp>
@@ -2580,8 +2580,51 @@
               <a:t> die </a:t>
             </a:r>
             <a:r>
-              <a:rPr lang="en-US" dirty="0" err="1"/>
+              <a:rPr lang="en-US" dirty="0" err="1" smtClean="0"/>
               <a:t>Komponenten</a:t>
+            </a:r>
+            <a:endParaRPr lang="en-US" dirty="0" smtClean="0"/>
+          </a:p>
+          <a:p>
+            <a:r>
+              <a:rPr lang="en-US" dirty="0" err="1" smtClean="0"/>
+              <a:t>Setze</a:t>
+            </a:r>
+            <a:r>
+              <a:rPr lang="en-US" dirty="0" smtClean="0"/>
+              <a:t> </a:t>
+            </a:r>
+            <a:r>
+              <a:rPr lang="en-US" dirty="0" err="1" smtClean="0"/>
+              <a:t>zuerst</a:t>
+            </a:r>
+            <a:r>
+              <a:rPr lang="en-US" dirty="0" smtClean="0"/>
+              <a:t> </a:t>
+            </a:r>
+            <a:r>
+              <a:rPr lang="en-US" dirty="0" err="1" smtClean="0"/>
+              <a:t>hardcodiert</a:t>
+            </a:r>
+            <a:r>
+              <a:rPr lang="en-US" dirty="0" smtClean="0"/>
+              <a:t> die </a:t>
+            </a:r>
+            <a:r>
+              <a:rPr lang="en-US" dirty="0" err="1" smtClean="0"/>
+              <a:t>Personen</a:t>
+            </a:r>
+            <a:r>
+              <a:rPr lang="en-US" dirty="0" smtClean="0"/>
+              <a:t> </a:t>
+            </a:r>
+            <a:r>
+              <a:rPr lang="en-US" dirty="0" err="1" smtClean="0"/>
+              <a:t>im</a:t>
+            </a:r>
+            <a:r>
+              <a:rPr lang="en-US" dirty="0" smtClean="0"/>
+              <a:t> state</a:t>
             </a:r>
             <a:endParaRPr lang="en-US" dirty="0"/>
           </a:p>
@@ -2707,10 +2750,9 @@
               <a:t>props</a:t>
             </a:r>
             <a:r>
-              <a:rPr lang="de-CH"/>
+              <a:rPr lang="de-CH" dirty="0"/>
               <a:t>) =&gt; {</a:t>
             </a:r>
-            <a:endParaRPr lang="de-CH" dirty="0"/>
           </a:p>
         </p:txBody>
       </p:sp>
@@ -6120,7 +6162,7 @@
           <a:p>
             <a:fld id="{3B23B96D-9616-4176-AEF6-AF1317711023}" type="datetime1">
               <a:rPr lang="de-DE" smtClean="0"/>
-              <a:t>26.11.2018</a:t>
+              <a:t>28.11.2018</a:t>
             </a:fld>
             <a:endParaRPr lang="de-DE"/>
           </a:p>
@@ -6298,7 +6340,7 @@
           <a:p>
             <a:fld id="{0D71886E-8C9D-4E97-9EB5-D99BA89A8533}" type="datetime1">
               <a:rPr lang="de-DE" smtClean="0"/>
-              <a:t>26.11.2018</a:t>
+              <a:t>28.11.2018</a:t>
             </a:fld>
             <a:endParaRPr lang="de-DE"/>
           </a:p>
@@ -6439,7 +6481,7 @@
           <a:p>
             <a:fld id="{8DBF69B3-62E3-4AF4-971E-1AB7F9FB69DD}" type="datetime1">
               <a:rPr lang="de-DE" smtClean="0"/>
-              <a:t>26.11.2018</a:t>
+              <a:t>28.11.2018</a:t>
             </a:fld>
             <a:endParaRPr lang="de-DE"/>
           </a:p>
@@ -6723,7 +6765,7 @@
           <a:p>
             <a:fld id="{F898127A-2E85-486B-8AA5-E90E3CCEC0E9}" type="datetime1">
               <a:rPr lang="de-DE" smtClean="0"/>
-              <a:t>26.11.2018</a:t>
+              <a:t>28.11.2018</a:t>
             </a:fld>
             <a:endParaRPr lang="de-DE"/>
           </a:p>
@@ -7361,7 +7403,7 @@
           <a:p>
             <a:fld id="{A4FEDFCE-8709-4D76-8036-EE5278C2237F}" type="datetime1">
               <a:rPr lang="de-DE" smtClean="0"/>
-              <a:t>26.11.2018</a:t>
+              <a:t>28.11.2018</a:t>
             </a:fld>
             <a:endParaRPr lang="de-DE"/>
           </a:p>
@@ -7495,7 +7537,7 @@
           <a:p>
             <a:fld id="{48352B5A-167D-4ED6-B7C9-BDA647A8BA51}" type="datetime1">
               <a:rPr lang="de-DE" smtClean="0"/>
-              <a:t>26.11.2018</a:t>
+              <a:t>28.11.2018</a:t>
             </a:fld>
             <a:endParaRPr lang="de-DE"/>
           </a:p>
@@ -7685,7 +7727,7 @@
           <a:p>
             <a:fld id="{F782B8C6-A2A3-4B66-A839-DF7B16517350}" type="datetime1">
               <a:rPr lang="de-DE" smtClean="0"/>
-              <a:t>26.11.2018</a:t>
+              <a:t>28.11.2018</a:t>
             </a:fld>
             <a:endParaRPr lang="de-DE"/>
           </a:p>
@@ -8076,7 +8118,7 @@
           <a:p>
             <a:fld id="{649D13A7-6296-4A54-8C64-66A02EB71342}" type="datetime1">
               <a:rPr lang="de-DE" smtClean="0"/>
-              <a:t>26.11.2018</a:t>
+              <a:t>28.11.2018</a:t>
             </a:fld>
             <a:endParaRPr lang="de-DE"/>
           </a:p>
@@ -8615,7 +8657,7 @@
           <a:p>
             <a:fld id="{ED7E8129-6AB0-4316-89DD-05AD9ABD1F9D}" type="datetime1">
               <a:rPr lang="de-DE" smtClean="0"/>
-              <a:t>26.11.2018</a:t>
+              <a:t>28.11.2018</a:t>
             </a:fld>
             <a:endParaRPr lang="de-DE"/>
           </a:p>
@@ -8732,7 +8774,7 @@
           <a:p>
             <a:fld id="{4FD0AE75-8AA0-449D-989F-B1E818A5B67A}" type="datetime1">
               <a:rPr lang="de-DE" smtClean="0"/>
-              <a:t>26.11.2018</a:t>
+              <a:t>28.11.2018</a:t>
             </a:fld>
             <a:endParaRPr lang="de-DE"/>
           </a:p>
@@ -8827,7 +8869,7 @@
           <a:p>
             <a:fld id="{455D07A7-0ED1-4138-9FBD-0F4825E4365D}" type="datetime1">
               <a:rPr lang="de-DE" smtClean="0"/>
-              <a:t>26.11.2018</a:t>
+              <a:t>28.11.2018</a:t>
             </a:fld>
             <a:endParaRPr lang="de-DE"/>
           </a:p>
@@ -8922,7 +8964,7 @@
           <a:p>
             <a:fld id="{6A743ADA-15EC-46F2-B124-7B3EABB341FC}" type="datetime1">
               <a:rPr lang="de-DE" smtClean="0"/>
-              <a:t>26.11.2018</a:t>
+              <a:t>28.11.2018</a:t>
             </a:fld>
             <a:endParaRPr lang="de-DE"/>
           </a:p>
@@ -9341,7 +9383,7 @@
           <a:p>
             <a:fld id="{34F16289-DF57-4F0A-9158-80987495B444}" type="datetime1">
               <a:rPr lang="de-DE" smtClean="0"/>
-              <a:t>26.11.2018</a:t>
+              <a:t>28.11.2018</a:t>
             </a:fld>
             <a:endParaRPr lang="de-DE"/>
           </a:p>
@@ -9577,7 +9619,7 @@
           <a:p>
             <a:fld id="{30694A65-3AA1-42B9-B750-09273D0D99B8}" type="datetime1">
               <a:rPr lang="de-DE" smtClean="0"/>
-              <a:t>26.11.2018</a:t>
+              <a:t>28.11.2018</a:t>
             </a:fld>
             <a:endParaRPr lang="de-DE"/>
           </a:p>
@@ -10246,7 +10288,7 @@
           <p:cNvPr id="1026" name="Picture 2" descr="Bildergebnis fÃ¼r react">
             <a:extLst>
               <a:ext uri="{FF2B5EF4-FFF2-40B4-BE49-F238E27FC236}">
-                <a16:creationId xmlns="" xmlns:a16="http://schemas.microsoft.com/office/drawing/2014/main" id="{829FFD09-EFA1-4ACA-886F-A45FA7CD87D4}"/>
+                <a16:creationId xmlns:a16="http://schemas.microsoft.com/office/drawing/2014/main" xmlns="" id="{829FFD09-EFA1-4ACA-886F-A45FA7CD87D4}"/>
               </a:ext>
             </a:extLst>
           </p:cNvPr>
@@ -10293,7 +10335,7 @@
           <p:cNvPr id="1030" name="Picture 6" descr="Bildergebnis fÃ¼r react materialize">
             <a:extLst>
               <a:ext uri="{FF2B5EF4-FFF2-40B4-BE49-F238E27FC236}">
-                <a16:creationId xmlns="" xmlns:a16="http://schemas.microsoft.com/office/drawing/2014/main" id="{8C0A3339-03B8-4017-9609-4DC76A731DE0}"/>
+                <a16:creationId xmlns:a16="http://schemas.microsoft.com/office/drawing/2014/main" xmlns="" id="{8C0A3339-03B8-4017-9609-4DC76A731DE0}"/>
               </a:ext>
             </a:extLst>
           </p:cNvPr>
@@ -10340,7 +10382,7 @@
           <p:cNvPr id="1032" name="Picture 8" descr="Bildergebnis fÃ¼r materialize">
             <a:extLst>
               <a:ext uri="{FF2B5EF4-FFF2-40B4-BE49-F238E27FC236}">
-                <a16:creationId xmlns="" xmlns:a16="http://schemas.microsoft.com/office/drawing/2014/main" id="{6B3A1825-2670-4778-8FC5-43386939DBE3}"/>
+                <a16:creationId xmlns:a16="http://schemas.microsoft.com/office/drawing/2014/main" xmlns="" id="{6B3A1825-2670-4778-8FC5-43386939DBE3}"/>
               </a:ext>
             </a:extLst>
           </p:cNvPr>
@@ -10387,7 +10429,7 @@
           <p:cNvPr id="1034" name="Picture 10" descr="Bildergebnis fÃ¼r rxjs">
             <a:extLst>
               <a:ext uri="{FF2B5EF4-FFF2-40B4-BE49-F238E27FC236}">
-                <a16:creationId xmlns="" xmlns:a16="http://schemas.microsoft.com/office/drawing/2014/main" id="{FF2589F7-8232-43CB-9B06-B819D249AC90}"/>
+                <a16:creationId xmlns:a16="http://schemas.microsoft.com/office/drawing/2014/main" xmlns="" id="{FF2589F7-8232-43CB-9B06-B819D249AC90}"/>
               </a:ext>
             </a:extLst>
           </p:cNvPr>
@@ -10464,7 +10506,7 @@
           <p:cNvPr id="2" name="Titel 1">
             <a:extLst>
               <a:ext uri="{FF2B5EF4-FFF2-40B4-BE49-F238E27FC236}">
-                <a16:creationId xmlns="" xmlns:a16="http://schemas.microsoft.com/office/drawing/2014/main" id="{BA34701A-BEAC-49CD-BE66-3678A5922648}"/>
+                <a16:creationId xmlns:a16="http://schemas.microsoft.com/office/drawing/2014/main" xmlns="" id="{BA34701A-BEAC-49CD-BE66-3678A5922648}"/>
               </a:ext>
             </a:extLst>
           </p:cNvPr>
@@ -10492,7 +10534,7 @@
           <p:cNvPr id="3" name="Datumsplatzhalter 2">
             <a:extLst>
               <a:ext uri="{FF2B5EF4-FFF2-40B4-BE49-F238E27FC236}">
-                <a16:creationId xmlns="" xmlns:a16="http://schemas.microsoft.com/office/drawing/2014/main" id="{A98B22DE-91CA-4FD7-9560-30BC27F3C26D}"/>
+                <a16:creationId xmlns:a16="http://schemas.microsoft.com/office/drawing/2014/main" xmlns="" id="{A98B22DE-91CA-4FD7-9560-30BC27F3C26D}"/>
               </a:ext>
             </a:extLst>
           </p:cNvPr>
@@ -10510,7 +10552,7 @@
           <a:p>
             <a:fld id="{48352B5A-167D-4ED6-B7C9-BDA647A8BA51}" type="datetime1">
               <a:rPr lang="de-DE" smtClean="0"/>
-              <a:t>26.11.2018</a:t>
+              <a:t>28.11.2018</a:t>
             </a:fld>
             <a:endParaRPr lang="de-DE"/>
           </a:p>
@@ -10521,7 +10563,7 @@
           <p:cNvPr id="4" name="Fußzeilenplatzhalter 3">
             <a:extLst>
               <a:ext uri="{FF2B5EF4-FFF2-40B4-BE49-F238E27FC236}">
-                <a16:creationId xmlns="" xmlns:a16="http://schemas.microsoft.com/office/drawing/2014/main" id="{391BBEE9-CD7F-4B7C-B0BA-020F00E6EF6F}"/>
+                <a16:creationId xmlns:a16="http://schemas.microsoft.com/office/drawing/2014/main" xmlns="" id="{391BBEE9-CD7F-4B7C-B0BA-020F00E6EF6F}"/>
               </a:ext>
             </a:extLst>
           </p:cNvPr>
@@ -10550,7 +10592,7 @@
           <p:cNvPr id="5" name="Foliennummernplatzhalter 4">
             <a:extLst>
               <a:ext uri="{FF2B5EF4-FFF2-40B4-BE49-F238E27FC236}">
-                <a16:creationId xmlns="" xmlns:a16="http://schemas.microsoft.com/office/drawing/2014/main" id="{B876E68C-B4E2-47B9-9FBD-9F8AFF68225E}"/>
+                <a16:creationId xmlns:a16="http://schemas.microsoft.com/office/drawing/2014/main" xmlns="" id="{B876E68C-B4E2-47B9-9FBD-9F8AFF68225E}"/>
               </a:ext>
             </a:extLst>
           </p:cNvPr>
@@ -10579,7 +10621,7 @@
           <p:cNvPr id="6" name="Inhaltsplatzhalter 5">
             <a:extLst>
               <a:ext uri="{FF2B5EF4-FFF2-40B4-BE49-F238E27FC236}">
-                <a16:creationId xmlns="" xmlns:a16="http://schemas.microsoft.com/office/drawing/2014/main" id="{AEBB1BB3-98D3-4463-AEE3-F6E5690771E9}"/>
+                <a16:creationId xmlns:a16="http://schemas.microsoft.com/office/drawing/2014/main" xmlns="" id="{AEBB1BB3-98D3-4463-AEE3-F6E5690771E9}"/>
               </a:ext>
             </a:extLst>
           </p:cNvPr>
@@ -10703,7 +10745,7 @@
           <p:cNvPr id="2" name="Titel 1">
             <a:extLst>
               <a:ext uri="{FF2B5EF4-FFF2-40B4-BE49-F238E27FC236}">
-                <a16:creationId xmlns="" xmlns:a16="http://schemas.microsoft.com/office/drawing/2014/main" id="{738C37EF-4C5F-4AA5-99A0-0F366D81A037}"/>
+                <a16:creationId xmlns:a16="http://schemas.microsoft.com/office/drawing/2014/main" xmlns="" id="{738C37EF-4C5F-4AA5-99A0-0F366D81A037}"/>
               </a:ext>
             </a:extLst>
           </p:cNvPr>
@@ -10731,7 +10773,7 @@
           <p:cNvPr id="3" name="Datumsplatzhalter 2">
             <a:extLst>
               <a:ext uri="{FF2B5EF4-FFF2-40B4-BE49-F238E27FC236}">
-                <a16:creationId xmlns="" xmlns:a16="http://schemas.microsoft.com/office/drawing/2014/main" id="{E1C0CD2F-49CF-42A9-8438-801CE1CBBA71}"/>
+                <a16:creationId xmlns:a16="http://schemas.microsoft.com/office/drawing/2014/main" xmlns="" id="{E1C0CD2F-49CF-42A9-8438-801CE1CBBA71}"/>
               </a:ext>
             </a:extLst>
           </p:cNvPr>
@@ -10749,7 +10791,7 @@
           <a:p>
             <a:fld id="{48352B5A-167D-4ED6-B7C9-BDA647A8BA51}" type="datetime1">
               <a:rPr lang="de-DE" smtClean="0"/>
-              <a:t>26.11.2018</a:t>
+              <a:t>28.11.2018</a:t>
             </a:fld>
             <a:endParaRPr lang="de-DE"/>
           </a:p>
@@ -10760,7 +10802,7 @@
           <p:cNvPr id="4" name="Fußzeilenplatzhalter 3">
             <a:extLst>
               <a:ext uri="{FF2B5EF4-FFF2-40B4-BE49-F238E27FC236}">
-                <a16:creationId xmlns="" xmlns:a16="http://schemas.microsoft.com/office/drawing/2014/main" id="{7F57B273-F13C-4F69-89F8-68317B43542F}"/>
+                <a16:creationId xmlns:a16="http://schemas.microsoft.com/office/drawing/2014/main" xmlns="" id="{7F57B273-F13C-4F69-89F8-68317B43542F}"/>
               </a:ext>
             </a:extLst>
           </p:cNvPr>
@@ -10789,7 +10831,7 @@
           <p:cNvPr id="5" name="Foliennummernplatzhalter 4">
             <a:extLst>
               <a:ext uri="{FF2B5EF4-FFF2-40B4-BE49-F238E27FC236}">
-                <a16:creationId xmlns="" xmlns:a16="http://schemas.microsoft.com/office/drawing/2014/main" id="{835CFF78-1AAA-4EF5-9E9A-24C4BBBDE859}"/>
+                <a16:creationId xmlns:a16="http://schemas.microsoft.com/office/drawing/2014/main" xmlns="" id="{835CFF78-1AAA-4EF5-9E9A-24C4BBBDE859}"/>
               </a:ext>
             </a:extLst>
           </p:cNvPr>
@@ -10815,34 +10857,45 @@
       </p:sp>
       <p:pic>
         <p:nvPicPr>
-          <p:cNvPr id="7" name="Inhaltsplatzhalter 6">
+          <p:cNvPr id="1028" name="Picture 4" descr="https://cdn-images-1.medium.com/max/1800/1*sn-ftowp0_VVRbeUAFECMA.png"/>
+          <p:cNvPicPr>
+            <a:picLocks noGrp="1" noChangeAspect="1" noChangeArrowheads="1"/>
+          </p:cNvPicPr>
+          <p:nvPr>
+            <p:ph sz="quarter" idx="13"/>
+          </p:nvPr>
+        </p:nvPicPr>
+        <p:blipFill>
+          <a:blip r:embed="rId3">
             <a:extLst>
-              <a:ext uri="{FF2B5EF4-FFF2-40B4-BE49-F238E27FC236}">
-                <a16:creationId xmlns="" xmlns:a16="http://schemas.microsoft.com/office/drawing/2014/main" id="{43CE9483-8950-486B-B41D-7A66F10224C7}"/>
+              <a:ext uri="{28A0092B-C50C-407E-A947-70E740481C1C}">
+                <a14:useLocalDpi xmlns:a14="http://schemas.microsoft.com/office/drawing/2010/main" val="0"/>
               </a:ext>
             </a:extLst>
-          </p:cNvPr>
-          <p:cNvPicPr>
-            <a:picLocks noGrp="1" noChangeAspect="1"/>
-          </p:cNvPicPr>
-          <p:nvPr>
-            <p:ph sz="quarter" idx="13"/>
-          </p:nvPr>
-        </p:nvPicPr>
-        <p:blipFill>
-          <a:blip r:embed="rId3"/>
+          </a:blip>
+          <a:srcRect/>
           <a:stretch>
             <a:fillRect/>
           </a:stretch>
         </p:blipFill>
-        <p:spPr>
+        <p:spPr bwMode="auto">
           <a:xfrm>
-            <a:off x="1419914" y="1511300"/>
-            <a:ext cx="7961522" cy="4681538"/>
+            <a:off x="576263" y="1444482"/>
+            <a:ext cx="9648825" cy="4459901"/>
           </a:xfrm>
           <a:prstGeom prst="rect">
             <a:avLst/>
           </a:prstGeom>
+          <a:noFill/>
+          <a:extLst>
+            <a:ext uri="{909E8E84-426E-40DD-AFC4-6F175D3DCCD1}">
+              <a14:hiddenFill xmlns:a14="http://schemas.microsoft.com/office/drawing/2010/main">
+                <a:solidFill>
+                  <a:srgbClr val="FFFFFF"/>
+                </a:solidFill>
+              </a14:hiddenFill>
+            </a:ext>
+          </a:extLst>
         </p:spPr>
       </p:pic>
     </p:spTree>
@@ -10880,7 +10933,7 @@
           <p:cNvPr id="2" name="Titel 1">
             <a:extLst>
               <a:ext uri="{FF2B5EF4-FFF2-40B4-BE49-F238E27FC236}">
-                <a16:creationId xmlns="" xmlns:a16="http://schemas.microsoft.com/office/drawing/2014/main" id="{E6CF5AC9-4037-40B1-9918-570F8D4A5BC8}"/>
+                <a16:creationId xmlns:a16="http://schemas.microsoft.com/office/drawing/2014/main" xmlns="" id="{E6CF5AC9-4037-40B1-9918-570F8D4A5BC8}"/>
               </a:ext>
             </a:extLst>
           </p:cNvPr>
@@ -10912,7 +10965,7 @@
           <p:cNvPr id="3" name="Datumsplatzhalter 2">
             <a:extLst>
               <a:ext uri="{FF2B5EF4-FFF2-40B4-BE49-F238E27FC236}">
-                <a16:creationId xmlns="" xmlns:a16="http://schemas.microsoft.com/office/drawing/2014/main" id="{A705C0B8-C520-4633-A9A6-72F6195A5A9E}"/>
+                <a16:creationId xmlns:a16="http://schemas.microsoft.com/office/drawing/2014/main" xmlns="" id="{A705C0B8-C520-4633-A9A6-72F6195A5A9E}"/>
               </a:ext>
             </a:extLst>
           </p:cNvPr>
@@ -10930,7 +10983,7 @@
           <a:p>
             <a:fld id="{48352B5A-167D-4ED6-B7C9-BDA647A8BA51}" type="datetime1">
               <a:rPr lang="de-DE" smtClean="0"/>
-              <a:t>26.11.2018</a:t>
+              <a:t>28.11.2018</a:t>
             </a:fld>
             <a:endParaRPr lang="de-DE"/>
           </a:p>
@@ -10941,7 +10994,7 @@
           <p:cNvPr id="4" name="Fußzeilenplatzhalter 3">
             <a:extLst>
               <a:ext uri="{FF2B5EF4-FFF2-40B4-BE49-F238E27FC236}">
-                <a16:creationId xmlns="" xmlns:a16="http://schemas.microsoft.com/office/drawing/2014/main" id="{B466A057-EB10-46B8-97E0-99320985902F}"/>
+                <a16:creationId xmlns:a16="http://schemas.microsoft.com/office/drawing/2014/main" xmlns="" id="{B466A057-EB10-46B8-97E0-99320985902F}"/>
               </a:ext>
             </a:extLst>
           </p:cNvPr>
@@ -10970,7 +11023,7 @@
           <p:cNvPr id="5" name="Foliennummernplatzhalter 4">
             <a:extLst>
               <a:ext uri="{FF2B5EF4-FFF2-40B4-BE49-F238E27FC236}">
-                <a16:creationId xmlns="" xmlns:a16="http://schemas.microsoft.com/office/drawing/2014/main" id="{9673468D-A9D3-4D74-BE6E-8B5ECEB59B48}"/>
+                <a16:creationId xmlns:a16="http://schemas.microsoft.com/office/drawing/2014/main" xmlns="" id="{9673468D-A9D3-4D74-BE6E-8B5ECEB59B48}"/>
               </a:ext>
             </a:extLst>
           </p:cNvPr>
@@ -10999,7 +11052,7 @@
           <p:cNvPr id="6" name="Inhaltsplatzhalter 5">
             <a:extLst>
               <a:ext uri="{FF2B5EF4-FFF2-40B4-BE49-F238E27FC236}">
-                <a16:creationId xmlns="" xmlns:a16="http://schemas.microsoft.com/office/drawing/2014/main" id="{D821D71A-5EC1-4867-9139-31BF6502F1B6}"/>
+                <a16:creationId xmlns:a16="http://schemas.microsoft.com/office/drawing/2014/main" xmlns="" id="{D821D71A-5EC1-4867-9139-31BF6502F1B6}"/>
               </a:ext>
             </a:extLst>
           </p:cNvPr>
@@ -11190,7 +11243,7 @@
           <p:cNvPr id="2" name="Titel 1">
             <a:extLst>
               <a:ext uri="{FF2B5EF4-FFF2-40B4-BE49-F238E27FC236}">
-                <a16:creationId xmlns="" xmlns:a16="http://schemas.microsoft.com/office/drawing/2014/main" id="{2D7D460E-0B2B-44FD-B746-194A16BD830D}"/>
+                <a16:creationId xmlns:a16="http://schemas.microsoft.com/office/drawing/2014/main" xmlns="" id="{2D7D460E-0B2B-44FD-B746-194A16BD830D}"/>
               </a:ext>
             </a:extLst>
           </p:cNvPr>
@@ -11219,7 +11272,7 @@
           <p:cNvPr id="3" name="Datumsplatzhalter 2">
             <a:extLst>
               <a:ext uri="{FF2B5EF4-FFF2-40B4-BE49-F238E27FC236}">
-                <a16:creationId xmlns="" xmlns:a16="http://schemas.microsoft.com/office/drawing/2014/main" id="{828DC8B8-5366-41F8-8AFA-7871829A0908}"/>
+                <a16:creationId xmlns:a16="http://schemas.microsoft.com/office/drawing/2014/main" xmlns="" id="{828DC8B8-5366-41F8-8AFA-7871829A0908}"/>
               </a:ext>
             </a:extLst>
           </p:cNvPr>
@@ -11237,7 +11290,7 @@
           <a:p>
             <a:fld id="{48352B5A-167D-4ED6-B7C9-BDA647A8BA51}" type="datetime1">
               <a:rPr lang="de-DE" smtClean="0"/>
-              <a:t>26.11.2018</a:t>
+              <a:t>28.11.2018</a:t>
             </a:fld>
             <a:endParaRPr lang="de-DE"/>
           </a:p>
@@ -11248,7 +11301,7 @@
           <p:cNvPr id="4" name="Fußzeilenplatzhalter 3">
             <a:extLst>
               <a:ext uri="{FF2B5EF4-FFF2-40B4-BE49-F238E27FC236}">
-                <a16:creationId xmlns="" xmlns:a16="http://schemas.microsoft.com/office/drawing/2014/main" id="{BD971EBA-44D6-4477-93E3-1B788DADD575}"/>
+                <a16:creationId xmlns:a16="http://schemas.microsoft.com/office/drawing/2014/main" xmlns="" id="{BD971EBA-44D6-4477-93E3-1B788DADD575}"/>
               </a:ext>
             </a:extLst>
           </p:cNvPr>
@@ -11277,7 +11330,7 @@
           <p:cNvPr id="5" name="Foliennummernplatzhalter 4">
             <a:extLst>
               <a:ext uri="{FF2B5EF4-FFF2-40B4-BE49-F238E27FC236}">
-                <a16:creationId xmlns="" xmlns:a16="http://schemas.microsoft.com/office/drawing/2014/main" id="{91167899-16A0-4E9B-9BB8-2EC81AE3C4A3}"/>
+                <a16:creationId xmlns:a16="http://schemas.microsoft.com/office/drawing/2014/main" xmlns="" id="{91167899-16A0-4E9B-9BB8-2EC81AE3C4A3}"/>
               </a:ext>
             </a:extLst>
           </p:cNvPr>
@@ -11306,7 +11359,7 @@
           <p:cNvPr id="6" name="Inhaltsplatzhalter 5">
             <a:extLst>
               <a:ext uri="{FF2B5EF4-FFF2-40B4-BE49-F238E27FC236}">
-                <a16:creationId xmlns="" xmlns:a16="http://schemas.microsoft.com/office/drawing/2014/main" id="{C2EAF9B5-C30D-4536-A717-867AA1D17456}"/>
+                <a16:creationId xmlns:a16="http://schemas.microsoft.com/office/drawing/2014/main" xmlns="" id="{C2EAF9B5-C30D-4536-A717-867AA1D17456}"/>
               </a:ext>
             </a:extLst>
           </p:cNvPr>
@@ -11514,7 +11567,7 @@
           <p:cNvPr id="2" name="Titel 1">
             <a:extLst>
               <a:ext uri="{FF2B5EF4-FFF2-40B4-BE49-F238E27FC236}">
-                <a16:creationId xmlns="" xmlns:a16="http://schemas.microsoft.com/office/drawing/2014/main" id="{CC5FCD01-D151-4722-B663-67C4B09833C6}"/>
+                <a16:creationId xmlns:a16="http://schemas.microsoft.com/office/drawing/2014/main" xmlns="" id="{CC5FCD01-D151-4722-B663-67C4B09833C6}"/>
               </a:ext>
             </a:extLst>
           </p:cNvPr>
@@ -11546,7 +11599,7 @@
           <p:cNvPr id="3" name="Datumsplatzhalter 2">
             <a:extLst>
               <a:ext uri="{FF2B5EF4-FFF2-40B4-BE49-F238E27FC236}">
-                <a16:creationId xmlns="" xmlns:a16="http://schemas.microsoft.com/office/drawing/2014/main" id="{6F5E496F-46F7-40D4-8DF1-34867D27C2A8}"/>
+                <a16:creationId xmlns:a16="http://schemas.microsoft.com/office/drawing/2014/main" xmlns="" id="{6F5E496F-46F7-40D4-8DF1-34867D27C2A8}"/>
               </a:ext>
             </a:extLst>
           </p:cNvPr>
@@ -11564,7 +11617,7 @@
           <a:p>
             <a:fld id="{48352B5A-167D-4ED6-B7C9-BDA647A8BA51}" type="datetime1">
               <a:rPr lang="de-DE" smtClean="0"/>
-              <a:t>26.11.2018</a:t>
+              <a:t>28.11.2018</a:t>
             </a:fld>
             <a:endParaRPr lang="de-DE"/>
           </a:p>
@@ -11575,7 +11628,7 @@
           <p:cNvPr id="4" name="Fußzeilenplatzhalter 3">
             <a:extLst>
               <a:ext uri="{FF2B5EF4-FFF2-40B4-BE49-F238E27FC236}">
-                <a16:creationId xmlns="" xmlns:a16="http://schemas.microsoft.com/office/drawing/2014/main" id="{C33CAF55-8754-4CFB-95A7-9C9B82305AAD}"/>
+                <a16:creationId xmlns:a16="http://schemas.microsoft.com/office/drawing/2014/main" xmlns="" id="{C33CAF55-8754-4CFB-95A7-9C9B82305AAD}"/>
               </a:ext>
             </a:extLst>
           </p:cNvPr>
@@ -11604,7 +11657,7 @@
           <p:cNvPr id="5" name="Foliennummernplatzhalter 4">
             <a:extLst>
               <a:ext uri="{FF2B5EF4-FFF2-40B4-BE49-F238E27FC236}">
-                <a16:creationId xmlns="" xmlns:a16="http://schemas.microsoft.com/office/drawing/2014/main" id="{EA1DA399-D052-4008-BB2B-6404DF71964D}"/>
+                <a16:creationId xmlns:a16="http://schemas.microsoft.com/office/drawing/2014/main" xmlns="" id="{EA1DA399-D052-4008-BB2B-6404DF71964D}"/>
               </a:ext>
             </a:extLst>
           </p:cNvPr>
@@ -11633,7 +11686,7 @@
           <p:cNvPr id="6" name="Inhaltsplatzhalter 5">
             <a:extLst>
               <a:ext uri="{FF2B5EF4-FFF2-40B4-BE49-F238E27FC236}">
-                <a16:creationId xmlns="" xmlns:a16="http://schemas.microsoft.com/office/drawing/2014/main" id="{A424F6E6-7EE3-42CE-986A-0D3257FB18D1}"/>
+                <a16:creationId xmlns:a16="http://schemas.microsoft.com/office/drawing/2014/main" xmlns="" id="{A424F6E6-7EE3-42CE-986A-0D3257FB18D1}"/>
               </a:ext>
             </a:extLst>
           </p:cNvPr>
@@ -12102,7 +12155,7 @@
           <p:cNvPr id="2" name="Titel 1">
             <a:extLst>
               <a:ext uri="{FF2B5EF4-FFF2-40B4-BE49-F238E27FC236}">
-                <a16:creationId xmlns="" xmlns:a16="http://schemas.microsoft.com/office/drawing/2014/main" id="{8EFFCF8E-A530-400B-B812-958F5DB05ADA}"/>
+                <a16:creationId xmlns:a16="http://schemas.microsoft.com/office/drawing/2014/main" xmlns="" id="{8EFFCF8E-A530-400B-B812-958F5DB05ADA}"/>
               </a:ext>
             </a:extLst>
           </p:cNvPr>
@@ -12131,7 +12184,7 @@
           <p:cNvPr id="3" name="Datumsplatzhalter 2">
             <a:extLst>
               <a:ext uri="{FF2B5EF4-FFF2-40B4-BE49-F238E27FC236}">
-                <a16:creationId xmlns="" xmlns:a16="http://schemas.microsoft.com/office/drawing/2014/main" id="{8A2ACF77-5D94-4A87-859F-F880C8049340}"/>
+                <a16:creationId xmlns:a16="http://schemas.microsoft.com/office/drawing/2014/main" xmlns="" id="{8A2ACF77-5D94-4A87-859F-F880C8049340}"/>
               </a:ext>
             </a:extLst>
           </p:cNvPr>
@@ -12149,7 +12202,7 @@
           <a:p>
             <a:fld id="{48352B5A-167D-4ED6-B7C9-BDA647A8BA51}" type="datetime1">
               <a:rPr lang="de-DE" smtClean="0"/>
-              <a:t>26.11.2018</a:t>
+              <a:t>28.11.2018</a:t>
             </a:fld>
             <a:endParaRPr lang="de-DE"/>
           </a:p>
@@ -12160,7 +12213,7 @@
           <p:cNvPr id="4" name="Fußzeilenplatzhalter 3">
             <a:extLst>
               <a:ext uri="{FF2B5EF4-FFF2-40B4-BE49-F238E27FC236}">
-                <a16:creationId xmlns="" xmlns:a16="http://schemas.microsoft.com/office/drawing/2014/main" id="{BCE989C0-DCC8-4DE1-8016-5BDAC15115EB}"/>
+                <a16:creationId xmlns:a16="http://schemas.microsoft.com/office/drawing/2014/main" xmlns="" id="{BCE989C0-DCC8-4DE1-8016-5BDAC15115EB}"/>
               </a:ext>
             </a:extLst>
           </p:cNvPr>
@@ -12189,7 +12242,7 @@
           <p:cNvPr id="5" name="Foliennummernplatzhalter 4">
             <a:extLst>
               <a:ext uri="{FF2B5EF4-FFF2-40B4-BE49-F238E27FC236}">
-                <a16:creationId xmlns="" xmlns:a16="http://schemas.microsoft.com/office/drawing/2014/main" id="{E0AE29E5-FDEA-4EBC-A598-E69E4995CB24}"/>
+                <a16:creationId xmlns:a16="http://schemas.microsoft.com/office/drawing/2014/main" xmlns="" id="{E0AE29E5-FDEA-4EBC-A598-E69E4995CB24}"/>
               </a:ext>
             </a:extLst>
           </p:cNvPr>
@@ -12218,7 +12271,7 @@
           <p:cNvPr id="6" name="Inhaltsplatzhalter 5">
             <a:extLst>
               <a:ext uri="{FF2B5EF4-FFF2-40B4-BE49-F238E27FC236}">
-                <a16:creationId xmlns="" xmlns:a16="http://schemas.microsoft.com/office/drawing/2014/main" id="{E16E596C-A5F8-47FA-9BFB-EBB60E45B8F1}"/>
+                <a16:creationId xmlns:a16="http://schemas.microsoft.com/office/drawing/2014/main" xmlns="" id="{E16E596C-A5F8-47FA-9BFB-EBB60E45B8F1}"/>
               </a:ext>
             </a:extLst>
           </p:cNvPr>
@@ -12663,7 +12716,7 @@
           <p:cNvPr id="2" name="Titel 1">
             <a:extLst>
               <a:ext uri="{FF2B5EF4-FFF2-40B4-BE49-F238E27FC236}">
-                <a16:creationId xmlns="" xmlns:a16="http://schemas.microsoft.com/office/drawing/2014/main" id="{BA34701A-BEAC-49CD-BE66-3678A5922648}"/>
+                <a16:creationId xmlns:a16="http://schemas.microsoft.com/office/drawing/2014/main" xmlns="" id="{BA34701A-BEAC-49CD-BE66-3678A5922648}"/>
               </a:ext>
             </a:extLst>
           </p:cNvPr>
@@ -12691,7 +12744,7 @@
           <p:cNvPr id="3" name="Datumsplatzhalter 2">
             <a:extLst>
               <a:ext uri="{FF2B5EF4-FFF2-40B4-BE49-F238E27FC236}">
-                <a16:creationId xmlns="" xmlns:a16="http://schemas.microsoft.com/office/drawing/2014/main" id="{A98B22DE-91CA-4FD7-9560-30BC27F3C26D}"/>
+                <a16:creationId xmlns:a16="http://schemas.microsoft.com/office/drawing/2014/main" xmlns="" id="{A98B22DE-91CA-4FD7-9560-30BC27F3C26D}"/>
               </a:ext>
             </a:extLst>
           </p:cNvPr>
@@ -12709,7 +12762,7 @@
           <a:p>
             <a:fld id="{48352B5A-167D-4ED6-B7C9-BDA647A8BA51}" type="datetime1">
               <a:rPr lang="de-DE" smtClean="0"/>
-              <a:t>26.11.2018</a:t>
+              <a:t>28.11.2018</a:t>
             </a:fld>
             <a:endParaRPr lang="de-DE"/>
           </a:p>
@@ -12720,7 +12773,7 @@
           <p:cNvPr id="4" name="Fußzeilenplatzhalter 3">
             <a:extLst>
               <a:ext uri="{FF2B5EF4-FFF2-40B4-BE49-F238E27FC236}">
-                <a16:creationId xmlns="" xmlns:a16="http://schemas.microsoft.com/office/drawing/2014/main" id="{391BBEE9-CD7F-4B7C-B0BA-020F00E6EF6F}"/>
+                <a16:creationId xmlns:a16="http://schemas.microsoft.com/office/drawing/2014/main" xmlns="" id="{391BBEE9-CD7F-4B7C-B0BA-020F00E6EF6F}"/>
               </a:ext>
             </a:extLst>
           </p:cNvPr>
@@ -12749,7 +12802,7 @@
           <p:cNvPr id="5" name="Foliennummernplatzhalter 4">
             <a:extLst>
               <a:ext uri="{FF2B5EF4-FFF2-40B4-BE49-F238E27FC236}">
-                <a16:creationId xmlns="" xmlns:a16="http://schemas.microsoft.com/office/drawing/2014/main" id="{B876E68C-B4E2-47B9-9FBD-9F8AFF68225E}"/>
+                <a16:creationId xmlns:a16="http://schemas.microsoft.com/office/drawing/2014/main" xmlns="" id="{B876E68C-B4E2-47B9-9FBD-9F8AFF68225E}"/>
               </a:ext>
             </a:extLst>
           </p:cNvPr>
@@ -12778,7 +12831,7 @@
           <p:cNvPr id="6" name="Inhaltsplatzhalter 5">
             <a:extLst>
               <a:ext uri="{FF2B5EF4-FFF2-40B4-BE49-F238E27FC236}">
-                <a16:creationId xmlns="" xmlns:a16="http://schemas.microsoft.com/office/drawing/2014/main" id="{AEBB1BB3-98D3-4463-AEE3-F6E5690771E9}"/>
+                <a16:creationId xmlns:a16="http://schemas.microsoft.com/office/drawing/2014/main" xmlns="" id="{AEBB1BB3-98D3-4463-AEE3-F6E5690771E9}"/>
               </a:ext>
             </a:extLst>
           </p:cNvPr>
@@ -13000,7 +13053,7 @@
           <a:p>
             <a:fld id="{48352B5A-167D-4ED6-B7C9-BDA647A8BA51}" type="datetime1">
               <a:rPr lang="de-DE" smtClean="0"/>
-              <a:t>26.11.2018</a:t>
+              <a:t>28.11.2018</a:t>
             </a:fld>
             <a:endParaRPr lang="de-DE"/>
           </a:p>
@@ -13279,7 +13332,7 @@
           <p:cNvPr id="2" name="Titel 1">
             <a:extLst>
               <a:ext uri="{FF2B5EF4-FFF2-40B4-BE49-F238E27FC236}">
-                <a16:creationId xmlns="" xmlns:a16="http://schemas.microsoft.com/office/drawing/2014/main" id="{2D7D460E-0B2B-44FD-B746-194A16BD830D}"/>
+                <a16:creationId xmlns:a16="http://schemas.microsoft.com/office/drawing/2014/main" xmlns="" id="{2D7D460E-0B2B-44FD-B746-194A16BD830D}"/>
               </a:ext>
             </a:extLst>
           </p:cNvPr>
@@ -13307,7 +13360,7 @@
           <p:cNvPr id="3" name="Datumsplatzhalter 2">
             <a:extLst>
               <a:ext uri="{FF2B5EF4-FFF2-40B4-BE49-F238E27FC236}">
-                <a16:creationId xmlns="" xmlns:a16="http://schemas.microsoft.com/office/drawing/2014/main" id="{828DC8B8-5366-41F8-8AFA-7871829A0908}"/>
+                <a16:creationId xmlns:a16="http://schemas.microsoft.com/office/drawing/2014/main" xmlns="" id="{828DC8B8-5366-41F8-8AFA-7871829A0908}"/>
               </a:ext>
             </a:extLst>
           </p:cNvPr>
@@ -13325,7 +13378,7 @@
           <a:p>
             <a:fld id="{48352B5A-167D-4ED6-B7C9-BDA647A8BA51}" type="datetime1">
               <a:rPr lang="de-DE" smtClean="0"/>
-              <a:t>26.11.2018</a:t>
+              <a:t>28.11.2018</a:t>
             </a:fld>
             <a:endParaRPr lang="de-DE"/>
           </a:p>
@@ -13336,7 +13389,7 @@
           <p:cNvPr id="4" name="Fußzeilenplatzhalter 3">
             <a:extLst>
               <a:ext uri="{FF2B5EF4-FFF2-40B4-BE49-F238E27FC236}">
-                <a16:creationId xmlns="" xmlns:a16="http://schemas.microsoft.com/office/drawing/2014/main" id="{BD971EBA-44D6-4477-93E3-1B788DADD575}"/>
+                <a16:creationId xmlns:a16="http://schemas.microsoft.com/office/drawing/2014/main" xmlns="" id="{BD971EBA-44D6-4477-93E3-1B788DADD575}"/>
               </a:ext>
             </a:extLst>
           </p:cNvPr>
@@ -13365,7 +13418,7 @@
           <p:cNvPr id="5" name="Foliennummernplatzhalter 4">
             <a:extLst>
               <a:ext uri="{FF2B5EF4-FFF2-40B4-BE49-F238E27FC236}">
-                <a16:creationId xmlns="" xmlns:a16="http://schemas.microsoft.com/office/drawing/2014/main" id="{91167899-16A0-4E9B-9BB8-2EC81AE3C4A3}"/>
+                <a16:creationId xmlns:a16="http://schemas.microsoft.com/office/drawing/2014/main" xmlns="" id="{91167899-16A0-4E9B-9BB8-2EC81AE3C4A3}"/>
               </a:ext>
             </a:extLst>
           </p:cNvPr>
@@ -13394,7 +13447,7 @@
           <p:cNvPr id="6" name="Inhaltsplatzhalter 5">
             <a:extLst>
               <a:ext uri="{FF2B5EF4-FFF2-40B4-BE49-F238E27FC236}">
-                <a16:creationId xmlns="" xmlns:a16="http://schemas.microsoft.com/office/drawing/2014/main" id="{C2EAF9B5-C30D-4536-A717-867AA1D17456}"/>
+                <a16:creationId xmlns:a16="http://schemas.microsoft.com/office/drawing/2014/main" xmlns="" id="{C2EAF9B5-C30D-4536-A717-867AA1D17456}"/>
               </a:ext>
             </a:extLst>
           </p:cNvPr>
@@ -13509,7 +13562,7 @@
           <p:cNvPr id="2" name="Titel 1">
             <a:extLst>
               <a:ext uri="{FF2B5EF4-FFF2-40B4-BE49-F238E27FC236}">
-                <a16:creationId xmlns="" xmlns:a16="http://schemas.microsoft.com/office/drawing/2014/main" id="{8114A889-83B6-40F0-B935-DCD9702CEACD}"/>
+                <a16:creationId xmlns:a16="http://schemas.microsoft.com/office/drawing/2014/main" xmlns="" id="{8114A889-83B6-40F0-B935-DCD9702CEACD}"/>
               </a:ext>
             </a:extLst>
           </p:cNvPr>
@@ -13537,7 +13590,7 @@
           <p:cNvPr id="3" name="Datumsplatzhalter 2">
             <a:extLst>
               <a:ext uri="{FF2B5EF4-FFF2-40B4-BE49-F238E27FC236}">
-                <a16:creationId xmlns="" xmlns:a16="http://schemas.microsoft.com/office/drawing/2014/main" id="{F89389F1-AFAC-4D9A-9486-7B3544E4FF6D}"/>
+                <a16:creationId xmlns:a16="http://schemas.microsoft.com/office/drawing/2014/main" xmlns="" id="{F89389F1-AFAC-4D9A-9486-7B3544E4FF6D}"/>
               </a:ext>
             </a:extLst>
           </p:cNvPr>
@@ -13555,7 +13608,7 @@
           <a:p>
             <a:fld id="{48352B5A-167D-4ED6-B7C9-BDA647A8BA51}" type="datetime1">
               <a:rPr lang="de-DE" smtClean="0"/>
-              <a:t>26.11.2018</a:t>
+              <a:t>28.11.2018</a:t>
             </a:fld>
             <a:endParaRPr lang="de-DE"/>
           </a:p>
@@ -13566,7 +13619,7 @@
           <p:cNvPr id="4" name="Fußzeilenplatzhalter 3">
             <a:extLst>
               <a:ext uri="{FF2B5EF4-FFF2-40B4-BE49-F238E27FC236}">
-                <a16:creationId xmlns="" xmlns:a16="http://schemas.microsoft.com/office/drawing/2014/main" id="{9F17CDFF-C508-4955-98A7-5D2E28C34B42}"/>
+                <a16:creationId xmlns:a16="http://schemas.microsoft.com/office/drawing/2014/main" xmlns="" id="{9F17CDFF-C508-4955-98A7-5D2E28C34B42}"/>
               </a:ext>
             </a:extLst>
           </p:cNvPr>
@@ -13595,7 +13648,7 @@
           <p:cNvPr id="5" name="Foliennummernplatzhalter 4">
             <a:extLst>
               <a:ext uri="{FF2B5EF4-FFF2-40B4-BE49-F238E27FC236}">
-                <a16:creationId xmlns="" xmlns:a16="http://schemas.microsoft.com/office/drawing/2014/main" id="{810D8EC7-F317-4347-B4EE-CB89484C6E86}"/>
+                <a16:creationId xmlns:a16="http://schemas.microsoft.com/office/drawing/2014/main" xmlns="" id="{810D8EC7-F317-4347-B4EE-CB89484C6E86}"/>
               </a:ext>
             </a:extLst>
           </p:cNvPr>
@@ -13624,7 +13677,7 @@
           <p:cNvPr id="6" name="Inhaltsplatzhalter 5">
             <a:extLst>
               <a:ext uri="{FF2B5EF4-FFF2-40B4-BE49-F238E27FC236}">
-                <a16:creationId xmlns="" xmlns:a16="http://schemas.microsoft.com/office/drawing/2014/main" id="{2664D975-EAE2-4ADB-A844-D88FA8C3AAB5}"/>
+                <a16:creationId xmlns:a16="http://schemas.microsoft.com/office/drawing/2014/main" xmlns="" id="{2664D975-EAE2-4ADB-A844-D88FA8C3AAB5}"/>
               </a:ext>
             </a:extLst>
           </p:cNvPr>
@@ -13730,7 +13783,7 @@
           <p:cNvPr id="2" name="Titel 1">
             <a:extLst>
               <a:ext uri="{FF2B5EF4-FFF2-40B4-BE49-F238E27FC236}">
-                <a16:creationId xmlns="" xmlns:a16="http://schemas.microsoft.com/office/drawing/2014/main" id="{9045F3A0-10BD-46BB-A599-99C99D083471}"/>
+                <a16:creationId xmlns:a16="http://schemas.microsoft.com/office/drawing/2014/main" xmlns="" id="{9045F3A0-10BD-46BB-A599-99C99D083471}"/>
               </a:ext>
             </a:extLst>
           </p:cNvPr>
@@ -13758,7 +13811,7 @@
           <p:cNvPr id="3" name="Datumsplatzhalter 2">
             <a:extLst>
               <a:ext uri="{FF2B5EF4-FFF2-40B4-BE49-F238E27FC236}">
-                <a16:creationId xmlns="" xmlns:a16="http://schemas.microsoft.com/office/drawing/2014/main" id="{CE9F0A6B-49CE-4AD7-BF97-45CE42D685C7}"/>
+                <a16:creationId xmlns:a16="http://schemas.microsoft.com/office/drawing/2014/main" xmlns="" id="{CE9F0A6B-49CE-4AD7-BF97-45CE42D685C7}"/>
               </a:ext>
             </a:extLst>
           </p:cNvPr>
@@ -13776,7 +13829,7 @@
           <a:p>
             <a:fld id="{48352B5A-167D-4ED6-B7C9-BDA647A8BA51}" type="datetime1">
               <a:rPr lang="de-DE" smtClean="0"/>
-              <a:t>26.11.2018</a:t>
+              <a:t>28.11.2018</a:t>
             </a:fld>
             <a:endParaRPr lang="de-DE"/>
           </a:p>
@@ -13787,7 +13840,7 @@
           <p:cNvPr id="4" name="Fußzeilenplatzhalter 3">
             <a:extLst>
               <a:ext uri="{FF2B5EF4-FFF2-40B4-BE49-F238E27FC236}">
-                <a16:creationId xmlns="" xmlns:a16="http://schemas.microsoft.com/office/drawing/2014/main" id="{E6903670-E149-44F7-B376-AD678C4A47C4}"/>
+                <a16:creationId xmlns:a16="http://schemas.microsoft.com/office/drawing/2014/main" xmlns="" id="{E6903670-E149-44F7-B376-AD678C4A47C4}"/>
               </a:ext>
             </a:extLst>
           </p:cNvPr>
@@ -13816,7 +13869,7 @@
           <p:cNvPr id="5" name="Foliennummernplatzhalter 4">
             <a:extLst>
               <a:ext uri="{FF2B5EF4-FFF2-40B4-BE49-F238E27FC236}">
-                <a16:creationId xmlns="" xmlns:a16="http://schemas.microsoft.com/office/drawing/2014/main" id="{8AD18758-662B-449F-A0E9-6DFE7F50233D}"/>
+                <a16:creationId xmlns:a16="http://schemas.microsoft.com/office/drawing/2014/main" xmlns="" id="{8AD18758-662B-449F-A0E9-6DFE7F50233D}"/>
               </a:ext>
             </a:extLst>
           </p:cNvPr>
@@ -13845,7 +13898,7 @@
           <p:cNvPr id="6" name="Inhaltsplatzhalter 5">
             <a:extLst>
               <a:ext uri="{FF2B5EF4-FFF2-40B4-BE49-F238E27FC236}">
-                <a16:creationId xmlns="" xmlns:a16="http://schemas.microsoft.com/office/drawing/2014/main" id="{06BD01D8-02D5-427E-8BC7-18B2822F01C0}"/>
+                <a16:creationId xmlns:a16="http://schemas.microsoft.com/office/drawing/2014/main" xmlns="" id="{06BD01D8-02D5-427E-8BC7-18B2822F01C0}"/>
               </a:ext>
             </a:extLst>
           </p:cNvPr>
@@ -13980,7 +14033,7 @@
           <p:cNvPr id="2" name="Titel 1">
             <a:extLst>
               <a:ext uri="{FF2B5EF4-FFF2-40B4-BE49-F238E27FC236}">
-                <a16:creationId xmlns="" xmlns:a16="http://schemas.microsoft.com/office/drawing/2014/main" id="{8114A889-83B6-40F0-B935-DCD9702CEACD}"/>
+                <a16:creationId xmlns:a16="http://schemas.microsoft.com/office/drawing/2014/main" xmlns="" id="{8114A889-83B6-40F0-B935-DCD9702CEACD}"/>
               </a:ext>
             </a:extLst>
           </p:cNvPr>
@@ -14008,7 +14061,7 @@
           <p:cNvPr id="3" name="Datumsplatzhalter 2">
             <a:extLst>
               <a:ext uri="{FF2B5EF4-FFF2-40B4-BE49-F238E27FC236}">
-                <a16:creationId xmlns="" xmlns:a16="http://schemas.microsoft.com/office/drawing/2014/main" id="{F89389F1-AFAC-4D9A-9486-7B3544E4FF6D}"/>
+                <a16:creationId xmlns:a16="http://schemas.microsoft.com/office/drawing/2014/main" xmlns="" id="{F89389F1-AFAC-4D9A-9486-7B3544E4FF6D}"/>
               </a:ext>
             </a:extLst>
           </p:cNvPr>
@@ -14026,7 +14079,7 @@
           <a:p>
             <a:fld id="{48352B5A-167D-4ED6-B7C9-BDA647A8BA51}" type="datetime1">
               <a:rPr lang="de-DE" smtClean="0"/>
-              <a:t>26.11.2018</a:t>
+              <a:t>28.11.2018</a:t>
             </a:fld>
             <a:endParaRPr lang="de-DE"/>
           </a:p>
@@ -14037,7 +14090,7 @@
           <p:cNvPr id="4" name="Fußzeilenplatzhalter 3">
             <a:extLst>
               <a:ext uri="{FF2B5EF4-FFF2-40B4-BE49-F238E27FC236}">
-                <a16:creationId xmlns="" xmlns:a16="http://schemas.microsoft.com/office/drawing/2014/main" id="{9F17CDFF-C508-4955-98A7-5D2E28C34B42}"/>
+                <a16:creationId xmlns:a16="http://schemas.microsoft.com/office/drawing/2014/main" xmlns="" id="{9F17CDFF-C508-4955-98A7-5D2E28C34B42}"/>
               </a:ext>
             </a:extLst>
           </p:cNvPr>
@@ -14066,7 +14119,7 @@
           <p:cNvPr id="5" name="Foliennummernplatzhalter 4">
             <a:extLst>
               <a:ext uri="{FF2B5EF4-FFF2-40B4-BE49-F238E27FC236}">
-                <a16:creationId xmlns="" xmlns:a16="http://schemas.microsoft.com/office/drawing/2014/main" id="{810D8EC7-F317-4347-B4EE-CB89484C6E86}"/>
+                <a16:creationId xmlns:a16="http://schemas.microsoft.com/office/drawing/2014/main" xmlns="" id="{810D8EC7-F317-4347-B4EE-CB89484C6E86}"/>
               </a:ext>
             </a:extLst>
           </p:cNvPr>
@@ -14095,7 +14148,7 @@
           <p:cNvPr id="6" name="Inhaltsplatzhalter 5">
             <a:extLst>
               <a:ext uri="{FF2B5EF4-FFF2-40B4-BE49-F238E27FC236}">
-                <a16:creationId xmlns="" xmlns:a16="http://schemas.microsoft.com/office/drawing/2014/main" id="{2664D975-EAE2-4ADB-A844-D88FA8C3AAB5}"/>
+                <a16:creationId xmlns:a16="http://schemas.microsoft.com/office/drawing/2014/main" xmlns="" id="{2664D975-EAE2-4ADB-A844-D88FA8C3AAB5}"/>
               </a:ext>
             </a:extLst>
           </p:cNvPr>
@@ -14208,7 +14261,7 @@
           <p:cNvPr id="2" name="Titel 1">
             <a:extLst>
               <a:ext uri="{FF2B5EF4-FFF2-40B4-BE49-F238E27FC236}">
-                <a16:creationId xmlns="" xmlns:a16="http://schemas.microsoft.com/office/drawing/2014/main" id="{FA5F42C6-C15B-4AB1-AC38-87A61B061B0B}"/>
+                <a16:creationId xmlns:a16="http://schemas.microsoft.com/office/drawing/2014/main" xmlns="" id="{FA5F42C6-C15B-4AB1-AC38-87A61B061B0B}"/>
               </a:ext>
             </a:extLst>
           </p:cNvPr>
@@ -14236,7 +14289,7 @@
           <p:cNvPr id="3" name="Datumsplatzhalter 2">
             <a:extLst>
               <a:ext uri="{FF2B5EF4-FFF2-40B4-BE49-F238E27FC236}">
-                <a16:creationId xmlns="" xmlns:a16="http://schemas.microsoft.com/office/drawing/2014/main" id="{4E6255DE-0A56-4109-ACC5-BA5C4F79D8DE}"/>
+                <a16:creationId xmlns:a16="http://schemas.microsoft.com/office/drawing/2014/main" xmlns="" id="{4E6255DE-0A56-4109-ACC5-BA5C4F79D8DE}"/>
               </a:ext>
             </a:extLst>
           </p:cNvPr>
@@ -14254,7 +14307,7 @@
           <a:p>
             <a:fld id="{48352B5A-167D-4ED6-B7C9-BDA647A8BA51}" type="datetime1">
               <a:rPr lang="de-DE" smtClean="0"/>
-              <a:t>26.11.2018</a:t>
+              <a:t>28.11.2018</a:t>
             </a:fld>
             <a:endParaRPr lang="de-DE"/>
           </a:p>
@@ -14265,7 +14318,7 @@
           <p:cNvPr id="4" name="Fußzeilenplatzhalter 3">
             <a:extLst>
               <a:ext uri="{FF2B5EF4-FFF2-40B4-BE49-F238E27FC236}">
-                <a16:creationId xmlns="" xmlns:a16="http://schemas.microsoft.com/office/drawing/2014/main" id="{CEA3FD5D-A34C-4841-A301-FFBE7EFCDC67}"/>
+                <a16:creationId xmlns:a16="http://schemas.microsoft.com/office/drawing/2014/main" xmlns="" id="{CEA3FD5D-A34C-4841-A301-FFBE7EFCDC67}"/>
               </a:ext>
             </a:extLst>
           </p:cNvPr>
@@ -14294,7 +14347,7 @@
           <p:cNvPr id="5" name="Foliennummernplatzhalter 4">
             <a:extLst>
               <a:ext uri="{FF2B5EF4-FFF2-40B4-BE49-F238E27FC236}">
-                <a16:creationId xmlns="" xmlns:a16="http://schemas.microsoft.com/office/drawing/2014/main" id="{0821F331-1B94-4270-896F-3B1091A91C6D}"/>
+                <a16:creationId xmlns:a16="http://schemas.microsoft.com/office/drawing/2014/main" xmlns="" id="{0821F331-1B94-4270-896F-3B1091A91C6D}"/>
               </a:ext>
             </a:extLst>
           </p:cNvPr>
@@ -14323,7 +14376,7 @@
           <p:cNvPr id="6" name="Inhaltsplatzhalter 5">
             <a:extLst>
               <a:ext uri="{FF2B5EF4-FFF2-40B4-BE49-F238E27FC236}">
-                <a16:creationId xmlns="" xmlns:a16="http://schemas.microsoft.com/office/drawing/2014/main" id="{82760570-9908-40F7-993E-62534B26D7BF}"/>
+                <a16:creationId xmlns:a16="http://schemas.microsoft.com/office/drawing/2014/main" xmlns="" id="{82760570-9908-40F7-993E-62534B26D7BF}"/>
               </a:ext>
             </a:extLst>
           </p:cNvPr>
@@ -14360,7 +14413,7 @@
           <p:cNvPr id="1028" name="Picture 4" descr="Mockup">
             <a:extLst>
               <a:ext uri="{FF2B5EF4-FFF2-40B4-BE49-F238E27FC236}">
-                <a16:creationId xmlns="" xmlns:a16="http://schemas.microsoft.com/office/drawing/2014/main" id="{8B33C41F-8E00-48F0-8932-C9E1FA4DA62B}"/>
+                <a16:creationId xmlns:a16="http://schemas.microsoft.com/office/drawing/2014/main" xmlns="" id="{8B33C41F-8E00-48F0-8932-C9E1FA4DA62B}"/>
               </a:ext>
             </a:extLst>
           </p:cNvPr>
@@ -14407,7 +14460,7 @@
           <p:cNvPr id="1030" name="Picture 6" descr="Component diagram">
             <a:extLst>
               <a:ext uri="{FF2B5EF4-FFF2-40B4-BE49-F238E27FC236}">
-                <a16:creationId xmlns="" xmlns:a16="http://schemas.microsoft.com/office/drawing/2014/main" id="{38DEA208-EA46-43A6-B459-0CDD64DF25B5}"/>
+                <a16:creationId xmlns:a16="http://schemas.microsoft.com/office/drawing/2014/main" xmlns="" id="{38DEA208-EA46-43A6-B459-0CDD64DF25B5}"/>
               </a:ext>
             </a:extLst>
           </p:cNvPr>
@@ -14484,7 +14537,7 @@
           <p:cNvPr id="2" name="Titel 1">
             <a:extLst>
               <a:ext uri="{FF2B5EF4-FFF2-40B4-BE49-F238E27FC236}">
-                <a16:creationId xmlns="" xmlns:a16="http://schemas.microsoft.com/office/drawing/2014/main" id="{60445BEB-B600-4E73-BA54-81023233D665}"/>
+                <a16:creationId xmlns:a16="http://schemas.microsoft.com/office/drawing/2014/main" xmlns="" id="{60445BEB-B600-4E73-BA54-81023233D665}"/>
               </a:ext>
             </a:extLst>
           </p:cNvPr>
@@ -14512,7 +14565,7 @@
           <p:cNvPr id="3" name="Datumsplatzhalter 2">
             <a:extLst>
               <a:ext uri="{FF2B5EF4-FFF2-40B4-BE49-F238E27FC236}">
-                <a16:creationId xmlns="" xmlns:a16="http://schemas.microsoft.com/office/drawing/2014/main" id="{D8B3BFA1-DD7E-4145-83C0-686491EC7620}"/>
+                <a16:creationId xmlns:a16="http://schemas.microsoft.com/office/drawing/2014/main" xmlns="" id="{D8B3BFA1-DD7E-4145-83C0-686491EC7620}"/>
               </a:ext>
             </a:extLst>
           </p:cNvPr>
@@ -14530,7 +14583,7 @@
           <a:p>
             <a:fld id="{48352B5A-167D-4ED6-B7C9-BDA647A8BA51}" type="datetime1">
               <a:rPr lang="de-DE" smtClean="0"/>
-              <a:t>26.11.2018</a:t>
+              <a:t>28.11.2018</a:t>
             </a:fld>
             <a:endParaRPr lang="de-DE"/>
           </a:p>
@@ -14541,7 +14594,7 @@
           <p:cNvPr id="4" name="Fußzeilenplatzhalter 3">
             <a:extLst>
               <a:ext uri="{FF2B5EF4-FFF2-40B4-BE49-F238E27FC236}">
-                <a16:creationId xmlns="" xmlns:a16="http://schemas.microsoft.com/office/drawing/2014/main" id="{0167984B-7CFC-4FC8-8B6E-A6C9B0BE23A9}"/>
+                <a16:creationId xmlns:a16="http://schemas.microsoft.com/office/drawing/2014/main" xmlns="" id="{0167984B-7CFC-4FC8-8B6E-A6C9B0BE23A9}"/>
               </a:ext>
             </a:extLst>
           </p:cNvPr>
@@ -14570,7 +14623,7 @@
           <p:cNvPr id="5" name="Foliennummernplatzhalter 4">
             <a:extLst>
               <a:ext uri="{FF2B5EF4-FFF2-40B4-BE49-F238E27FC236}">
-                <a16:creationId xmlns="" xmlns:a16="http://schemas.microsoft.com/office/drawing/2014/main" id="{B5F602B5-61AD-4317-BEDB-62E6B8CD0F7B}"/>
+                <a16:creationId xmlns:a16="http://schemas.microsoft.com/office/drawing/2014/main" xmlns="" id="{B5F602B5-61AD-4317-BEDB-62E6B8CD0F7B}"/>
               </a:ext>
             </a:extLst>
           </p:cNvPr>
@@ -14599,7 +14652,7 @@
           <p:cNvPr id="6" name="Inhaltsplatzhalter 5">
             <a:extLst>
               <a:ext uri="{FF2B5EF4-FFF2-40B4-BE49-F238E27FC236}">
-                <a16:creationId xmlns="" xmlns:a16="http://schemas.microsoft.com/office/drawing/2014/main" id="{493D623C-F8B1-42CA-BF0E-ED66943C91EF}"/>
+                <a16:creationId xmlns:a16="http://schemas.microsoft.com/office/drawing/2014/main" xmlns="" id="{493D623C-F8B1-42CA-BF0E-ED66943C91EF}"/>
               </a:ext>
             </a:extLst>
           </p:cNvPr>
@@ -14671,7 +14724,7 @@
           <p:cNvPr id="2" name="Titel 1">
             <a:extLst>
               <a:ext uri="{FF2B5EF4-FFF2-40B4-BE49-F238E27FC236}">
-                <a16:creationId xmlns="" xmlns:a16="http://schemas.microsoft.com/office/drawing/2014/main" id="{60445BEB-B600-4E73-BA54-81023233D665}"/>
+                <a16:creationId xmlns:a16="http://schemas.microsoft.com/office/drawing/2014/main" xmlns="" id="{60445BEB-B600-4E73-BA54-81023233D665}"/>
               </a:ext>
             </a:extLst>
           </p:cNvPr>
@@ -14699,7 +14752,7 @@
           <p:cNvPr id="3" name="Datumsplatzhalter 2">
             <a:extLst>
               <a:ext uri="{FF2B5EF4-FFF2-40B4-BE49-F238E27FC236}">
-                <a16:creationId xmlns="" xmlns:a16="http://schemas.microsoft.com/office/drawing/2014/main" id="{D8B3BFA1-DD7E-4145-83C0-686491EC7620}"/>
+                <a16:creationId xmlns:a16="http://schemas.microsoft.com/office/drawing/2014/main" xmlns="" id="{D8B3BFA1-DD7E-4145-83C0-686491EC7620}"/>
               </a:ext>
             </a:extLst>
           </p:cNvPr>
@@ -14717,7 +14770,7 @@
           <a:p>
             <a:fld id="{48352B5A-167D-4ED6-B7C9-BDA647A8BA51}" type="datetime1">
               <a:rPr lang="de-DE" smtClean="0"/>
-              <a:t>26.11.2018</a:t>
+              <a:t>28.11.2018</a:t>
             </a:fld>
             <a:endParaRPr lang="de-DE"/>
           </a:p>
@@ -14728,7 +14781,7 @@
           <p:cNvPr id="4" name="Fußzeilenplatzhalter 3">
             <a:extLst>
               <a:ext uri="{FF2B5EF4-FFF2-40B4-BE49-F238E27FC236}">
-                <a16:creationId xmlns="" xmlns:a16="http://schemas.microsoft.com/office/drawing/2014/main" id="{0167984B-7CFC-4FC8-8B6E-A6C9B0BE23A9}"/>
+                <a16:creationId xmlns:a16="http://schemas.microsoft.com/office/drawing/2014/main" xmlns="" id="{0167984B-7CFC-4FC8-8B6E-A6C9B0BE23A9}"/>
               </a:ext>
             </a:extLst>
           </p:cNvPr>
@@ -14757,7 +14810,7 @@
           <p:cNvPr id="5" name="Foliennummernplatzhalter 4">
             <a:extLst>
               <a:ext uri="{FF2B5EF4-FFF2-40B4-BE49-F238E27FC236}">
-                <a16:creationId xmlns="" xmlns:a16="http://schemas.microsoft.com/office/drawing/2014/main" id="{B5F602B5-61AD-4317-BEDB-62E6B8CD0F7B}"/>
+                <a16:creationId xmlns:a16="http://schemas.microsoft.com/office/drawing/2014/main" xmlns="" id="{B5F602B5-61AD-4317-BEDB-62E6B8CD0F7B}"/>
               </a:ext>
             </a:extLst>
           </p:cNvPr>
@@ -14786,7 +14839,7 @@
           <p:cNvPr id="6" name="Inhaltsplatzhalter 5">
             <a:extLst>
               <a:ext uri="{FF2B5EF4-FFF2-40B4-BE49-F238E27FC236}">
-                <a16:creationId xmlns="" xmlns:a16="http://schemas.microsoft.com/office/drawing/2014/main" id="{493D623C-F8B1-42CA-BF0E-ED66943C91EF}"/>
+                <a16:creationId xmlns:a16="http://schemas.microsoft.com/office/drawing/2014/main" xmlns="" id="{493D623C-F8B1-42CA-BF0E-ED66943C91EF}"/>
               </a:ext>
             </a:extLst>
           </p:cNvPr>
@@ -14915,7 +14968,7 @@
           <p:cNvPr id="2" name="Titel 1">
             <a:extLst>
               <a:ext uri="{FF2B5EF4-FFF2-40B4-BE49-F238E27FC236}">
-                <a16:creationId xmlns="" xmlns:a16="http://schemas.microsoft.com/office/drawing/2014/main" id="{60445BEB-B600-4E73-BA54-81023233D665}"/>
+                <a16:creationId xmlns:a16="http://schemas.microsoft.com/office/drawing/2014/main" xmlns="" id="{60445BEB-B600-4E73-BA54-81023233D665}"/>
               </a:ext>
             </a:extLst>
           </p:cNvPr>
@@ -14948,7 +15001,7 @@
           <p:cNvPr id="3" name="Datumsplatzhalter 2">
             <a:extLst>
               <a:ext uri="{FF2B5EF4-FFF2-40B4-BE49-F238E27FC236}">
-                <a16:creationId xmlns="" xmlns:a16="http://schemas.microsoft.com/office/drawing/2014/main" id="{D8B3BFA1-DD7E-4145-83C0-686491EC7620}"/>
+                <a16:creationId xmlns:a16="http://schemas.microsoft.com/office/drawing/2014/main" xmlns="" id="{D8B3BFA1-DD7E-4145-83C0-686491EC7620}"/>
               </a:ext>
             </a:extLst>
           </p:cNvPr>
@@ -14966,7 +15019,7 @@
           <a:p>
             <a:fld id="{48352B5A-167D-4ED6-B7C9-BDA647A8BA51}" type="datetime1">
               <a:rPr lang="de-DE" smtClean="0"/>
-              <a:t>26.11.2018</a:t>
+              <a:t>28.11.2018</a:t>
             </a:fld>
             <a:endParaRPr lang="de-DE"/>
           </a:p>
@@ -14977,7 +15030,7 @@
           <p:cNvPr id="4" name="Fußzeilenplatzhalter 3">
             <a:extLst>
               <a:ext uri="{FF2B5EF4-FFF2-40B4-BE49-F238E27FC236}">
-                <a16:creationId xmlns="" xmlns:a16="http://schemas.microsoft.com/office/drawing/2014/main" id="{0167984B-7CFC-4FC8-8B6E-A6C9B0BE23A9}"/>
+                <a16:creationId xmlns:a16="http://schemas.microsoft.com/office/drawing/2014/main" xmlns="" id="{0167984B-7CFC-4FC8-8B6E-A6C9B0BE23A9}"/>
               </a:ext>
             </a:extLst>
           </p:cNvPr>
@@ -15006,7 +15059,7 @@
           <p:cNvPr id="5" name="Foliennummernplatzhalter 4">
             <a:extLst>
               <a:ext uri="{FF2B5EF4-FFF2-40B4-BE49-F238E27FC236}">
-                <a16:creationId xmlns="" xmlns:a16="http://schemas.microsoft.com/office/drawing/2014/main" id="{B5F602B5-61AD-4317-BEDB-62E6B8CD0F7B}"/>
+                <a16:creationId xmlns:a16="http://schemas.microsoft.com/office/drawing/2014/main" xmlns="" id="{B5F602B5-61AD-4317-BEDB-62E6B8CD0F7B}"/>
               </a:ext>
             </a:extLst>
           </p:cNvPr>
@@ -15035,7 +15088,7 @@
           <p:cNvPr id="6" name="Inhaltsplatzhalter 5">
             <a:extLst>
               <a:ext uri="{FF2B5EF4-FFF2-40B4-BE49-F238E27FC236}">
-                <a16:creationId xmlns="" xmlns:a16="http://schemas.microsoft.com/office/drawing/2014/main" id="{493D623C-F8B1-42CA-BF0E-ED66943C91EF}"/>
+                <a16:creationId xmlns:a16="http://schemas.microsoft.com/office/drawing/2014/main" xmlns="" id="{493D623C-F8B1-42CA-BF0E-ED66943C91EF}"/>
               </a:ext>
             </a:extLst>
           </p:cNvPr>
@@ -15269,7 +15322,7 @@
           <p:cNvPr id="2" name="Titel 1">
             <a:extLst>
               <a:ext uri="{FF2B5EF4-FFF2-40B4-BE49-F238E27FC236}">
-                <a16:creationId xmlns="" xmlns:a16="http://schemas.microsoft.com/office/drawing/2014/main" id="{1965F34C-A37F-4A07-B422-E02148B3CF68}"/>
+                <a16:creationId xmlns:a16="http://schemas.microsoft.com/office/drawing/2014/main" xmlns="" id="{1965F34C-A37F-4A07-B422-E02148B3CF68}"/>
               </a:ext>
             </a:extLst>
           </p:cNvPr>
@@ -15301,7 +15354,7 @@
           <p:cNvPr id="3" name="Datumsplatzhalter 2">
             <a:extLst>
               <a:ext uri="{FF2B5EF4-FFF2-40B4-BE49-F238E27FC236}">
-                <a16:creationId xmlns="" xmlns:a16="http://schemas.microsoft.com/office/drawing/2014/main" id="{B4CE55F6-D463-4FA0-B8CB-BB9A5B8026CA}"/>
+                <a16:creationId xmlns:a16="http://schemas.microsoft.com/office/drawing/2014/main" xmlns="" id="{B4CE55F6-D463-4FA0-B8CB-BB9A5B8026CA}"/>
               </a:ext>
             </a:extLst>
           </p:cNvPr>
@@ -15319,7 +15372,7 @@
           <a:p>
             <a:fld id="{48352B5A-167D-4ED6-B7C9-BDA647A8BA51}" type="datetime1">
               <a:rPr lang="de-DE" smtClean="0"/>
-              <a:t>26.11.2018</a:t>
+              <a:t>28.11.2018</a:t>
             </a:fld>
             <a:endParaRPr lang="de-DE"/>
           </a:p>
@@ -15330,7 +15383,7 @@
           <p:cNvPr id="4" name="Fußzeilenplatzhalter 3">
             <a:extLst>
               <a:ext uri="{FF2B5EF4-FFF2-40B4-BE49-F238E27FC236}">
-                <a16:creationId xmlns="" xmlns:a16="http://schemas.microsoft.com/office/drawing/2014/main" id="{86811DE6-7668-4BF4-B8AB-FFE31BE96BBA}"/>
+                <a16:creationId xmlns:a16="http://schemas.microsoft.com/office/drawing/2014/main" xmlns="" id="{86811DE6-7668-4BF4-B8AB-FFE31BE96BBA}"/>
               </a:ext>
             </a:extLst>
           </p:cNvPr>
@@ -15359,7 +15412,7 @@
           <p:cNvPr id="5" name="Foliennummernplatzhalter 4">
             <a:extLst>
               <a:ext uri="{FF2B5EF4-FFF2-40B4-BE49-F238E27FC236}">
-                <a16:creationId xmlns="" xmlns:a16="http://schemas.microsoft.com/office/drawing/2014/main" id="{FB6E3806-A2BB-4703-A959-FD9EDBDC7569}"/>
+                <a16:creationId xmlns:a16="http://schemas.microsoft.com/office/drawing/2014/main" xmlns="" id="{FB6E3806-A2BB-4703-A959-FD9EDBDC7569}"/>
               </a:ext>
             </a:extLst>
           </p:cNvPr>
@@ -15388,7 +15441,7 @@
           <p:cNvPr id="6" name="Inhaltsplatzhalter 5">
             <a:extLst>
               <a:ext uri="{FF2B5EF4-FFF2-40B4-BE49-F238E27FC236}">
-                <a16:creationId xmlns="" xmlns:a16="http://schemas.microsoft.com/office/drawing/2014/main" id="{8F986CC3-59F8-4C03-ADEE-82E24430968D}"/>
+                <a16:creationId xmlns:a16="http://schemas.microsoft.com/office/drawing/2014/main" xmlns="" id="{8F986CC3-59F8-4C03-ADEE-82E24430968D}"/>
               </a:ext>
             </a:extLst>
           </p:cNvPr>
@@ -15521,7 +15574,7 @@
           <p:cNvPr id="2" name="Titel 1">
             <a:extLst>
               <a:ext uri="{FF2B5EF4-FFF2-40B4-BE49-F238E27FC236}">
-                <a16:creationId xmlns="" xmlns:a16="http://schemas.microsoft.com/office/drawing/2014/main" id="{DCB7235A-BAC6-49B0-AEDE-E3B8B4622E3F}"/>
+                <a16:creationId xmlns:a16="http://schemas.microsoft.com/office/drawing/2014/main" xmlns="" id="{DCB7235A-BAC6-49B0-AEDE-E3B8B4622E3F}"/>
               </a:ext>
             </a:extLst>
           </p:cNvPr>
@@ -15549,7 +15602,7 @@
           <p:cNvPr id="3" name="Datumsplatzhalter 2">
             <a:extLst>
               <a:ext uri="{FF2B5EF4-FFF2-40B4-BE49-F238E27FC236}">
-                <a16:creationId xmlns="" xmlns:a16="http://schemas.microsoft.com/office/drawing/2014/main" id="{0CB49738-F632-4907-8E92-AD776493516C}"/>
+                <a16:creationId xmlns:a16="http://schemas.microsoft.com/office/drawing/2014/main" xmlns="" id="{0CB49738-F632-4907-8E92-AD776493516C}"/>
               </a:ext>
             </a:extLst>
           </p:cNvPr>
@@ -15567,7 +15620,7 @@
           <a:p>
             <a:fld id="{48352B5A-167D-4ED6-B7C9-BDA647A8BA51}" type="datetime1">
               <a:rPr lang="de-DE" smtClean="0"/>
-              <a:t>26.11.2018</a:t>
+              <a:t>28.11.2018</a:t>
             </a:fld>
             <a:endParaRPr lang="de-DE"/>
           </a:p>
@@ -15578,7 +15631,7 @@
           <p:cNvPr id="4" name="Fußzeilenplatzhalter 3">
             <a:extLst>
               <a:ext uri="{FF2B5EF4-FFF2-40B4-BE49-F238E27FC236}">
-                <a16:creationId xmlns="" xmlns:a16="http://schemas.microsoft.com/office/drawing/2014/main" id="{4DF40370-9183-4666-8FF7-9C999A902F4E}"/>
+                <a16:creationId xmlns:a16="http://schemas.microsoft.com/office/drawing/2014/main" xmlns="" id="{4DF40370-9183-4666-8FF7-9C999A902F4E}"/>
               </a:ext>
             </a:extLst>
           </p:cNvPr>
@@ -15607,7 +15660,7 @@
           <p:cNvPr id="5" name="Foliennummernplatzhalter 4">
             <a:extLst>
               <a:ext uri="{FF2B5EF4-FFF2-40B4-BE49-F238E27FC236}">
-                <a16:creationId xmlns="" xmlns:a16="http://schemas.microsoft.com/office/drawing/2014/main" id="{D91484F6-BA96-4C29-BDA8-61210E9AD368}"/>
+                <a16:creationId xmlns:a16="http://schemas.microsoft.com/office/drawing/2014/main" xmlns="" id="{D91484F6-BA96-4C29-BDA8-61210E9AD368}"/>
               </a:ext>
             </a:extLst>
           </p:cNvPr>
@@ -15636,7 +15689,7 @@
           <p:cNvPr id="6" name="Inhaltsplatzhalter 5">
             <a:extLst>
               <a:ext uri="{FF2B5EF4-FFF2-40B4-BE49-F238E27FC236}">
-                <a16:creationId xmlns="" xmlns:a16="http://schemas.microsoft.com/office/drawing/2014/main" id="{2C7CE1A3-A239-4DAF-A9DD-B2206F7DD54A}"/>
+                <a16:creationId xmlns:a16="http://schemas.microsoft.com/office/drawing/2014/main" xmlns="" id="{2C7CE1A3-A239-4DAF-A9DD-B2206F7DD54A}"/>
               </a:ext>
             </a:extLst>
           </p:cNvPr>
@@ -15726,7 +15779,7 @@
           <p:cNvPr id="2" name="Titel 1">
             <a:extLst>
               <a:ext uri="{FF2B5EF4-FFF2-40B4-BE49-F238E27FC236}">
-                <a16:creationId xmlns="" xmlns:a16="http://schemas.microsoft.com/office/drawing/2014/main" id="{6B8A5EBB-8FB9-439E-B5A5-F96794C00D3A}"/>
+                <a16:creationId xmlns:a16="http://schemas.microsoft.com/office/drawing/2014/main" xmlns="" id="{6B8A5EBB-8FB9-439E-B5A5-F96794C00D3A}"/>
               </a:ext>
             </a:extLst>
           </p:cNvPr>
@@ -15762,7 +15815,7 @@
           <p:cNvPr id="3" name="Datumsplatzhalter 2">
             <a:extLst>
               <a:ext uri="{FF2B5EF4-FFF2-40B4-BE49-F238E27FC236}">
-                <a16:creationId xmlns="" xmlns:a16="http://schemas.microsoft.com/office/drawing/2014/main" id="{3522AF67-7FB9-4350-9E6B-26E058BF03A3}"/>
+                <a16:creationId xmlns:a16="http://schemas.microsoft.com/office/drawing/2014/main" xmlns="" id="{3522AF67-7FB9-4350-9E6B-26E058BF03A3}"/>
               </a:ext>
             </a:extLst>
           </p:cNvPr>
@@ -15780,7 +15833,7 @@
           <a:p>
             <a:fld id="{48352B5A-167D-4ED6-B7C9-BDA647A8BA51}" type="datetime1">
               <a:rPr lang="de-DE" smtClean="0"/>
-              <a:t>26.11.2018</a:t>
+              <a:t>28.11.2018</a:t>
             </a:fld>
             <a:endParaRPr lang="de-DE"/>
           </a:p>
@@ -15791,7 +15844,7 @@
           <p:cNvPr id="4" name="Fußzeilenplatzhalter 3">
             <a:extLst>
               <a:ext uri="{FF2B5EF4-FFF2-40B4-BE49-F238E27FC236}">
-                <a16:creationId xmlns="" xmlns:a16="http://schemas.microsoft.com/office/drawing/2014/main" id="{CAC3D92B-7B14-4158-8275-1B69DB5EB42F}"/>
+                <a16:creationId xmlns:a16="http://schemas.microsoft.com/office/drawing/2014/main" xmlns="" id="{CAC3D92B-7B14-4158-8275-1B69DB5EB42F}"/>
               </a:ext>
             </a:extLst>
           </p:cNvPr>
@@ -15820,7 +15873,7 @@
           <p:cNvPr id="5" name="Foliennummernplatzhalter 4">
             <a:extLst>
               <a:ext uri="{FF2B5EF4-FFF2-40B4-BE49-F238E27FC236}">
-                <a16:creationId xmlns="" xmlns:a16="http://schemas.microsoft.com/office/drawing/2014/main" id="{D2A0D301-7423-491D-B88A-00284B5CDA01}"/>
+                <a16:creationId xmlns:a16="http://schemas.microsoft.com/office/drawing/2014/main" xmlns="" id="{D2A0D301-7423-491D-B88A-00284B5CDA01}"/>
               </a:ext>
             </a:extLst>
           </p:cNvPr>
@@ -15849,7 +15902,7 @@
           <p:cNvPr id="6" name="Inhaltsplatzhalter 5">
             <a:extLst>
               <a:ext uri="{FF2B5EF4-FFF2-40B4-BE49-F238E27FC236}">
-                <a16:creationId xmlns="" xmlns:a16="http://schemas.microsoft.com/office/drawing/2014/main" id="{BF43011D-4F7C-459A-9721-FCA2C94E49ED}"/>
+                <a16:creationId xmlns:a16="http://schemas.microsoft.com/office/drawing/2014/main" xmlns="" id="{BF43011D-4F7C-459A-9721-FCA2C94E49ED}"/>
               </a:ext>
             </a:extLst>
           </p:cNvPr>
@@ -16000,7 +16053,7 @@
           <p:cNvPr id="2" name="Titel 1">
             <a:extLst>
               <a:ext uri="{FF2B5EF4-FFF2-40B4-BE49-F238E27FC236}">
-                <a16:creationId xmlns="" xmlns:a16="http://schemas.microsoft.com/office/drawing/2014/main" id="{CCA05B1B-E1C2-4E9F-B6DA-CE4B98CEC947}"/>
+                <a16:creationId xmlns:a16="http://schemas.microsoft.com/office/drawing/2014/main" xmlns="" id="{CCA05B1B-E1C2-4E9F-B6DA-CE4B98CEC947}"/>
               </a:ext>
             </a:extLst>
           </p:cNvPr>
@@ -16029,7 +16082,7 @@
           <p:cNvPr id="3" name="Datumsplatzhalter 2">
             <a:extLst>
               <a:ext uri="{FF2B5EF4-FFF2-40B4-BE49-F238E27FC236}">
-                <a16:creationId xmlns="" xmlns:a16="http://schemas.microsoft.com/office/drawing/2014/main" id="{A1AEC51A-A8E5-4C20-8CCD-3E7462159340}"/>
+                <a16:creationId xmlns:a16="http://schemas.microsoft.com/office/drawing/2014/main" xmlns="" id="{A1AEC51A-A8E5-4C20-8CCD-3E7462159340}"/>
               </a:ext>
             </a:extLst>
           </p:cNvPr>
@@ -16047,7 +16100,7 @@
           <a:p>
             <a:fld id="{48352B5A-167D-4ED6-B7C9-BDA647A8BA51}" type="datetime1">
               <a:rPr lang="de-DE" smtClean="0"/>
-              <a:t>26.11.2018</a:t>
+              <a:t>28.11.2018</a:t>
             </a:fld>
             <a:endParaRPr lang="de-DE"/>
           </a:p>
@@ -16058,7 +16111,7 @@
           <p:cNvPr id="4" name="Fußzeilenplatzhalter 3">
             <a:extLst>
               <a:ext uri="{FF2B5EF4-FFF2-40B4-BE49-F238E27FC236}">
-                <a16:creationId xmlns="" xmlns:a16="http://schemas.microsoft.com/office/drawing/2014/main" id="{C58DE1F8-A56E-4272-937F-4EBCD7C5A773}"/>
+                <a16:creationId xmlns:a16="http://schemas.microsoft.com/office/drawing/2014/main" xmlns="" id="{C58DE1F8-A56E-4272-937F-4EBCD7C5A773}"/>
               </a:ext>
             </a:extLst>
           </p:cNvPr>
@@ -16087,7 +16140,7 @@
           <p:cNvPr id="5" name="Foliennummernplatzhalter 4">
             <a:extLst>
               <a:ext uri="{FF2B5EF4-FFF2-40B4-BE49-F238E27FC236}">
-                <a16:creationId xmlns="" xmlns:a16="http://schemas.microsoft.com/office/drawing/2014/main" id="{9661B9BC-E21D-4BDF-89FB-988166B5DD10}"/>
+                <a16:creationId xmlns:a16="http://schemas.microsoft.com/office/drawing/2014/main" xmlns="" id="{9661B9BC-E21D-4BDF-89FB-988166B5DD10}"/>
               </a:ext>
             </a:extLst>
           </p:cNvPr>
@@ -16116,7 +16169,7 @@
           <p:cNvPr id="6" name="Inhaltsplatzhalter 5">
             <a:extLst>
               <a:ext uri="{FF2B5EF4-FFF2-40B4-BE49-F238E27FC236}">
-                <a16:creationId xmlns="" xmlns:a16="http://schemas.microsoft.com/office/drawing/2014/main" id="{FD4182D0-A7EC-4DAA-A304-CBEF38E9CCCD}"/>
+                <a16:creationId xmlns:a16="http://schemas.microsoft.com/office/drawing/2014/main" xmlns="" id="{FD4182D0-A7EC-4DAA-A304-CBEF38E9CCCD}"/>
               </a:ext>
             </a:extLst>
           </p:cNvPr>
@@ -16572,7 +16625,7 @@
           <p:cNvPr id="2" name="Titel 1">
             <a:extLst>
               <a:ext uri="{FF2B5EF4-FFF2-40B4-BE49-F238E27FC236}">
-                <a16:creationId xmlns="" xmlns:a16="http://schemas.microsoft.com/office/drawing/2014/main" id="{4DD1A517-2153-47AD-B381-44E3461F919C}"/>
+                <a16:creationId xmlns:a16="http://schemas.microsoft.com/office/drawing/2014/main" xmlns="" id="{4DD1A517-2153-47AD-B381-44E3461F919C}"/>
               </a:ext>
             </a:extLst>
           </p:cNvPr>
@@ -16600,7 +16653,7 @@
           <p:cNvPr id="3" name="Datumsplatzhalter 2">
             <a:extLst>
               <a:ext uri="{FF2B5EF4-FFF2-40B4-BE49-F238E27FC236}">
-                <a16:creationId xmlns="" xmlns:a16="http://schemas.microsoft.com/office/drawing/2014/main" id="{2084E62A-4B7D-4721-B9B8-855809566781}"/>
+                <a16:creationId xmlns:a16="http://schemas.microsoft.com/office/drawing/2014/main" xmlns="" id="{2084E62A-4B7D-4721-B9B8-855809566781}"/>
               </a:ext>
             </a:extLst>
           </p:cNvPr>
@@ -16618,7 +16671,7 @@
           <a:p>
             <a:fld id="{48352B5A-167D-4ED6-B7C9-BDA647A8BA51}" type="datetime1">
               <a:rPr lang="de-DE" smtClean="0"/>
-              <a:t>26.11.2018</a:t>
+              <a:t>28.11.2018</a:t>
             </a:fld>
             <a:endParaRPr lang="de-DE"/>
           </a:p>
@@ -16629,7 +16682,7 @@
           <p:cNvPr id="4" name="Fußzeilenplatzhalter 3">
             <a:extLst>
               <a:ext uri="{FF2B5EF4-FFF2-40B4-BE49-F238E27FC236}">
-                <a16:creationId xmlns="" xmlns:a16="http://schemas.microsoft.com/office/drawing/2014/main" id="{756ED2BE-EEA0-46D0-B68B-FDA9D1F8BB5B}"/>
+                <a16:creationId xmlns:a16="http://schemas.microsoft.com/office/drawing/2014/main" xmlns="" id="{756ED2BE-EEA0-46D0-B68B-FDA9D1F8BB5B}"/>
               </a:ext>
             </a:extLst>
           </p:cNvPr>
@@ -16658,7 +16711,7 @@
           <p:cNvPr id="5" name="Foliennummernplatzhalter 4">
             <a:extLst>
               <a:ext uri="{FF2B5EF4-FFF2-40B4-BE49-F238E27FC236}">
-                <a16:creationId xmlns="" xmlns:a16="http://schemas.microsoft.com/office/drawing/2014/main" id="{5B806AB8-19DE-49A2-9336-B72C363851F3}"/>
+                <a16:creationId xmlns:a16="http://schemas.microsoft.com/office/drawing/2014/main" xmlns="" id="{5B806AB8-19DE-49A2-9336-B72C363851F3}"/>
               </a:ext>
             </a:extLst>
           </p:cNvPr>
@@ -16687,7 +16740,7 @@
           <p:cNvPr id="6" name="Inhaltsplatzhalter 5">
             <a:extLst>
               <a:ext uri="{FF2B5EF4-FFF2-40B4-BE49-F238E27FC236}">
-                <a16:creationId xmlns="" xmlns:a16="http://schemas.microsoft.com/office/drawing/2014/main" id="{F5428315-4404-44E6-B96A-F577554B8540}"/>
+                <a16:creationId xmlns:a16="http://schemas.microsoft.com/office/drawing/2014/main" xmlns="" id="{F5428315-4404-44E6-B96A-F577554B8540}"/>
               </a:ext>
             </a:extLst>
           </p:cNvPr>
@@ -16835,7 +16888,7 @@
           <p:cNvPr id="2" name="Titel 1">
             <a:extLst>
               <a:ext uri="{FF2B5EF4-FFF2-40B4-BE49-F238E27FC236}">
-                <a16:creationId xmlns="" xmlns:a16="http://schemas.microsoft.com/office/drawing/2014/main" id="{0C0DB3E2-4658-409F-B031-17E1A0B0F337}"/>
+                <a16:creationId xmlns:a16="http://schemas.microsoft.com/office/drawing/2014/main" xmlns="" id="{0C0DB3E2-4658-409F-B031-17E1A0B0F337}"/>
               </a:ext>
             </a:extLst>
           </p:cNvPr>
@@ -16892,7 +16945,7 @@
           <p:cNvPr id="3" name="Datumsplatzhalter 2">
             <a:extLst>
               <a:ext uri="{FF2B5EF4-FFF2-40B4-BE49-F238E27FC236}">
-                <a16:creationId xmlns="" xmlns:a16="http://schemas.microsoft.com/office/drawing/2014/main" id="{780E1921-AE6D-41E3-A590-2E62A1F457D8}"/>
+                <a16:creationId xmlns:a16="http://schemas.microsoft.com/office/drawing/2014/main" xmlns="" id="{780E1921-AE6D-41E3-A590-2E62A1F457D8}"/>
               </a:ext>
             </a:extLst>
           </p:cNvPr>
@@ -16910,7 +16963,7 @@
           <a:p>
             <a:fld id="{48352B5A-167D-4ED6-B7C9-BDA647A8BA51}" type="datetime1">
               <a:rPr lang="de-DE" smtClean="0"/>
-              <a:t>26.11.2018</a:t>
+              <a:t>28.11.2018</a:t>
             </a:fld>
             <a:endParaRPr lang="de-DE"/>
           </a:p>
@@ -16921,7 +16974,7 @@
           <p:cNvPr id="4" name="Fußzeilenplatzhalter 3">
             <a:extLst>
               <a:ext uri="{FF2B5EF4-FFF2-40B4-BE49-F238E27FC236}">
-                <a16:creationId xmlns="" xmlns:a16="http://schemas.microsoft.com/office/drawing/2014/main" id="{6A8CDA32-906C-4021-8502-E9D836DB1471}"/>
+                <a16:creationId xmlns:a16="http://schemas.microsoft.com/office/drawing/2014/main" xmlns="" id="{6A8CDA32-906C-4021-8502-E9D836DB1471}"/>
               </a:ext>
             </a:extLst>
           </p:cNvPr>
@@ -16950,7 +17003,7 @@
           <p:cNvPr id="5" name="Foliennummernplatzhalter 4">
             <a:extLst>
               <a:ext uri="{FF2B5EF4-FFF2-40B4-BE49-F238E27FC236}">
-                <a16:creationId xmlns="" xmlns:a16="http://schemas.microsoft.com/office/drawing/2014/main" id="{2ACACBEF-72CB-446C-8EC8-42019FF03A7E}"/>
+                <a16:creationId xmlns:a16="http://schemas.microsoft.com/office/drawing/2014/main" xmlns="" id="{2ACACBEF-72CB-446C-8EC8-42019FF03A7E}"/>
               </a:ext>
             </a:extLst>
           </p:cNvPr>
@@ -16979,7 +17032,7 @@
           <p:cNvPr id="6" name="Inhaltsplatzhalter 5">
             <a:extLst>
               <a:ext uri="{FF2B5EF4-FFF2-40B4-BE49-F238E27FC236}">
-                <a16:creationId xmlns="" xmlns:a16="http://schemas.microsoft.com/office/drawing/2014/main" id="{905A3F6F-EEE0-400F-98F9-C2A6B8C37984}"/>
+                <a16:creationId xmlns:a16="http://schemas.microsoft.com/office/drawing/2014/main" xmlns="" id="{905A3F6F-EEE0-400F-98F9-C2A6B8C37984}"/>
               </a:ext>
             </a:extLst>
           </p:cNvPr>
@@ -17122,7 +17175,7 @@
           <p:cNvPr id="2" name="Titel 1">
             <a:extLst>
               <a:ext uri="{FF2B5EF4-FFF2-40B4-BE49-F238E27FC236}">
-                <a16:creationId xmlns="" xmlns:a16="http://schemas.microsoft.com/office/drawing/2014/main" id="{9533BD00-316B-40FA-977C-893D5D393A76}"/>
+                <a16:creationId xmlns:a16="http://schemas.microsoft.com/office/drawing/2014/main" xmlns="" id="{9533BD00-316B-40FA-977C-893D5D393A76}"/>
               </a:ext>
             </a:extLst>
           </p:cNvPr>
@@ -17150,7 +17203,7 @@
           <p:cNvPr id="3" name="Datumsplatzhalter 2">
             <a:extLst>
               <a:ext uri="{FF2B5EF4-FFF2-40B4-BE49-F238E27FC236}">
-                <a16:creationId xmlns="" xmlns:a16="http://schemas.microsoft.com/office/drawing/2014/main" id="{6EBC6BBC-72FB-4DA9-83A3-BCEC3C0AECB3}"/>
+                <a16:creationId xmlns:a16="http://schemas.microsoft.com/office/drawing/2014/main" xmlns="" id="{6EBC6BBC-72FB-4DA9-83A3-BCEC3C0AECB3}"/>
               </a:ext>
             </a:extLst>
           </p:cNvPr>
@@ -17168,7 +17221,7 @@
           <a:p>
             <a:fld id="{48352B5A-167D-4ED6-B7C9-BDA647A8BA51}" type="datetime1">
               <a:rPr lang="de-DE" smtClean="0"/>
-              <a:t>26.11.2018</a:t>
+              <a:t>28.11.2018</a:t>
             </a:fld>
             <a:endParaRPr lang="de-DE"/>
           </a:p>
@@ -17179,7 +17232,7 @@
           <p:cNvPr id="4" name="Fußzeilenplatzhalter 3">
             <a:extLst>
               <a:ext uri="{FF2B5EF4-FFF2-40B4-BE49-F238E27FC236}">
-                <a16:creationId xmlns="" xmlns:a16="http://schemas.microsoft.com/office/drawing/2014/main" id="{C5F02BA4-B103-41B2-B9F3-2934F1261141}"/>
+                <a16:creationId xmlns:a16="http://schemas.microsoft.com/office/drawing/2014/main" xmlns="" id="{C5F02BA4-B103-41B2-B9F3-2934F1261141}"/>
               </a:ext>
             </a:extLst>
           </p:cNvPr>
@@ -17208,7 +17261,7 @@
           <p:cNvPr id="5" name="Foliennummernplatzhalter 4">
             <a:extLst>
               <a:ext uri="{FF2B5EF4-FFF2-40B4-BE49-F238E27FC236}">
-                <a16:creationId xmlns="" xmlns:a16="http://schemas.microsoft.com/office/drawing/2014/main" id="{015305BA-6C1B-447C-B141-8E67770F3F86}"/>
+                <a16:creationId xmlns:a16="http://schemas.microsoft.com/office/drawing/2014/main" xmlns="" id="{015305BA-6C1B-447C-B141-8E67770F3F86}"/>
               </a:ext>
             </a:extLst>
           </p:cNvPr>
@@ -17237,7 +17290,7 @@
           <p:cNvPr id="6" name="Inhaltsplatzhalter 5">
             <a:extLst>
               <a:ext uri="{FF2B5EF4-FFF2-40B4-BE49-F238E27FC236}">
-                <a16:creationId xmlns="" xmlns:a16="http://schemas.microsoft.com/office/drawing/2014/main" id="{413DFB83-345C-4C3B-A1B6-E0902922A307}"/>
+                <a16:creationId xmlns:a16="http://schemas.microsoft.com/office/drawing/2014/main" xmlns="" id="{413DFB83-345C-4C3B-A1B6-E0902922A307}"/>
               </a:ext>
             </a:extLst>
           </p:cNvPr>
@@ -17322,7 +17375,7 @@
           <p:cNvPr id="2" name="Titel 1">
             <a:extLst>
               <a:ext uri="{FF2B5EF4-FFF2-40B4-BE49-F238E27FC236}">
-                <a16:creationId xmlns="" xmlns:a16="http://schemas.microsoft.com/office/drawing/2014/main" id="{30A540A0-C8A6-46EA-8802-C4C8D5242D8D}"/>
+                <a16:creationId xmlns:a16="http://schemas.microsoft.com/office/drawing/2014/main" xmlns="" id="{30A540A0-C8A6-46EA-8802-C4C8D5242D8D}"/>
               </a:ext>
             </a:extLst>
           </p:cNvPr>
@@ -17351,7 +17404,7 @@
           <p:cNvPr id="3" name="Datumsplatzhalter 2">
             <a:extLst>
               <a:ext uri="{FF2B5EF4-FFF2-40B4-BE49-F238E27FC236}">
-                <a16:creationId xmlns="" xmlns:a16="http://schemas.microsoft.com/office/drawing/2014/main" id="{F3710C85-F4FD-4A17-984A-CECC517D32F7}"/>
+                <a16:creationId xmlns:a16="http://schemas.microsoft.com/office/drawing/2014/main" xmlns="" id="{F3710C85-F4FD-4A17-984A-CECC517D32F7}"/>
               </a:ext>
             </a:extLst>
           </p:cNvPr>
@@ -17369,7 +17422,7 @@
           <a:p>
             <a:fld id="{48352B5A-167D-4ED6-B7C9-BDA647A8BA51}" type="datetime1">
               <a:rPr lang="de-DE" smtClean="0"/>
-              <a:t>26.11.2018</a:t>
+              <a:t>28.11.2018</a:t>
             </a:fld>
             <a:endParaRPr lang="de-DE"/>
           </a:p>
@@ -17380,7 +17433,7 @@
           <p:cNvPr id="4" name="Fußzeilenplatzhalter 3">
             <a:extLst>
               <a:ext uri="{FF2B5EF4-FFF2-40B4-BE49-F238E27FC236}">
-                <a16:creationId xmlns="" xmlns:a16="http://schemas.microsoft.com/office/drawing/2014/main" id="{2544BC0C-039F-4A6F-BD17-236D6C97C710}"/>
+                <a16:creationId xmlns:a16="http://schemas.microsoft.com/office/drawing/2014/main" xmlns="" id="{2544BC0C-039F-4A6F-BD17-236D6C97C710}"/>
               </a:ext>
             </a:extLst>
           </p:cNvPr>
@@ -17409,7 +17462,7 @@
           <p:cNvPr id="5" name="Foliennummernplatzhalter 4">
             <a:extLst>
               <a:ext uri="{FF2B5EF4-FFF2-40B4-BE49-F238E27FC236}">
-                <a16:creationId xmlns="" xmlns:a16="http://schemas.microsoft.com/office/drawing/2014/main" id="{71734ADA-FA6A-4C87-BB3E-EEE4AF141F43}"/>
+                <a16:creationId xmlns:a16="http://schemas.microsoft.com/office/drawing/2014/main" xmlns="" id="{71734ADA-FA6A-4C87-BB3E-EEE4AF141F43}"/>
               </a:ext>
             </a:extLst>
           </p:cNvPr>
@@ -17438,7 +17491,7 @@
           <p:cNvPr id="6" name="Inhaltsplatzhalter 5">
             <a:extLst>
               <a:ext uri="{FF2B5EF4-FFF2-40B4-BE49-F238E27FC236}">
-                <a16:creationId xmlns="" xmlns:a16="http://schemas.microsoft.com/office/drawing/2014/main" id="{10BF290A-0581-4BFE-80A9-84AECB370DBF}"/>
+                <a16:creationId xmlns:a16="http://schemas.microsoft.com/office/drawing/2014/main" xmlns="" id="{10BF290A-0581-4BFE-80A9-84AECB370DBF}"/>
               </a:ext>
             </a:extLst>
           </p:cNvPr>
@@ -17502,8 +17555,55 @@
             </a:r>
             <a:r>
               <a:rPr lang="de-CH" dirty="0"/>
-              <a:t> geändert hat</a:t>
-            </a:r>
+              <a:t> geändert </a:t>
+            </a:r>
+            <a:r>
+              <a:rPr lang="de-CH" dirty="0" smtClean="0"/>
+              <a:t>hat</a:t>
+            </a:r>
+          </a:p>
+          <a:p>
+            <a:pPr marL="342900" indent="-342900">
+              <a:buFont typeface="Arial" panose="020B0604020202020204" pitchFamily="34" charset="0"/>
+              <a:buChar char="•"/>
+            </a:pPr>
+            <a:r>
+              <a:rPr lang="en-US" dirty="0" err="1" smtClean="0"/>
+              <a:t>Achtung</a:t>
+            </a:r>
+            <a:r>
+              <a:rPr lang="en-US" dirty="0" smtClean="0"/>
+              <a:t>, </a:t>
+            </a:r>
+            <a:r>
+              <a:rPr lang="en-US" dirty="0" err="1" smtClean="0"/>
+              <a:t>es</a:t>
+            </a:r>
+            <a:r>
+              <a:rPr lang="en-US" dirty="0" smtClean="0"/>
+              <a:t> </a:t>
+            </a:r>
+            <a:r>
+              <a:rPr lang="en-US" dirty="0" err="1" smtClean="0"/>
+              <a:t>wird</a:t>
+            </a:r>
+            <a:r>
+              <a:rPr lang="en-US" dirty="0" smtClean="0"/>
+              <a:t> </a:t>
+            </a:r>
+            <a:r>
+              <a:rPr lang="en-US" dirty="0" err="1" smtClean="0"/>
+              <a:t>kein</a:t>
+            </a:r>
+            <a:r>
+              <a:rPr lang="en-US" dirty="0" smtClean="0"/>
+              <a:t> deep-compare </a:t>
+            </a:r>
+            <a:r>
+              <a:rPr lang="en-US" dirty="0" err="1" smtClean="0"/>
+              <a:t>gemacht</a:t>
+            </a:r>
+            <a:endParaRPr lang="de-CH" dirty="0"/>
           </a:p>
           <a:p>
             <a:pPr marL="342900" indent="-342900">
@@ -17552,7 +17652,7 @@
           <p:cNvPr id="2" name="Titel 1">
             <a:extLst>
               <a:ext uri="{FF2B5EF4-FFF2-40B4-BE49-F238E27FC236}">
-                <a16:creationId xmlns="" xmlns:a16="http://schemas.microsoft.com/office/drawing/2014/main" id="{277D5125-1CDF-4B89-92F2-B5700CF89541}"/>
+                <a16:creationId xmlns:a16="http://schemas.microsoft.com/office/drawing/2014/main" xmlns="" id="{277D5125-1CDF-4B89-92F2-B5700CF89541}"/>
               </a:ext>
             </a:extLst>
           </p:cNvPr>
@@ -17580,7 +17680,7 @@
           <p:cNvPr id="3" name="Datumsplatzhalter 2">
             <a:extLst>
               <a:ext uri="{FF2B5EF4-FFF2-40B4-BE49-F238E27FC236}">
-                <a16:creationId xmlns="" xmlns:a16="http://schemas.microsoft.com/office/drawing/2014/main" id="{69914CF5-DFA4-4959-9A4F-60788B72D493}"/>
+                <a16:creationId xmlns:a16="http://schemas.microsoft.com/office/drawing/2014/main" xmlns="" id="{69914CF5-DFA4-4959-9A4F-60788B72D493}"/>
               </a:ext>
             </a:extLst>
           </p:cNvPr>
@@ -17598,7 +17698,7 @@
           <a:p>
             <a:fld id="{48352B5A-167D-4ED6-B7C9-BDA647A8BA51}" type="datetime1">
               <a:rPr lang="de-DE" smtClean="0"/>
-              <a:t>26.11.2018</a:t>
+              <a:t>28.11.2018</a:t>
             </a:fld>
             <a:endParaRPr lang="de-DE"/>
           </a:p>
@@ -17609,7 +17709,7 @@
           <p:cNvPr id="4" name="Fußzeilenplatzhalter 3">
             <a:extLst>
               <a:ext uri="{FF2B5EF4-FFF2-40B4-BE49-F238E27FC236}">
-                <a16:creationId xmlns="" xmlns:a16="http://schemas.microsoft.com/office/drawing/2014/main" id="{9645914B-8D7E-459B-B671-C63BD11EC31F}"/>
+                <a16:creationId xmlns:a16="http://schemas.microsoft.com/office/drawing/2014/main" xmlns="" id="{9645914B-8D7E-459B-B671-C63BD11EC31F}"/>
               </a:ext>
             </a:extLst>
           </p:cNvPr>
@@ -17638,7 +17738,7 @@
           <p:cNvPr id="5" name="Foliennummernplatzhalter 4">
             <a:extLst>
               <a:ext uri="{FF2B5EF4-FFF2-40B4-BE49-F238E27FC236}">
-                <a16:creationId xmlns="" xmlns:a16="http://schemas.microsoft.com/office/drawing/2014/main" id="{C5C4F5C6-296E-4E85-A8AB-353D72F30178}"/>
+                <a16:creationId xmlns:a16="http://schemas.microsoft.com/office/drawing/2014/main" xmlns="" id="{C5C4F5C6-296E-4E85-A8AB-353D72F30178}"/>
               </a:ext>
             </a:extLst>
           </p:cNvPr>
@@ -17667,7 +17767,7 @@
           <p:cNvPr id="6" name="Inhaltsplatzhalter 5">
             <a:extLst>
               <a:ext uri="{FF2B5EF4-FFF2-40B4-BE49-F238E27FC236}">
-                <a16:creationId xmlns="" xmlns:a16="http://schemas.microsoft.com/office/drawing/2014/main" id="{B9B1320D-DC29-4B11-985D-CF9752F11BAA}"/>
+                <a16:creationId xmlns:a16="http://schemas.microsoft.com/office/drawing/2014/main" xmlns="" id="{B9B1320D-DC29-4B11-985D-CF9752F11BAA}"/>
               </a:ext>
             </a:extLst>
           </p:cNvPr>
@@ -17755,7 +17855,7 @@
           <p:cNvPr id="2" name="Titel 1">
             <a:extLst>
               <a:ext uri="{FF2B5EF4-FFF2-40B4-BE49-F238E27FC236}">
-                <a16:creationId xmlns="" xmlns:a16="http://schemas.microsoft.com/office/drawing/2014/main" id="{16FC8DF1-C9D7-46E3-83D6-5072C1A46605}"/>
+                <a16:creationId xmlns:a16="http://schemas.microsoft.com/office/drawing/2014/main" xmlns="" id="{16FC8DF1-C9D7-46E3-83D6-5072C1A46605}"/>
               </a:ext>
             </a:extLst>
           </p:cNvPr>
@@ -17784,7 +17884,7 @@
           <p:cNvPr id="3" name="Datumsplatzhalter 2">
             <a:extLst>
               <a:ext uri="{FF2B5EF4-FFF2-40B4-BE49-F238E27FC236}">
-                <a16:creationId xmlns="" xmlns:a16="http://schemas.microsoft.com/office/drawing/2014/main" id="{3D29B4A2-9112-46E2-AA35-B3CB5AFF7FB6}"/>
+                <a16:creationId xmlns:a16="http://schemas.microsoft.com/office/drawing/2014/main" xmlns="" id="{3D29B4A2-9112-46E2-AA35-B3CB5AFF7FB6}"/>
               </a:ext>
             </a:extLst>
           </p:cNvPr>
@@ -17802,7 +17902,7 @@
           <a:p>
             <a:fld id="{48352B5A-167D-4ED6-B7C9-BDA647A8BA51}" type="datetime1">
               <a:rPr lang="de-DE" smtClean="0"/>
-              <a:t>26.11.2018</a:t>
+              <a:t>28.11.2018</a:t>
             </a:fld>
             <a:endParaRPr lang="de-DE"/>
           </a:p>
@@ -17813,7 +17913,7 @@
           <p:cNvPr id="4" name="Fußzeilenplatzhalter 3">
             <a:extLst>
               <a:ext uri="{FF2B5EF4-FFF2-40B4-BE49-F238E27FC236}">
-                <a16:creationId xmlns="" xmlns:a16="http://schemas.microsoft.com/office/drawing/2014/main" id="{1F00B392-37C3-409D-917C-7E7A0603372C}"/>
+                <a16:creationId xmlns:a16="http://schemas.microsoft.com/office/drawing/2014/main" xmlns="" id="{1F00B392-37C3-409D-917C-7E7A0603372C}"/>
               </a:ext>
             </a:extLst>
           </p:cNvPr>
@@ -17842,7 +17942,7 @@
           <p:cNvPr id="5" name="Foliennummernplatzhalter 4">
             <a:extLst>
               <a:ext uri="{FF2B5EF4-FFF2-40B4-BE49-F238E27FC236}">
-                <a16:creationId xmlns="" xmlns:a16="http://schemas.microsoft.com/office/drawing/2014/main" id="{69765797-2376-47D0-ABE6-C28137DD464F}"/>
+                <a16:creationId xmlns:a16="http://schemas.microsoft.com/office/drawing/2014/main" xmlns="" id="{69765797-2376-47D0-ABE6-C28137DD464F}"/>
               </a:ext>
             </a:extLst>
           </p:cNvPr>
@@ -17871,7 +17971,7 @@
           <p:cNvPr id="6" name="Inhaltsplatzhalter 5">
             <a:extLst>
               <a:ext uri="{FF2B5EF4-FFF2-40B4-BE49-F238E27FC236}">
-                <a16:creationId xmlns="" xmlns:a16="http://schemas.microsoft.com/office/drawing/2014/main" id="{F9AC3082-6207-4087-95E7-935FE808DBE8}"/>
+                <a16:creationId xmlns:a16="http://schemas.microsoft.com/office/drawing/2014/main" xmlns="" id="{F9AC3082-6207-4087-95E7-935FE808DBE8}"/>
               </a:ext>
             </a:extLst>
           </p:cNvPr>
@@ -17899,7 +17999,7 @@
           <p:cNvPr id="7" name="Picture 6" descr="Bildergebnis fÃ¼r react materialize">
             <a:extLst>
               <a:ext uri="{FF2B5EF4-FFF2-40B4-BE49-F238E27FC236}">
-                <a16:creationId xmlns="" xmlns:a16="http://schemas.microsoft.com/office/drawing/2014/main" id="{C0CAFA2A-AE5B-40CE-8397-6FBCA589B343}"/>
+                <a16:creationId xmlns:a16="http://schemas.microsoft.com/office/drawing/2014/main" xmlns="" id="{C0CAFA2A-AE5B-40CE-8397-6FBCA589B343}"/>
               </a:ext>
             </a:extLst>
           </p:cNvPr>
@@ -17946,7 +18046,7 @@
           <p:cNvPr id="8" name="Picture 8" descr="Bildergebnis fÃ¼r materialize">
             <a:extLst>
               <a:ext uri="{FF2B5EF4-FFF2-40B4-BE49-F238E27FC236}">
-                <a16:creationId xmlns="" xmlns:a16="http://schemas.microsoft.com/office/drawing/2014/main" id="{B892D75F-C42F-4019-BCA1-3C83CB54BA7E}"/>
+                <a16:creationId xmlns:a16="http://schemas.microsoft.com/office/drawing/2014/main" xmlns="" id="{B892D75F-C42F-4019-BCA1-3C83CB54BA7E}"/>
               </a:ext>
             </a:extLst>
           </p:cNvPr>
@@ -18023,7 +18123,7 @@
           <p:cNvPr id="2" name="Titel 1">
             <a:extLst>
               <a:ext uri="{FF2B5EF4-FFF2-40B4-BE49-F238E27FC236}">
-                <a16:creationId xmlns="" xmlns:a16="http://schemas.microsoft.com/office/drawing/2014/main" id="{1A25A864-1786-4EAE-83DC-AD86345D66E2}"/>
+                <a16:creationId xmlns:a16="http://schemas.microsoft.com/office/drawing/2014/main" xmlns="" id="{1A25A864-1786-4EAE-83DC-AD86345D66E2}"/>
               </a:ext>
             </a:extLst>
           </p:cNvPr>
@@ -18052,7 +18152,7 @@
           <p:cNvPr id="3" name="Datumsplatzhalter 2">
             <a:extLst>
               <a:ext uri="{FF2B5EF4-FFF2-40B4-BE49-F238E27FC236}">
-                <a16:creationId xmlns="" xmlns:a16="http://schemas.microsoft.com/office/drawing/2014/main" id="{8DA016BA-19C7-4468-ABCD-518C3F0BD787}"/>
+                <a16:creationId xmlns:a16="http://schemas.microsoft.com/office/drawing/2014/main" xmlns="" id="{8DA016BA-19C7-4468-ABCD-518C3F0BD787}"/>
               </a:ext>
             </a:extLst>
           </p:cNvPr>
@@ -18070,7 +18170,7 @@
           <a:p>
             <a:fld id="{48352B5A-167D-4ED6-B7C9-BDA647A8BA51}" type="datetime1">
               <a:rPr lang="de-DE" smtClean="0"/>
-              <a:t>26.11.2018</a:t>
+              <a:t>28.11.2018</a:t>
             </a:fld>
             <a:endParaRPr lang="de-DE"/>
           </a:p>
@@ -18081,7 +18181,7 @@
           <p:cNvPr id="4" name="Fußzeilenplatzhalter 3">
             <a:extLst>
               <a:ext uri="{FF2B5EF4-FFF2-40B4-BE49-F238E27FC236}">
-                <a16:creationId xmlns="" xmlns:a16="http://schemas.microsoft.com/office/drawing/2014/main" id="{373631AC-2D09-4E6D-A934-48A22CD70B6E}"/>
+                <a16:creationId xmlns:a16="http://schemas.microsoft.com/office/drawing/2014/main" xmlns="" id="{373631AC-2D09-4E6D-A934-48A22CD70B6E}"/>
               </a:ext>
             </a:extLst>
           </p:cNvPr>
@@ -18110,7 +18210,7 @@
           <p:cNvPr id="5" name="Foliennummernplatzhalter 4">
             <a:extLst>
               <a:ext uri="{FF2B5EF4-FFF2-40B4-BE49-F238E27FC236}">
-                <a16:creationId xmlns="" xmlns:a16="http://schemas.microsoft.com/office/drawing/2014/main" id="{16434493-4DEC-4E9D-B3BD-BA4B31CFD913}"/>
+                <a16:creationId xmlns:a16="http://schemas.microsoft.com/office/drawing/2014/main" xmlns="" id="{16434493-4DEC-4E9D-B3BD-BA4B31CFD913}"/>
               </a:ext>
             </a:extLst>
           </p:cNvPr>
@@ -18139,7 +18239,7 @@
           <p:cNvPr id="6" name="Inhaltsplatzhalter 5">
             <a:extLst>
               <a:ext uri="{FF2B5EF4-FFF2-40B4-BE49-F238E27FC236}">
-                <a16:creationId xmlns="" xmlns:a16="http://schemas.microsoft.com/office/drawing/2014/main" id="{7FF67B39-8F9A-47D2-8D82-0D3EE900B7EA}"/>
+                <a16:creationId xmlns:a16="http://schemas.microsoft.com/office/drawing/2014/main" xmlns="" id="{7FF67B39-8F9A-47D2-8D82-0D3EE900B7EA}"/>
               </a:ext>
             </a:extLst>
           </p:cNvPr>
@@ -18262,7 +18362,7 @@
           <p:cNvPr id="2" name="Titel 1">
             <a:extLst>
               <a:ext uri="{FF2B5EF4-FFF2-40B4-BE49-F238E27FC236}">
-                <a16:creationId xmlns="" xmlns:a16="http://schemas.microsoft.com/office/drawing/2014/main" id="{62B5B1FC-38B6-4AAF-A0D4-8343E72B8BB2}"/>
+                <a16:creationId xmlns:a16="http://schemas.microsoft.com/office/drawing/2014/main" xmlns="" id="{62B5B1FC-38B6-4AAF-A0D4-8343E72B8BB2}"/>
               </a:ext>
             </a:extLst>
           </p:cNvPr>
@@ -18290,7 +18390,7 @@
           <p:cNvPr id="3" name="Datumsplatzhalter 2">
             <a:extLst>
               <a:ext uri="{FF2B5EF4-FFF2-40B4-BE49-F238E27FC236}">
-                <a16:creationId xmlns="" xmlns:a16="http://schemas.microsoft.com/office/drawing/2014/main" id="{35FE2A4F-14D1-453C-8962-28768FDAA94C}"/>
+                <a16:creationId xmlns:a16="http://schemas.microsoft.com/office/drawing/2014/main" xmlns="" id="{35FE2A4F-14D1-453C-8962-28768FDAA94C}"/>
               </a:ext>
             </a:extLst>
           </p:cNvPr>
@@ -18308,7 +18408,7 @@
           <a:p>
             <a:fld id="{48352B5A-167D-4ED6-B7C9-BDA647A8BA51}" type="datetime1">
               <a:rPr lang="de-DE" smtClean="0"/>
-              <a:t>26.11.2018</a:t>
+              <a:t>28.11.2018</a:t>
             </a:fld>
             <a:endParaRPr lang="de-DE"/>
           </a:p>
@@ -18319,7 +18419,7 @@
           <p:cNvPr id="4" name="Fußzeilenplatzhalter 3">
             <a:extLst>
               <a:ext uri="{FF2B5EF4-FFF2-40B4-BE49-F238E27FC236}">
-                <a16:creationId xmlns="" xmlns:a16="http://schemas.microsoft.com/office/drawing/2014/main" id="{69FE2911-271E-4781-8E8D-C6FD249EA02E}"/>
+                <a16:creationId xmlns:a16="http://schemas.microsoft.com/office/drawing/2014/main" xmlns="" id="{69FE2911-271E-4781-8E8D-C6FD249EA02E}"/>
               </a:ext>
             </a:extLst>
           </p:cNvPr>
@@ -18348,7 +18448,7 @@
           <p:cNvPr id="5" name="Foliennummernplatzhalter 4">
             <a:extLst>
               <a:ext uri="{FF2B5EF4-FFF2-40B4-BE49-F238E27FC236}">
-                <a16:creationId xmlns="" xmlns:a16="http://schemas.microsoft.com/office/drawing/2014/main" id="{7974A4C8-7622-4904-A311-5A2D3F872085}"/>
+                <a16:creationId xmlns:a16="http://schemas.microsoft.com/office/drawing/2014/main" xmlns="" id="{7974A4C8-7622-4904-A311-5A2D3F872085}"/>
               </a:ext>
             </a:extLst>
           </p:cNvPr>
@@ -18377,7 +18477,7 @@
           <p:cNvPr id="6" name="Inhaltsplatzhalter 5">
             <a:extLst>
               <a:ext uri="{FF2B5EF4-FFF2-40B4-BE49-F238E27FC236}">
-                <a16:creationId xmlns="" xmlns:a16="http://schemas.microsoft.com/office/drawing/2014/main" id="{8506262F-A1F1-43B6-BB5D-766A37FB0DDF}"/>
+                <a16:creationId xmlns:a16="http://schemas.microsoft.com/office/drawing/2014/main" xmlns="" id="{8506262F-A1F1-43B6-BB5D-766A37FB0DDF}"/>
               </a:ext>
             </a:extLst>
           </p:cNvPr>
@@ -18506,7 +18606,7 @@
           <p:cNvPr id="2" name="Titel 1">
             <a:extLst>
               <a:ext uri="{FF2B5EF4-FFF2-40B4-BE49-F238E27FC236}">
-                <a16:creationId xmlns="" xmlns:a16="http://schemas.microsoft.com/office/drawing/2014/main" id="{0A1A6049-CD7F-4D8C-A11D-F46161BD0A61}"/>
+                <a16:creationId xmlns:a16="http://schemas.microsoft.com/office/drawing/2014/main" xmlns="" id="{0A1A6049-CD7F-4D8C-A11D-F46161BD0A61}"/>
               </a:ext>
             </a:extLst>
           </p:cNvPr>
@@ -18539,7 +18639,7 @@
           <p:cNvPr id="3" name="Datumsplatzhalter 2">
             <a:extLst>
               <a:ext uri="{FF2B5EF4-FFF2-40B4-BE49-F238E27FC236}">
-                <a16:creationId xmlns="" xmlns:a16="http://schemas.microsoft.com/office/drawing/2014/main" id="{C3E5D1B8-CD55-4D78-A71B-0EFAD8E431E8}"/>
+                <a16:creationId xmlns:a16="http://schemas.microsoft.com/office/drawing/2014/main" xmlns="" id="{C3E5D1B8-CD55-4D78-A71B-0EFAD8E431E8}"/>
               </a:ext>
             </a:extLst>
           </p:cNvPr>
@@ -18557,7 +18657,7 @@
           <a:p>
             <a:fld id="{48352B5A-167D-4ED6-B7C9-BDA647A8BA51}" type="datetime1">
               <a:rPr lang="de-DE" smtClean="0"/>
-              <a:t>26.11.2018</a:t>
+              <a:t>28.11.2018</a:t>
             </a:fld>
             <a:endParaRPr lang="de-DE"/>
           </a:p>
@@ -18568,7 +18668,7 @@
           <p:cNvPr id="4" name="Fußzeilenplatzhalter 3">
             <a:extLst>
               <a:ext uri="{FF2B5EF4-FFF2-40B4-BE49-F238E27FC236}">
-                <a16:creationId xmlns="" xmlns:a16="http://schemas.microsoft.com/office/drawing/2014/main" id="{CC69CD03-791F-46AA-BBED-D1E057D848A0}"/>
+                <a16:creationId xmlns:a16="http://schemas.microsoft.com/office/drawing/2014/main" xmlns="" id="{CC69CD03-791F-46AA-BBED-D1E057D848A0}"/>
               </a:ext>
             </a:extLst>
           </p:cNvPr>
@@ -18597,7 +18697,7 @@
           <p:cNvPr id="5" name="Foliennummernplatzhalter 4">
             <a:extLst>
               <a:ext uri="{FF2B5EF4-FFF2-40B4-BE49-F238E27FC236}">
-                <a16:creationId xmlns="" xmlns:a16="http://schemas.microsoft.com/office/drawing/2014/main" id="{F4D3FB05-A4EF-447C-B998-F59D03904616}"/>
+                <a16:creationId xmlns:a16="http://schemas.microsoft.com/office/drawing/2014/main" xmlns="" id="{F4D3FB05-A4EF-447C-B998-F59D03904616}"/>
               </a:ext>
             </a:extLst>
           </p:cNvPr>
@@ -18626,7 +18726,7 @@
           <p:cNvPr id="6" name="Inhaltsplatzhalter 5">
             <a:extLst>
               <a:ext uri="{FF2B5EF4-FFF2-40B4-BE49-F238E27FC236}">
-                <a16:creationId xmlns="" xmlns:a16="http://schemas.microsoft.com/office/drawing/2014/main" id="{B543C937-A1EB-4404-B13C-FE733E7C6AB0}"/>
+                <a16:creationId xmlns:a16="http://schemas.microsoft.com/office/drawing/2014/main" xmlns="" id="{B543C937-A1EB-4404-B13C-FE733E7C6AB0}"/>
               </a:ext>
             </a:extLst>
           </p:cNvPr>
@@ -18822,7 +18922,7 @@
           <p:cNvPr id="2" name="Titel 1">
             <a:extLst>
               <a:ext uri="{FF2B5EF4-FFF2-40B4-BE49-F238E27FC236}">
-                <a16:creationId xmlns="" xmlns:a16="http://schemas.microsoft.com/office/drawing/2014/main" id="{46B71E06-6B08-43AE-A9C8-F9B142FB28CB}"/>
+                <a16:creationId xmlns:a16="http://schemas.microsoft.com/office/drawing/2014/main" xmlns="" id="{46B71E06-6B08-43AE-A9C8-F9B142FB28CB}"/>
               </a:ext>
             </a:extLst>
           </p:cNvPr>
@@ -18850,7 +18950,7 @@
           <p:cNvPr id="3" name="Datumsplatzhalter 2">
             <a:extLst>
               <a:ext uri="{FF2B5EF4-FFF2-40B4-BE49-F238E27FC236}">
-                <a16:creationId xmlns="" xmlns:a16="http://schemas.microsoft.com/office/drawing/2014/main" id="{7DA43725-4CCB-4CF7-B561-C2455E37B695}"/>
+                <a16:creationId xmlns:a16="http://schemas.microsoft.com/office/drawing/2014/main" xmlns="" id="{7DA43725-4CCB-4CF7-B561-C2455E37B695}"/>
               </a:ext>
             </a:extLst>
           </p:cNvPr>
@@ -18868,7 +18968,7 @@
           <a:p>
             <a:fld id="{48352B5A-167D-4ED6-B7C9-BDA647A8BA51}" type="datetime1">
               <a:rPr lang="de-DE" smtClean="0"/>
-              <a:t>26.11.2018</a:t>
+              <a:t>28.11.2018</a:t>
             </a:fld>
             <a:endParaRPr lang="de-DE"/>
           </a:p>
@@ -18879,7 +18979,7 @@
           <p:cNvPr id="4" name="Fußzeilenplatzhalter 3">
             <a:extLst>
               <a:ext uri="{FF2B5EF4-FFF2-40B4-BE49-F238E27FC236}">
-                <a16:creationId xmlns="" xmlns:a16="http://schemas.microsoft.com/office/drawing/2014/main" id="{10B0C594-04E2-4D69-B149-A140EDB73CB9}"/>
+                <a16:creationId xmlns:a16="http://schemas.microsoft.com/office/drawing/2014/main" xmlns="" id="{10B0C594-04E2-4D69-B149-A140EDB73CB9}"/>
               </a:ext>
             </a:extLst>
           </p:cNvPr>
@@ -18908,7 +19008,7 @@
           <p:cNvPr id="5" name="Foliennummernplatzhalter 4">
             <a:extLst>
               <a:ext uri="{FF2B5EF4-FFF2-40B4-BE49-F238E27FC236}">
-                <a16:creationId xmlns="" xmlns:a16="http://schemas.microsoft.com/office/drawing/2014/main" id="{CB7B5591-8305-4064-885D-68FF19B8D5AF}"/>
+                <a16:creationId xmlns:a16="http://schemas.microsoft.com/office/drawing/2014/main" xmlns="" id="{CB7B5591-8305-4064-885D-68FF19B8D5AF}"/>
               </a:ext>
             </a:extLst>
           </p:cNvPr>
@@ -18937,7 +19037,7 @@
           <p:cNvPr id="6" name="Inhaltsplatzhalter 5">
             <a:extLst>
               <a:ext uri="{FF2B5EF4-FFF2-40B4-BE49-F238E27FC236}">
-                <a16:creationId xmlns="" xmlns:a16="http://schemas.microsoft.com/office/drawing/2014/main" id="{7804FF59-5423-4D10-A437-717C62ABF253}"/>
+                <a16:creationId xmlns:a16="http://schemas.microsoft.com/office/drawing/2014/main" xmlns="" id="{7804FF59-5423-4D10-A437-717C62ABF253}"/>
               </a:ext>
             </a:extLst>
           </p:cNvPr>
@@ -19477,7 +19577,7 @@
           <p:cNvPr id="2" name="Titel 1">
             <a:extLst>
               <a:ext uri="{FF2B5EF4-FFF2-40B4-BE49-F238E27FC236}">
-                <a16:creationId xmlns="" xmlns:a16="http://schemas.microsoft.com/office/drawing/2014/main" id="{8042B2D6-B688-4F1D-84D9-EDA826C78953}"/>
+                <a16:creationId xmlns:a16="http://schemas.microsoft.com/office/drawing/2014/main" xmlns="" id="{8042B2D6-B688-4F1D-84D9-EDA826C78953}"/>
               </a:ext>
             </a:extLst>
           </p:cNvPr>
@@ -19505,7 +19605,7 @@
           <p:cNvPr id="3" name="Datumsplatzhalter 2">
             <a:extLst>
               <a:ext uri="{FF2B5EF4-FFF2-40B4-BE49-F238E27FC236}">
-                <a16:creationId xmlns="" xmlns:a16="http://schemas.microsoft.com/office/drawing/2014/main" id="{3ACE59C4-9F78-442E-B097-940CD623DDA4}"/>
+                <a16:creationId xmlns:a16="http://schemas.microsoft.com/office/drawing/2014/main" xmlns="" id="{3ACE59C4-9F78-442E-B097-940CD623DDA4}"/>
               </a:ext>
             </a:extLst>
           </p:cNvPr>
@@ -19523,7 +19623,7 @@
           <a:p>
             <a:fld id="{48352B5A-167D-4ED6-B7C9-BDA647A8BA51}" type="datetime1">
               <a:rPr lang="de-DE" smtClean="0"/>
-              <a:t>26.11.2018</a:t>
+              <a:t>28.11.2018</a:t>
             </a:fld>
             <a:endParaRPr lang="de-DE"/>
           </a:p>
@@ -19534,7 +19634,7 @@
           <p:cNvPr id="4" name="Fußzeilenplatzhalter 3">
             <a:extLst>
               <a:ext uri="{FF2B5EF4-FFF2-40B4-BE49-F238E27FC236}">
-                <a16:creationId xmlns="" xmlns:a16="http://schemas.microsoft.com/office/drawing/2014/main" id="{F52C1658-D4C8-4A3A-B9BC-86F6FBA0F7D1}"/>
+                <a16:creationId xmlns:a16="http://schemas.microsoft.com/office/drawing/2014/main" xmlns="" id="{F52C1658-D4C8-4A3A-B9BC-86F6FBA0F7D1}"/>
               </a:ext>
             </a:extLst>
           </p:cNvPr>
@@ -19563,7 +19663,7 @@
           <p:cNvPr id="5" name="Foliennummernplatzhalter 4">
             <a:extLst>
               <a:ext uri="{FF2B5EF4-FFF2-40B4-BE49-F238E27FC236}">
-                <a16:creationId xmlns="" xmlns:a16="http://schemas.microsoft.com/office/drawing/2014/main" id="{F43F19DB-E8A2-43A6-AC7E-DCD86348DAC2}"/>
+                <a16:creationId xmlns:a16="http://schemas.microsoft.com/office/drawing/2014/main" xmlns="" id="{F43F19DB-E8A2-43A6-AC7E-DCD86348DAC2}"/>
               </a:ext>
             </a:extLst>
           </p:cNvPr>
@@ -19592,7 +19692,7 @@
           <p:cNvPr id="6" name="Inhaltsplatzhalter 5">
             <a:extLst>
               <a:ext uri="{FF2B5EF4-FFF2-40B4-BE49-F238E27FC236}">
-                <a16:creationId xmlns="" xmlns:a16="http://schemas.microsoft.com/office/drawing/2014/main" id="{E0F22198-5871-4C94-93BB-9B27AED95ADE}"/>
+                <a16:creationId xmlns:a16="http://schemas.microsoft.com/office/drawing/2014/main" xmlns="" id="{E0F22198-5871-4C94-93BB-9B27AED95ADE}"/>
               </a:ext>
             </a:extLst>
           </p:cNvPr>
@@ -19718,7 +19818,7 @@
           <p:cNvPr id="2" name="Titel 1">
             <a:extLst>
               <a:ext uri="{FF2B5EF4-FFF2-40B4-BE49-F238E27FC236}">
-                <a16:creationId xmlns="" xmlns:a16="http://schemas.microsoft.com/office/drawing/2014/main" id="{13093AFF-9982-4D9C-9691-6A5C95B724A4}"/>
+                <a16:creationId xmlns:a16="http://schemas.microsoft.com/office/drawing/2014/main" xmlns="" id="{13093AFF-9982-4D9C-9691-6A5C95B724A4}"/>
               </a:ext>
             </a:extLst>
           </p:cNvPr>
@@ -19746,7 +19846,7 @@
           <p:cNvPr id="3" name="Datumsplatzhalter 2">
             <a:extLst>
               <a:ext uri="{FF2B5EF4-FFF2-40B4-BE49-F238E27FC236}">
-                <a16:creationId xmlns="" xmlns:a16="http://schemas.microsoft.com/office/drawing/2014/main" id="{05E33F24-E000-4573-8CB2-9728D363B7A7}"/>
+                <a16:creationId xmlns:a16="http://schemas.microsoft.com/office/drawing/2014/main" xmlns="" id="{05E33F24-E000-4573-8CB2-9728D363B7A7}"/>
               </a:ext>
             </a:extLst>
           </p:cNvPr>
@@ -19764,7 +19864,7 @@
           <a:p>
             <a:fld id="{48352B5A-167D-4ED6-B7C9-BDA647A8BA51}" type="datetime1">
               <a:rPr lang="de-DE" smtClean="0"/>
-              <a:t>26.11.2018</a:t>
+              <a:t>28.11.2018</a:t>
             </a:fld>
             <a:endParaRPr lang="de-DE"/>
           </a:p>
@@ -19775,7 +19875,7 @@
           <p:cNvPr id="4" name="Fußzeilenplatzhalter 3">
             <a:extLst>
               <a:ext uri="{FF2B5EF4-FFF2-40B4-BE49-F238E27FC236}">
-                <a16:creationId xmlns="" xmlns:a16="http://schemas.microsoft.com/office/drawing/2014/main" id="{000A925A-FD0A-4D78-AC6A-542A4745A732}"/>
+                <a16:creationId xmlns:a16="http://schemas.microsoft.com/office/drawing/2014/main" xmlns="" id="{000A925A-FD0A-4D78-AC6A-542A4745A732}"/>
               </a:ext>
             </a:extLst>
           </p:cNvPr>
@@ -19804,7 +19904,7 @@
           <p:cNvPr id="5" name="Foliennummernplatzhalter 4">
             <a:extLst>
               <a:ext uri="{FF2B5EF4-FFF2-40B4-BE49-F238E27FC236}">
-                <a16:creationId xmlns="" xmlns:a16="http://schemas.microsoft.com/office/drawing/2014/main" id="{FA2E024D-F892-4351-926C-DB54CEF5947F}"/>
+                <a16:creationId xmlns:a16="http://schemas.microsoft.com/office/drawing/2014/main" xmlns="" id="{FA2E024D-F892-4351-926C-DB54CEF5947F}"/>
               </a:ext>
             </a:extLst>
           </p:cNvPr>
@@ -19833,7 +19933,7 @@
           <p:cNvPr id="6" name="Inhaltsplatzhalter 5">
             <a:extLst>
               <a:ext uri="{FF2B5EF4-FFF2-40B4-BE49-F238E27FC236}">
-                <a16:creationId xmlns="" xmlns:a16="http://schemas.microsoft.com/office/drawing/2014/main" id="{8E1140B5-A34B-4D01-ABD5-596BE1B079E2}"/>
+                <a16:creationId xmlns:a16="http://schemas.microsoft.com/office/drawing/2014/main" xmlns="" id="{8E1140B5-A34B-4D01-ABD5-596BE1B079E2}"/>
               </a:ext>
             </a:extLst>
           </p:cNvPr>
@@ -19897,7 +19997,7 @@
           <p:cNvPr id="2" name="Titel 1">
             <a:extLst>
               <a:ext uri="{FF2B5EF4-FFF2-40B4-BE49-F238E27FC236}">
-                <a16:creationId xmlns="" xmlns:a16="http://schemas.microsoft.com/office/drawing/2014/main" id="{E9B35454-1B7A-4569-83B8-3FB8AD200E0A}"/>
+                <a16:creationId xmlns:a16="http://schemas.microsoft.com/office/drawing/2014/main" xmlns="" id="{E9B35454-1B7A-4569-83B8-3FB8AD200E0A}"/>
               </a:ext>
             </a:extLst>
           </p:cNvPr>
@@ -19925,7 +20025,7 @@
           <p:cNvPr id="3" name="Datumsplatzhalter 2">
             <a:extLst>
               <a:ext uri="{FF2B5EF4-FFF2-40B4-BE49-F238E27FC236}">
-                <a16:creationId xmlns="" xmlns:a16="http://schemas.microsoft.com/office/drawing/2014/main" id="{6E1A6C03-37BC-4379-8658-907529B6B3EC}"/>
+                <a16:creationId xmlns:a16="http://schemas.microsoft.com/office/drawing/2014/main" xmlns="" id="{6E1A6C03-37BC-4379-8658-907529B6B3EC}"/>
               </a:ext>
             </a:extLst>
           </p:cNvPr>
@@ -19943,7 +20043,7 @@
           <a:p>
             <a:fld id="{48352B5A-167D-4ED6-B7C9-BDA647A8BA51}" type="datetime1">
               <a:rPr lang="de-DE" smtClean="0"/>
-              <a:t>26.11.2018</a:t>
+              <a:t>28.11.2018</a:t>
             </a:fld>
             <a:endParaRPr lang="de-DE"/>
           </a:p>
@@ -19954,7 +20054,7 @@
           <p:cNvPr id="4" name="Fußzeilenplatzhalter 3">
             <a:extLst>
               <a:ext uri="{FF2B5EF4-FFF2-40B4-BE49-F238E27FC236}">
-                <a16:creationId xmlns="" xmlns:a16="http://schemas.microsoft.com/office/drawing/2014/main" id="{A5217030-2252-4148-A2CE-3B187F8FEFBF}"/>
+                <a16:creationId xmlns:a16="http://schemas.microsoft.com/office/drawing/2014/main" xmlns="" id="{A5217030-2252-4148-A2CE-3B187F8FEFBF}"/>
               </a:ext>
             </a:extLst>
           </p:cNvPr>
@@ -19983,7 +20083,7 @@
           <p:cNvPr id="5" name="Foliennummernplatzhalter 4">
             <a:extLst>
               <a:ext uri="{FF2B5EF4-FFF2-40B4-BE49-F238E27FC236}">
-                <a16:creationId xmlns="" xmlns:a16="http://schemas.microsoft.com/office/drawing/2014/main" id="{1C505F7D-B47C-4579-8695-2FFC1C43940A}"/>
+                <a16:creationId xmlns:a16="http://schemas.microsoft.com/office/drawing/2014/main" xmlns="" id="{1C505F7D-B47C-4579-8695-2FFC1C43940A}"/>
               </a:ext>
             </a:extLst>
           </p:cNvPr>
@@ -20012,7 +20112,7 @@
           <p:cNvPr id="6" name="Inhaltsplatzhalter 5">
             <a:extLst>
               <a:ext uri="{FF2B5EF4-FFF2-40B4-BE49-F238E27FC236}">
-                <a16:creationId xmlns="" xmlns:a16="http://schemas.microsoft.com/office/drawing/2014/main" id="{184380C6-5408-4921-A602-0EC77F90E7B8}"/>
+                <a16:creationId xmlns:a16="http://schemas.microsoft.com/office/drawing/2014/main" xmlns="" id="{184380C6-5408-4921-A602-0EC77F90E7B8}"/>
               </a:ext>
             </a:extLst>
           </p:cNvPr>
@@ -20112,7 +20212,7 @@
           <p:cNvPr id="2" name="Titel 1">
             <a:extLst>
               <a:ext uri="{FF2B5EF4-FFF2-40B4-BE49-F238E27FC236}">
-                <a16:creationId xmlns="" xmlns:a16="http://schemas.microsoft.com/office/drawing/2014/main" id="{FB3D4AA2-6BD9-4FAA-BD20-ACECFEE17743}"/>
+                <a16:creationId xmlns:a16="http://schemas.microsoft.com/office/drawing/2014/main" xmlns="" id="{FB3D4AA2-6BD9-4FAA-BD20-ACECFEE17743}"/>
               </a:ext>
             </a:extLst>
           </p:cNvPr>
@@ -20141,7 +20241,7 @@
           <p:cNvPr id="3" name="Datumsplatzhalter 2">
             <a:extLst>
               <a:ext uri="{FF2B5EF4-FFF2-40B4-BE49-F238E27FC236}">
-                <a16:creationId xmlns="" xmlns:a16="http://schemas.microsoft.com/office/drawing/2014/main" id="{ADE5015B-EB6F-4AE0-9B1D-F5BAD3EA3B7F}"/>
+                <a16:creationId xmlns:a16="http://schemas.microsoft.com/office/drawing/2014/main" xmlns="" id="{ADE5015B-EB6F-4AE0-9B1D-F5BAD3EA3B7F}"/>
               </a:ext>
             </a:extLst>
           </p:cNvPr>
@@ -20159,7 +20259,7 @@
           <a:p>
             <a:fld id="{48352B5A-167D-4ED6-B7C9-BDA647A8BA51}" type="datetime1">
               <a:rPr lang="de-DE" smtClean="0"/>
-              <a:t>26.11.2018</a:t>
+              <a:t>28.11.2018</a:t>
             </a:fld>
             <a:endParaRPr lang="de-DE"/>
           </a:p>
@@ -20170,7 +20270,7 @@
           <p:cNvPr id="4" name="Fußzeilenplatzhalter 3">
             <a:extLst>
               <a:ext uri="{FF2B5EF4-FFF2-40B4-BE49-F238E27FC236}">
-                <a16:creationId xmlns="" xmlns:a16="http://schemas.microsoft.com/office/drawing/2014/main" id="{CCF7C28A-F2DB-4863-8F13-4477C4B7C84C}"/>
+                <a16:creationId xmlns:a16="http://schemas.microsoft.com/office/drawing/2014/main" xmlns="" id="{CCF7C28A-F2DB-4863-8F13-4477C4B7C84C}"/>
               </a:ext>
             </a:extLst>
           </p:cNvPr>
@@ -20199,7 +20299,7 @@
           <p:cNvPr id="5" name="Foliennummernplatzhalter 4">
             <a:extLst>
               <a:ext uri="{FF2B5EF4-FFF2-40B4-BE49-F238E27FC236}">
-                <a16:creationId xmlns="" xmlns:a16="http://schemas.microsoft.com/office/drawing/2014/main" id="{1097CC81-6880-47A7-9EE7-930694B470BE}"/>
+                <a16:creationId xmlns:a16="http://schemas.microsoft.com/office/drawing/2014/main" xmlns="" id="{1097CC81-6880-47A7-9EE7-930694B470BE}"/>
               </a:ext>
             </a:extLst>
           </p:cNvPr>
@@ -20228,7 +20328,7 @@
           <p:cNvPr id="10" name="Picture 10" descr="Bildergebnis fÃ¼r rxjs">
             <a:extLst>
               <a:ext uri="{FF2B5EF4-FFF2-40B4-BE49-F238E27FC236}">
-                <a16:creationId xmlns="" xmlns:a16="http://schemas.microsoft.com/office/drawing/2014/main" id="{9D988982-CD7A-4A00-A911-4E9132A2F7C0}"/>
+                <a16:creationId xmlns:a16="http://schemas.microsoft.com/office/drawing/2014/main" xmlns="" id="{9D988982-CD7A-4A00-A911-4E9132A2F7C0}"/>
               </a:ext>
             </a:extLst>
           </p:cNvPr>
@@ -20307,7 +20407,7 @@
           <p:cNvPr id="2" name="Titel 1">
             <a:extLst>
               <a:ext uri="{FF2B5EF4-FFF2-40B4-BE49-F238E27FC236}">
-                <a16:creationId xmlns="" xmlns:a16="http://schemas.microsoft.com/office/drawing/2014/main" id="{1EC1F6A3-D60E-48E5-9AA4-4E872481BC05}"/>
+                <a16:creationId xmlns:a16="http://schemas.microsoft.com/office/drawing/2014/main" xmlns="" id="{1EC1F6A3-D60E-48E5-9AA4-4E872481BC05}"/>
               </a:ext>
             </a:extLst>
           </p:cNvPr>
@@ -20335,7 +20435,7 @@
           <p:cNvPr id="3" name="Datumsplatzhalter 2">
             <a:extLst>
               <a:ext uri="{FF2B5EF4-FFF2-40B4-BE49-F238E27FC236}">
-                <a16:creationId xmlns="" xmlns:a16="http://schemas.microsoft.com/office/drawing/2014/main" id="{3DFFD4F3-1638-466E-AACB-ABDE62105A15}"/>
+                <a16:creationId xmlns:a16="http://schemas.microsoft.com/office/drawing/2014/main" xmlns="" id="{3DFFD4F3-1638-466E-AACB-ABDE62105A15}"/>
               </a:ext>
             </a:extLst>
           </p:cNvPr>
@@ -20353,7 +20453,7 @@
           <a:p>
             <a:fld id="{48352B5A-167D-4ED6-B7C9-BDA647A8BA51}" type="datetime1">
               <a:rPr lang="de-DE" smtClean="0"/>
-              <a:t>26.11.2018</a:t>
+              <a:t>28.11.2018</a:t>
             </a:fld>
             <a:endParaRPr lang="de-DE"/>
           </a:p>
@@ -20364,7 +20464,7 @@
           <p:cNvPr id="4" name="Fußzeilenplatzhalter 3">
             <a:extLst>
               <a:ext uri="{FF2B5EF4-FFF2-40B4-BE49-F238E27FC236}">
-                <a16:creationId xmlns="" xmlns:a16="http://schemas.microsoft.com/office/drawing/2014/main" id="{9AB1FFA2-EA78-4D6E-9262-7A4B584827ED}"/>
+                <a16:creationId xmlns:a16="http://schemas.microsoft.com/office/drawing/2014/main" xmlns="" id="{9AB1FFA2-EA78-4D6E-9262-7A4B584827ED}"/>
               </a:ext>
             </a:extLst>
           </p:cNvPr>
@@ -20393,7 +20493,7 @@
           <p:cNvPr id="5" name="Foliennummernplatzhalter 4">
             <a:extLst>
               <a:ext uri="{FF2B5EF4-FFF2-40B4-BE49-F238E27FC236}">
-                <a16:creationId xmlns="" xmlns:a16="http://schemas.microsoft.com/office/drawing/2014/main" id="{28EF831B-FEE4-49A2-B7D8-22E4A667F8B7}"/>
+                <a16:creationId xmlns:a16="http://schemas.microsoft.com/office/drawing/2014/main" xmlns="" id="{28EF831B-FEE4-49A2-B7D8-22E4A667F8B7}"/>
               </a:ext>
             </a:extLst>
           </p:cNvPr>
@@ -20422,7 +20522,7 @@
           <p:cNvPr id="6" name="Inhaltsplatzhalter 5">
             <a:extLst>
               <a:ext uri="{FF2B5EF4-FFF2-40B4-BE49-F238E27FC236}">
-                <a16:creationId xmlns="" xmlns:a16="http://schemas.microsoft.com/office/drawing/2014/main" id="{48BC2F46-4D0A-48ED-8F41-F0736182EC8F}"/>
+                <a16:creationId xmlns:a16="http://schemas.microsoft.com/office/drawing/2014/main" xmlns="" id="{48BC2F46-4D0A-48ED-8F41-F0736182EC8F}"/>
               </a:ext>
             </a:extLst>
           </p:cNvPr>
@@ -20452,64 +20552,103 @@
           </a:p>
           <a:p>
             <a:r>
-              <a:rPr lang="de-CH" dirty="0"/>
-              <a:t>Alte Dokumentation:	</a:t>
+              <a:rPr lang="de-CH" dirty="0" err="1" smtClean="0"/>
+              <a:t>Marbles</a:t>
+            </a:r>
+            <a:r>
+              <a:rPr lang="de-CH" dirty="0" smtClean="0"/>
+              <a:t>:</a:t>
+            </a:r>
+            <a:r>
+              <a:rPr lang="de-CH" dirty="0"/>
+              <a:t>	</a:t>
+            </a:r>
+            <a:r>
+              <a:rPr lang="de-CH" dirty="0" smtClean="0"/>
+              <a:t>		</a:t>
+            </a:r>
+            <a:r>
+              <a:rPr lang="de-CH" dirty="0" smtClean="0">
+                <a:hlinkClick r:id="rId4"/>
+              </a:rPr>
+              <a:t>http</a:t>
             </a:r>
             <a:r>
               <a:rPr lang="de-CH" dirty="0">
                 <a:hlinkClick r:id="rId4"/>
               </a:rPr>
-              <a:t>http://reactivex.io/rxjs/identifiers.html</a:t>
-            </a:r>
-            <a:endParaRPr lang="de-CH" dirty="0"/>
-          </a:p>
-          <a:p>
-            <a:r>
-              <a:rPr lang="de-CH" dirty="0" err="1"/>
-              <a:t>RxFiddle</a:t>
-            </a:r>
-            <a:r>
-              <a:rPr lang="de-CH" dirty="0"/>
-              <a:t>:			</a:t>
-            </a:r>
-            <a:r>
-              <a:rPr lang="de-CH" dirty="0">
+              <a:t>://rxmarbles.com</a:t>
+            </a:r>
+            <a:r>
+              <a:rPr lang="de-CH" dirty="0" smtClean="0">
                 <a:hlinkClick r:id="rId4"/>
               </a:rPr>
-              <a:t>http://rxfiddle.net</a:t>
-            </a:r>
+              <a:t>/</a:t>
+            </a:r>
+            <a:endParaRPr lang="de-CH" dirty="0" smtClean="0"/>
+          </a:p>
+          <a:p>
             <a:endParaRPr lang="de-CH" dirty="0"/>
           </a:p>
           <a:p>
             <a:r>
-              <a:rPr lang="de-CH" dirty="0" err="1"/>
-              <a:t>Rx</a:t>
-            </a:r>
-            <a:r>
-              <a:rPr lang="de-CH" dirty="0"/>
-              <a:t> Visualizer:		</a:t>
+              <a:rPr lang="de-CH" dirty="0" err="1" smtClean="0"/>
+              <a:t>RxFiddle</a:t>
+            </a:r>
+            <a:r>
+              <a:rPr lang="de-CH" dirty="0" smtClean="0"/>
+              <a:t> (</a:t>
+            </a:r>
+            <a:r>
+              <a:rPr lang="de-CH" dirty="0" err="1" smtClean="0"/>
+              <a:t>RxJS</a:t>
+            </a:r>
+            <a:r>
+              <a:rPr lang="de-CH" dirty="0" smtClean="0"/>
+              <a:t> 5):</a:t>
+            </a:r>
+            <a:r>
+              <a:rPr lang="de-CH" dirty="0"/>
+              <a:t>		</a:t>
             </a:r>
             <a:r>
               <a:rPr lang="de-CH" dirty="0">
                 <a:hlinkClick r:id="rId5"/>
               </a:rPr>
-              <a:t>https://rxviz.com/</a:t>
+              <a:t>http://rxfiddle.net</a:t>
             </a:r>
             <a:endParaRPr lang="de-CH" dirty="0"/>
           </a:p>
           <a:p>
-            <a:endParaRPr lang="de-CH" dirty="0"/>
-          </a:p>
-          <a:p>
-            <a:r>
-              <a:rPr lang="de-CH" dirty="0"/>
-              <a:t>Von Version 5 zu 6 gab es wesentliche Änderungen!</a:t>
-            </a:r>
-          </a:p>
-          <a:p>
+            <a:r>
+              <a:rPr lang="de-CH" dirty="0" err="1"/>
+              <a:t>Rx</a:t>
+            </a:r>
+            <a:r>
+              <a:rPr lang="de-CH" dirty="0"/>
+              <a:t> Visualizer:		</a:t>
+            </a:r>
             <a:r>
               <a:rPr lang="de-CH" dirty="0">
                 <a:hlinkClick r:id="rId6"/>
+              </a:rPr>
+              <a:t>https://rxviz.com/</a:t>
+            </a:r>
+            <a:endParaRPr lang="de-CH" dirty="0"/>
+          </a:p>
+          <a:p>
+            <a:endParaRPr lang="de-CH" dirty="0"/>
+          </a:p>
+          <a:p>
+            <a:r>
+              <a:rPr lang="de-CH" dirty="0"/>
+              <a:t>Von Version 5 zu 6 gab es wesentliche Änderungen!</a:t>
+            </a:r>
+          </a:p>
+          <a:p>
+            <a:r>
+              <a:rPr lang="de-CH" dirty="0">
+                <a:hlinkClick r:id="rId7"/>
               </a:rPr>
               <a:t>https://rxjs-dev.firebaseapp.com/guide/v6/migration</a:t>
             </a:r>
@@ -20555,7 +20694,7 @@
           <p:cNvPr id="2" name="Titel 1">
             <a:extLst>
               <a:ext uri="{FF2B5EF4-FFF2-40B4-BE49-F238E27FC236}">
-                <a16:creationId xmlns="" xmlns:a16="http://schemas.microsoft.com/office/drawing/2014/main" id="{5493C864-B4B9-4F72-A5D1-F65D4A81C2B0}"/>
+                <a16:creationId xmlns:a16="http://schemas.microsoft.com/office/drawing/2014/main" xmlns="" id="{5493C864-B4B9-4F72-A5D1-F65D4A81C2B0}"/>
               </a:ext>
             </a:extLst>
           </p:cNvPr>
@@ -20591,7 +20730,7 @@
           <p:cNvPr id="3" name="Datumsplatzhalter 2">
             <a:extLst>
               <a:ext uri="{FF2B5EF4-FFF2-40B4-BE49-F238E27FC236}">
-                <a16:creationId xmlns="" xmlns:a16="http://schemas.microsoft.com/office/drawing/2014/main" id="{E91327A1-5FF2-4162-9433-E4A9AD0AB1D8}"/>
+                <a16:creationId xmlns:a16="http://schemas.microsoft.com/office/drawing/2014/main" xmlns="" id="{E91327A1-5FF2-4162-9433-E4A9AD0AB1D8}"/>
               </a:ext>
             </a:extLst>
           </p:cNvPr>
@@ -20609,7 +20748,7 @@
           <a:p>
             <a:fld id="{48352B5A-167D-4ED6-B7C9-BDA647A8BA51}" type="datetime1">
               <a:rPr lang="de-DE" smtClean="0"/>
-              <a:t>26.11.2018</a:t>
+              <a:t>28.11.2018</a:t>
             </a:fld>
             <a:endParaRPr lang="de-DE"/>
           </a:p>
@@ -20620,7 +20759,7 @@
           <p:cNvPr id="4" name="Fußzeilenplatzhalter 3">
             <a:extLst>
               <a:ext uri="{FF2B5EF4-FFF2-40B4-BE49-F238E27FC236}">
-                <a16:creationId xmlns="" xmlns:a16="http://schemas.microsoft.com/office/drawing/2014/main" id="{5D4980EE-C21A-4B7F-BC44-95D7CC9C35E2}"/>
+                <a16:creationId xmlns:a16="http://schemas.microsoft.com/office/drawing/2014/main" xmlns="" id="{5D4980EE-C21A-4B7F-BC44-95D7CC9C35E2}"/>
               </a:ext>
             </a:extLst>
           </p:cNvPr>
@@ -20649,7 +20788,7 @@
           <p:cNvPr id="5" name="Foliennummernplatzhalter 4">
             <a:extLst>
               <a:ext uri="{FF2B5EF4-FFF2-40B4-BE49-F238E27FC236}">
-                <a16:creationId xmlns="" xmlns:a16="http://schemas.microsoft.com/office/drawing/2014/main" id="{43F570F3-D7A2-4F32-9AF2-B0E110754C4A}"/>
+                <a16:creationId xmlns:a16="http://schemas.microsoft.com/office/drawing/2014/main" xmlns="" id="{43F570F3-D7A2-4F32-9AF2-B0E110754C4A}"/>
               </a:ext>
             </a:extLst>
           </p:cNvPr>
@@ -20678,7 +20817,7 @@
           <p:cNvPr id="6" name="Inhaltsplatzhalter 5">
             <a:extLst>
               <a:ext uri="{FF2B5EF4-FFF2-40B4-BE49-F238E27FC236}">
-                <a16:creationId xmlns="" xmlns:a16="http://schemas.microsoft.com/office/drawing/2014/main" id="{E8BBDEE2-A1D6-4ED4-A0D4-9BDA25857ECB}"/>
+                <a16:creationId xmlns:a16="http://schemas.microsoft.com/office/drawing/2014/main" xmlns="" id="{E8BBDEE2-A1D6-4ED4-A0D4-9BDA25857ECB}"/>
               </a:ext>
             </a:extLst>
           </p:cNvPr>
@@ -20840,7 +20979,7 @@
           <p:cNvPr id="2" name="Titel 1">
             <a:extLst>
               <a:ext uri="{FF2B5EF4-FFF2-40B4-BE49-F238E27FC236}">
-                <a16:creationId xmlns="" xmlns:a16="http://schemas.microsoft.com/office/drawing/2014/main" id="{A956DF2D-9DFB-4045-A6BB-F0750051A097}"/>
+                <a16:creationId xmlns:a16="http://schemas.microsoft.com/office/drawing/2014/main" xmlns="" id="{A956DF2D-9DFB-4045-A6BB-F0750051A097}"/>
               </a:ext>
             </a:extLst>
           </p:cNvPr>
@@ -20868,7 +21007,7 @@
           <p:cNvPr id="3" name="Datumsplatzhalter 2">
             <a:extLst>
               <a:ext uri="{FF2B5EF4-FFF2-40B4-BE49-F238E27FC236}">
-                <a16:creationId xmlns="" xmlns:a16="http://schemas.microsoft.com/office/drawing/2014/main" id="{8291FF45-07B6-4F55-8B9B-5BDE48170F89}"/>
+                <a16:creationId xmlns:a16="http://schemas.microsoft.com/office/drawing/2014/main" xmlns="" id="{8291FF45-07B6-4F55-8B9B-5BDE48170F89}"/>
               </a:ext>
             </a:extLst>
           </p:cNvPr>
@@ -20886,7 +21025,7 @@
           <a:p>
             <a:fld id="{48352B5A-167D-4ED6-B7C9-BDA647A8BA51}" type="datetime1">
               <a:rPr lang="de-DE" smtClean="0"/>
-              <a:t>26.11.2018</a:t>
+              <a:t>28.11.2018</a:t>
             </a:fld>
             <a:endParaRPr lang="de-DE"/>
           </a:p>
@@ -20897,7 +21036,7 @@
           <p:cNvPr id="4" name="Fußzeilenplatzhalter 3">
             <a:extLst>
               <a:ext uri="{FF2B5EF4-FFF2-40B4-BE49-F238E27FC236}">
-                <a16:creationId xmlns="" xmlns:a16="http://schemas.microsoft.com/office/drawing/2014/main" id="{8619D27E-B93C-4701-9A84-02AA58BDC899}"/>
+                <a16:creationId xmlns:a16="http://schemas.microsoft.com/office/drawing/2014/main" xmlns="" id="{8619D27E-B93C-4701-9A84-02AA58BDC899}"/>
               </a:ext>
             </a:extLst>
           </p:cNvPr>
@@ -20926,7 +21065,7 @@
           <p:cNvPr id="5" name="Foliennummernplatzhalter 4">
             <a:extLst>
               <a:ext uri="{FF2B5EF4-FFF2-40B4-BE49-F238E27FC236}">
-                <a16:creationId xmlns="" xmlns:a16="http://schemas.microsoft.com/office/drawing/2014/main" id="{8664D8E7-A42C-464E-9B7F-76B706DD6B67}"/>
+                <a16:creationId xmlns:a16="http://schemas.microsoft.com/office/drawing/2014/main" xmlns="" id="{8664D8E7-A42C-464E-9B7F-76B706DD6B67}"/>
               </a:ext>
             </a:extLst>
           </p:cNvPr>
@@ -20955,7 +21094,7 @@
           <p:cNvPr id="6" name="Inhaltsplatzhalter 5">
             <a:extLst>
               <a:ext uri="{FF2B5EF4-FFF2-40B4-BE49-F238E27FC236}">
-                <a16:creationId xmlns="" xmlns:a16="http://schemas.microsoft.com/office/drawing/2014/main" id="{81BB93A8-BC51-435F-8D7C-F98C8F80D605}"/>
+                <a16:creationId xmlns:a16="http://schemas.microsoft.com/office/drawing/2014/main" xmlns="" id="{81BB93A8-BC51-435F-8D7C-F98C8F80D605}"/>
               </a:ext>
             </a:extLst>
           </p:cNvPr>
@@ -21118,7 +21257,7 @@
           <p:cNvPr id="2" name="Titel 1">
             <a:extLst>
               <a:ext uri="{FF2B5EF4-FFF2-40B4-BE49-F238E27FC236}">
-                <a16:creationId xmlns="" xmlns:a16="http://schemas.microsoft.com/office/drawing/2014/main" id="{3D9E3DB6-E079-4155-89D5-D19C3244F995}"/>
+                <a16:creationId xmlns:a16="http://schemas.microsoft.com/office/drawing/2014/main" xmlns="" id="{3D9E3DB6-E079-4155-89D5-D19C3244F995}"/>
               </a:ext>
             </a:extLst>
           </p:cNvPr>
@@ -21146,7 +21285,7 @@
           <p:cNvPr id="3" name="Datumsplatzhalter 2">
             <a:extLst>
               <a:ext uri="{FF2B5EF4-FFF2-40B4-BE49-F238E27FC236}">
-                <a16:creationId xmlns="" xmlns:a16="http://schemas.microsoft.com/office/drawing/2014/main" id="{DCB6844D-F535-4539-88F3-C4117BF62275}"/>
+                <a16:creationId xmlns:a16="http://schemas.microsoft.com/office/drawing/2014/main" xmlns="" id="{DCB6844D-F535-4539-88F3-C4117BF62275}"/>
               </a:ext>
             </a:extLst>
           </p:cNvPr>
@@ -21164,7 +21303,7 @@
           <a:p>
             <a:fld id="{48352B5A-167D-4ED6-B7C9-BDA647A8BA51}" type="datetime1">
               <a:rPr lang="de-DE" smtClean="0"/>
-              <a:t>26.11.2018</a:t>
+              <a:t>28.11.2018</a:t>
             </a:fld>
             <a:endParaRPr lang="de-DE"/>
           </a:p>
@@ -21175,7 +21314,7 @@
           <p:cNvPr id="4" name="Fußzeilenplatzhalter 3">
             <a:extLst>
               <a:ext uri="{FF2B5EF4-FFF2-40B4-BE49-F238E27FC236}">
-                <a16:creationId xmlns="" xmlns:a16="http://schemas.microsoft.com/office/drawing/2014/main" id="{746D5D54-CC5C-46C6-B201-B8FB7846A6C2}"/>
+                <a16:creationId xmlns:a16="http://schemas.microsoft.com/office/drawing/2014/main" xmlns="" id="{746D5D54-CC5C-46C6-B201-B8FB7846A6C2}"/>
               </a:ext>
             </a:extLst>
           </p:cNvPr>
@@ -21204,7 +21343,7 @@
           <p:cNvPr id="5" name="Foliennummernplatzhalter 4">
             <a:extLst>
               <a:ext uri="{FF2B5EF4-FFF2-40B4-BE49-F238E27FC236}">
-                <a16:creationId xmlns="" xmlns:a16="http://schemas.microsoft.com/office/drawing/2014/main" id="{02A68321-6735-447E-BFEB-F6BAD059A0BB}"/>
+                <a16:creationId xmlns:a16="http://schemas.microsoft.com/office/drawing/2014/main" xmlns="" id="{02A68321-6735-447E-BFEB-F6BAD059A0BB}"/>
               </a:ext>
             </a:extLst>
           </p:cNvPr>
@@ -21233,7 +21372,7 @@
           <p:cNvPr id="6" name="Inhaltsplatzhalter 5">
             <a:extLst>
               <a:ext uri="{FF2B5EF4-FFF2-40B4-BE49-F238E27FC236}">
-                <a16:creationId xmlns="" xmlns:a16="http://schemas.microsoft.com/office/drawing/2014/main" id="{C3CF6BD0-1B5A-4AC1-B6BD-184F310F4BD8}"/>
+                <a16:creationId xmlns:a16="http://schemas.microsoft.com/office/drawing/2014/main" xmlns="" id="{C3CF6BD0-1B5A-4AC1-B6BD-184F310F4BD8}"/>
               </a:ext>
             </a:extLst>
           </p:cNvPr>
@@ -21752,7 +21891,7 @@
           <p:cNvPr id="2" name="Titel 1">
             <a:extLst>
               <a:ext uri="{FF2B5EF4-FFF2-40B4-BE49-F238E27FC236}">
-                <a16:creationId xmlns="" xmlns:a16="http://schemas.microsoft.com/office/drawing/2014/main" id="{ED2502C0-07E1-4EF7-8B9F-7CC88DD45A42}"/>
+                <a16:creationId xmlns:a16="http://schemas.microsoft.com/office/drawing/2014/main" xmlns="" id="{ED2502C0-07E1-4EF7-8B9F-7CC88DD45A42}"/>
               </a:ext>
             </a:extLst>
           </p:cNvPr>
@@ -21781,7 +21920,7 @@
           <p:cNvPr id="3" name="Datumsplatzhalter 2">
             <a:extLst>
               <a:ext uri="{FF2B5EF4-FFF2-40B4-BE49-F238E27FC236}">
-                <a16:creationId xmlns="" xmlns:a16="http://schemas.microsoft.com/office/drawing/2014/main" id="{21B703D7-08E5-4A11-BE2A-3D91F63A4D2F}"/>
+                <a16:creationId xmlns:a16="http://schemas.microsoft.com/office/drawing/2014/main" xmlns="" id="{21B703D7-08E5-4A11-BE2A-3D91F63A4D2F}"/>
               </a:ext>
             </a:extLst>
           </p:cNvPr>
@@ -21799,7 +21938,7 @@
           <a:p>
             <a:fld id="{48352B5A-167D-4ED6-B7C9-BDA647A8BA51}" type="datetime1">
               <a:rPr lang="de-DE" smtClean="0"/>
-              <a:t>26.11.2018</a:t>
+              <a:t>28.11.2018</a:t>
             </a:fld>
             <a:endParaRPr lang="de-DE"/>
           </a:p>
@@ -21810,7 +21949,7 @@
           <p:cNvPr id="4" name="Fußzeilenplatzhalter 3">
             <a:extLst>
               <a:ext uri="{FF2B5EF4-FFF2-40B4-BE49-F238E27FC236}">
-                <a16:creationId xmlns="" xmlns:a16="http://schemas.microsoft.com/office/drawing/2014/main" id="{2799829B-12F3-499F-8EFF-EBEADA63D668}"/>
+                <a16:creationId xmlns:a16="http://schemas.microsoft.com/office/drawing/2014/main" xmlns="" id="{2799829B-12F3-499F-8EFF-EBEADA63D668}"/>
               </a:ext>
             </a:extLst>
           </p:cNvPr>
@@ -21839,7 +21978,7 @@
           <p:cNvPr id="5" name="Foliennummernplatzhalter 4">
             <a:extLst>
               <a:ext uri="{FF2B5EF4-FFF2-40B4-BE49-F238E27FC236}">
-                <a16:creationId xmlns="" xmlns:a16="http://schemas.microsoft.com/office/drawing/2014/main" id="{13FBF7CA-0F71-4E12-818C-DAB213A78389}"/>
+                <a16:creationId xmlns:a16="http://schemas.microsoft.com/office/drawing/2014/main" xmlns="" id="{13FBF7CA-0F71-4E12-818C-DAB213A78389}"/>
               </a:ext>
             </a:extLst>
           </p:cNvPr>
@@ -21868,7 +22007,7 @@
           <p:cNvPr id="6" name="Inhaltsplatzhalter 5">
             <a:extLst>
               <a:ext uri="{FF2B5EF4-FFF2-40B4-BE49-F238E27FC236}">
-                <a16:creationId xmlns="" xmlns:a16="http://schemas.microsoft.com/office/drawing/2014/main" id="{652C66CB-1B0F-48B3-A59F-0EA6FE9A8A90}"/>
+                <a16:creationId xmlns:a16="http://schemas.microsoft.com/office/drawing/2014/main" xmlns="" id="{652C66CB-1B0F-48B3-A59F-0EA6FE9A8A90}"/>
               </a:ext>
             </a:extLst>
           </p:cNvPr>
@@ -21985,7 +22124,7 @@
           <a:p>
             <a:fld id="{48352B5A-167D-4ED6-B7C9-BDA647A8BA51}" type="datetime1">
               <a:rPr lang="de-DE" smtClean="0"/>
-              <a:t>26.11.2018</a:t>
+              <a:t>28.11.2018</a:t>
             </a:fld>
             <a:endParaRPr lang="de-DE"/>
           </a:p>
@@ -22374,7 +22513,7 @@
           <a:p>
             <a:fld id="{48352B5A-167D-4ED6-B7C9-BDA647A8BA51}" type="datetime1">
               <a:rPr lang="de-DE" smtClean="0"/>
-              <a:t>26.11.2018</a:t>
+              <a:t>28.11.2018</a:t>
             </a:fld>
             <a:endParaRPr lang="de-DE"/>
           </a:p>
@@ -22641,7 +22780,7 @@
           <p:cNvPr id="2" name="Titel 1">
             <a:extLst>
               <a:ext uri="{FF2B5EF4-FFF2-40B4-BE49-F238E27FC236}">
-                <a16:creationId xmlns="" xmlns:a16="http://schemas.microsoft.com/office/drawing/2014/main" id="{BA34701A-BEAC-49CD-BE66-3678A5922648}"/>
+                <a16:creationId xmlns:a16="http://schemas.microsoft.com/office/drawing/2014/main" xmlns="" id="{BA34701A-BEAC-49CD-BE66-3678A5922648}"/>
               </a:ext>
             </a:extLst>
           </p:cNvPr>
@@ -22669,7 +22808,7 @@
           <p:cNvPr id="3" name="Datumsplatzhalter 2">
             <a:extLst>
               <a:ext uri="{FF2B5EF4-FFF2-40B4-BE49-F238E27FC236}">
-                <a16:creationId xmlns="" xmlns:a16="http://schemas.microsoft.com/office/drawing/2014/main" id="{A98B22DE-91CA-4FD7-9560-30BC27F3C26D}"/>
+                <a16:creationId xmlns:a16="http://schemas.microsoft.com/office/drawing/2014/main" xmlns="" id="{A98B22DE-91CA-4FD7-9560-30BC27F3C26D}"/>
               </a:ext>
             </a:extLst>
           </p:cNvPr>
@@ -22687,7 +22826,7 @@
           <a:p>
             <a:fld id="{48352B5A-167D-4ED6-B7C9-BDA647A8BA51}" type="datetime1">
               <a:rPr lang="de-DE" smtClean="0"/>
-              <a:t>26.11.2018</a:t>
+              <a:t>28.11.2018</a:t>
             </a:fld>
             <a:endParaRPr lang="de-DE"/>
           </a:p>
@@ -22698,7 +22837,7 @@
           <p:cNvPr id="4" name="Fußzeilenplatzhalter 3">
             <a:extLst>
               <a:ext uri="{FF2B5EF4-FFF2-40B4-BE49-F238E27FC236}">
-                <a16:creationId xmlns="" xmlns:a16="http://schemas.microsoft.com/office/drawing/2014/main" id="{391BBEE9-CD7F-4B7C-B0BA-020F00E6EF6F}"/>
+                <a16:creationId xmlns:a16="http://schemas.microsoft.com/office/drawing/2014/main" xmlns="" id="{391BBEE9-CD7F-4B7C-B0BA-020F00E6EF6F}"/>
               </a:ext>
             </a:extLst>
           </p:cNvPr>
@@ -22727,7 +22866,7 @@
           <p:cNvPr id="5" name="Foliennummernplatzhalter 4">
             <a:extLst>
               <a:ext uri="{FF2B5EF4-FFF2-40B4-BE49-F238E27FC236}">
-                <a16:creationId xmlns="" xmlns:a16="http://schemas.microsoft.com/office/drawing/2014/main" id="{B876E68C-B4E2-47B9-9FBD-9F8AFF68225E}"/>
+                <a16:creationId xmlns:a16="http://schemas.microsoft.com/office/drawing/2014/main" xmlns="" id="{B876E68C-B4E2-47B9-9FBD-9F8AFF68225E}"/>
               </a:ext>
             </a:extLst>
           </p:cNvPr>
@@ -22756,7 +22895,7 @@
           <p:cNvPr id="6" name="Inhaltsplatzhalter 5">
             <a:extLst>
               <a:ext uri="{FF2B5EF4-FFF2-40B4-BE49-F238E27FC236}">
-                <a16:creationId xmlns="" xmlns:a16="http://schemas.microsoft.com/office/drawing/2014/main" id="{AEBB1BB3-98D3-4463-AEE3-F6E5690771E9}"/>
+                <a16:creationId xmlns:a16="http://schemas.microsoft.com/office/drawing/2014/main" xmlns="" id="{AEBB1BB3-98D3-4463-AEE3-F6E5690771E9}"/>
               </a:ext>
             </a:extLst>
           </p:cNvPr>
@@ -22778,18 +22917,21 @@
             </a:pPr>
             <a:r>
               <a:rPr lang="de-CH" dirty="0"/>
-              <a:t>Elemente beginnen mit einem Grossbuchstaben</a:t>
-            </a:r>
-          </a:p>
-          <a:p>
-            <a:pPr marL="594900" lvl="2" indent="-342900">
-              <a:buFont typeface="Arial" panose="020B0604020202020204" pitchFamily="34" charset="0"/>
-              <a:buChar char="•"/>
-            </a:pPr>
-            <a:r>
-              <a:rPr lang="de-CH" dirty="0"/>
-              <a:t>z.B. Button</a:t>
-            </a:r>
+              <a:t>Elemente beginnen mit einem </a:t>
+            </a:r>
+            <a:r>
+              <a:rPr lang="de-CH" dirty="0" smtClean="0"/>
+              <a:t>Grossbuchstaben (z.B</a:t>
+            </a:r>
+            <a:r>
+              <a:rPr lang="de-CH" dirty="0"/>
+              <a:t>. </a:t>
+            </a:r>
+            <a:r>
+              <a:rPr lang="de-CH" dirty="0" smtClean="0"/>
+              <a:t>Button)</a:t>
+            </a:r>
+            <a:endParaRPr lang="de-CH" dirty="0"/>
           </a:p>
           <a:p>
             <a:pPr marL="342900" indent="-342900">
@@ -22812,8 +22954,8 @@
               <a:buChar char="•"/>
             </a:pPr>
             <a:r>
-              <a:rPr lang="de-CH" dirty="0"/>
-              <a:t>Elemente müssen im </a:t>
+              <a:rPr lang="de-CH" dirty="0" smtClean="0"/>
+              <a:t>Im </a:t>
             </a:r>
             <a:r>
               <a:rPr lang="de-CH" dirty="0" err="1"/>
@@ -22821,16 +22963,43 @@
             </a:r>
             <a:r>
               <a:rPr lang="de-CH" dirty="0"/>
-              <a:t> super(</a:t>
-            </a:r>
-            <a:r>
-              <a:rPr lang="de-CH" dirty="0" err="1"/>
+              <a:t> </a:t>
+            </a:r>
+            <a:r>
+              <a:rPr lang="de-CH" dirty="0" smtClean="0"/>
+              <a:t>muss super(</a:t>
+            </a:r>
+            <a:r>
+              <a:rPr lang="de-CH" dirty="0" err="1" smtClean="0"/>
               <a:t>props</a:t>
             </a:r>
             <a:r>
               <a:rPr lang="de-CH" dirty="0"/>
-              <a:t>) aufrufen</a:t>
-            </a:r>
+              <a:t>) </a:t>
+            </a:r>
+            <a:r>
+              <a:rPr lang="de-CH" dirty="0" smtClean="0"/>
+              <a:t>aufgerufen werden</a:t>
+            </a:r>
+          </a:p>
+          <a:p>
+            <a:pPr marL="342900" indent="-342900">
+              <a:buFont typeface="Arial" panose="020B0604020202020204" pitchFamily="34" charset="0"/>
+              <a:buChar char="•"/>
+            </a:pPr>
+            <a:r>
+              <a:rPr lang="de-CH" dirty="0" smtClean="0"/>
+              <a:t>Ein leerer </a:t>
+            </a:r>
+            <a:r>
+              <a:rPr lang="de-CH" dirty="0" err="1" smtClean="0"/>
+              <a:t>Constructor</a:t>
+            </a:r>
+            <a:r>
+              <a:rPr lang="de-CH" dirty="0" smtClean="0"/>
+              <a:t> kann weggelassen werden</a:t>
+            </a:r>
+            <a:endParaRPr lang="de-CH" dirty="0"/>
           </a:p>
           <a:p>
             <a:pPr marL="342900" indent="-342900">
@@ -22927,7 +23096,7 @@
           <p:cNvPr id="2" name="Titel 1">
             <a:extLst>
               <a:ext uri="{FF2B5EF4-FFF2-40B4-BE49-F238E27FC236}">
-                <a16:creationId xmlns="" xmlns:a16="http://schemas.microsoft.com/office/drawing/2014/main" id="{BA34701A-BEAC-49CD-BE66-3678A5922648}"/>
+                <a16:creationId xmlns:a16="http://schemas.microsoft.com/office/drawing/2014/main" xmlns="" id="{BA34701A-BEAC-49CD-BE66-3678A5922648}"/>
               </a:ext>
             </a:extLst>
           </p:cNvPr>
@@ -22955,7 +23124,7 @@
           <p:cNvPr id="3" name="Datumsplatzhalter 2">
             <a:extLst>
               <a:ext uri="{FF2B5EF4-FFF2-40B4-BE49-F238E27FC236}">
-                <a16:creationId xmlns="" xmlns:a16="http://schemas.microsoft.com/office/drawing/2014/main" id="{A98B22DE-91CA-4FD7-9560-30BC27F3C26D}"/>
+                <a16:creationId xmlns:a16="http://schemas.microsoft.com/office/drawing/2014/main" xmlns="" id="{A98B22DE-91CA-4FD7-9560-30BC27F3C26D}"/>
               </a:ext>
             </a:extLst>
           </p:cNvPr>
@@ -22973,7 +23142,7 @@
           <a:p>
             <a:fld id="{48352B5A-167D-4ED6-B7C9-BDA647A8BA51}" type="datetime1">
               <a:rPr lang="de-DE" smtClean="0"/>
-              <a:t>26.11.2018</a:t>
+              <a:t>28.11.2018</a:t>
             </a:fld>
             <a:endParaRPr lang="de-DE"/>
           </a:p>
@@ -22984,7 +23153,7 @@
           <p:cNvPr id="4" name="Fußzeilenplatzhalter 3">
             <a:extLst>
               <a:ext uri="{FF2B5EF4-FFF2-40B4-BE49-F238E27FC236}">
-                <a16:creationId xmlns="" xmlns:a16="http://schemas.microsoft.com/office/drawing/2014/main" id="{391BBEE9-CD7F-4B7C-B0BA-020F00E6EF6F}"/>
+                <a16:creationId xmlns:a16="http://schemas.microsoft.com/office/drawing/2014/main" xmlns="" id="{391BBEE9-CD7F-4B7C-B0BA-020F00E6EF6F}"/>
               </a:ext>
             </a:extLst>
           </p:cNvPr>
@@ -23013,7 +23182,7 @@
           <p:cNvPr id="5" name="Foliennummernplatzhalter 4">
             <a:extLst>
               <a:ext uri="{FF2B5EF4-FFF2-40B4-BE49-F238E27FC236}">
-                <a16:creationId xmlns="" xmlns:a16="http://schemas.microsoft.com/office/drawing/2014/main" id="{B876E68C-B4E2-47B9-9FBD-9F8AFF68225E}"/>
+                <a16:creationId xmlns:a16="http://schemas.microsoft.com/office/drawing/2014/main" xmlns="" id="{B876E68C-B4E2-47B9-9FBD-9F8AFF68225E}"/>
               </a:ext>
             </a:extLst>
           </p:cNvPr>
@@ -23042,7 +23211,7 @@
           <p:cNvPr id="6" name="Inhaltsplatzhalter 5">
             <a:extLst>
               <a:ext uri="{FF2B5EF4-FFF2-40B4-BE49-F238E27FC236}">
-                <a16:creationId xmlns="" xmlns:a16="http://schemas.microsoft.com/office/drawing/2014/main" id="{AEBB1BB3-98D3-4463-AEE3-F6E5690771E9}"/>
+                <a16:creationId xmlns:a16="http://schemas.microsoft.com/office/drawing/2014/main" xmlns="" id="{AEBB1BB3-98D3-4463-AEE3-F6E5690771E9}"/>
               </a:ext>
             </a:extLst>
           </p:cNvPr>
@@ -23166,7 +23335,7 @@
           <p:cNvPr id="2" name="Titel 1">
             <a:extLst>
               <a:ext uri="{FF2B5EF4-FFF2-40B4-BE49-F238E27FC236}">
-                <a16:creationId xmlns="" xmlns:a16="http://schemas.microsoft.com/office/drawing/2014/main" id="{71B70DF6-1D5A-4021-BBA4-93A076BA4C39}"/>
+                <a16:creationId xmlns:a16="http://schemas.microsoft.com/office/drawing/2014/main" xmlns="" id="{71B70DF6-1D5A-4021-BBA4-93A076BA4C39}"/>
               </a:ext>
             </a:extLst>
           </p:cNvPr>
@@ -23194,7 +23363,7 @@
           <p:cNvPr id="3" name="Datumsplatzhalter 2">
             <a:extLst>
               <a:ext uri="{FF2B5EF4-FFF2-40B4-BE49-F238E27FC236}">
-                <a16:creationId xmlns="" xmlns:a16="http://schemas.microsoft.com/office/drawing/2014/main" id="{083857BC-A23E-45C2-8967-CF0BE36D0720}"/>
+                <a16:creationId xmlns:a16="http://schemas.microsoft.com/office/drawing/2014/main" xmlns="" id="{083857BC-A23E-45C2-8967-CF0BE36D0720}"/>
               </a:ext>
             </a:extLst>
           </p:cNvPr>
@@ -23212,7 +23381,7 @@
           <a:p>
             <a:fld id="{48352B5A-167D-4ED6-B7C9-BDA647A8BA51}" type="datetime1">
               <a:rPr lang="de-DE" smtClean="0"/>
-              <a:t>26.11.2018</a:t>
+              <a:t>28.11.2018</a:t>
             </a:fld>
             <a:endParaRPr lang="de-DE"/>
           </a:p>
@@ -23223,7 +23392,7 @@
           <p:cNvPr id="4" name="Fußzeilenplatzhalter 3">
             <a:extLst>
               <a:ext uri="{FF2B5EF4-FFF2-40B4-BE49-F238E27FC236}">
-                <a16:creationId xmlns="" xmlns:a16="http://schemas.microsoft.com/office/drawing/2014/main" id="{153CECAC-5EE5-45E6-8061-D8AAF9F27440}"/>
+                <a16:creationId xmlns:a16="http://schemas.microsoft.com/office/drawing/2014/main" xmlns="" id="{153CECAC-5EE5-45E6-8061-D8AAF9F27440}"/>
               </a:ext>
             </a:extLst>
           </p:cNvPr>
@@ -23252,7 +23421,7 @@
           <p:cNvPr id="5" name="Foliennummernplatzhalter 4">
             <a:extLst>
               <a:ext uri="{FF2B5EF4-FFF2-40B4-BE49-F238E27FC236}">
-                <a16:creationId xmlns="" xmlns:a16="http://schemas.microsoft.com/office/drawing/2014/main" id="{7D7BA7DF-07D9-4172-A3A9-8DB27B19F9B0}"/>
+                <a16:creationId xmlns:a16="http://schemas.microsoft.com/office/drawing/2014/main" xmlns="" id="{7D7BA7DF-07D9-4172-A3A9-8DB27B19F9B0}"/>
               </a:ext>
             </a:extLst>
           </p:cNvPr>
@@ -23281,7 +23450,7 @@
           <p:cNvPr id="6" name="Inhaltsplatzhalter 5">
             <a:extLst>
               <a:ext uri="{FF2B5EF4-FFF2-40B4-BE49-F238E27FC236}">
-                <a16:creationId xmlns="" xmlns:a16="http://schemas.microsoft.com/office/drawing/2014/main" id="{C1267438-BD90-451C-A230-CC7E3660375A}"/>
+                <a16:creationId xmlns:a16="http://schemas.microsoft.com/office/drawing/2014/main" xmlns="" id="{C1267438-BD90-451C-A230-CC7E3660375A}"/>
               </a:ext>
             </a:extLst>
           </p:cNvPr>
@@ -23485,8 +23654,59 @@
               <a:t> Attribute </a:t>
             </a:r>
             <a:r>
-              <a:rPr lang="en-US" dirty="0" err="1"/>
+              <a:rPr lang="en-US" dirty="0" err="1" smtClean="0"/>
               <a:t>geändert</a:t>
+            </a:r>
+            <a:endParaRPr lang="en-US" dirty="0" smtClean="0"/>
+          </a:p>
+          <a:p>
+            <a:pPr marL="342900" indent="-342900">
+              <a:buFont typeface="Arial" panose="020B0604020202020204" pitchFamily="34" charset="0"/>
+              <a:buChar char="•"/>
+            </a:pPr>
+            <a:r>
+              <a:rPr lang="en-US" dirty="0" err="1" smtClean="0"/>
+              <a:t>setState</a:t>
+            </a:r>
+            <a:r>
+              <a:rPr lang="en-US" dirty="0" smtClean="0"/>
+              <a:t> </a:t>
+            </a:r>
+            <a:r>
+              <a:rPr lang="en-US" dirty="0" err="1" smtClean="0"/>
+              <a:t>löst</a:t>
+            </a:r>
+            <a:r>
+              <a:rPr lang="en-US" dirty="0" smtClean="0"/>
+              <a:t> </a:t>
+            </a:r>
+            <a:r>
+              <a:rPr lang="en-US" dirty="0" err="1" smtClean="0"/>
+              <a:t>ein</a:t>
+            </a:r>
+            <a:r>
+              <a:rPr lang="en-US" dirty="0" smtClean="0"/>
+              <a:t> </a:t>
+            </a:r>
+            <a:r>
+              <a:rPr lang="en-US" dirty="0" err="1" smtClean="0"/>
+              <a:t>rendern</a:t>
+            </a:r>
+            <a:r>
+              <a:rPr lang="en-US" dirty="0" smtClean="0"/>
+              <a:t> des </a:t>
+            </a:r>
+            <a:r>
+              <a:rPr lang="en-US" dirty="0" err="1" smtClean="0"/>
+              <a:t>Elementes</a:t>
+            </a:r>
+            <a:r>
+              <a:rPr lang="en-US" dirty="0" smtClean="0"/>
+              <a:t> </a:t>
+            </a:r>
+            <a:r>
+              <a:rPr lang="en-US" dirty="0" err="1" smtClean="0"/>
+              <a:t>aus</a:t>
             </a:r>
             <a:endParaRPr lang="en-US" dirty="0"/>
           </a:p>
